--- a/đổi mới sáng tạo.pptx
+++ b/đổi mới sáng tạo.pptx
@@ -18,16 +18,14 @@
     <p:sldId id="266" r:id="rId12"/>
     <p:sldId id="267" r:id="rId13"/>
     <p:sldId id="268" r:id="rId14"/>
-    <p:sldId id="269" r:id="rId15"/>
+    <p:sldId id="279" r:id="rId15"/>
     <p:sldId id="270" r:id="rId16"/>
-    <p:sldId id="271" r:id="rId17"/>
-    <p:sldId id="278" r:id="rId18"/>
-    <p:sldId id="272" r:id="rId19"/>
-    <p:sldId id="273" r:id="rId20"/>
-    <p:sldId id="274" r:id="rId21"/>
-    <p:sldId id="275" r:id="rId22"/>
-    <p:sldId id="276" r:id="rId23"/>
-    <p:sldId id="277" r:id="rId24"/>
+    <p:sldId id="280" r:id="rId17"/>
+    <p:sldId id="271" r:id="rId18"/>
+    <p:sldId id="273" r:id="rId19"/>
+    <p:sldId id="274" r:id="rId20"/>
+    <p:sldId id="275" r:id="rId21"/>
+    <p:sldId id="277" r:id="rId22"/>
   </p:sldIdLst>
   <p:sldSz cx="12192000" cy="6858000"/>
   <p:notesSz cx="6858000" cy="9144000"/>
@@ -138,17 +136,25 @@
 <pc:chgInfo xmlns:a="http://schemas.openxmlformats.org/drawingml/2006/main" xmlns:r="http://schemas.openxmlformats.org/officeDocument/2006/relationships" xmlns:ac="http://schemas.microsoft.com/office/drawing/2013/main/command" xmlns:pc="http://schemas.microsoft.com/office/powerpoint/2013/main/command">
   <pc:docChgLst>
     <pc:chgData name="青木 大介" userId="a5fa08e51d23e1a7" providerId="LiveId" clId="{B226B04A-2EC9-4B67-97CC-E70444430D28}"/>
-    <pc:docChg chg="undo custSel addSld modSld">
-      <pc:chgData name="青木 大介" userId="a5fa08e51d23e1a7" providerId="LiveId" clId="{B226B04A-2EC9-4B67-97CC-E70444430D28}" dt="2020-07-12T08:02:43.553" v="3581" actId="1076"/>
+    <pc:docChg chg="undo custSel addSld delSld modSld">
+      <pc:chgData name="青木 大介" userId="a5fa08e51d23e1a7" providerId="LiveId" clId="{B226B04A-2EC9-4B67-97CC-E70444430D28}" dt="2020-07-17T06:47:30.856" v="4038" actId="20577"/>
       <pc:docMkLst>
         <pc:docMk/>
       </pc:docMkLst>
-      <pc:sldChg chg="modTransition">
-        <pc:chgData name="青木 大介" userId="a5fa08e51d23e1a7" providerId="LiveId" clId="{B226B04A-2EC9-4B67-97CC-E70444430D28}" dt="2020-07-12T04:44:34.863" v="3302"/>
+      <pc:sldChg chg="modSp mod modTransition">
+        <pc:chgData name="青木 大介" userId="a5fa08e51d23e1a7" providerId="LiveId" clId="{B226B04A-2EC9-4B67-97CC-E70444430D28}" dt="2020-07-17T06:45:50.691" v="4007" actId="20577"/>
         <pc:sldMkLst>
           <pc:docMk/>
           <pc:sldMk cId="2460683181" sldId="256"/>
         </pc:sldMkLst>
+        <pc:spChg chg="mod">
+          <ac:chgData name="青木 大介" userId="a5fa08e51d23e1a7" providerId="LiveId" clId="{B226B04A-2EC9-4B67-97CC-E70444430D28}" dt="2020-07-17T06:45:50.691" v="4007" actId="20577"/>
+          <ac:spMkLst>
+            <pc:docMk/>
+            <pc:sldMk cId="2460683181" sldId="256"/>
+            <ac:spMk id="4" creationId="{07FC6296-36D5-4C9C-A767-839A8F1477C7}"/>
+          </ac:spMkLst>
+        </pc:spChg>
       </pc:sldChg>
       <pc:sldChg chg="modAnim">
         <pc:chgData name="青木 大介" userId="a5fa08e51d23e1a7" providerId="LiveId" clId="{B226B04A-2EC9-4B67-97CC-E70444430D28}" dt="2020-07-12T05:04:30.726" v="3551"/>
@@ -179,15 +185,23 @@
           <pc:sldMk cId="1561327048" sldId="259"/>
         </pc:sldMkLst>
       </pc:sldChg>
-      <pc:sldChg chg="modAnim">
-        <pc:chgData name="青木 大介" userId="a5fa08e51d23e1a7" providerId="LiveId" clId="{B226B04A-2EC9-4B67-97CC-E70444430D28}" dt="2020-07-12T04:50:03.410" v="3359"/>
+      <pc:sldChg chg="addSp modSp modAnim">
+        <pc:chgData name="青木 大介" userId="a5fa08e51d23e1a7" providerId="LiveId" clId="{B226B04A-2EC9-4B67-97CC-E70444430D28}" dt="2020-07-17T06:46:34.407" v="4008"/>
         <pc:sldMkLst>
           <pc:docMk/>
           <pc:sldMk cId="2275672199" sldId="260"/>
         </pc:sldMkLst>
+        <pc:spChg chg="add mod">
+          <ac:chgData name="青木 大介" userId="a5fa08e51d23e1a7" providerId="LiveId" clId="{B226B04A-2EC9-4B67-97CC-E70444430D28}" dt="2020-07-17T06:16:52.574" v="3670" actId="20577"/>
+          <ac:spMkLst>
+            <pc:docMk/>
+            <pc:sldMk cId="2275672199" sldId="260"/>
+            <ac:spMk id="8" creationId="{82D39353-A64E-4F42-B1CF-68635C91E03D}"/>
+          </ac:spMkLst>
+        </pc:spChg>
       </pc:sldChg>
       <pc:sldChg chg="modSp mod modAnim">
-        <pc:chgData name="青木 大介" userId="a5fa08e51d23e1a7" providerId="LiveId" clId="{B226B04A-2EC9-4B67-97CC-E70444430D28}" dt="2020-07-12T05:05:13.245" v="3553"/>
+        <pc:chgData name="青木 大介" userId="a5fa08e51d23e1a7" providerId="LiveId" clId="{B226B04A-2EC9-4B67-97CC-E70444430D28}" dt="2020-07-17T06:46:53.205" v="4010" actId="20577"/>
         <pc:sldMkLst>
           <pc:docMk/>
           <pc:sldMk cId="3733321146" sldId="261"/>
@@ -200,27 +214,115 @@
             <ac:spMk id="3" creationId="{EA4166A5-369B-49B3-B627-708F68EE0CA9}"/>
           </ac:spMkLst>
         </pc:spChg>
+        <pc:spChg chg="mod">
+          <ac:chgData name="青木 大介" userId="a5fa08e51d23e1a7" providerId="LiveId" clId="{B226B04A-2EC9-4B67-97CC-E70444430D28}" dt="2020-07-17T06:46:53.205" v="4010" actId="20577"/>
+          <ac:spMkLst>
+            <pc:docMk/>
+            <pc:sldMk cId="3733321146" sldId="261"/>
+            <ac:spMk id="5" creationId="{6E2DEBDB-C832-4232-86EE-1181F2DA1AF0}"/>
+          </ac:spMkLst>
+        </pc:spChg>
       </pc:sldChg>
-      <pc:sldChg chg="modAnim">
-        <pc:chgData name="青木 大介" userId="a5fa08e51d23e1a7" providerId="LiveId" clId="{B226B04A-2EC9-4B67-97CC-E70444430D28}" dt="2020-07-12T04:52:26.090" v="3395"/>
+      <pc:sldChg chg="addSp modSp mod modAnim">
+        <pc:chgData name="青木 大介" userId="a5fa08e51d23e1a7" providerId="LiveId" clId="{B226B04A-2EC9-4B67-97CC-E70444430D28}" dt="2020-07-17T06:21:12.695" v="3746" actId="1076"/>
         <pc:sldMkLst>
           <pc:docMk/>
           <pc:sldMk cId="4244802779" sldId="262"/>
         </pc:sldMkLst>
+        <pc:spChg chg="mod">
+          <ac:chgData name="青木 大介" userId="a5fa08e51d23e1a7" providerId="LiveId" clId="{B226B04A-2EC9-4B67-97CC-E70444430D28}" dt="2020-07-17T06:20:43.372" v="3671" actId="1076"/>
+          <ac:spMkLst>
+            <pc:docMk/>
+            <pc:sldMk cId="4244802779" sldId="262"/>
+            <ac:spMk id="3" creationId="{0E6E5259-EEC9-4B8B-9747-780F3FE84FED}"/>
+          </ac:spMkLst>
+        </pc:spChg>
+        <pc:spChg chg="mod">
+          <ac:chgData name="青木 大介" userId="a5fa08e51d23e1a7" providerId="LiveId" clId="{B226B04A-2EC9-4B67-97CC-E70444430D28}" dt="2020-07-17T06:20:43.372" v="3671" actId="1076"/>
+          <ac:spMkLst>
+            <pc:docMk/>
+            <pc:sldMk cId="4244802779" sldId="262"/>
+            <ac:spMk id="4" creationId="{4075FA01-CCC4-4471-B592-E42ADAE1EDAF}"/>
+          </ac:spMkLst>
+        </pc:spChg>
+        <pc:spChg chg="mod">
+          <ac:chgData name="青木 大介" userId="a5fa08e51d23e1a7" providerId="LiveId" clId="{B226B04A-2EC9-4B67-97CC-E70444430D28}" dt="2020-07-17T06:20:43.372" v="3671" actId="1076"/>
+          <ac:spMkLst>
+            <pc:docMk/>
+            <pc:sldMk cId="4244802779" sldId="262"/>
+            <ac:spMk id="5" creationId="{DC47C669-DE23-41DE-B511-1CA9FAFC855B}"/>
+          </ac:spMkLst>
+        </pc:spChg>
+        <pc:spChg chg="mod">
+          <ac:chgData name="青木 大介" userId="a5fa08e51d23e1a7" providerId="LiveId" clId="{B226B04A-2EC9-4B67-97CC-E70444430D28}" dt="2020-07-17T06:20:43.372" v="3671" actId="1076"/>
+          <ac:spMkLst>
+            <pc:docMk/>
+            <pc:sldMk cId="4244802779" sldId="262"/>
+            <ac:spMk id="6" creationId="{7CFB0C55-698A-473C-BE92-C57CB1A93745}"/>
+          </ac:spMkLst>
+        </pc:spChg>
+        <pc:spChg chg="mod">
+          <ac:chgData name="青木 大介" userId="a5fa08e51d23e1a7" providerId="LiveId" clId="{B226B04A-2EC9-4B67-97CC-E70444430D28}" dt="2020-07-17T06:20:43.372" v="3671" actId="1076"/>
+          <ac:spMkLst>
+            <pc:docMk/>
+            <pc:sldMk cId="4244802779" sldId="262"/>
+            <ac:spMk id="7" creationId="{9F28FEA4-6E65-43DF-BC09-48EC19C727B2}"/>
+          </ac:spMkLst>
+        </pc:spChg>
+        <pc:spChg chg="mod">
+          <ac:chgData name="青木 大介" userId="a5fa08e51d23e1a7" providerId="LiveId" clId="{B226B04A-2EC9-4B67-97CC-E70444430D28}" dt="2020-07-17T06:20:43.372" v="3671" actId="1076"/>
+          <ac:spMkLst>
+            <pc:docMk/>
+            <pc:sldMk cId="4244802779" sldId="262"/>
+            <ac:spMk id="8" creationId="{F3BBD991-DAB2-4F22-A85A-742B8F2BF69D}"/>
+          </ac:spMkLst>
+        </pc:spChg>
+        <pc:spChg chg="mod">
+          <ac:chgData name="青木 大介" userId="a5fa08e51d23e1a7" providerId="LiveId" clId="{B226B04A-2EC9-4B67-97CC-E70444430D28}" dt="2020-07-17T06:20:43.372" v="3671" actId="1076"/>
+          <ac:spMkLst>
+            <pc:docMk/>
+            <pc:sldMk cId="4244802779" sldId="262"/>
+            <ac:spMk id="9" creationId="{2A8EA731-28F3-4351-ACAB-AF7CC20D8E11}"/>
+          </ac:spMkLst>
+        </pc:spChg>
+        <pc:spChg chg="add mod">
+          <ac:chgData name="青木 大介" userId="a5fa08e51d23e1a7" providerId="LiveId" clId="{B226B04A-2EC9-4B67-97CC-E70444430D28}" dt="2020-07-17T06:21:12.695" v="3746" actId="1076"/>
+          <ac:spMkLst>
+            <pc:docMk/>
+            <pc:sldMk cId="4244802779" sldId="262"/>
+            <ac:spMk id="10" creationId="{96F2B1A3-0B0A-4A7B-828E-59D2160B6A39}"/>
+          </ac:spMkLst>
+        </pc:spChg>
       </pc:sldChg>
-      <pc:sldChg chg="modAnim">
-        <pc:chgData name="青木 大介" userId="a5fa08e51d23e1a7" providerId="LiveId" clId="{B226B04A-2EC9-4B67-97CC-E70444430D28}" dt="2020-07-12T04:52:58.835" v="3404"/>
+      <pc:sldChg chg="modSp modAnim">
+        <pc:chgData name="青木 大介" userId="a5fa08e51d23e1a7" providerId="LiveId" clId="{B226B04A-2EC9-4B67-97CC-E70444430D28}" dt="2020-07-17T06:47:15.342" v="4024" actId="20577"/>
         <pc:sldMkLst>
           <pc:docMk/>
           <pc:sldMk cId="2947228582" sldId="263"/>
         </pc:sldMkLst>
+        <pc:spChg chg="mod">
+          <ac:chgData name="青木 大介" userId="a5fa08e51d23e1a7" providerId="LiveId" clId="{B226B04A-2EC9-4B67-97CC-E70444430D28}" dt="2020-07-17T06:47:15.342" v="4024" actId="20577"/>
+          <ac:spMkLst>
+            <pc:docMk/>
+            <pc:sldMk cId="2947228582" sldId="263"/>
+            <ac:spMk id="2" creationId="{8228F3F6-1818-4CE5-8009-5F658A18F25B}"/>
+          </ac:spMkLst>
+        </pc:spChg>
       </pc:sldChg>
-      <pc:sldChg chg="modAnim">
-        <pc:chgData name="青木 大介" userId="a5fa08e51d23e1a7" providerId="LiveId" clId="{B226B04A-2EC9-4B67-97CC-E70444430D28}" dt="2020-07-12T04:53:21.433" v="3408"/>
+      <pc:sldChg chg="modSp mod modAnim">
+        <pc:chgData name="青木 大介" userId="a5fa08e51d23e1a7" providerId="LiveId" clId="{B226B04A-2EC9-4B67-97CC-E70444430D28}" dt="2020-07-17T06:47:30.856" v="4038" actId="20577"/>
         <pc:sldMkLst>
           <pc:docMk/>
           <pc:sldMk cId="880305307" sldId="264"/>
         </pc:sldMkLst>
+        <pc:spChg chg="mod">
+          <ac:chgData name="青木 大介" userId="a5fa08e51d23e1a7" providerId="LiveId" clId="{B226B04A-2EC9-4B67-97CC-E70444430D28}" dt="2020-07-17T06:47:30.856" v="4038" actId="20577"/>
+          <ac:spMkLst>
+            <pc:docMk/>
+            <pc:sldMk cId="880305307" sldId="264"/>
+            <ac:spMk id="3" creationId="{34C0EDB6-B677-43A2-8923-AB4CA02D8050}"/>
+          </ac:spMkLst>
+        </pc:spChg>
       </pc:sldChg>
       <pc:sldChg chg="modAnim">
         <pc:chgData name="青木 大介" userId="a5fa08e51d23e1a7" providerId="LiveId" clId="{B226B04A-2EC9-4B67-97CC-E70444430D28}" dt="2020-07-12T04:53:45.916" v="3416"/>
@@ -229,12 +331,20 @@
           <pc:sldMk cId="596828760" sldId="265"/>
         </pc:sldMkLst>
       </pc:sldChg>
-      <pc:sldChg chg="modAnim">
-        <pc:chgData name="青木 大介" userId="a5fa08e51d23e1a7" providerId="LiveId" clId="{B226B04A-2EC9-4B67-97CC-E70444430D28}" dt="2020-07-12T04:54:50.108" v="3429"/>
+      <pc:sldChg chg="modSp mod modAnim">
+        <pc:chgData name="青木 大介" userId="a5fa08e51d23e1a7" providerId="LiveId" clId="{B226B04A-2EC9-4B67-97CC-E70444430D28}" dt="2020-07-17T05:32:12.205" v="3582" actId="1076"/>
         <pc:sldMkLst>
           <pc:docMk/>
           <pc:sldMk cId="4200357834" sldId="266"/>
         </pc:sldMkLst>
+        <pc:graphicFrameChg chg="mod">
+          <ac:chgData name="青木 大介" userId="a5fa08e51d23e1a7" providerId="LiveId" clId="{B226B04A-2EC9-4B67-97CC-E70444430D28}" dt="2020-07-17T05:32:12.205" v="3582" actId="1076"/>
+          <ac:graphicFrameMkLst>
+            <pc:docMk/>
+            <pc:sldMk cId="4200357834" sldId="266"/>
+            <ac:graphicFrameMk id="6" creationId="{4EF48FE6-0BF0-48D3-9804-C398EBFD7CAB}"/>
+          </ac:graphicFrameMkLst>
+        </pc:graphicFrameChg>
       </pc:sldChg>
       <pc:sldChg chg="modAnim">
         <pc:chgData name="青木 大介" userId="a5fa08e51d23e1a7" providerId="LiveId" clId="{B226B04A-2EC9-4B67-97CC-E70444430D28}" dt="2020-07-12T04:55:26.382" v="3435"/>
@@ -450,8 +560,8 @@
           </ac:inkMkLst>
         </pc:inkChg>
       </pc:sldChg>
-      <pc:sldChg chg="addSp delSp modSp mod modAnim">
-        <pc:chgData name="青木 大介" userId="a5fa08e51d23e1a7" providerId="LiveId" clId="{B226B04A-2EC9-4B67-97CC-E70444430D28}" dt="2020-07-12T04:58:47.403" v="3465" actId="1076"/>
+      <pc:sldChg chg="addSp delSp modSp del mod modAnim">
+        <pc:chgData name="青木 大介" userId="a5fa08e51d23e1a7" providerId="LiveId" clId="{B226B04A-2EC9-4B67-97CC-E70444430D28}" dt="2020-07-17T06:22:45.013" v="3747" actId="47"/>
         <pc:sldMkLst>
           <pc:docMk/>
           <pc:sldMk cId="59159242" sldId="269"/>
@@ -545,8 +655,8 @@
           </ac:inkMkLst>
         </pc:inkChg>
       </pc:sldChg>
-      <pc:sldChg chg="addSp modSp mod modAnim">
-        <pc:chgData name="青木 大介" userId="a5fa08e51d23e1a7" providerId="LiveId" clId="{B226B04A-2EC9-4B67-97CC-E70444430D28}" dt="2020-07-12T04:59:06.458" v="3474"/>
+      <pc:sldChg chg="addSp delSp modSp mod delAnim modAnim">
+        <pc:chgData name="青木 大介" userId="a5fa08e51d23e1a7" providerId="LiveId" clId="{B226B04A-2EC9-4B67-97CC-E70444430D28}" dt="2020-07-17T06:44:08.361" v="3891"/>
         <pc:sldMkLst>
           <pc:docMk/>
           <pc:sldMk cId="3105951432" sldId="270"/>
@@ -559,17 +669,33 @@
             <ac:spMk id="2" creationId="{8228F3F6-1818-4CE5-8009-5F658A18F25B}"/>
           </ac:spMkLst>
         </pc:spChg>
-        <pc:picChg chg="add mod">
-          <ac:chgData name="青木 大介" userId="a5fa08e51d23e1a7" providerId="LiveId" clId="{B226B04A-2EC9-4B67-97CC-E70444430D28}" dt="2020-07-12T04:31:04.474" v="3172" actId="1076"/>
+        <pc:picChg chg="add del mod">
+          <ac:chgData name="青木 大介" userId="a5fa08e51d23e1a7" providerId="LiveId" clId="{B226B04A-2EC9-4B67-97CC-E70444430D28}" dt="2020-07-17T06:32:46.529" v="3833" actId="478"/>
           <ac:picMkLst>
             <pc:docMk/>
             <pc:sldMk cId="3105951432" sldId="270"/>
             <ac:picMk id="4" creationId="{B6A7F33E-0F2F-420C-9E0F-A66092BB2611}"/>
           </ac:picMkLst>
         </pc:picChg>
+        <pc:picChg chg="add mod">
+          <ac:chgData name="青木 大介" userId="a5fa08e51d23e1a7" providerId="LiveId" clId="{B226B04A-2EC9-4B67-97CC-E70444430D28}" dt="2020-07-17T06:34:47.783" v="3836" actId="1076"/>
+          <ac:picMkLst>
+            <pc:docMk/>
+            <pc:sldMk cId="3105951432" sldId="270"/>
+            <ac:picMk id="5" creationId="{7818C04B-317C-4405-8831-CE734385C5EC}"/>
+          </ac:picMkLst>
+        </pc:picChg>
+        <pc:picChg chg="add del">
+          <ac:chgData name="青木 大介" userId="a5fa08e51d23e1a7" providerId="LiveId" clId="{B226B04A-2EC9-4B67-97CC-E70444430D28}" dt="2020-07-17T06:36:19.986" v="3838" actId="22"/>
+          <ac:picMkLst>
+            <pc:docMk/>
+            <pc:sldMk cId="3105951432" sldId="270"/>
+            <ac:picMk id="7" creationId="{5E33D42D-76C6-4B62-95EE-246860145653}"/>
+          </ac:picMkLst>
+        </pc:picChg>
       </pc:sldChg>
       <pc:sldChg chg="addSp delSp modSp mod delAnim modAnim">
-        <pc:chgData name="青木 大介" userId="a5fa08e51d23e1a7" providerId="LiveId" clId="{B226B04A-2EC9-4B67-97CC-E70444430D28}" dt="2020-07-12T08:01:47.743" v="3569" actId="1076"/>
+        <pc:chgData name="青木 大介" userId="a5fa08e51d23e1a7" providerId="LiveId" clId="{B226B04A-2EC9-4B67-97CC-E70444430D28}" dt="2020-07-17T06:43:51.096" v="3889"/>
         <pc:sldMkLst>
           <pc:docMk/>
           <pc:sldMk cId="4079781437" sldId="271"/>
@@ -582,6 +708,14 @@
             <ac:spMk id="2" creationId="{8228F3F6-1818-4CE5-8009-5F658A18F25B}"/>
           </ac:spMkLst>
         </pc:spChg>
+        <pc:picChg chg="add">
+          <ac:chgData name="青木 大介" userId="a5fa08e51d23e1a7" providerId="LiveId" clId="{B226B04A-2EC9-4B67-97CC-E70444430D28}" dt="2020-07-17T06:39:58.696" v="3866" actId="22"/>
+          <ac:picMkLst>
+            <pc:docMk/>
+            <pc:sldMk cId="4079781437" sldId="271"/>
+            <ac:picMk id="4" creationId="{0BD72C1A-D57B-416B-961D-EF2249F9B2E0}"/>
+          </ac:picMkLst>
+        </pc:picChg>
         <pc:picChg chg="add del mod">
           <ac:chgData name="青木 大介" userId="a5fa08e51d23e1a7" providerId="LiveId" clId="{B226B04A-2EC9-4B67-97CC-E70444430D28}" dt="2020-07-12T08:00:50.053" v="3558" actId="478"/>
           <ac:picMkLst>
@@ -598,6 +732,14 @@
             <ac:picMk id="5" creationId="{7BD61405-27D0-4E53-B1E1-567F2080E3D4}"/>
           </ac:picMkLst>
         </pc:picChg>
+        <pc:picChg chg="add">
+          <ac:chgData name="青木 大介" userId="a5fa08e51d23e1a7" providerId="LiveId" clId="{B226B04A-2EC9-4B67-97CC-E70444430D28}" dt="2020-07-17T06:40:19.837" v="3867" actId="22"/>
+          <ac:picMkLst>
+            <pc:docMk/>
+            <pc:sldMk cId="4079781437" sldId="271"/>
+            <ac:picMk id="6" creationId="{219EEEDC-09F9-4E76-95B1-D8C9793D12F9}"/>
+          </ac:picMkLst>
+        </pc:picChg>
         <pc:picChg chg="add del mod">
           <ac:chgData name="青木 大介" userId="a5fa08e51d23e1a7" providerId="LiveId" clId="{B226B04A-2EC9-4B67-97CC-E70444430D28}" dt="2020-07-12T08:01:45.180" v="3567" actId="22"/>
           <ac:picMkLst>
@@ -606,9 +748,25 @@
             <ac:picMk id="7" creationId="{17AA205E-9624-4ED0-A0EE-5C8D41B08166}"/>
           </ac:picMkLst>
         </pc:picChg>
+        <pc:picChg chg="add">
+          <ac:chgData name="青木 大介" userId="a5fa08e51d23e1a7" providerId="LiveId" clId="{B226B04A-2EC9-4B67-97CC-E70444430D28}" dt="2020-07-17T06:40:45.803" v="3868" actId="22"/>
+          <ac:picMkLst>
+            <pc:docMk/>
+            <pc:sldMk cId="4079781437" sldId="271"/>
+            <ac:picMk id="8" creationId="{70343909-CC9E-446C-80B4-A2F87D3F5F63}"/>
+          </ac:picMkLst>
+        </pc:picChg>
+        <pc:picChg chg="add">
+          <ac:chgData name="青木 大介" userId="a5fa08e51d23e1a7" providerId="LiveId" clId="{B226B04A-2EC9-4B67-97CC-E70444430D28}" dt="2020-07-17T06:41:06.028" v="3869" actId="22"/>
+          <ac:picMkLst>
+            <pc:docMk/>
+            <pc:sldMk cId="4079781437" sldId="271"/>
+            <ac:picMk id="10" creationId="{4952B7F6-8E2D-414B-BFD5-0AA57A9E7ABD}"/>
+          </ac:picMkLst>
+        </pc:picChg>
       </pc:sldChg>
-      <pc:sldChg chg="addSp delSp modSp mod modAnim">
-        <pc:chgData name="青木 大介" userId="a5fa08e51d23e1a7" providerId="LiveId" clId="{B226B04A-2EC9-4B67-97CC-E70444430D28}" dt="2020-07-12T05:00:02.899" v="3490"/>
+      <pc:sldChg chg="addSp delSp modSp del mod modAnim">
+        <pc:chgData name="青木 大介" userId="a5fa08e51d23e1a7" providerId="LiveId" clId="{B226B04A-2EC9-4B67-97CC-E70444430D28}" dt="2020-07-17T06:32:37.830" v="3832" actId="47"/>
         <pc:sldMkLst>
           <pc:docMk/>
           <pc:sldMk cId="3088940578" sldId="272"/>
@@ -757,7 +915,7 @@
         </pc:picChg>
       </pc:sldChg>
       <pc:sldChg chg="addSp delSp modSp add mod modAnim">
-        <pc:chgData name="青木 大介" userId="a5fa08e51d23e1a7" providerId="LiveId" clId="{B226B04A-2EC9-4B67-97CC-E70444430D28}" dt="2020-07-12T05:01:54.809" v="3532"/>
+        <pc:chgData name="青木 大介" userId="a5fa08e51d23e1a7" providerId="LiveId" clId="{B226B04A-2EC9-4B67-97CC-E70444430D28}" dt="2020-07-17T06:45:22.506" v="4005" actId="20577"/>
         <pc:sldMkLst>
           <pc:docMk/>
           <pc:sldMk cId="957687137" sldId="275"/>
@@ -779,7 +937,7 @@
           </ac:spMkLst>
         </pc:spChg>
         <pc:spChg chg="add mod">
-          <ac:chgData name="青木 大介" userId="a5fa08e51d23e1a7" providerId="LiveId" clId="{B226B04A-2EC9-4B67-97CC-E70444430D28}" dt="2020-07-12T03:40:26.818" v="2687" actId="1076"/>
+          <ac:chgData name="青木 大介" userId="a5fa08e51d23e1a7" providerId="LiveId" clId="{B226B04A-2EC9-4B67-97CC-E70444430D28}" dt="2020-07-17T06:44:55.781" v="3896" actId="20577"/>
           <ac:spMkLst>
             <pc:docMk/>
             <pc:sldMk cId="957687137" sldId="275"/>
@@ -802,6 +960,14 @@
             <ac:spMk id="6" creationId="{162135A4-D754-48D9-9A18-6AE356A872BE}"/>
           </ac:spMkLst>
         </pc:spChg>
+        <pc:spChg chg="add mod">
+          <ac:chgData name="青木 大介" userId="a5fa08e51d23e1a7" providerId="LiveId" clId="{B226B04A-2EC9-4B67-97CC-E70444430D28}" dt="2020-07-17T06:45:22.506" v="4005" actId="20577"/>
+          <ac:spMkLst>
+            <pc:docMk/>
+            <pc:sldMk cId="957687137" sldId="275"/>
+            <ac:spMk id="7" creationId="{774303BD-EED9-4AC2-B680-21EB2B24585D}"/>
+          </ac:spMkLst>
+        </pc:spChg>
         <pc:spChg chg="add del mod">
           <ac:chgData name="青木 大介" userId="a5fa08e51d23e1a7" providerId="LiveId" clId="{B226B04A-2EC9-4B67-97CC-E70444430D28}" dt="2020-07-12T03:45:34.606" v="3089"/>
           <ac:spMkLst>
@@ -811,8 +977,8 @@
           </ac:spMkLst>
         </pc:spChg>
       </pc:sldChg>
-      <pc:sldChg chg="delSp modSp add mod modAnim">
-        <pc:chgData name="青木 大介" userId="a5fa08e51d23e1a7" providerId="LiveId" clId="{B226B04A-2EC9-4B67-97CC-E70444430D28}" dt="2020-07-12T05:02:06.624" v="3536"/>
+      <pc:sldChg chg="delSp modSp add del mod modAnim">
+        <pc:chgData name="青木 大介" userId="a5fa08e51d23e1a7" providerId="LiveId" clId="{B226B04A-2EC9-4B67-97CC-E70444430D28}" dt="2020-07-17T06:45:28.790" v="4006" actId="47"/>
         <pc:sldMkLst>
           <pc:docMk/>
           <pc:sldMk cId="3421255255" sldId="276"/>
@@ -881,8 +1047,8 @@
           </ac:spMkLst>
         </pc:spChg>
       </pc:sldChg>
-      <pc:sldChg chg="addSp delSp modSp new mod addAnim delAnim modAnim">
-        <pc:chgData name="青木 大介" userId="a5fa08e51d23e1a7" providerId="LiveId" clId="{B226B04A-2EC9-4B67-97CC-E70444430D28}" dt="2020-07-12T08:02:43.553" v="3581" actId="1076"/>
+      <pc:sldChg chg="addSp delSp modSp new del mod addAnim delAnim modAnim">
+        <pc:chgData name="青木 大介" userId="a5fa08e51d23e1a7" providerId="LiveId" clId="{B226B04A-2EC9-4B67-97CC-E70444430D28}" dt="2020-07-17T06:44:46.498" v="3892" actId="47"/>
         <pc:sldMkLst>
           <pc:docMk/>
           <pc:sldMk cId="302613811" sldId="278"/>
@@ -925,6 +1091,164 @@
             <pc:docMk/>
             <pc:sldMk cId="302613811" sldId="278"/>
             <ac:picMk id="8" creationId="{708ECADD-7C34-401E-BB43-7D0231F79B4B}"/>
+          </ac:picMkLst>
+        </pc:picChg>
+      </pc:sldChg>
+      <pc:sldChg chg="addSp delSp modSp new mod modAnim">
+        <pc:chgData name="青木 大介" userId="a5fa08e51d23e1a7" providerId="LiveId" clId="{B226B04A-2EC9-4B67-97CC-E70444430D28}" dt="2020-07-17T06:32:04.003" v="3831"/>
+        <pc:sldMkLst>
+          <pc:docMk/>
+          <pc:sldMk cId="291735900" sldId="279"/>
+        </pc:sldMkLst>
+        <pc:spChg chg="del">
+          <ac:chgData name="青木 大介" userId="a5fa08e51d23e1a7" providerId="LiveId" clId="{B226B04A-2EC9-4B67-97CC-E70444430D28}" dt="2020-07-17T06:23:26.727" v="3749" actId="478"/>
+          <ac:spMkLst>
+            <pc:docMk/>
+            <pc:sldMk cId="291735900" sldId="279"/>
+            <ac:spMk id="2" creationId="{505FE4A9-1B5C-4BFE-90CC-6118CD2C734B}"/>
+          </ac:spMkLst>
+        </pc:spChg>
+        <pc:spChg chg="del">
+          <ac:chgData name="青木 大介" userId="a5fa08e51d23e1a7" providerId="LiveId" clId="{B226B04A-2EC9-4B67-97CC-E70444430D28}" dt="2020-07-17T06:23:30.087" v="3750" actId="478"/>
+          <ac:spMkLst>
+            <pc:docMk/>
+            <pc:sldMk cId="291735900" sldId="279"/>
+            <ac:spMk id="3" creationId="{34622637-E4E9-4074-8969-5A675563B26C}"/>
+          </ac:spMkLst>
+        </pc:spChg>
+        <pc:spChg chg="add mod">
+          <ac:chgData name="青木 大介" userId="a5fa08e51d23e1a7" providerId="LiveId" clId="{B226B04A-2EC9-4B67-97CC-E70444430D28}" dt="2020-07-17T06:24:23.778" v="3776" actId="20577"/>
+          <ac:spMkLst>
+            <pc:docMk/>
+            <pc:sldMk cId="291735900" sldId="279"/>
+            <ac:spMk id="4" creationId="{7CC6F813-EC7E-4628-A8C3-4CC46D3D9849}"/>
+          </ac:spMkLst>
+        </pc:spChg>
+        <pc:picChg chg="add mod">
+          <ac:chgData name="青木 大介" userId="a5fa08e51d23e1a7" providerId="LiveId" clId="{B226B04A-2EC9-4B67-97CC-E70444430D28}" dt="2020-07-17T06:25:12.338" v="3779" actId="14100"/>
+          <ac:picMkLst>
+            <pc:docMk/>
+            <pc:sldMk cId="291735900" sldId="279"/>
+            <ac:picMk id="6" creationId="{FEE0348F-A18E-4CDB-9697-492E06467401}"/>
+          </ac:picMkLst>
+        </pc:picChg>
+        <pc:picChg chg="add mod">
+          <ac:chgData name="青木 大介" userId="a5fa08e51d23e1a7" providerId="LiveId" clId="{B226B04A-2EC9-4B67-97CC-E70444430D28}" dt="2020-07-17T06:26:32.347" v="3783" actId="1076"/>
+          <ac:picMkLst>
+            <pc:docMk/>
+            <pc:sldMk cId="291735900" sldId="279"/>
+            <ac:picMk id="8" creationId="{2B831BB7-1259-48BB-BFDC-FD2FAC194C44}"/>
+          </ac:picMkLst>
+        </pc:picChg>
+        <pc:picChg chg="add mod">
+          <ac:chgData name="青木 大介" userId="a5fa08e51d23e1a7" providerId="LiveId" clId="{B226B04A-2EC9-4B67-97CC-E70444430D28}" dt="2020-07-17T06:30:42.111" v="3812" actId="1076"/>
+          <ac:picMkLst>
+            <pc:docMk/>
+            <pc:sldMk cId="291735900" sldId="279"/>
+            <ac:picMk id="10" creationId="{96136BA9-D28E-4762-A92F-936450AB8683}"/>
+          </ac:picMkLst>
+        </pc:picChg>
+        <pc:picChg chg="add mod">
+          <ac:chgData name="青木 大介" userId="a5fa08e51d23e1a7" providerId="LiveId" clId="{B226B04A-2EC9-4B67-97CC-E70444430D28}" dt="2020-07-17T06:31:01.758" v="3817" actId="1076"/>
+          <ac:picMkLst>
+            <pc:docMk/>
+            <pc:sldMk cId="291735900" sldId="279"/>
+            <ac:picMk id="12" creationId="{4584CE71-34BB-46E9-98FD-A04F3AABEF78}"/>
+          </ac:picMkLst>
+        </pc:picChg>
+        <pc:picChg chg="add mod">
+          <ac:chgData name="青木 大介" userId="a5fa08e51d23e1a7" providerId="LiveId" clId="{B226B04A-2EC9-4B67-97CC-E70444430D28}" dt="2020-07-17T06:31:23.989" v="3821" actId="1076"/>
+          <ac:picMkLst>
+            <pc:docMk/>
+            <pc:sldMk cId="291735900" sldId="279"/>
+            <ac:picMk id="14" creationId="{09A9B539-4646-4182-A29B-D634218E5CE6}"/>
+          </ac:picMkLst>
+        </pc:picChg>
+        <pc:picChg chg="add mod">
+          <ac:chgData name="青木 大介" userId="a5fa08e51d23e1a7" providerId="LiveId" clId="{B226B04A-2EC9-4B67-97CC-E70444430D28}" dt="2020-07-17T06:31:43.469" v="3825" actId="1076"/>
+          <ac:picMkLst>
+            <pc:docMk/>
+            <pc:sldMk cId="291735900" sldId="279"/>
+            <ac:picMk id="16" creationId="{D85880BF-D8ED-49FC-90A0-D687186A0BDF}"/>
+          </ac:picMkLst>
+        </pc:picChg>
+        <pc:picChg chg="add mod">
+          <ac:chgData name="青木 大介" userId="a5fa08e51d23e1a7" providerId="LiveId" clId="{B226B04A-2EC9-4B67-97CC-E70444430D28}" dt="2020-07-17T06:31:57.342" v="3829" actId="1076"/>
+          <ac:picMkLst>
+            <pc:docMk/>
+            <pc:sldMk cId="291735900" sldId="279"/>
+            <ac:picMk id="18" creationId="{9D629F3B-770E-41BA-86E9-F967FF3724B6}"/>
+          </ac:picMkLst>
+        </pc:picChg>
+      </pc:sldChg>
+      <pc:sldChg chg="addSp modSp add mod modAnim">
+        <pc:chgData name="青木 大介" userId="a5fa08e51d23e1a7" providerId="LiveId" clId="{B226B04A-2EC9-4B67-97CC-E70444430D28}" dt="2020-07-17T06:43:06.197" v="3882"/>
+        <pc:sldMkLst>
+          <pc:docMk/>
+          <pc:sldMk cId="3208216203" sldId="280"/>
+        </pc:sldMkLst>
+        <pc:spChg chg="mod">
+          <ac:chgData name="青木 大介" userId="a5fa08e51d23e1a7" providerId="LiveId" clId="{B226B04A-2EC9-4B67-97CC-E70444430D28}" dt="2020-07-17T06:36:37.912" v="3857" actId="20577"/>
+          <ac:spMkLst>
+            <pc:docMk/>
+            <pc:sldMk cId="3208216203" sldId="280"/>
+            <ac:spMk id="2" creationId="{8228F3F6-1818-4CE5-8009-5F658A18F25B}"/>
+          </ac:spMkLst>
+        </pc:spChg>
+        <pc:picChg chg="add mod">
+          <ac:chgData name="青木 大介" userId="a5fa08e51d23e1a7" providerId="LiveId" clId="{B226B04A-2EC9-4B67-97CC-E70444430D28}" dt="2020-07-17T06:36:49.527" v="3859" actId="1076"/>
+          <ac:picMkLst>
+            <pc:docMk/>
+            <pc:sldMk cId="3208216203" sldId="280"/>
+            <ac:picMk id="4" creationId="{8489B2C6-831F-44B8-A228-08162AABB737}"/>
+          </ac:picMkLst>
+        </pc:picChg>
+        <pc:picChg chg="add">
+          <ac:chgData name="青木 大介" userId="a5fa08e51d23e1a7" providerId="LiveId" clId="{B226B04A-2EC9-4B67-97CC-E70444430D28}" dt="2020-07-17T06:37:18.723" v="3860" actId="22"/>
+          <ac:picMkLst>
+            <pc:docMk/>
+            <pc:sldMk cId="3208216203" sldId="280"/>
+            <ac:picMk id="6" creationId="{036A2971-A5F5-4263-ADB6-D54ED9D77E9D}"/>
+          </ac:picMkLst>
+        </pc:picChg>
+        <pc:picChg chg="add">
+          <ac:chgData name="青木 大介" userId="a5fa08e51d23e1a7" providerId="LiveId" clId="{B226B04A-2EC9-4B67-97CC-E70444430D28}" dt="2020-07-17T06:37:44.684" v="3861" actId="22"/>
+          <ac:picMkLst>
+            <pc:docMk/>
+            <pc:sldMk cId="3208216203" sldId="280"/>
+            <ac:picMk id="8" creationId="{698CDFDD-D08B-4A4B-A508-9CB5D26C6D6E}"/>
+          </ac:picMkLst>
+        </pc:picChg>
+        <pc:picChg chg="add">
+          <ac:chgData name="青木 大介" userId="a5fa08e51d23e1a7" providerId="LiveId" clId="{B226B04A-2EC9-4B67-97CC-E70444430D28}" dt="2020-07-17T06:38:11.760" v="3862" actId="22"/>
+          <ac:picMkLst>
+            <pc:docMk/>
+            <pc:sldMk cId="3208216203" sldId="280"/>
+            <ac:picMk id="10" creationId="{CB890589-DF02-4A3B-82AA-C5FF3A369BB2}"/>
+          </ac:picMkLst>
+        </pc:picChg>
+        <pc:picChg chg="add">
+          <ac:chgData name="青木 大介" userId="a5fa08e51d23e1a7" providerId="LiveId" clId="{B226B04A-2EC9-4B67-97CC-E70444430D28}" dt="2020-07-17T06:38:36.011" v="3863" actId="22"/>
+          <ac:picMkLst>
+            <pc:docMk/>
+            <pc:sldMk cId="3208216203" sldId="280"/>
+            <ac:picMk id="12" creationId="{B91724F5-B781-4B5C-B1EF-D961DA831772}"/>
+          </ac:picMkLst>
+        </pc:picChg>
+        <pc:picChg chg="add">
+          <ac:chgData name="青木 大介" userId="a5fa08e51d23e1a7" providerId="LiveId" clId="{B226B04A-2EC9-4B67-97CC-E70444430D28}" dt="2020-07-17T06:39:04.864" v="3864" actId="22"/>
+          <ac:picMkLst>
+            <pc:docMk/>
+            <pc:sldMk cId="3208216203" sldId="280"/>
+            <ac:picMk id="14" creationId="{BFEBAC2C-48A3-4E84-8A07-A7C18CD05182}"/>
+          </ac:picMkLst>
+        </pc:picChg>
+        <pc:picChg chg="add">
+          <ac:chgData name="青木 大介" userId="a5fa08e51d23e1a7" providerId="LiveId" clId="{B226B04A-2EC9-4B67-97CC-E70444430D28}" dt="2020-07-17T06:39:24.545" v="3865" actId="22"/>
+          <ac:picMkLst>
+            <pc:docMk/>
+            <pc:sldMk cId="3208216203" sldId="280"/>
+            <ac:picMk id="16" creationId="{8C9586F9-F4B1-470D-BF98-F308CC59AD47}"/>
           </ac:picMkLst>
         </pc:picChg>
       </pc:sldChg>
@@ -1138,32 +1462,6 @@
     </inkml:brush>
   </inkml:definitions>
   <inkml:trace contextRef="#ctx0" brushRef="#br0">1046 26,'-1'1,"1"-1,0 1,-1 0,0 0,1 0,-1 0,1 0,-1 0,0-1,0 1,1 0,-1 0,0-1,0 1,0-1,0 1,0-1,0 1,0-1,0 0,0 1,0-1,0 0,0 0,0 0,-1 0,-31 0,25-1,-71-5,-19-8,44 6,0 1,-1 3,-36 3,-121 6,92-4,110-1,-1 1,1 1,-1-1,1 2,-1-1,1 2,0-1,0 1,0 1,1 0,0 0,0 1,0 0,0 1,1-1,0 2,1-1,0 1,-4 5,7-8,1 1,-1 0,1 0,0 0,1 1,0-1,0 1,0-1,1 1,-1 0,2 0,-1 2,1 15,0 0,2 0,1 0,0 2,-2 1,0 9,-3-4,0-13,2 0,0 0,1 8,0-21,0 0,0 0,0 0,1-1,0 1,0 0,1-1,-1 0,1 1,0-1,1 0,-1-1,1 2,21 21,1-1,1-1,2-1,0-1,1-2,1-1,1-2,0 0,2-3,0 0,0-3,2 0,-1-3,11 1,283 45,-238-46,10-3,-8-1,4 5,-66-6,259 32,-208-30,1-4,44-5,-122 2,-1 0,1 0,0 0,0 0,0-1,0 0,-1 0,1 0,-1 0,0-1,1 0,0-1,47-45,-1 0,-39 39,0 0,-1 0,0-1,-1-1,0 0,-1 0,0 0,-1-2,0 1,-1-1,-1 0,0 0,-1 0,-1-1,0 0,0-1,0-21,-1 0,-1 0,-4-25,1-6,1 64,0-1,0 1,-1 0,0-1,0 1,0-1,0 1,-1 0,0 0,0 0,0 0,0 0,0 0,-1 1,0-1,0 1,0-1,0 1,-2-1,-8-6,0 1,-1 0,0 1,-12-5,-18-11,14 8,-2 1,1 2,-2 1,-30-7,-28-11,27 10,-1 2,-1 3,0 3,-1 2,0 4,-50 2,-457 7</inkml:trace>
-</inkml:ink>
-</file>
-
-<file path=ppt/ink/ink17.xml><?xml version="1.0" encoding="utf-8"?>
-<inkml:ink xmlns:inkml="http://www.w3.org/2003/InkML">
-  <inkml:definitions>
-    <inkml:context xml:id="ctx0">
-      <inkml:inkSource xml:id="inkSrc0">
-        <inkml:traceFormat>
-          <inkml:channel name="X" type="integer" min="-2.14748E9" max="2.14748E9" units="cm"/>
-          <inkml:channel name="Y" type="integer" min="-2.14748E9" max="2.14748E9" units="cm"/>
-        </inkml:traceFormat>
-        <inkml:channelProperties>
-          <inkml:channelProperty channel="X" name="resolution" value="1000" units="1/cm"/>
-          <inkml:channelProperty channel="Y" name="resolution" value="1000" units="1/cm"/>
-        </inkml:channelProperties>
-      </inkml:inkSource>
-      <inkml:timestamp xml:id="ts0" timeString="2020-07-12T04:16:08.937"/>
-    </inkml:context>
-    <inkml:brush xml:id="br0">
-      <inkml:brushProperty name="width" value="0.025" units="cm"/>
-      <inkml:brushProperty name="height" value="0.025" units="cm"/>
-      <inkml:brushProperty name="ignorePressure" value="1"/>
-    </inkml:brush>
-  </inkml:definitions>
-  <inkml:trace contextRef="#ctx0" brushRef="#br0">0 133,'4'0,"5"0,5 0,4-4,3-1,1-3,1-5,1-4,0 1,-5 0,-1-2,1 3,-1 3,-1 4</inkml:trace>
 </inkml:ink>
 </file>
 
@@ -1524,7 +1822,7 @@
           <a:p>
             <a:fld id="{D895E1D3-5EB8-435A-804B-9B85BEBE772D}" type="datetimeFigureOut">
               <a:rPr kumimoji="1" lang="ja-JP" altLang="en-US" smtClean="0"/>
-              <a:t>2020/7/13</a:t>
+              <a:t>2020/7/17</a:t>
             </a:fld>
             <a:endParaRPr kumimoji="1" lang="ja-JP" altLang="en-US"/>
           </a:p>
@@ -1724,7 +2022,7 @@
           <a:p>
             <a:fld id="{D895E1D3-5EB8-435A-804B-9B85BEBE772D}" type="datetimeFigureOut">
               <a:rPr kumimoji="1" lang="ja-JP" altLang="en-US" smtClean="0"/>
-              <a:t>2020/7/13</a:t>
+              <a:t>2020/7/17</a:t>
             </a:fld>
             <a:endParaRPr kumimoji="1" lang="ja-JP" altLang="en-US"/>
           </a:p>
@@ -1934,7 +2232,7 @@
           <a:p>
             <a:fld id="{D895E1D3-5EB8-435A-804B-9B85BEBE772D}" type="datetimeFigureOut">
               <a:rPr kumimoji="1" lang="ja-JP" altLang="en-US" smtClean="0"/>
-              <a:t>2020/7/13</a:t>
+              <a:t>2020/7/17</a:t>
             </a:fld>
             <a:endParaRPr kumimoji="1" lang="ja-JP" altLang="en-US"/>
           </a:p>
@@ -2134,7 +2432,7 @@
           <a:p>
             <a:fld id="{D895E1D3-5EB8-435A-804B-9B85BEBE772D}" type="datetimeFigureOut">
               <a:rPr kumimoji="1" lang="ja-JP" altLang="en-US" smtClean="0"/>
-              <a:t>2020/7/13</a:t>
+              <a:t>2020/7/17</a:t>
             </a:fld>
             <a:endParaRPr kumimoji="1" lang="ja-JP" altLang="en-US"/>
           </a:p>
@@ -2410,7 +2708,7 @@
           <a:p>
             <a:fld id="{D895E1D3-5EB8-435A-804B-9B85BEBE772D}" type="datetimeFigureOut">
               <a:rPr kumimoji="1" lang="ja-JP" altLang="en-US" smtClean="0"/>
-              <a:t>2020/7/13</a:t>
+              <a:t>2020/7/17</a:t>
             </a:fld>
             <a:endParaRPr kumimoji="1" lang="ja-JP" altLang="en-US"/>
           </a:p>
@@ -2678,7 +2976,7 @@
           <a:p>
             <a:fld id="{D895E1D3-5EB8-435A-804B-9B85BEBE772D}" type="datetimeFigureOut">
               <a:rPr kumimoji="1" lang="ja-JP" altLang="en-US" smtClean="0"/>
-              <a:t>2020/7/13</a:t>
+              <a:t>2020/7/17</a:t>
             </a:fld>
             <a:endParaRPr kumimoji="1" lang="ja-JP" altLang="en-US"/>
           </a:p>
@@ -3093,7 +3391,7 @@
           <a:p>
             <a:fld id="{D895E1D3-5EB8-435A-804B-9B85BEBE772D}" type="datetimeFigureOut">
               <a:rPr kumimoji="1" lang="ja-JP" altLang="en-US" smtClean="0"/>
-              <a:t>2020/7/13</a:t>
+              <a:t>2020/7/17</a:t>
             </a:fld>
             <a:endParaRPr kumimoji="1" lang="ja-JP" altLang="en-US"/>
           </a:p>
@@ -3235,7 +3533,7 @@
           <a:p>
             <a:fld id="{D895E1D3-5EB8-435A-804B-9B85BEBE772D}" type="datetimeFigureOut">
               <a:rPr kumimoji="1" lang="ja-JP" altLang="en-US" smtClean="0"/>
-              <a:t>2020/7/13</a:t>
+              <a:t>2020/7/17</a:t>
             </a:fld>
             <a:endParaRPr kumimoji="1" lang="ja-JP" altLang="en-US"/>
           </a:p>
@@ -3348,7 +3646,7 @@
           <a:p>
             <a:fld id="{D895E1D3-5EB8-435A-804B-9B85BEBE772D}" type="datetimeFigureOut">
               <a:rPr kumimoji="1" lang="ja-JP" altLang="en-US" smtClean="0"/>
-              <a:t>2020/7/13</a:t>
+              <a:t>2020/7/17</a:t>
             </a:fld>
             <a:endParaRPr kumimoji="1" lang="ja-JP" altLang="en-US"/>
           </a:p>
@@ -3661,7 +3959,7 @@
           <a:p>
             <a:fld id="{D895E1D3-5EB8-435A-804B-9B85BEBE772D}" type="datetimeFigureOut">
               <a:rPr kumimoji="1" lang="ja-JP" altLang="en-US" smtClean="0"/>
-              <a:t>2020/7/13</a:t>
+              <a:t>2020/7/17</a:t>
             </a:fld>
             <a:endParaRPr kumimoji="1" lang="ja-JP" altLang="en-US"/>
           </a:p>
@@ -3950,7 +4248,7 @@
           <a:p>
             <a:fld id="{D895E1D3-5EB8-435A-804B-9B85BEBE772D}" type="datetimeFigureOut">
               <a:rPr kumimoji="1" lang="ja-JP" altLang="en-US" smtClean="0"/>
-              <a:t>2020/7/13</a:t>
+              <a:t>2020/7/17</a:t>
             </a:fld>
             <a:endParaRPr kumimoji="1" lang="ja-JP" altLang="en-US"/>
           </a:p>
@@ -4193,7 +4491,7 @@
           <a:p>
             <a:fld id="{D895E1D3-5EB8-435A-804B-9B85BEBE772D}" type="datetimeFigureOut">
               <a:rPr kumimoji="1" lang="ja-JP" altLang="en-US" smtClean="0"/>
-              <a:t>2020/7/13</a:t>
+              <a:t>2020/7/17</a:t>
             </a:fld>
             <a:endParaRPr kumimoji="1" lang="ja-JP" altLang="en-US"/>
           </a:p>
@@ -4644,7 +4942,7 @@
                 <a:latin typeface="Times New Roman" panose="02020603050405020304" pitchFamily="18" charset="0"/>
                 <a:cs typeface="Times New Roman" panose="02020603050405020304" pitchFamily="18" charset="0"/>
               </a:rPr>
-              <a:t>BÁO CÁO TIẾN TRÌNH LẦN 2</a:t>
+              <a:t>BÁO CÁO</a:t>
             </a:r>
             <a:endParaRPr kumimoji="1" lang="ja-JP" altLang="en-US" sz="3000" b="1" dirty="0">
               <a:latin typeface="Times New Roman" panose="02020603050405020304" pitchFamily="18" charset="0"/>
@@ -5560,13 +5858,13 @@
           <p:nvPr>
             <p:extLst>
               <p:ext uri="{D42A27DB-BD31-4B8C-83A1-F6EECF244321}">
-                <p14:modId xmlns:p14="http://schemas.microsoft.com/office/powerpoint/2010/main" val="453744467"/>
+                <p14:modId xmlns:p14="http://schemas.microsoft.com/office/powerpoint/2010/main" val="1090084397"/>
               </p:ext>
             </p:extLst>
           </p:nvPr>
         </p:nvGraphicFramePr>
         <p:xfrm>
-          <a:off x="1756793" y="1601084"/>
+          <a:off x="1648127" y="1701561"/>
           <a:ext cx="8678409" cy="1889760"/>
         </p:xfrm>
         <a:graphic>
@@ -12534,10 +12832,10 @@
       </p:grpSpPr>
       <p:sp>
         <p:nvSpPr>
-          <p:cNvPr id="3" name="TextBox 2">
+          <p:cNvPr id="4" name="TextBox 3">
             <a:extLst>
               <a:ext uri="{FF2B5EF4-FFF2-40B4-BE49-F238E27FC236}">
-                <a16:creationId xmlns:a16="http://schemas.microsoft.com/office/drawing/2014/main" id="{4EB1B483-F680-4AEE-8B75-E2DDF27E3172}"/>
+                <a16:creationId xmlns:a16="http://schemas.microsoft.com/office/drawing/2014/main" id="{7CC6F813-EC7E-4628-A8C3-4CC46D3D9849}"/>
               </a:ext>
             </a:extLst>
           </p:cNvPr>
@@ -12565,21 +12863,35 @@
                 <a:latin typeface="Times New Roman" panose="02020603050405020304" pitchFamily="18" charset="0"/>
                 <a:cs typeface="Times New Roman" panose="02020603050405020304" pitchFamily="18" charset="0"/>
               </a:rPr>
-              <a:t>Vẽ</a:t>
-            </a:r>
-            <a:r>
-              <a:rPr lang="en-US" altLang="ja-JP" sz="2800" dirty="0">
-                <a:latin typeface="Times New Roman" panose="02020603050405020304" pitchFamily="18" charset="0"/>
-                <a:cs typeface="Times New Roman" panose="02020603050405020304" pitchFamily="18" charset="0"/>
-              </a:rPr>
-              <a:t> </a:t>
-            </a:r>
-            <a:r>
-              <a:rPr lang="en-US" altLang="ja-JP" sz="2800" dirty="0" err="1">
-                <a:latin typeface="Times New Roman" panose="02020603050405020304" pitchFamily="18" charset="0"/>
-                <a:cs typeface="Times New Roman" panose="02020603050405020304" pitchFamily="18" charset="0"/>
-              </a:rPr>
-              <a:t>StoryBoard</a:t>
+              <a:t>Mô</a:t>
+            </a:r>
+            <a:r>
+              <a:rPr lang="en-US" altLang="ja-JP" sz="2800" dirty="0">
+                <a:latin typeface="Times New Roman" panose="02020603050405020304" pitchFamily="18" charset="0"/>
+                <a:cs typeface="Times New Roman" panose="02020603050405020304" pitchFamily="18" charset="0"/>
+              </a:rPr>
+              <a:t> </a:t>
+            </a:r>
+            <a:r>
+              <a:rPr lang="en-US" altLang="ja-JP" sz="2800" dirty="0" err="1">
+                <a:latin typeface="Times New Roman" panose="02020603050405020304" pitchFamily="18" charset="0"/>
+                <a:cs typeface="Times New Roman" panose="02020603050405020304" pitchFamily="18" charset="0"/>
+              </a:rPr>
+              <a:t>tả</a:t>
+            </a:r>
+            <a:r>
+              <a:rPr lang="en-US" altLang="ja-JP" sz="2800" dirty="0">
+                <a:latin typeface="Times New Roman" panose="02020603050405020304" pitchFamily="18" charset="0"/>
+                <a:cs typeface="Times New Roman" panose="02020603050405020304" pitchFamily="18" charset="0"/>
+              </a:rPr>
+              <a:t> chi </a:t>
+            </a:r>
+            <a:r>
+              <a:rPr lang="en-US" altLang="ja-JP" sz="2800" dirty="0" err="1">
+                <a:latin typeface="Times New Roman" panose="02020603050405020304" pitchFamily="18" charset="0"/>
+                <a:cs typeface="Times New Roman" panose="02020603050405020304" pitchFamily="18" charset="0"/>
+              </a:rPr>
+              <a:t>tiết</a:t>
             </a:r>
             <a:endParaRPr kumimoji="1" lang="ja-JP" altLang="en-US" sz="2800" dirty="0">
               <a:latin typeface="Times New Roman" panose="02020603050405020304" pitchFamily="18" charset="0"/>
@@ -12588,1595 +12900,12 @@
           </a:p>
         </p:txBody>
       </p:sp>
-      <p:sp>
-        <p:nvSpPr>
-          <p:cNvPr id="4" name="TextBox 3">
-            <a:extLst>
-              <a:ext uri="{FF2B5EF4-FFF2-40B4-BE49-F238E27FC236}">
-                <a16:creationId xmlns:a16="http://schemas.microsoft.com/office/drawing/2014/main" id="{E543CAFB-316B-4400-8E3A-4D68EB27AB5A}"/>
-              </a:ext>
-            </a:extLst>
-          </p:cNvPr>
-          <p:cNvSpPr txBox="1"/>
-          <p:nvPr/>
-        </p:nvSpPr>
-        <p:spPr>
-          <a:xfrm>
-            <a:off x="980519" y="821824"/>
-            <a:ext cx="6612267" cy="523220"/>
-          </a:xfrm>
-          <a:prstGeom prst="rect">
-            <a:avLst/>
-          </a:prstGeom>
-          <a:noFill/>
-        </p:spPr>
-        <p:txBody>
-          <a:bodyPr wrap="square" rtlCol="0">
-            <a:spAutoFit/>
-          </a:bodyPr>
-          <a:lstStyle/>
-          <a:p>
-            <a:r>
-              <a:rPr lang="en-US" altLang="ja-JP" sz="2800" dirty="0" err="1">
-                <a:latin typeface="Times New Roman" panose="02020603050405020304" pitchFamily="18" charset="0"/>
-                <a:cs typeface="Times New Roman" panose="02020603050405020304" pitchFamily="18" charset="0"/>
-              </a:rPr>
-              <a:t>StoryBoard</a:t>
-            </a:r>
-            <a:r>
-              <a:rPr lang="en-US" altLang="ja-JP" sz="2800" dirty="0">
-                <a:latin typeface="Times New Roman" panose="02020603050405020304" pitchFamily="18" charset="0"/>
-                <a:cs typeface="Times New Roman" panose="02020603050405020304" pitchFamily="18" charset="0"/>
-              </a:rPr>
-              <a:t> </a:t>
-            </a:r>
-            <a:r>
-              <a:rPr lang="en-US" altLang="ja-JP" sz="2800" dirty="0" err="1">
-                <a:latin typeface="Times New Roman" panose="02020603050405020304" pitchFamily="18" charset="0"/>
-                <a:cs typeface="Times New Roman" panose="02020603050405020304" pitchFamily="18" charset="0"/>
-              </a:rPr>
-              <a:t>về</a:t>
-            </a:r>
-            <a:r>
-              <a:rPr lang="en-US" altLang="ja-JP" sz="2800" dirty="0">
-                <a:latin typeface="Times New Roman" panose="02020603050405020304" pitchFamily="18" charset="0"/>
-                <a:cs typeface="Times New Roman" panose="02020603050405020304" pitchFamily="18" charset="0"/>
-              </a:rPr>
-              <a:t> </a:t>
-            </a:r>
-            <a:r>
-              <a:rPr lang="en-US" altLang="ja-JP" sz="2800" dirty="0" err="1">
-                <a:latin typeface="Times New Roman" panose="02020603050405020304" pitchFamily="18" charset="0"/>
-                <a:cs typeface="Times New Roman" panose="02020603050405020304" pitchFamily="18" charset="0"/>
-              </a:rPr>
-              <a:t>cấu</a:t>
-            </a:r>
-            <a:r>
-              <a:rPr lang="en-US" altLang="ja-JP" sz="2800" dirty="0">
-                <a:latin typeface="Times New Roman" panose="02020603050405020304" pitchFamily="18" charset="0"/>
-                <a:cs typeface="Times New Roman" panose="02020603050405020304" pitchFamily="18" charset="0"/>
-              </a:rPr>
-              <a:t> </a:t>
-            </a:r>
-            <a:r>
-              <a:rPr lang="en-US" altLang="ja-JP" sz="2800" dirty="0" err="1">
-                <a:latin typeface="Times New Roman" panose="02020603050405020304" pitchFamily="18" charset="0"/>
-                <a:cs typeface="Times New Roman" panose="02020603050405020304" pitchFamily="18" charset="0"/>
-              </a:rPr>
-              <a:t>trúc</a:t>
-            </a:r>
-            <a:r>
-              <a:rPr lang="en-US" altLang="ja-JP" sz="2800" dirty="0">
-                <a:latin typeface="Times New Roman" panose="02020603050405020304" pitchFamily="18" charset="0"/>
-                <a:cs typeface="Times New Roman" panose="02020603050405020304" pitchFamily="18" charset="0"/>
-              </a:rPr>
-              <a:t> </a:t>
-            </a:r>
-            <a:r>
-              <a:rPr lang="en-US" altLang="ja-JP" sz="2800" dirty="0" err="1">
-                <a:latin typeface="Times New Roman" panose="02020603050405020304" pitchFamily="18" charset="0"/>
-                <a:cs typeface="Times New Roman" panose="02020603050405020304" pitchFamily="18" charset="0"/>
-              </a:rPr>
-              <a:t>làm</a:t>
-            </a:r>
-            <a:r>
-              <a:rPr lang="en-US" altLang="ja-JP" sz="2800" dirty="0">
-                <a:latin typeface="Times New Roman" panose="02020603050405020304" pitchFamily="18" charset="0"/>
-                <a:cs typeface="Times New Roman" panose="02020603050405020304" pitchFamily="18" charset="0"/>
-              </a:rPr>
-              <a:t> </a:t>
-            </a:r>
-            <a:r>
-              <a:rPr lang="en-US" altLang="ja-JP" sz="2800" dirty="0" err="1">
-                <a:latin typeface="Times New Roman" panose="02020603050405020304" pitchFamily="18" charset="0"/>
-                <a:cs typeface="Times New Roman" panose="02020603050405020304" pitchFamily="18" charset="0"/>
-              </a:rPr>
-              <a:t>việc</a:t>
-            </a:r>
-            <a:r>
-              <a:rPr lang="en-US" altLang="ja-JP" sz="2800" dirty="0">
-                <a:latin typeface="Times New Roman" panose="02020603050405020304" pitchFamily="18" charset="0"/>
-                <a:cs typeface="Times New Roman" panose="02020603050405020304" pitchFamily="18" charset="0"/>
-              </a:rPr>
-              <a:t> </a:t>
-            </a:r>
-            <a:r>
-              <a:rPr lang="en-US" altLang="ja-JP" sz="2800" dirty="0" err="1">
-                <a:latin typeface="Times New Roman" panose="02020603050405020304" pitchFamily="18" charset="0"/>
-                <a:cs typeface="Times New Roman" panose="02020603050405020304" pitchFamily="18" charset="0"/>
-              </a:rPr>
-              <a:t>của</a:t>
-            </a:r>
-            <a:r>
-              <a:rPr lang="en-US" altLang="ja-JP" sz="2800" dirty="0">
-                <a:latin typeface="Times New Roman" panose="02020603050405020304" pitchFamily="18" charset="0"/>
-                <a:cs typeface="Times New Roman" panose="02020603050405020304" pitchFamily="18" charset="0"/>
-              </a:rPr>
-              <a:t> </a:t>
-            </a:r>
-            <a:r>
-              <a:rPr lang="en-US" altLang="ja-JP" sz="2800" dirty="0" err="1">
-                <a:latin typeface="Times New Roman" panose="02020603050405020304" pitchFamily="18" charset="0"/>
-                <a:cs typeface="Times New Roman" panose="02020603050405020304" pitchFamily="18" charset="0"/>
-              </a:rPr>
-              <a:t>quán</a:t>
-            </a:r>
-            <a:endParaRPr kumimoji="1" lang="ja-JP" altLang="en-US" sz="2800" dirty="0">
-              <a:latin typeface="Times New Roman" panose="02020603050405020304" pitchFamily="18" charset="0"/>
-              <a:cs typeface="Times New Roman" panose="02020603050405020304" pitchFamily="18" charset="0"/>
-            </a:endParaRPr>
-          </a:p>
-        </p:txBody>
-      </p:sp>
-      <p:graphicFrame>
-        <p:nvGraphicFramePr>
-          <p:cNvPr id="5" name="Table 4">
-            <a:extLst>
-              <a:ext uri="{FF2B5EF4-FFF2-40B4-BE49-F238E27FC236}">
-                <a16:creationId xmlns:a16="http://schemas.microsoft.com/office/drawing/2014/main" id="{76D71C30-8CFB-4E2E-B1FA-7D25E893DF48}"/>
-              </a:ext>
-            </a:extLst>
-          </p:cNvPr>
-          <p:cNvGraphicFramePr>
-            <a:graphicFrameLocks noGrp="1"/>
-          </p:cNvGraphicFramePr>
-          <p:nvPr>
-            <p:extLst>
-              <p:ext uri="{D42A27DB-BD31-4B8C-83A1-F6EECF244321}">
-                <p14:modId xmlns:p14="http://schemas.microsoft.com/office/powerpoint/2010/main" val="980441530"/>
-              </p:ext>
-            </p:extLst>
-          </p:nvPr>
-        </p:nvGraphicFramePr>
-        <p:xfrm>
-          <a:off x="502014" y="607616"/>
-          <a:ext cx="11299599" cy="5671328"/>
-        </p:xfrm>
-        <a:graphic>
-          <a:graphicData uri="http://schemas.openxmlformats.org/drawingml/2006/table">
-            <a:tbl>
-              <a:tblPr firstRow="1" bandRow="1">
-                <a:tableStyleId>{5C22544A-7EE6-4342-B048-85BDC9FD1C3A}</a:tableStyleId>
-              </a:tblPr>
-              <a:tblGrid>
-                <a:gridCol w="3584349">
-                  <a:extLst>
-                    <a:ext uri="{9D8B030D-6E8A-4147-A177-3AD203B41FA5}">
-                      <a16:colId xmlns:a16="http://schemas.microsoft.com/office/drawing/2014/main" val="1519141874"/>
-                    </a:ext>
-                  </a:extLst>
-                </a:gridCol>
-                <a:gridCol w="3927021">
-                  <a:extLst>
-                    <a:ext uri="{9D8B030D-6E8A-4147-A177-3AD203B41FA5}">
-                      <a16:colId xmlns:a16="http://schemas.microsoft.com/office/drawing/2014/main" val="45401384"/>
-                    </a:ext>
-                  </a:extLst>
-                </a:gridCol>
-                <a:gridCol w="3788229">
-                  <a:extLst>
-                    <a:ext uri="{9D8B030D-6E8A-4147-A177-3AD203B41FA5}">
-                      <a16:colId xmlns:a16="http://schemas.microsoft.com/office/drawing/2014/main" val="634695175"/>
-                    </a:ext>
-                  </a:extLst>
-                </a:gridCol>
-              </a:tblGrid>
-              <a:tr h="2022529">
-                <a:tc>
-                  <a:txBody>
-                    <a:bodyPr/>
-                    <a:lstStyle/>
-                    <a:p>
-                      <a:endParaRPr kumimoji="1" lang="ja-JP" altLang="en-US" dirty="0">
-                        <a:latin typeface="Times New Roman" panose="02020603050405020304" pitchFamily="18" charset="0"/>
-                        <a:cs typeface="Times New Roman" panose="02020603050405020304" pitchFamily="18" charset="0"/>
-                      </a:endParaRPr>
-                    </a:p>
-                  </a:txBody>
-                  <a:tcPr>
-                    <a:lnL w="12700" cap="flat" cmpd="sng" algn="ctr">
-                      <a:noFill/>
-                      <a:prstDash val="solid"/>
-                      <a:round/>
-                      <a:headEnd type="none" w="med" len="med"/>
-                      <a:tailEnd type="none" w="med" len="med"/>
-                    </a:lnL>
-                    <a:lnR w="12700" cap="flat" cmpd="sng" algn="ctr">
-                      <a:solidFill>
-                        <a:schemeClr val="tx1"/>
-                      </a:solidFill>
-                      <a:prstDash val="solid"/>
-                      <a:round/>
-                      <a:headEnd type="none" w="med" len="med"/>
-                      <a:tailEnd type="none" w="med" len="med"/>
-                    </a:lnR>
-                    <a:lnT w="12700" cap="flat" cmpd="sng" algn="ctr">
-                      <a:noFill/>
-                      <a:prstDash val="solid"/>
-                      <a:round/>
-                      <a:headEnd type="none" w="med" len="med"/>
-                      <a:tailEnd type="none" w="med" len="med"/>
-                    </a:lnT>
-                    <a:lnB w="12700" cap="flat" cmpd="sng" algn="ctr">
-                      <a:solidFill>
-                        <a:schemeClr val="tx1"/>
-                      </a:solidFill>
-                      <a:prstDash val="solid"/>
-                      <a:round/>
-                      <a:headEnd type="none" w="med" len="med"/>
-                      <a:tailEnd type="none" w="med" len="med"/>
-                    </a:lnB>
-                    <a:solidFill>
-                      <a:schemeClr val="bg1"/>
-                    </a:solidFill>
-                  </a:tcPr>
-                </a:tc>
-                <a:tc>
-                  <a:txBody>
-                    <a:bodyPr/>
-                    <a:lstStyle/>
-                    <a:p>
-                      <a:endParaRPr kumimoji="1" lang="ja-JP" altLang="en-US" dirty="0">
-                        <a:latin typeface="Times New Roman" panose="02020603050405020304" pitchFamily="18" charset="0"/>
-                        <a:cs typeface="Times New Roman" panose="02020603050405020304" pitchFamily="18" charset="0"/>
-                      </a:endParaRPr>
-                    </a:p>
-                  </a:txBody>
-                  <a:tcPr>
-                    <a:lnL w="12700" cap="flat" cmpd="sng" algn="ctr">
-                      <a:solidFill>
-                        <a:schemeClr val="tx1"/>
-                      </a:solidFill>
-                      <a:prstDash val="solid"/>
-                      <a:round/>
-                      <a:headEnd type="none" w="med" len="med"/>
-                      <a:tailEnd type="none" w="med" len="med"/>
-                    </a:lnL>
-                    <a:lnR w="12700" cap="flat" cmpd="sng" algn="ctr">
-                      <a:solidFill>
-                        <a:schemeClr val="tx1"/>
-                      </a:solidFill>
-                      <a:prstDash val="solid"/>
-                      <a:round/>
-                      <a:headEnd type="none" w="med" len="med"/>
-                      <a:tailEnd type="none" w="med" len="med"/>
-                    </a:lnR>
-                    <a:lnT w="12700" cap="flat" cmpd="sng" algn="ctr">
-                      <a:noFill/>
-                      <a:prstDash val="solid"/>
-                      <a:round/>
-                      <a:headEnd type="none" w="med" len="med"/>
-                      <a:tailEnd type="none" w="med" len="med"/>
-                    </a:lnT>
-                    <a:lnB w="12700" cap="flat" cmpd="sng" algn="ctr">
-                      <a:solidFill>
-                        <a:schemeClr val="tx1"/>
-                      </a:solidFill>
-                      <a:prstDash val="solid"/>
-                      <a:round/>
-                      <a:headEnd type="none" w="med" len="med"/>
-                      <a:tailEnd type="none" w="med" len="med"/>
-                    </a:lnB>
-                    <a:solidFill>
-                      <a:schemeClr val="bg1"/>
-                    </a:solidFill>
-                  </a:tcPr>
-                </a:tc>
-                <a:tc>
-                  <a:txBody>
-                    <a:bodyPr/>
-                    <a:lstStyle/>
-                    <a:p>
-                      <a:endParaRPr kumimoji="1" lang="ja-JP" altLang="en-US" dirty="0">
-                        <a:latin typeface="Times New Roman" panose="02020603050405020304" pitchFamily="18" charset="0"/>
-                        <a:cs typeface="Times New Roman" panose="02020603050405020304" pitchFamily="18" charset="0"/>
-                      </a:endParaRPr>
-                    </a:p>
-                  </a:txBody>
-                  <a:tcPr>
-                    <a:lnL w="12700" cap="flat" cmpd="sng" algn="ctr">
-                      <a:solidFill>
-                        <a:schemeClr val="tx1"/>
-                      </a:solidFill>
-                      <a:prstDash val="solid"/>
-                      <a:round/>
-                      <a:headEnd type="none" w="med" len="med"/>
-                      <a:tailEnd type="none" w="med" len="med"/>
-                    </a:lnL>
-                    <a:lnR w="12700" cap="flat" cmpd="sng" algn="ctr">
-                      <a:noFill/>
-                      <a:prstDash val="solid"/>
-                      <a:round/>
-                      <a:headEnd type="none" w="med" len="med"/>
-                      <a:tailEnd type="none" w="med" len="med"/>
-                    </a:lnR>
-                    <a:lnT w="12700" cap="flat" cmpd="sng" algn="ctr">
-                      <a:noFill/>
-                      <a:prstDash val="solid"/>
-                      <a:round/>
-                      <a:headEnd type="none" w="med" len="med"/>
-                      <a:tailEnd type="none" w="med" len="med"/>
-                    </a:lnT>
-                    <a:lnB w="12700" cap="flat" cmpd="sng" algn="ctr">
-                      <a:solidFill>
-                        <a:schemeClr val="tx1"/>
-                      </a:solidFill>
-                      <a:prstDash val="solid"/>
-                      <a:round/>
-                      <a:headEnd type="none" w="med" len="med"/>
-                      <a:tailEnd type="none" w="med" len="med"/>
-                    </a:lnB>
-                    <a:solidFill>
-                      <a:schemeClr val="bg1"/>
-                    </a:solidFill>
-                  </a:tcPr>
-                </a:tc>
-                <a:extLst>
-                  <a:ext uri="{0D108BD9-81ED-4DB2-BD59-A6C34878D82A}">
-                    <a16:rowId xmlns:a16="http://schemas.microsoft.com/office/drawing/2014/main" val="1455830110"/>
-                  </a:ext>
-                </a:extLst>
-              </a:tr>
-              <a:tr h="432293">
-                <a:tc>
-                  <a:txBody>
-                    <a:bodyPr/>
-                    <a:lstStyle/>
-                    <a:p>
-                      <a:r>
-                        <a:rPr kumimoji="1" lang="en-US" altLang="ja-JP" dirty="0">
-                          <a:latin typeface="Times New Roman" panose="02020603050405020304" pitchFamily="18" charset="0"/>
-                          <a:cs typeface="Times New Roman" panose="02020603050405020304" pitchFamily="18" charset="0"/>
-                        </a:rPr>
-                        <a:t>1. </a:t>
-                      </a:r>
-                      <a:r>
-                        <a:rPr kumimoji="1" lang="en-US" altLang="ja-JP" dirty="0" err="1">
-                          <a:latin typeface="Times New Roman" panose="02020603050405020304" pitchFamily="18" charset="0"/>
-                          <a:cs typeface="Times New Roman" panose="02020603050405020304" pitchFamily="18" charset="0"/>
-                        </a:rPr>
-                        <a:t>Dịch</a:t>
-                      </a:r>
-                      <a:r>
-                        <a:rPr kumimoji="1" lang="en-US" altLang="ja-JP" dirty="0">
-                          <a:latin typeface="Times New Roman" panose="02020603050405020304" pitchFamily="18" charset="0"/>
-                          <a:cs typeface="Times New Roman" panose="02020603050405020304" pitchFamily="18" charset="0"/>
-                        </a:rPr>
-                        <a:t> </a:t>
-                      </a:r>
-                      <a:r>
-                        <a:rPr kumimoji="1" lang="en-US" altLang="ja-JP" dirty="0" err="1">
-                          <a:latin typeface="Times New Roman" panose="02020603050405020304" pitchFamily="18" charset="0"/>
-                          <a:cs typeface="Times New Roman" panose="02020603050405020304" pitchFamily="18" charset="0"/>
-                        </a:rPr>
-                        <a:t>vụ</a:t>
-                      </a:r>
-                      <a:r>
-                        <a:rPr kumimoji="1" lang="en-US" altLang="ja-JP" dirty="0">
-                          <a:latin typeface="Times New Roman" panose="02020603050405020304" pitchFamily="18" charset="0"/>
-                          <a:cs typeface="Times New Roman" panose="02020603050405020304" pitchFamily="18" charset="0"/>
-                        </a:rPr>
-                        <a:t> </a:t>
-                      </a:r>
-                      <a:r>
-                        <a:rPr kumimoji="1" lang="en-US" altLang="ja-JP" dirty="0" err="1">
-                          <a:latin typeface="Times New Roman" panose="02020603050405020304" pitchFamily="18" charset="0"/>
-                          <a:cs typeface="Times New Roman" panose="02020603050405020304" pitchFamily="18" charset="0"/>
-                        </a:rPr>
-                        <a:t>sửa</a:t>
-                      </a:r>
-                      <a:r>
-                        <a:rPr kumimoji="1" lang="en-US" altLang="ja-JP" dirty="0">
-                          <a:latin typeface="Times New Roman" panose="02020603050405020304" pitchFamily="18" charset="0"/>
-                          <a:cs typeface="Times New Roman" panose="02020603050405020304" pitchFamily="18" charset="0"/>
-                        </a:rPr>
-                        <a:t> </a:t>
-                      </a:r>
-                      <a:r>
-                        <a:rPr kumimoji="1" lang="en-US" altLang="ja-JP" dirty="0" err="1">
-                          <a:latin typeface="Times New Roman" panose="02020603050405020304" pitchFamily="18" charset="0"/>
-                          <a:cs typeface="Times New Roman" panose="02020603050405020304" pitchFamily="18" charset="0"/>
-                        </a:rPr>
-                        <a:t>và</a:t>
-                      </a:r>
-                      <a:r>
-                        <a:rPr kumimoji="1" lang="en-US" altLang="ja-JP" dirty="0">
-                          <a:latin typeface="Times New Roman" panose="02020603050405020304" pitchFamily="18" charset="0"/>
-                          <a:cs typeface="Times New Roman" panose="02020603050405020304" pitchFamily="18" charset="0"/>
-                        </a:rPr>
-                        <a:t> </a:t>
-                      </a:r>
-                      <a:r>
-                        <a:rPr kumimoji="1" lang="en-US" altLang="ja-JP" dirty="0" err="1">
-                          <a:latin typeface="Times New Roman" panose="02020603050405020304" pitchFamily="18" charset="0"/>
-                          <a:cs typeface="Times New Roman" panose="02020603050405020304" pitchFamily="18" charset="0"/>
-                        </a:rPr>
-                        <a:t>uống</a:t>
-                      </a:r>
-                      <a:r>
-                        <a:rPr kumimoji="1" lang="en-US" altLang="ja-JP" dirty="0">
-                          <a:latin typeface="Times New Roman" panose="02020603050405020304" pitchFamily="18" charset="0"/>
-                          <a:cs typeface="Times New Roman" panose="02020603050405020304" pitchFamily="18" charset="0"/>
-                        </a:rPr>
-                        <a:t> cafe</a:t>
-                      </a:r>
-                      <a:endParaRPr kumimoji="1" lang="ja-JP" altLang="en-US" dirty="0">
-                        <a:latin typeface="Times New Roman" panose="02020603050405020304" pitchFamily="18" charset="0"/>
-                        <a:cs typeface="Times New Roman" panose="02020603050405020304" pitchFamily="18" charset="0"/>
-                      </a:endParaRPr>
-                    </a:p>
-                  </a:txBody>
-                  <a:tcPr>
-                    <a:lnL w="12700" cap="flat" cmpd="sng" algn="ctr">
-                      <a:noFill/>
-                      <a:prstDash val="solid"/>
-                      <a:round/>
-                      <a:headEnd type="none" w="med" len="med"/>
-                      <a:tailEnd type="none" w="med" len="med"/>
-                    </a:lnL>
-                    <a:lnR w="12700" cap="flat" cmpd="sng" algn="ctr">
-                      <a:solidFill>
-                        <a:schemeClr val="tx1"/>
-                      </a:solidFill>
-                      <a:prstDash val="solid"/>
-                      <a:round/>
-                      <a:headEnd type="none" w="med" len="med"/>
-                      <a:tailEnd type="none" w="med" len="med"/>
-                    </a:lnR>
-                    <a:lnT w="12700" cap="flat" cmpd="sng" algn="ctr">
-                      <a:solidFill>
-                        <a:schemeClr val="tx1"/>
-                      </a:solidFill>
-                      <a:prstDash val="solid"/>
-                      <a:round/>
-                      <a:headEnd type="none" w="med" len="med"/>
-                      <a:tailEnd type="none" w="med" len="med"/>
-                    </a:lnT>
-                    <a:lnB w="12700" cap="flat" cmpd="sng" algn="ctr">
-                      <a:solidFill>
-                        <a:schemeClr val="tx1"/>
-                      </a:solidFill>
-                      <a:prstDash val="solid"/>
-                      <a:round/>
-                      <a:headEnd type="none" w="med" len="med"/>
-                      <a:tailEnd type="none" w="med" len="med"/>
-                    </a:lnB>
-                    <a:solidFill>
-                      <a:schemeClr val="bg1"/>
-                    </a:solidFill>
-                  </a:tcPr>
-                </a:tc>
-                <a:tc>
-                  <a:txBody>
-                    <a:bodyPr/>
-                    <a:lstStyle/>
-                    <a:p>
-                      <a:r>
-                        <a:rPr kumimoji="1" lang="en-US" altLang="ja-JP" dirty="0">
-                          <a:latin typeface="Times New Roman" panose="02020603050405020304" pitchFamily="18" charset="0"/>
-                          <a:cs typeface="Times New Roman" panose="02020603050405020304" pitchFamily="18" charset="0"/>
-                        </a:rPr>
-                        <a:t>2. </a:t>
-                      </a:r>
-                      <a:r>
-                        <a:rPr kumimoji="1" lang="en-US" altLang="ja-JP" dirty="0" err="1">
-                          <a:latin typeface="Times New Roman" panose="02020603050405020304" pitchFamily="18" charset="0"/>
-                          <a:cs typeface="Times New Roman" panose="02020603050405020304" pitchFamily="18" charset="0"/>
-                        </a:rPr>
-                        <a:t>Dịch</a:t>
-                      </a:r>
-                      <a:r>
-                        <a:rPr kumimoji="1" lang="en-US" altLang="ja-JP" dirty="0">
-                          <a:latin typeface="Times New Roman" panose="02020603050405020304" pitchFamily="18" charset="0"/>
-                          <a:cs typeface="Times New Roman" panose="02020603050405020304" pitchFamily="18" charset="0"/>
-                        </a:rPr>
-                        <a:t> </a:t>
-                      </a:r>
-                      <a:r>
-                        <a:rPr kumimoji="1" lang="en-US" altLang="ja-JP" dirty="0" err="1">
-                          <a:latin typeface="Times New Roman" panose="02020603050405020304" pitchFamily="18" charset="0"/>
-                          <a:cs typeface="Times New Roman" panose="02020603050405020304" pitchFamily="18" charset="0"/>
-                        </a:rPr>
-                        <a:t>vụ</a:t>
-                      </a:r>
-                      <a:r>
-                        <a:rPr kumimoji="1" lang="en-US" altLang="ja-JP" dirty="0">
-                          <a:latin typeface="Times New Roman" panose="02020603050405020304" pitchFamily="18" charset="0"/>
-                          <a:cs typeface="Times New Roman" panose="02020603050405020304" pitchFamily="18" charset="0"/>
-                        </a:rPr>
-                        <a:t> </a:t>
-                      </a:r>
-                      <a:r>
-                        <a:rPr kumimoji="1" lang="en-US" altLang="ja-JP" dirty="0" err="1">
-                          <a:latin typeface="Times New Roman" panose="02020603050405020304" pitchFamily="18" charset="0"/>
-                          <a:cs typeface="Times New Roman" panose="02020603050405020304" pitchFamily="18" charset="0"/>
-                        </a:rPr>
-                        <a:t>sửa</a:t>
-                      </a:r>
-                      <a:r>
-                        <a:rPr kumimoji="1" lang="en-US" altLang="ja-JP" dirty="0">
-                          <a:latin typeface="Times New Roman" panose="02020603050405020304" pitchFamily="18" charset="0"/>
-                          <a:cs typeface="Times New Roman" panose="02020603050405020304" pitchFamily="18" charset="0"/>
-                        </a:rPr>
-                        <a:t> </a:t>
-                      </a:r>
-                      <a:r>
-                        <a:rPr kumimoji="1" lang="en-US" altLang="ja-JP" dirty="0" err="1">
-                          <a:latin typeface="Times New Roman" panose="02020603050405020304" pitchFamily="18" charset="0"/>
-                          <a:cs typeface="Times New Roman" panose="02020603050405020304" pitchFamily="18" charset="0"/>
-                        </a:rPr>
-                        <a:t>nhanh</a:t>
-                      </a:r>
-                      <a:endParaRPr kumimoji="1" lang="ja-JP" altLang="en-US" dirty="0">
-                        <a:latin typeface="Times New Roman" panose="02020603050405020304" pitchFamily="18" charset="0"/>
-                        <a:cs typeface="Times New Roman" panose="02020603050405020304" pitchFamily="18" charset="0"/>
-                      </a:endParaRPr>
-                    </a:p>
-                  </a:txBody>
-                  <a:tcPr>
-                    <a:lnL w="12700" cap="flat" cmpd="sng" algn="ctr">
-                      <a:solidFill>
-                        <a:schemeClr val="tx1"/>
-                      </a:solidFill>
-                      <a:prstDash val="solid"/>
-                      <a:round/>
-                      <a:headEnd type="none" w="med" len="med"/>
-                      <a:tailEnd type="none" w="med" len="med"/>
-                    </a:lnL>
-                    <a:lnR w="12700" cap="flat" cmpd="sng" algn="ctr">
-                      <a:solidFill>
-                        <a:schemeClr val="tx1"/>
-                      </a:solidFill>
-                      <a:prstDash val="solid"/>
-                      <a:round/>
-                      <a:headEnd type="none" w="med" len="med"/>
-                      <a:tailEnd type="none" w="med" len="med"/>
-                    </a:lnR>
-                    <a:lnT w="12700" cap="flat" cmpd="sng" algn="ctr">
-                      <a:solidFill>
-                        <a:schemeClr val="tx1"/>
-                      </a:solidFill>
-                      <a:prstDash val="solid"/>
-                      <a:round/>
-                      <a:headEnd type="none" w="med" len="med"/>
-                      <a:tailEnd type="none" w="med" len="med"/>
-                    </a:lnT>
-                    <a:lnB w="12700" cap="flat" cmpd="sng" algn="ctr">
-                      <a:solidFill>
-                        <a:schemeClr val="tx1"/>
-                      </a:solidFill>
-                      <a:prstDash val="solid"/>
-                      <a:round/>
-                      <a:headEnd type="none" w="med" len="med"/>
-                      <a:tailEnd type="none" w="med" len="med"/>
-                    </a:lnB>
-                    <a:solidFill>
-                      <a:schemeClr val="bg1"/>
-                    </a:solidFill>
-                  </a:tcPr>
-                </a:tc>
-                <a:tc>
-                  <a:txBody>
-                    <a:bodyPr/>
-                    <a:lstStyle/>
-                    <a:p>
-                      <a:r>
-                        <a:rPr kumimoji="1" lang="en-US" altLang="ja-JP" dirty="0">
-                          <a:latin typeface="Times New Roman" panose="02020603050405020304" pitchFamily="18" charset="0"/>
-                          <a:cs typeface="Times New Roman" panose="02020603050405020304" pitchFamily="18" charset="0"/>
-                        </a:rPr>
-                        <a:t>3. </a:t>
-                      </a:r>
-                      <a:r>
-                        <a:rPr kumimoji="1" lang="en-US" altLang="ja-JP" dirty="0" err="1">
-                          <a:latin typeface="Times New Roman" panose="02020603050405020304" pitchFamily="18" charset="0"/>
-                          <a:cs typeface="Times New Roman" panose="02020603050405020304" pitchFamily="18" charset="0"/>
-                        </a:rPr>
-                        <a:t>Dịch</a:t>
-                      </a:r>
-                      <a:r>
-                        <a:rPr kumimoji="1" lang="en-US" altLang="ja-JP" dirty="0">
-                          <a:latin typeface="Times New Roman" panose="02020603050405020304" pitchFamily="18" charset="0"/>
-                          <a:cs typeface="Times New Roman" panose="02020603050405020304" pitchFamily="18" charset="0"/>
-                        </a:rPr>
-                        <a:t> </a:t>
-                      </a:r>
-                      <a:r>
-                        <a:rPr kumimoji="1" lang="en-US" altLang="ja-JP" dirty="0" err="1">
-                          <a:latin typeface="Times New Roman" panose="02020603050405020304" pitchFamily="18" charset="0"/>
-                          <a:cs typeface="Times New Roman" panose="02020603050405020304" pitchFamily="18" charset="0"/>
-                        </a:rPr>
-                        <a:t>vụ</a:t>
-                      </a:r>
-                      <a:r>
-                        <a:rPr kumimoji="1" lang="en-US" altLang="ja-JP" dirty="0">
-                          <a:latin typeface="Times New Roman" panose="02020603050405020304" pitchFamily="18" charset="0"/>
-                          <a:cs typeface="Times New Roman" panose="02020603050405020304" pitchFamily="18" charset="0"/>
-                        </a:rPr>
-                        <a:t> </a:t>
-                      </a:r>
-                      <a:r>
-                        <a:rPr kumimoji="1" lang="en-US" altLang="ja-JP" dirty="0" err="1">
-                          <a:latin typeface="Times New Roman" panose="02020603050405020304" pitchFamily="18" charset="0"/>
-                          <a:cs typeface="Times New Roman" panose="02020603050405020304" pitchFamily="18" charset="0"/>
-                        </a:rPr>
-                        <a:t>sửa</a:t>
-                      </a:r>
-                      <a:r>
-                        <a:rPr kumimoji="1" lang="en-US" altLang="ja-JP" dirty="0">
-                          <a:latin typeface="Times New Roman" panose="02020603050405020304" pitchFamily="18" charset="0"/>
-                          <a:cs typeface="Times New Roman" panose="02020603050405020304" pitchFamily="18" charset="0"/>
-                        </a:rPr>
-                        <a:t> </a:t>
-                      </a:r>
-                      <a:r>
-                        <a:rPr kumimoji="1" lang="en-US" altLang="ja-JP" dirty="0" err="1">
-                          <a:latin typeface="Times New Roman" panose="02020603050405020304" pitchFamily="18" charset="0"/>
-                          <a:cs typeface="Times New Roman" panose="02020603050405020304" pitchFamily="18" charset="0"/>
-                        </a:rPr>
-                        <a:t>đảm</a:t>
-                      </a:r>
-                      <a:r>
-                        <a:rPr kumimoji="1" lang="en-US" altLang="ja-JP" dirty="0">
-                          <a:latin typeface="Times New Roman" panose="02020603050405020304" pitchFamily="18" charset="0"/>
-                          <a:cs typeface="Times New Roman" panose="02020603050405020304" pitchFamily="18" charset="0"/>
-                        </a:rPr>
-                        <a:t> </a:t>
-                      </a:r>
-                      <a:r>
-                        <a:rPr kumimoji="1" lang="en-US" altLang="ja-JP" dirty="0" err="1">
-                          <a:latin typeface="Times New Roman" panose="02020603050405020304" pitchFamily="18" charset="0"/>
-                          <a:cs typeface="Times New Roman" panose="02020603050405020304" pitchFamily="18" charset="0"/>
-                        </a:rPr>
-                        <a:t>bảo</a:t>
-                      </a:r>
-                      <a:endParaRPr kumimoji="1" lang="ja-JP" altLang="en-US" dirty="0">
-                        <a:latin typeface="Times New Roman" panose="02020603050405020304" pitchFamily="18" charset="0"/>
-                        <a:cs typeface="Times New Roman" panose="02020603050405020304" pitchFamily="18" charset="0"/>
-                      </a:endParaRPr>
-                    </a:p>
-                  </a:txBody>
-                  <a:tcPr>
-                    <a:lnL w="12700" cap="flat" cmpd="sng" algn="ctr">
-                      <a:solidFill>
-                        <a:schemeClr val="tx1"/>
-                      </a:solidFill>
-                      <a:prstDash val="solid"/>
-                      <a:round/>
-                      <a:headEnd type="none" w="med" len="med"/>
-                      <a:tailEnd type="none" w="med" len="med"/>
-                    </a:lnL>
-                    <a:lnR w="12700" cap="flat" cmpd="sng" algn="ctr">
-                      <a:noFill/>
-                      <a:prstDash val="solid"/>
-                      <a:round/>
-                      <a:headEnd type="none" w="med" len="med"/>
-                      <a:tailEnd type="none" w="med" len="med"/>
-                    </a:lnR>
-                    <a:lnT w="12700" cap="flat" cmpd="sng" algn="ctr">
-                      <a:solidFill>
-                        <a:schemeClr val="tx1"/>
-                      </a:solidFill>
-                      <a:prstDash val="solid"/>
-                      <a:round/>
-                      <a:headEnd type="none" w="med" len="med"/>
-                      <a:tailEnd type="none" w="med" len="med"/>
-                    </a:lnT>
-                    <a:lnB w="12700" cap="flat" cmpd="sng" algn="ctr">
-                      <a:solidFill>
-                        <a:schemeClr val="tx1"/>
-                      </a:solidFill>
-                      <a:prstDash val="solid"/>
-                      <a:round/>
-                      <a:headEnd type="none" w="med" len="med"/>
-                      <a:tailEnd type="none" w="med" len="med"/>
-                    </a:lnB>
-                    <a:solidFill>
-                      <a:schemeClr val="bg1"/>
-                    </a:solidFill>
-                  </a:tcPr>
-                </a:tc>
-                <a:extLst>
-                  <a:ext uri="{0D108BD9-81ED-4DB2-BD59-A6C34878D82A}">
-                    <a16:rowId xmlns:a16="http://schemas.microsoft.com/office/drawing/2014/main" val="2452726004"/>
-                  </a:ext>
-                </a:extLst>
-              </a:tr>
-              <a:tr h="2027786">
-                <a:tc>
-                  <a:txBody>
-                    <a:bodyPr/>
-                    <a:lstStyle/>
-                    <a:p>
-                      <a:endParaRPr kumimoji="1" lang="ja-JP" altLang="en-US" dirty="0">
-                        <a:latin typeface="Times New Roman" panose="02020603050405020304" pitchFamily="18" charset="0"/>
-                        <a:cs typeface="Times New Roman" panose="02020603050405020304" pitchFamily="18" charset="0"/>
-                      </a:endParaRPr>
-                    </a:p>
-                  </a:txBody>
-                  <a:tcPr>
-                    <a:lnL w="12700" cap="flat" cmpd="sng" algn="ctr">
-                      <a:noFill/>
-                      <a:prstDash val="solid"/>
-                      <a:round/>
-                      <a:headEnd type="none" w="med" len="med"/>
-                      <a:tailEnd type="none" w="med" len="med"/>
-                    </a:lnL>
-                    <a:lnR w="12700" cap="flat" cmpd="sng" algn="ctr">
-                      <a:solidFill>
-                        <a:schemeClr val="tx1"/>
-                      </a:solidFill>
-                      <a:prstDash val="solid"/>
-                      <a:round/>
-                      <a:headEnd type="none" w="med" len="med"/>
-                      <a:tailEnd type="none" w="med" len="med"/>
-                    </a:lnR>
-                    <a:lnT w="12700" cap="flat" cmpd="sng" algn="ctr">
-                      <a:solidFill>
-                        <a:schemeClr val="tx1"/>
-                      </a:solidFill>
-                      <a:prstDash val="solid"/>
-                      <a:round/>
-                      <a:headEnd type="none" w="med" len="med"/>
-                      <a:tailEnd type="none" w="med" len="med"/>
-                    </a:lnT>
-                    <a:lnB w="12700" cap="flat" cmpd="sng" algn="ctr">
-                      <a:solidFill>
-                        <a:schemeClr val="tx1"/>
-                      </a:solidFill>
-                      <a:prstDash val="solid"/>
-                      <a:round/>
-                      <a:headEnd type="none" w="med" len="med"/>
-                      <a:tailEnd type="none" w="med" len="med"/>
-                    </a:lnB>
-                    <a:solidFill>
-                      <a:schemeClr val="bg1"/>
-                    </a:solidFill>
-                  </a:tcPr>
-                </a:tc>
-                <a:tc>
-                  <a:txBody>
-                    <a:bodyPr/>
-                    <a:lstStyle/>
-                    <a:p>
-                      <a:endParaRPr kumimoji="1" lang="ja-JP" altLang="en-US" dirty="0">
-                        <a:latin typeface="Times New Roman" panose="02020603050405020304" pitchFamily="18" charset="0"/>
-                        <a:cs typeface="Times New Roman" panose="02020603050405020304" pitchFamily="18" charset="0"/>
-                      </a:endParaRPr>
-                    </a:p>
-                  </a:txBody>
-                  <a:tcPr>
-                    <a:lnL w="12700" cap="flat" cmpd="sng" algn="ctr">
-                      <a:solidFill>
-                        <a:schemeClr val="tx1"/>
-                      </a:solidFill>
-                      <a:prstDash val="solid"/>
-                      <a:round/>
-                      <a:headEnd type="none" w="med" len="med"/>
-                      <a:tailEnd type="none" w="med" len="med"/>
-                    </a:lnL>
-                    <a:lnR w="12700" cap="flat" cmpd="sng" algn="ctr">
-                      <a:solidFill>
-                        <a:schemeClr val="tx1"/>
-                      </a:solidFill>
-                      <a:prstDash val="solid"/>
-                      <a:round/>
-                      <a:headEnd type="none" w="med" len="med"/>
-                      <a:tailEnd type="none" w="med" len="med"/>
-                    </a:lnR>
-                    <a:lnT w="12700" cap="flat" cmpd="sng" algn="ctr">
-                      <a:solidFill>
-                        <a:schemeClr val="tx1"/>
-                      </a:solidFill>
-                      <a:prstDash val="solid"/>
-                      <a:round/>
-                      <a:headEnd type="none" w="med" len="med"/>
-                      <a:tailEnd type="none" w="med" len="med"/>
-                    </a:lnT>
-                    <a:lnB w="12700" cap="flat" cmpd="sng" algn="ctr">
-                      <a:solidFill>
-                        <a:schemeClr val="tx1"/>
-                      </a:solidFill>
-                      <a:prstDash val="solid"/>
-                      <a:round/>
-                      <a:headEnd type="none" w="med" len="med"/>
-                      <a:tailEnd type="none" w="med" len="med"/>
-                    </a:lnB>
-                    <a:solidFill>
-                      <a:schemeClr val="bg1"/>
-                    </a:solidFill>
-                  </a:tcPr>
-                </a:tc>
-                <a:tc>
-                  <a:txBody>
-                    <a:bodyPr/>
-                    <a:lstStyle/>
-                    <a:p>
-                      <a:endParaRPr kumimoji="1" lang="ja-JP" altLang="en-US" dirty="0">
-                        <a:latin typeface="Times New Roman" panose="02020603050405020304" pitchFamily="18" charset="0"/>
-                        <a:cs typeface="Times New Roman" panose="02020603050405020304" pitchFamily="18" charset="0"/>
-                      </a:endParaRPr>
-                    </a:p>
-                  </a:txBody>
-                  <a:tcPr>
-                    <a:lnL w="12700" cap="flat" cmpd="sng" algn="ctr">
-                      <a:solidFill>
-                        <a:schemeClr val="tx1"/>
-                      </a:solidFill>
-                      <a:prstDash val="solid"/>
-                      <a:round/>
-                      <a:headEnd type="none" w="med" len="med"/>
-                      <a:tailEnd type="none" w="med" len="med"/>
-                    </a:lnL>
-                    <a:lnR w="12700" cap="flat" cmpd="sng" algn="ctr">
-                      <a:noFill/>
-                      <a:prstDash val="solid"/>
-                      <a:round/>
-                      <a:headEnd type="none" w="med" len="med"/>
-                      <a:tailEnd type="none" w="med" len="med"/>
-                    </a:lnR>
-                    <a:lnT w="12700" cap="flat" cmpd="sng" algn="ctr">
-                      <a:solidFill>
-                        <a:schemeClr val="tx1"/>
-                      </a:solidFill>
-                      <a:prstDash val="solid"/>
-                      <a:round/>
-                      <a:headEnd type="none" w="med" len="med"/>
-                      <a:tailEnd type="none" w="med" len="med"/>
-                    </a:lnT>
-                    <a:lnB w="12700" cap="flat" cmpd="sng" algn="ctr">
-                      <a:solidFill>
-                        <a:schemeClr val="tx1"/>
-                      </a:solidFill>
-                      <a:prstDash val="solid"/>
-                      <a:round/>
-                      <a:headEnd type="none" w="med" len="med"/>
-                      <a:tailEnd type="none" w="med" len="med"/>
-                    </a:lnB>
-                    <a:solidFill>
-                      <a:schemeClr val="bg1"/>
-                    </a:solidFill>
-                  </a:tcPr>
-                </a:tc>
-                <a:extLst>
-                  <a:ext uri="{0D108BD9-81ED-4DB2-BD59-A6C34878D82A}">
-                    <a16:rowId xmlns:a16="http://schemas.microsoft.com/office/drawing/2014/main" val="2681593097"/>
-                  </a:ext>
-                </a:extLst>
-              </a:tr>
-              <a:tr h="432293">
-                <a:tc>
-                  <a:txBody>
-                    <a:bodyPr/>
-                    <a:lstStyle/>
-                    <a:p>
-                      <a:r>
-                        <a:rPr kumimoji="1" lang="en-US" altLang="ja-JP" dirty="0">
-                          <a:latin typeface="Times New Roman" panose="02020603050405020304" pitchFamily="18" charset="0"/>
-                          <a:cs typeface="Times New Roman" panose="02020603050405020304" pitchFamily="18" charset="0"/>
-                        </a:rPr>
-                        <a:t>4. </a:t>
-                      </a:r>
-                      <a:r>
-                        <a:rPr kumimoji="1" lang="en-US" altLang="ja-JP" dirty="0" err="1">
-                          <a:latin typeface="Times New Roman" panose="02020603050405020304" pitchFamily="18" charset="0"/>
-                          <a:cs typeface="Times New Roman" panose="02020603050405020304" pitchFamily="18" charset="0"/>
-                        </a:rPr>
-                        <a:t>Dịch</a:t>
-                      </a:r>
-                      <a:r>
-                        <a:rPr kumimoji="1" lang="en-US" altLang="ja-JP" dirty="0">
-                          <a:latin typeface="Times New Roman" panose="02020603050405020304" pitchFamily="18" charset="0"/>
-                          <a:cs typeface="Times New Roman" panose="02020603050405020304" pitchFamily="18" charset="0"/>
-                        </a:rPr>
-                        <a:t> </a:t>
-                      </a:r>
-                      <a:r>
-                        <a:rPr kumimoji="1" lang="en-US" altLang="ja-JP" dirty="0" err="1">
-                          <a:latin typeface="Times New Roman" panose="02020603050405020304" pitchFamily="18" charset="0"/>
-                          <a:cs typeface="Times New Roman" panose="02020603050405020304" pitchFamily="18" charset="0"/>
-                        </a:rPr>
-                        <a:t>vụ</a:t>
-                      </a:r>
-                      <a:r>
-                        <a:rPr kumimoji="1" lang="en-US" altLang="ja-JP" dirty="0">
-                          <a:latin typeface="Times New Roman" panose="02020603050405020304" pitchFamily="18" charset="0"/>
-                          <a:cs typeface="Times New Roman" panose="02020603050405020304" pitchFamily="18" charset="0"/>
-                        </a:rPr>
-                        <a:t> </a:t>
-                      </a:r>
-                      <a:r>
-                        <a:rPr kumimoji="1" lang="en-US" altLang="ja-JP" dirty="0" err="1">
-                          <a:latin typeface="Times New Roman" panose="02020603050405020304" pitchFamily="18" charset="0"/>
-                          <a:cs typeface="Times New Roman" panose="02020603050405020304" pitchFamily="18" charset="0"/>
-                        </a:rPr>
-                        <a:t>sửa</a:t>
-                      </a:r>
-                      <a:r>
-                        <a:rPr kumimoji="1" lang="en-US" altLang="ja-JP" dirty="0">
-                          <a:latin typeface="Times New Roman" panose="02020603050405020304" pitchFamily="18" charset="0"/>
-                          <a:cs typeface="Times New Roman" panose="02020603050405020304" pitchFamily="18" charset="0"/>
-                        </a:rPr>
-                        <a:t> </a:t>
-                      </a:r>
-                      <a:r>
-                        <a:rPr kumimoji="1" lang="en-US" altLang="ja-JP" dirty="0" err="1">
-                          <a:latin typeface="Times New Roman" panose="02020603050405020304" pitchFamily="18" charset="0"/>
-                          <a:cs typeface="Times New Roman" panose="02020603050405020304" pitchFamily="18" charset="0"/>
-                        </a:rPr>
-                        <a:t>và</a:t>
-                      </a:r>
-                      <a:r>
-                        <a:rPr kumimoji="1" lang="en-US" altLang="ja-JP" dirty="0">
-                          <a:latin typeface="Times New Roman" panose="02020603050405020304" pitchFamily="18" charset="0"/>
-                          <a:cs typeface="Times New Roman" panose="02020603050405020304" pitchFamily="18" charset="0"/>
-                        </a:rPr>
-                        <a:t> </a:t>
-                      </a:r>
-                      <a:r>
-                        <a:rPr kumimoji="1" lang="en-US" altLang="ja-JP" dirty="0" err="1">
-                          <a:latin typeface="Times New Roman" panose="02020603050405020304" pitchFamily="18" charset="0"/>
-                          <a:cs typeface="Times New Roman" panose="02020603050405020304" pitchFamily="18" charset="0"/>
-                        </a:rPr>
-                        <a:t>làm</a:t>
-                      </a:r>
-                      <a:r>
-                        <a:rPr kumimoji="1" lang="en-US" altLang="ja-JP" dirty="0">
-                          <a:latin typeface="Times New Roman" panose="02020603050405020304" pitchFamily="18" charset="0"/>
-                          <a:cs typeface="Times New Roman" panose="02020603050405020304" pitchFamily="18" charset="0"/>
-                        </a:rPr>
-                        <a:t> </a:t>
-                      </a:r>
-                      <a:r>
-                        <a:rPr kumimoji="1" lang="en-US" altLang="ja-JP" dirty="0" err="1">
-                          <a:latin typeface="Times New Roman" panose="02020603050405020304" pitchFamily="18" charset="0"/>
-                          <a:cs typeface="Times New Roman" panose="02020603050405020304" pitchFamily="18" charset="0"/>
-                        </a:rPr>
-                        <a:t>việc</a:t>
-                      </a:r>
-                      <a:r>
-                        <a:rPr kumimoji="1" lang="en-US" altLang="ja-JP" dirty="0">
-                          <a:latin typeface="Times New Roman" panose="02020603050405020304" pitchFamily="18" charset="0"/>
-                          <a:cs typeface="Times New Roman" panose="02020603050405020304" pitchFamily="18" charset="0"/>
-                        </a:rPr>
-                        <a:t>:</a:t>
-                      </a:r>
-                    </a:p>
-                    <a:p>
-                      <a:r>
-                        <a:rPr kumimoji="1" lang="en-US" altLang="ja-JP" dirty="0" err="1">
-                          <a:latin typeface="Times New Roman" panose="02020603050405020304" pitchFamily="18" charset="0"/>
-                          <a:cs typeface="Times New Roman" panose="02020603050405020304" pitchFamily="18" charset="0"/>
-                        </a:rPr>
-                        <a:t>Trong</a:t>
-                      </a:r>
-                      <a:r>
-                        <a:rPr kumimoji="1" lang="en-US" altLang="ja-JP" dirty="0">
-                          <a:latin typeface="Times New Roman" panose="02020603050405020304" pitchFamily="18" charset="0"/>
-                          <a:cs typeface="Times New Roman" panose="02020603050405020304" pitchFamily="18" charset="0"/>
-                        </a:rPr>
-                        <a:t> </a:t>
-                      </a:r>
-                      <a:r>
-                        <a:rPr kumimoji="1" lang="en-US" altLang="ja-JP" dirty="0" err="1">
-                          <a:latin typeface="Times New Roman" panose="02020603050405020304" pitchFamily="18" charset="0"/>
-                          <a:cs typeface="Times New Roman" panose="02020603050405020304" pitchFamily="18" charset="0"/>
-                        </a:rPr>
-                        <a:t>thời</a:t>
-                      </a:r>
-                      <a:r>
-                        <a:rPr kumimoji="1" lang="en-US" altLang="ja-JP" dirty="0">
-                          <a:latin typeface="Times New Roman" panose="02020603050405020304" pitchFamily="18" charset="0"/>
-                          <a:cs typeface="Times New Roman" panose="02020603050405020304" pitchFamily="18" charset="0"/>
-                        </a:rPr>
-                        <a:t> </a:t>
-                      </a:r>
-                      <a:r>
-                        <a:rPr kumimoji="1" lang="en-US" altLang="ja-JP" dirty="0" err="1">
-                          <a:latin typeface="Times New Roman" panose="02020603050405020304" pitchFamily="18" charset="0"/>
-                          <a:cs typeface="Times New Roman" panose="02020603050405020304" pitchFamily="18" charset="0"/>
-                        </a:rPr>
-                        <a:t>gian</a:t>
-                      </a:r>
-                      <a:r>
-                        <a:rPr kumimoji="1" lang="en-US" altLang="ja-JP" dirty="0">
-                          <a:latin typeface="Times New Roman" panose="02020603050405020304" pitchFamily="18" charset="0"/>
-                          <a:cs typeface="Times New Roman" panose="02020603050405020304" pitchFamily="18" charset="0"/>
-                        </a:rPr>
-                        <a:t> </a:t>
-                      </a:r>
-                      <a:r>
-                        <a:rPr kumimoji="1" lang="en-US" altLang="ja-JP" dirty="0" err="1">
-                          <a:latin typeface="Times New Roman" panose="02020603050405020304" pitchFamily="18" charset="0"/>
-                          <a:cs typeface="Times New Roman" panose="02020603050405020304" pitchFamily="18" charset="0"/>
-                        </a:rPr>
-                        <a:t>sửa</a:t>
-                      </a:r>
-                      <a:r>
-                        <a:rPr kumimoji="1" lang="en-US" altLang="ja-JP" dirty="0">
-                          <a:latin typeface="Times New Roman" panose="02020603050405020304" pitchFamily="18" charset="0"/>
-                          <a:cs typeface="Times New Roman" panose="02020603050405020304" pitchFamily="18" charset="0"/>
-                        </a:rPr>
-                        <a:t> </a:t>
-                      </a:r>
-                      <a:r>
-                        <a:rPr kumimoji="1" lang="en-US" altLang="ja-JP" dirty="0" err="1">
-                          <a:latin typeface="Times New Roman" panose="02020603050405020304" pitchFamily="18" charset="0"/>
-                          <a:cs typeface="Times New Roman" panose="02020603050405020304" pitchFamily="18" charset="0"/>
-                        </a:rPr>
-                        <a:t>máy</a:t>
-                      </a:r>
-                      <a:r>
-                        <a:rPr kumimoji="1" lang="en-US" altLang="ja-JP" dirty="0">
-                          <a:latin typeface="Times New Roman" panose="02020603050405020304" pitchFamily="18" charset="0"/>
-                          <a:cs typeface="Times New Roman" panose="02020603050405020304" pitchFamily="18" charset="0"/>
-                        </a:rPr>
-                        <a:t>, </a:t>
-                      </a:r>
-                      <a:r>
-                        <a:rPr kumimoji="1" lang="en-US" altLang="ja-JP" dirty="0" err="1">
-                          <a:latin typeface="Times New Roman" panose="02020603050405020304" pitchFamily="18" charset="0"/>
-                          <a:cs typeface="Times New Roman" panose="02020603050405020304" pitchFamily="18" charset="0"/>
-                        </a:rPr>
-                        <a:t>quán</a:t>
-                      </a:r>
-                      <a:r>
-                        <a:rPr kumimoji="1" lang="en-US" altLang="ja-JP" dirty="0">
-                          <a:latin typeface="Times New Roman" panose="02020603050405020304" pitchFamily="18" charset="0"/>
-                          <a:cs typeface="Times New Roman" panose="02020603050405020304" pitchFamily="18" charset="0"/>
-                        </a:rPr>
-                        <a:t> </a:t>
-                      </a:r>
-                      <a:r>
-                        <a:rPr kumimoji="1" lang="en-US" altLang="ja-JP" dirty="0" err="1">
-                          <a:latin typeface="Times New Roman" panose="02020603050405020304" pitchFamily="18" charset="0"/>
-                          <a:cs typeface="Times New Roman" panose="02020603050405020304" pitchFamily="18" charset="0"/>
-                        </a:rPr>
-                        <a:t>sẽ</a:t>
-                      </a:r>
-                      <a:r>
-                        <a:rPr kumimoji="1" lang="en-US" altLang="ja-JP" dirty="0">
-                          <a:latin typeface="Times New Roman" panose="02020603050405020304" pitchFamily="18" charset="0"/>
-                          <a:cs typeface="Times New Roman" panose="02020603050405020304" pitchFamily="18" charset="0"/>
-                        </a:rPr>
-                        <a:t> </a:t>
-                      </a:r>
-                      <a:r>
-                        <a:rPr kumimoji="1" lang="en-US" altLang="ja-JP" dirty="0" err="1">
-                          <a:latin typeface="Times New Roman" panose="02020603050405020304" pitchFamily="18" charset="0"/>
-                          <a:cs typeface="Times New Roman" panose="02020603050405020304" pitchFamily="18" charset="0"/>
-                        </a:rPr>
-                        <a:t>cho</a:t>
-                      </a:r>
-                      <a:r>
-                        <a:rPr kumimoji="1" lang="en-US" altLang="ja-JP" dirty="0">
-                          <a:latin typeface="Times New Roman" panose="02020603050405020304" pitchFamily="18" charset="0"/>
-                          <a:cs typeface="Times New Roman" panose="02020603050405020304" pitchFamily="18" charset="0"/>
-                        </a:rPr>
-                        <a:t> m</a:t>
-                      </a:r>
-                      <a:r>
-                        <a:rPr kumimoji="1" lang="vi-VN" altLang="ja-JP" dirty="0">
-                          <a:latin typeface="Times New Roman" panose="02020603050405020304" pitchFamily="18" charset="0"/>
-                          <a:cs typeface="Times New Roman" panose="02020603050405020304" pitchFamily="18" charset="0"/>
-                        </a:rPr>
-                        <a:t>ư</a:t>
-                      </a:r>
-                      <a:r>
-                        <a:rPr kumimoji="1" lang="en-US" altLang="ja-JP" dirty="0" err="1">
-                          <a:latin typeface="Times New Roman" panose="02020603050405020304" pitchFamily="18" charset="0"/>
-                          <a:cs typeface="Times New Roman" panose="02020603050405020304" pitchFamily="18" charset="0"/>
-                        </a:rPr>
-                        <a:t>ợng</a:t>
-                      </a:r>
-                      <a:r>
-                        <a:rPr kumimoji="1" lang="en-US" altLang="ja-JP" dirty="0">
-                          <a:latin typeface="Times New Roman" panose="02020603050405020304" pitchFamily="18" charset="0"/>
-                          <a:cs typeface="Times New Roman" panose="02020603050405020304" pitchFamily="18" charset="0"/>
-                        </a:rPr>
-                        <a:t> </a:t>
-                      </a:r>
-                      <a:r>
-                        <a:rPr kumimoji="1" lang="en-US" altLang="ja-JP" dirty="0" err="1">
-                          <a:latin typeface="Times New Roman" panose="02020603050405020304" pitchFamily="18" charset="0"/>
-                          <a:cs typeface="Times New Roman" panose="02020603050405020304" pitchFamily="18" charset="0"/>
-                        </a:rPr>
-                        <a:t>máy</a:t>
-                      </a:r>
-                      <a:r>
-                        <a:rPr kumimoji="1" lang="en-US" altLang="ja-JP" dirty="0">
-                          <a:latin typeface="Times New Roman" panose="02020603050405020304" pitchFamily="18" charset="0"/>
-                          <a:cs typeface="Times New Roman" panose="02020603050405020304" pitchFamily="18" charset="0"/>
-                        </a:rPr>
-                        <a:t> </a:t>
-                      </a:r>
-                      <a:r>
-                        <a:rPr kumimoji="1" lang="en-US" altLang="ja-JP" dirty="0" err="1">
-                          <a:latin typeface="Times New Roman" panose="02020603050405020304" pitchFamily="18" charset="0"/>
-                          <a:cs typeface="Times New Roman" panose="02020603050405020304" pitchFamily="18" charset="0"/>
-                        </a:rPr>
-                        <a:t>để</a:t>
-                      </a:r>
-                      <a:r>
-                        <a:rPr kumimoji="1" lang="en-US" altLang="ja-JP" dirty="0">
-                          <a:latin typeface="Times New Roman" panose="02020603050405020304" pitchFamily="18" charset="0"/>
-                          <a:cs typeface="Times New Roman" panose="02020603050405020304" pitchFamily="18" charset="0"/>
-                        </a:rPr>
-                        <a:t> </a:t>
-                      </a:r>
-                      <a:r>
-                        <a:rPr kumimoji="1" lang="en-US" altLang="ja-JP" dirty="0" err="1">
-                          <a:latin typeface="Times New Roman" panose="02020603050405020304" pitchFamily="18" charset="0"/>
-                          <a:cs typeface="Times New Roman" panose="02020603050405020304" pitchFamily="18" charset="0"/>
-                        </a:rPr>
-                        <a:t>khách</a:t>
-                      </a:r>
-                      <a:r>
-                        <a:rPr kumimoji="1" lang="en-US" altLang="ja-JP" dirty="0">
-                          <a:latin typeface="Times New Roman" panose="02020603050405020304" pitchFamily="18" charset="0"/>
-                          <a:cs typeface="Times New Roman" panose="02020603050405020304" pitchFamily="18" charset="0"/>
-                        </a:rPr>
-                        <a:t> </a:t>
-                      </a:r>
-                      <a:r>
-                        <a:rPr kumimoji="1" lang="en-US" altLang="ja-JP" dirty="0" err="1">
-                          <a:latin typeface="Times New Roman" panose="02020603050405020304" pitchFamily="18" charset="0"/>
-                          <a:cs typeface="Times New Roman" panose="02020603050405020304" pitchFamily="18" charset="0"/>
-                        </a:rPr>
-                        <a:t>làm</a:t>
-                      </a:r>
-                      <a:r>
-                        <a:rPr kumimoji="1" lang="en-US" altLang="ja-JP" dirty="0">
-                          <a:latin typeface="Times New Roman" panose="02020603050405020304" pitchFamily="18" charset="0"/>
-                          <a:cs typeface="Times New Roman" panose="02020603050405020304" pitchFamily="18" charset="0"/>
-                        </a:rPr>
-                        <a:t> </a:t>
-                      </a:r>
-                      <a:r>
-                        <a:rPr kumimoji="1" lang="en-US" altLang="ja-JP" dirty="0" err="1">
-                          <a:latin typeface="Times New Roman" panose="02020603050405020304" pitchFamily="18" charset="0"/>
-                          <a:cs typeface="Times New Roman" panose="02020603050405020304" pitchFamily="18" charset="0"/>
-                        </a:rPr>
-                        <a:t>việc</a:t>
-                      </a:r>
-                      <a:r>
-                        <a:rPr kumimoji="1" lang="en-US" altLang="ja-JP" dirty="0">
-                          <a:latin typeface="Times New Roman" panose="02020603050405020304" pitchFamily="18" charset="0"/>
-                          <a:cs typeface="Times New Roman" panose="02020603050405020304" pitchFamily="18" charset="0"/>
-                        </a:rPr>
-                        <a:t> </a:t>
-                      </a:r>
-                      <a:r>
-                        <a:rPr kumimoji="1" lang="en-US" altLang="ja-JP" dirty="0" err="1">
-                          <a:latin typeface="Times New Roman" panose="02020603050405020304" pitchFamily="18" charset="0"/>
-                          <a:cs typeface="Times New Roman" panose="02020603050405020304" pitchFamily="18" charset="0"/>
-                        </a:rPr>
-                        <a:t>nếu</a:t>
-                      </a:r>
-                      <a:r>
-                        <a:rPr kumimoji="1" lang="en-US" altLang="ja-JP" dirty="0">
-                          <a:latin typeface="Times New Roman" panose="02020603050405020304" pitchFamily="18" charset="0"/>
-                          <a:cs typeface="Times New Roman" panose="02020603050405020304" pitchFamily="18" charset="0"/>
-                        </a:rPr>
-                        <a:t> </a:t>
-                      </a:r>
-                      <a:r>
-                        <a:rPr kumimoji="1" lang="en-US" altLang="ja-JP" dirty="0" err="1">
-                          <a:latin typeface="Times New Roman" panose="02020603050405020304" pitchFamily="18" charset="0"/>
-                          <a:cs typeface="Times New Roman" panose="02020603050405020304" pitchFamily="18" charset="0"/>
-                        </a:rPr>
-                        <a:t>gấp</a:t>
-                      </a:r>
-                      <a:endParaRPr kumimoji="1" lang="ja-JP" altLang="en-US" dirty="0">
-                        <a:latin typeface="Times New Roman" panose="02020603050405020304" pitchFamily="18" charset="0"/>
-                        <a:cs typeface="Times New Roman" panose="02020603050405020304" pitchFamily="18" charset="0"/>
-                      </a:endParaRPr>
-                    </a:p>
-                  </a:txBody>
-                  <a:tcPr>
-                    <a:lnL w="12700" cap="flat" cmpd="sng" algn="ctr">
-                      <a:noFill/>
-                      <a:prstDash val="solid"/>
-                      <a:round/>
-                      <a:headEnd type="none" w="med" len="med"/>
-                      <a:tailEnd type="none" w="med" len="med"/>
-                    </a:lnL>
-                    <a:lnR w="12700" cap="flat" cmpd="sng" algn="ctr">
-                      <a:solidFill>
-                        <a:schemeClr val="tx1"/>
-                      </a:solidFill>
-                      <a:prstDash val="solid"/>
-                      <a:round/>
-                      <a:headEnd type="none" w="med" len="med"/>
-                      <a:tailEnd type="none" w="med" len="med"/>
-                    </a:lnR>
-                    <a:lnT w="12700" cap="flat" cmpd="sng" algn="ctr">
-                      <a:solidFill>
-                        <a:schemeClr val="tx1"/>
-                      </a:solidFill>
-                      <a:prstDash val="solid"/>
-                      <a:round/>
-                      <a:headEnd type="none" w="med" len="med"/>
-                      <a:tailEnd type="none" w="med" len="med"/>
-                    </a:lnT>
-                    <a:lnB w="12700" cap="flat" cmpd="sng" algn="ctr">
-                      <a:solidFill>
-                        <a:schemeClr val="tx1"/>
-                      </a:solidFill>
-                      <a:prstDash val="solid"/>
-                      <a:round/>
-                      <a:headEnd type="none" w="med" len="med"/>
-                      <a:tailEnd type="none" w="med" len="med"/>
-                    </a:lnB>
-                    <a:solidFill>
-                      <a:schemeClr val="bg1"/>
-                    </a:solidFill>
-                  </a:tcPr>
-                </a:tc>
-                <a:tc>
-                  <a:txBody>
-                    <a:bodyPr/>
-                    <a:lstStyle/>
-                    <a:p>
-                      <a:r>
-                        <a:rPr kumimoji="1" lang="en-US" altLang="ja-JP" dirty="0">
-                          <a:latin typeface="Times New Roman" panose="02020603050405020304" pitchFamily="18" charset="0"/>
-                          <a:cs typeface="Times New Roman" panose="02020603050405020304" pitchFamily="18" charset="0"/>
-                        </a:rPr>
-                        <a:t>5. </a:t>
-                      </a:r>
-                      <a:r>
-                        <a:rPr kumimoji="1" lang="en-US" altLang="ja-JP" dirty="0" err="1">
-                          <a:latin typeface="Times New Roman" panose="02020603050405020304" pitchFamily="18" charset="0"/>
-                          <a:cs typeface="Times New Roman" panose="02020603050405020304" pitchFamily="18" charset="0"/>
-                        </a:rPr>
-                        <a:t>Mua</a:t>
-                      </a:r>
-                      <a:r>
-                        <a:rPr kumimoji="1" lang="en-US" altLang="ja-JP" dirty="0">
-                          <a:latin typeface="Times New Roman" panose="02020603050405020304" pitchFamily="18" charset="0"/>
-                          <a:cs typeface="Times New Roman" panose="02020603050405020304" pitchFamily="18" charset="0"/>
-                        </a:rPr>
-                        <a:t> </a:t>
-                      </a:r>
-                      <a:r>
-                        <a:rPr kumimoji="1" lang="en-US" altLang="ja-JP" dirty="0" err="1">
-                          <a:latin typeface="Times New Roman" panose="02020603050405020304" pitchFamily="18" charset="0"/>
-                          <a:cs typeface="Times New Roman" panose="02020603050405020304" pitchFamily="18" charset="0"/>
-                        </a:rPr>
-                        <a:t>bán</a:t>
-                      </a:r>
-                      <a:r>
-                        <a:rPr kumimoji="1" lang="en-US" altLang="ja-JP" dirty="0">
-                          <a:latin typeface="Times New Roman" panose="02020603050405020304" pitchFamily="18" charset="0"/>
-                          <a:cs typeface="Times New Roman" panose="02020603050405020304" pitchFamily="18" charset="0"/>
-                        </a:rPr>
-                        <a:t>, </a:t>
-                      </a:r>
-                      <a:r>
-                        <a:rPr kumimoji="1" lang="en-US" altLang="ja-JP" dirty="0" err="1">
-                          <a:latin typeface="Times New Roman" panose="02020603050405020304" pitchFamily="18" charset="0"/>
-                          <a:cs typeface="Times New Roman" panose="02020603050405020304" pitchFamily="18" charset="0"/>
-                        </a:rPr>
-                        <a:t>trao</a:t>
-                      </a:r>
-                      <a:r>
-                        <a:rPr kumimoji="1" lang="en-US" altLang="ja-JP" dirty="0">
-                          <a:latin typeface="Times New Roman" panose="02020603050405020304" pitchFamily="18" charset="0"/>
-                          <a:cs typeface="Times New Roman" panose="02020603050405020304" pitchFamily="18" charset="0"/>
-                        </a:rPr>
-                        <a:t> </a:t>
-                      </a:r>
-                      <a:r>
-                        <a:rPr kumimoji="1" lang="en-US" altLang="ja-JP" dirty="0" err="1">
-                          <a:latin typeface="Times New Roman" panose="02020603050405020304" pitchFamily="18" charset="0"/>
-                          <a:cs typeface="Times New Roman" panose="02020603050405020304" pitchFamily="18" charset="0"/>
-                        </a:rPr>
-                        <a:t>đổi</a:t>
-                      </a:r>
-                      <a:r>
-                        <a:rPr kumimoji="1" lang="en-US" altLang="ja-JP" dirty="0">
-                          <a:latin typeface="Times New Roman" panose="02020603050405020304" pitchFamily="18" charset="0"/>
-                          <a:cs typeface="Times New Roman" panose="02020603050405020304" pitchFamily="18" charset="0"/>
-                        </a:rPr>
-                        <a:t> </a:t>
-                      </a:r>
-                      <a:r>
-                        <a:rPr kumimoji="1" lang="en-US" altLang="ja-JP" dirty="0" err="1">
-                          <a:latin typeface="Times New Roman" panose="02020603050405020304" pitchFamily="18" charset="0"/>
-                          <a:cs typeface="Times New Roman" panose="02020603050405020304" pitchFamily="18" charset="0"/>
-                        </a:rPr>
-                        <a:t>linh</a:t>
-                      </a:r>
-                      <a:r>
-                        <a:rPr kumimoji="1" lang="en-US" altLang="ja-JP" dirty="0">
-                          <a:latin typeface="Times New Roman" panose="02020603050405020304" pitchFamily="18" charset="0"/>
-                          <a:cs typeface="Times New Roman" panose="02020603050405020304" pitchFamily="18" charset="0"/>
-                        </a:rPr>
-                        <a:t> </a:t>
-                      </a:r>
-                      <a:r>
-                        <a:rPr kumimoji="1" lang="en-US" altLang="ja-JP" dirty="0" err="1">
-                          <a:latin typeface="Times New Roman" panose="02020603050405020304" pitchFamily="18" charset="0"/>
-                          <a:cs typeface="Times New Roman" panose="02020603050405020304" pitchFamily="18" charset="0"/>
-                        </a:rPr>
-                        <a:t>kiện</a:t>
-                      </a:r>
-                      <a:r>
-                        <a:rPr kumimoji="1" lang="en-US" altLang="ja-JP" dirty="0">
-                          <a:latin typeface="Times New Roman" panose="02020603050405020304" pitchFamily="18" charset="0"/>
-                          <a:cs typeface="Times New Roman" panose="02020603050405020304" pitchFamily="18" charset="0"/>
-                        </a:rPr>
-                        <a:t>, </a:t>
-                      </a:r>
-                      <a:r>
-                        <a:rPr kumimoji="1" lang="en-US" altLang="ja-JP" dirty="0" err="1">
-                          <a:latin typeface="Times New Roman" panose="02020603050405020304" pitchFamily="18" charset="0"/>
-                          <a:cs typeface="Times New Roman" panose="02020603050405020304" pitchFamily="18" charset="0"/>
-                        </a:rPr>
-                        <a:t>phụ</a:t>
-                      </a:r>
-                      <a:r>
-                        <a:rPr kumimoji="1" lang="en-US" altLang="ja-JP" dirty="0">
-                          <a:latin typeface="Times New Roman" panose="02020603050405020304" pitchFamily="18" charset="0"/>
-                          <a:cs typeface="Times New Roman" panose="02020603050405020304" pitchFamily="18" charset="0"/>
-                        </a:rPr>
-                        <a:t> </a:t>
-                      </a:r>
-                      <a:r>
-                        <a:rPr kumimoji="1" lang="en-US" altLang="ja-JP" dirty="0" err="1">
-                          <a:latin typeface="Times New Roman" panose="02020603050405020304" pitchFamily="18" charset="0"/>
-                          <a:cs typeface="Times New Roman" panose="02020603050405020304" pitchFamily="18" charset="0"/>
-                        </a:rPr>
-                        <a:t>kiện</a:t>
-                      </a:r>
-                      <a:r>
-                        <a:rPr kumimoji="1" lang="en-US" altLang="ja-JP" dirty="0">
-                          <a:latin typeface="Times New Roman" panose="02020603050405020304" pitchFamily="18" charset="0"/>
-                          <a:cs typeface="Times New Roman" panose="02020603050405020304" pitchFamily="18" charset="0"/>
-                        </a:rPr>
-                        <a:t> </a:t>
-                      </a:r>
-                      <a:r>
-                        <a:rPr kumimoji="1" lang="en-US" altLang="ja-JP" dirty="0" err="1">
-                          <a:latin typeface="Times New Roman" panose="02020603050405020304" pitchFamily="18" charset="0"/>
-                          <a:cs typeface="Times New Roman" panose="02020603050405020304" pitchFamily="18" charset="0"/>
-                        </a:rPr>
-                        <a:t>máy</a:t>
-                      </a:r>
-                      <a:r>
-                        <a:rPr kumimoji="1" lang="en-US" altLang="ja-JP" dirty="0">
-                          <a:latin typeface="Times New Roman" panose="02020603050405020304" pitchFamily="18" charset="0"/>
-                          <a:cs typeface="Times New Roman" panose="02020603050405020304" pitchFamily="18" charset="0"/>
-                        </a:rPr>
-                        <a:t> </a:t>
-                      </a:r>
-                      <a:r>
-                        <a:rPr kumimoji="1" lang="en-US" altLang="ja-JP" dirty="0" err="1">
-                          <a:latin typeface="Times New Roman" panose="02020603050405020304" pitchFamily="18" charset="0"/>
-                          <a:cs typeface="Times New Roman" panose="02020603050405020304" pitchFamily="18" charset="0"/>
-                        </a:rPr>
-                        <a:t>tính</a:t>
-                      </a:r>
-                      <a:endParaRPr kumimoji="1" lang="ja-JP" altLang="en-US" dirty="0">
-                        <a:latin typeface="Times New Roman" panose="02020603050405020304" pitchFamily="18" charset="0"/>
-                        <a:cs typeface="Times New Roman" panose="02020603050405020304" pitchFamily="18" charset="0"/>
-                      </a:endParaRPr>
-                    </a:p>
-                  </a:txBody>
-                  <a:tcPr>
-                    <a:lnL w="12700" cap="flat" cmpd="sng" algn="ctr">
-                      <a:solidFill>
-                        <a:schemeClr val="tx1"/>
-                      </a:solidFill>
-                      <a:prstDash val="solid"/>
-                      <a:round/>
-                      <a:headEnd type="none" w="med" len="med"/>
-                      <a:tailEnd type="none" w="med" len="med"/>
-                    </a:lnL>
-                    <a:lnR w="12700" cap="flat" cmpd="sng" algn="ctr">
-                      <a:solidFill>
-                        <a:schemeClr val="tx1"/>
-                      </a:solidFill>
-                      <a:prstDash val="solid"/>
-                      <a:round/>
-                      <a:headEnd type="none" w="med" len="med"/>
-                      <a:tailEnd type="none" w="med" len="med"/>
-                    </a:lnR>
-                    <a:lnT w="12700" cap="flat" cmpd="sng" algn="ctr">
-                      <a:solidFill>
-                        <a:schemeClr val="tx1"/>
-                      </a:solidFill>
-                      <a:prstDash val="solid"/>
-                      <a:round/>
-                      <a:headEnd type="none" w="med" len="med"/>
-                      <a:tailEnd type="none" w="med" len="med"/>
-                    </a:lnT>
-                    <a:lnB w="12700" cap="flat" cmpd="sng" algn="ctr">
-                      <a:solidFill>
-                        <a:schemeClr val="tx1"/>
-                      </a:solidFill>
-                      <a:prstDash val="solid"/>
-                      <a:round/>
-                      <a:headEnd type="none" w="med" len="med"/>
-                      <a:tailEnd type="none" w="med" len="med"/>
-                    </a:lnB>
-                    <a:solidFill>
-                      <a:schemeClr val="bg1"/>
-                    </a:solidFill>
-                  </a:tcPr>
-                </a:tc>
-                <a:tc>
-                  <a:txBody>
-                    <a:bodyPr/>
-                    <a:lstStyle/>
-                    <a:p>
-                      <a:r>
-                        <a:rPr kumimoji="1" lang="en-US" altLang="ja-JP" dirty="0">
-                          <a:latin typeface="Times New Roman" panose="02020603050405020304" pitchFamily="18" charset="0"/>
-                          <a:cs typeface="Times New Roman" panose="02020603050405020304" pitchFamily="18" charset="0"/>
-                        </a:rPr>
-                        <a:t>6. T</a:t>
-                      </a:r>
-                      <a:r>
-                        <a:rPr kumimoji="1" lang="vi-VN" altLang="ja-JP" dirty="0">
-                          <a:latin typeface="Times New Roman" panose="02020603050405020304" pitchFamily="18" charset="0"/>
-                          <a:cs typeface="Times New Roman" panose="02020603050405020304" pitchFamily="18" charset="0"/>
-                        </a:rPr>
-                        <a:t>ư</a:t>
-                      </a:r>
-                      <a:r>
-                        <a:rPr kumimoji="1" lang="en-US" altLang="ja-JP" dirty="0">
-                          <a:latin typeface="Times New Roman" panose="02020603050405020304" pitchFamily="18" charset="0"/>
-                          <a:cs typeface="Times New Roman" panose="02020603050405020304" pitchFamily="18" charset="0"/>
-                        </a:rPr>
-                        <a:t> </a:t>
-                      </a:r>
-                      <a:r>
-                        <a:rPr kumimoji="1" lang="en-US" altLang="ja-JP" dirty="0" err="1">
-                          <a:latin typeface="Times New Roman" panose="02020603050405020304" pitchFamily="18" charset="0"/>
-                          <a:cs typeface="Times New Roman" panose="02020603050405020304" pitchFamily="18" charset="0"/>
-                        </a:rPr>
-                        <a:t>vấn</a:t>
-                      </a:r>
-                      <a:r>
-                        <a:rPr kumimoji="1" lang="en-US" altLang="ja-JP" dirty="0">
-                          <a:latin typeface="Times New Roman" panose="02020603050405020304" pitchFamily="18" charset="0"/>
-                          <a:cs typeface="Times New Roman" panose="02020603050405020304" pitchFamily="18" charset="0"/>
-                        </a:rPr>
-                        <a:t>, </a:t>
-                      </a:r>
-                      <a:r>
-                        <a:rPr kumimoji="1" lang="en-US" altLang="ja-JP" dirty="0" err="1">
-                          <a:latin typeface="Times New Roman" panose="02020603050405020304" pitchFamily="18" charset="0"/>
-                          <a:cs typeface="Times New Roman" panose="02020603050405020304" pitchFamily="18" charset="0"/>
-                        </a:rPr>
-                        <a:t>hổ</a:t>
-                      </a:r>
-                      <a:r>
-                        <a:rPr kumimoji="1" lang="en-US" altLang="ja-JP" dirty="0">
-                          <a:latin typeface="Times New Roman" panose="02020603050405020304" pitchFamily="18" charset="0"/>
-                          <a:cs typeface="Times New Roman" panose="02020603050405020304" pitchFamily="18" charset="0"/>
-                        </a:rPr>
-                        <a:t> </a:t>
-                      </a:r>
-                      <a:r>
-                        <a:rPr kumimoji="1" lang="en-US" altLang="ja-JP" dirty="0" err="1">
-                          <a:latin typeface="Times New Roman" panose="02020603050405020304" pitchFamily="18" charset="0"/>
-                          <a:cs typeface="Times New Roman" panose="02020603050405020304" pitchFamily="18" charset="0"/>
-                        </a:rPr>
-                        <a:t>trợ</a:t>
-                      </a:r>
-                      <a:r>
-                        <a:rPr kumimoji="1" lang="en-US" altLang="ja-JP" dirty="0">
-                          <a:latin typeface="Times New Roman" panose="02020603050405020304" pitchFamily="18" charset="0"/>
-                          <a:cs typeface="Times New Roman" panose="02020603050405020304" pitchFamily="18" charset="0"/>
-                        </a:rPr>
-                        <a:t> </a:t>
-                      </a:r>
-                      <a:r>
-                        <a:rPr kumimoji="1" lang="en-US" altLang="ja-JP" dirty="0" err="1">
-                          <a:latin typeface="Times New Roman" panose="02020603050405020304" pitchFamily="18" charset="0"/>
-                          <a:cs typeface="Times New Roman" panose="02020603050405020304" pitchFamily="18" charset="0"/>
-                        </a:rPr>
-                        <a:t>khách</a:t>
-                      </a:r>
-                      <a:r>
-                        <a:rPr kumimoji="1" lang="en-US" altLang="ja-JP" dirty="0">
-                          <a:latin typeface="Times New Roman" panose="02020603050405020304" pitchFamily="18" charset="0"/>
-                          <a:cs typeface="Times New Roman" panose="02020603050405020304" pitchFamily="18" charset="0"/>
-                        </a:rPr>
-                        <a:t> </a:t>
-                      </a:r>
-                      <a:r>
-                        <a:rPr kumimoji="1" lang="en-US" altLang="ja-JP" dirty="0" err="1">
-                          <a:latin typeface="Times New Roman" panose="02020603050405020304" pitchFamily="18" charset="0"/>
-                          <a:cs typeface="Times New Roman" panose="02020603050405020304" pitchFamily="18" charset="0"/>
-                        </a:rPr>
-                        <a:t>hàng</a:t>
-                      </a:r>
-                      <a:endParaRPr kumimoji="1" lang="ja-JP" altLang="en-US" dirty="0">
-                        <a:latin typeface="Times New Roman" panose="02020603050405020304" pitchFamily="18" charset="0"/>
-                        <a:cs typeface="Times New Roman" panose="02020603050405020304" pitchFamily="18" charset="0"/>
-                      </a:endParaRPr>
-                    </a:p>
-                  </a:txBody>
-                  <a:tcPr>
-                    <a:lnL w="12700" cap="flat" cmpd="sng" algn="ctr">
-                      <a:solidFill>
-                        <a:schemeClr val="tx1"/>
-                      </a:solidFill>
-                      <a:prstDash val="solid"/>
-                      <a:round/>
-                      <a:headEnd type="none" w="med" len="med"/>
-                      <a:tailEnd type="none" w="med" len="med"/>
-                    </a:lnL>
-                    <a:lnR w="12700" cap="flat" cmpd="sng" algn="ctr">
-                      <a:noFill/>
-                      <a:prstDash val="solid"/>
-                      <a:round/>
-                      <a:headEnd type="none" w="med" len="med"/>
-                      <a:tailEnd type="none" w="med" len="med"/>
-                    </a:lnR>
-                    <a:lnT w="12700" cap="flat" cmpd="sng" algn="ctr">
-                      <a:solidFill>
-                        <a:schemeClr val="tx1"/>
-                      </a:solidFill>
-                      <a:prstDash val="solid"/>
-                      <a:round/>
-                      <a:headEnd type="none" w="med" len="med"/>
-                      <a:tailEnd type="none" w="med" len="med"/>
-                    </a:lnT>
-                    <a:lnB w="12700" cap="flat" cmpd="sng" algn="ctr">
-                      <a:solidFill>
-                        <a:schemeClr val="tx1"/>
-                      </a:solidFill>
-                      <a:prstDash val="solid"/>
-                      <a:round/>
-                      <a:headEnd type="none" w="med" len="med"/>
-                      <a:tailEnd type="none" w="med" len="med"/>
-                    </a:lnB>
-                    <a:solidFill>
-                      <a:schemeClr val="bg1"/>
-                    </a:solidFill>
-                  </a:tcPr>
-                </a:tc>
-                <a:extLst>
-                  <a:ext uri="{0D108BD9-81ED-4DB2-BD59-A6C34878D82A}">
-                    <a16:rowId xmlns:a16="http://schemas.microsoft.com/office/drawing/2014/main" val="4045563638"/>
-                  </a:ext>
-                </a:extLst>
-              </a:tr>
-            </a:tbl>
-          </a:graphicData>
-        </a:graphic>
-      </p:graphicFrame>
       <p:pic>
         <p:nvPicPr>
           <p:cNvPr id="6" name="Picture 5">
             <a:extLst>
               <a:ext uri="{FF2B5EF4-FFF2-40B4-BE49-F238E27FC236}">
-                <a16:creationId xmlns:a16="http://schemas.microsoft.com/office/drawing/2014/main" id="{065BDF35-F9C5-4351-8831-3815E341F01A}"/>
+                <a16:creationId xmlns:a16="http://schemas.microsoft.com/office/drawing/2014/main" id="{FEE0348F-A18E-4CDB-9697-492E06467401}"/>
               </a:ext>
             </a:extLst>
           </p:cNvPr>
@@ -14193,8 +12922,8 @@
         </p:blipFill>
         <p:spPr>
           <a:xfrm>
-            <a:off x="980519" y="585474"/>
-            <a:ext cx="2349002" cy="1977752"/>
+            <a:off x="1288111" y="529862"/>
+            <a:ext cx="9815395" cy="5918646"/>
           </a:xfrm>
           <a:prstGeom prst="rect">
             <a:avLst/>
@@ -14206,7 +12935,7 @@
           <p:cNvPr id="8" name="Picture 7">
             <a:extLst>
               <a:ext uri="{FF2B5EF4-FFF2-40B4-BE49-F238E27FC236}">
-                <a16:creationId xmlns:a16="http://schemas.microsoft.com/office/drawing/2014/main" id="{59F3B597-21BA-4630-BD8D-EA9444BB7B03}"/>
+                <a16:creationId xmlns:a16="http://schemas.microsoft.com/office/drawing/2014/main" id="{2B831BB7-1259-48BB-BFDC-FD2FAC194C44}"/>
               </a:ext>
             </a:extLst>
           </p:cNvPr>
@@ -14223,71 +12952,80 @@
         </p:blipFill>
         <p:spPr>
           <a:xfrm>
-            <a:off x="4506260" y="472888"/>
-            <a:ext cx="2889476" cy="2090338"/>
+            <a:off x="1723278" y="626587"/>
+            <a:ext cx="8390779" cy="6252549"/>
           </a:xfrm>
           <a:prstGeom prst="rect">
             <a:avLst/>
           </a:prstGeom>
         </p:spPr>
       </p:pic>
-      <mc:AlternateContent xmlns:mc="http://schemas.openxmlformats.org/markup-compatibility/2006" xmlns:p14="http://schemas.microsoft.com/office/powerpoint/2010/main">
-        <mc:Choice Requires="p14">
-          <p:contentPart p14:bwMode="auto" r:id="rId4">
-            <p14:nvContentPartPr>
-              <p14:cNvPr id="9" name="Ink 8">
-                <a:extLst>
-                  <a:ext uri="{FF2B5EF4-FFF2-40B4-BE49-F238E27FC236}">
-                    <a16:creationId xmlns:a16="http://schemas.microsoft.com/office/drawing/2014/main" id="{84910ED0-5C7D-40A7-A9AF-D645D8CBE742}"/>
-                  </a:ext>
-                </a:extLst>
-              </p14:cNvPr>
-              <p14:cNvContentPartPr/>
-              <p14:nvPr/>
-            </p14:nvContentPartPr>
-            <p14:xfrm>
-              <a:off x="5143346" y="654133"/>
-              <a:ext cx="90000" cy="47880"/>
-            </p14:xfrm>
-          </p:contentPart>
-        </mc:Choice>
-        <mc:Fallback xmlns="">
-          <p:pic>
-            <p:nvPicPr>
-              <p:cNvPr id="9" name="Ink 8">
-                <a:extLst>
-                  <a:ext uri="{FF2B5EF4-FFF2-40B4-BE49-F238E27FC236}">
-                    <a16:creationId xmlns:a16="http://schemas.microsoft.com/office/drawing/2014/main" id="{84910ED0-5C7D-40A7-A9AF-D645D8CBE742}"/>
-                  </a:ext>
-                </a:extLst>
-              </p:cNvPr>
-              <p:cNvPicPr/>
-              <p:nvPr/>
-            </p:nvPicPr>
-            <p:blipFill>
-              <a:blip r:embed="rId5"/>
-              <a:stretch>
-                <a:fillRect/>
-              </a:stretch>
-            </p:blipFill>
-            <p:spPr>
-              <a:xfrm>
-                <a:off x="5139026" y="649813"/>
-                <a:ext cx="98640" cy="56520"/>
-              </a:xfrm>
-              <a:prstGeom prst="rect">
-                <a:avLst/>
-              </a:prstGeom>
-            </p:spPr>
-          </p:pic>
-        </mc:Fallback>
-      </mc:AlternateContent>
       <p:pic>
         <p:nvPicPr>
-          <p:cNvPr id="11" name="Picture 10">
+          <p:cNvPr id="10" name="Picture 9">
             <a:extLst>
               <a:ext uri="{FF2B5EF4-FFF2-40B4-BE49-F238E27FC236}">
-                <a16:creationId xmlns:a16="http://schemas.microsoft.com/office/drawing/2014/main" id="{83ABFA95-BD24-4ACC-AC0F-4C72276260CD}"/>
+                <a16:creationId xmlns:a16="http://schemas.microsoft.com/office/drawing/2014/main" id="{96136BA9-D28E-4762-A92F-936450AB8683}"/>
+              </a:ext>
+            </a:extLst>
+          </p:cNvPr>
+          <p:cNvPicPr>
+            <a:picLocks noChangeAspect="1"/>
+          </p:cNvPicPr>
+          <p:nvPr/>
+        </p:nvPicPr>
+        <p:blipFill>
+          <a:blip r:embed="rId4"/>
+          <a:stretch>
+            <a:fillRect/>
+          </a:stretch>
+        </p:blipFill>
+        <p:spPr>
+          <a:xfrm>
+            <a:off x="1514556" y="577806"/>
+            <a:ext cx="9984064" cy="5903731"/>
+          </a:xfrm>
+          <a:prstGeom prst="rect">
+            <a:avLst/>
+          </a:prstGeom>
+        </p:spPr>
+      </p:pic>
+      <p:pic>
+        <p:nvPicPr>
+          <p:cNvPr id="12" name="Picture 11">
+            <a:extLst>
+              <a:ext uri="{FF2B5EF4-FFF2-40B4-BE49-F238E27FC236}">
+                <a16:creationId xmlns:a16="http://schemas.microsoft.com/office/drawing/2014/main" id="{4584CE71-34BB-46E9-98FD-A04F3AABEF78}"/>
+              </a:ext>
+            </a:extLst>
+          </p:cNvPr>
+          <p:cNvPicPr>
+            <a:picLocks noChangeAspect="1"/>
+          </p:cNvPicPr>
+          <p:nvPr/>
+        </p:nvPicPr>
+        <p:blipFill>
+          <a:blip r:embed="rId5"/>
+          <a:stretch>
+            <a:fillRect/>
+          </a:stretch>
+        </p:blipFill>
+        <p:spPr>
+          <a:xfrm>
+            <a:off x="1419201" y="773599"/>
+            <a:ext cx="9422302" cy="5819323"/>
+          </a:xfrm>
+          <a:prstGeom prst="rect">
+            <a:avLst/>
+          </a:prstGeom>
+        </p:spPr>
+      </p:pic>
+      <p:pic>
+        <p:nvPicPr>
+          <p:cNvPr id="14" name="Picture 13">
+            <a:extLst>
+              <a:ext uri="{FF2B5EF4-FFF2-40B4-BE49-F238E27FC236}">
+                <a16:creationId xmlns:a16="http://schemas.microsoft.com/office/drawing/2014/main" id="{09A9B539-4646-4182-A29B-D634218E5CE6}"/>
               </a:ext>
             </a:extLst>
           </p:cNvPr>
@@ -14304,8 +13042,8 @@
         </p:blipFill>
         <p:spPr>
           <a:xfrm>
-            <a:off x="8096243" y="702013"/>
-            <a:ext cx="3817375" cy="1832201"/>
+            <a:off x="1514556" y="841073"/>
+            <a:ext cx="8754386" cy="5836257"/>
           </a:xfrm>
           <a:prstGeom prst="rect">
             <a:avLst/>
@@ -14314,10 +13052,10 @@
       </p:pic>
       <p:pic>
         <p:nvPicPr>
-          <p:cNvPr id="13" name="Picture 12">
+          <p:cNvPr id="16" name="Picture 15">
             <a:extLst>
               <a:ext uri="{FF2B5EF4-FFF2-40B4-BE49-F238E27FC236}">
-                <a16:creationId xmlns:a16="http://schemas.microsoft.com/office/drawing/2014/main" id="{98518446-8BD2-4A7E-8223-A3AC89798839}"/>
+                <a16:creationId xmlns:a16="http://schemas.microsoft.com/office/drawing/2014/main" id="{D85880BF-D8ED-49FC-90A0-D687186A0BDF}"/>
               </a:ext>
             </a:extLst>
           </p:cNvPr>
@@ -14334,8 +13072,8 @@
         </p:blipFill>
         <p:spPr>
           <a:xfrm>
-            <a:off x="390387" y="3085024"/>
-            <a:ext cx="3525741" cy="1975778"/>
+            <a:off x="725017" y="1220673"/>
+            <a:ext cx="10586042" cy="4633748"/>
           </a:xfrm>
           <a:prstGeom prst="rect">
             <a:avLst/>
@@ -14344,10 +13082,10 @@
       </p:pic>
       <p:pic>
         <p:nvPicPr>
-          <p:cNvPr id="15" name="Picture 14">
+          <p:cNvPr id="18" name="Picture 17">
             <a:extLst>
               <a:ext uri="{FF2B5EF4-FFF2-40B4-BE49-F238E27FC236}">
-                <a16:creationId xmlns:a16="http://schemas.microsoft.com/office/drawing/2014/main" id="{2BEB8507-ADA4-4503-8834-2CF864B4527D}"/>
+                <a16:creationId xmlns:a16="http://schemas.microsoft.com/office/drawing/2014/main" id="{9D629F3B-770E-41BA-86E9-F967FF3724B6}"/>
               </a:ext>
             </a:extLst>
           </p:cNvPr>
@@ -14364,38 +13102,8 @@
         </p:blipFill>
         <p:spPr>
           <a:xfrm>
-            <a:off x="4576082" y="3182777"/>
-            <a:ext cx="2428721" cy="1734312"/>
-          </a:xfrm>
-          <a:prstGeom prst="rect">
-            <a:avLst/>
-          </a:prstGeom>
-        </p:spPr>
-      </p:pic>
-      <p:pic>
-        <p:nvPicPr>
-          <p:cNvPr id="17" name="Picture 16">
-            <a:extLst>
-              <a:ext uri="{FF2B5EF4-FFF2-40B4-BE49-F238E27FC236}">
-                <a16:creationId xmlns:a16="http://schemas.microsoft.com/office/drawing/2014/main" id="{97BECDA4-74E1-4D78-ADC5-E38A2A463AC8}"/>
-              </a:ext>
-            </a:extLst>
-          </p:cNvPr>
-          <p:cNvPicPr>
-            <a:picLocks noChangeAspect="1"/>
-          </p:cNvPicPr>
-          <p:nvPr/>
-        </p:nvPicPr>
-        <p:blipFill>
-          <a:blip r:embed="rId9"/>
-          <a:stretch>
-            <a:fillRect/>
-          </a:stretch>
-        </p:blipFill>
-        <p:spPr>
-          <a:xfrm>
-            <a:off x="8272349" y="3182777"/>
-            <a:ext cx="2878252" cy="1884059"/>
+            <a:off x="652715" y="1966332"/>
+            <a:ext cx="10251174" cy="2925335"/>
           </a:xfrm>
           <a:prstGeom prst="rect">
             <a:avLst/>
@@ -14405,7 +13113,7 @@
     </p:spTree>
     <p:extLst>
       <p:ext uri="{BB962C8B-B14F-4D97-AF65-F5344CB8AC3E}">
-        <p14:creationId xmlns:p14="http://schemas.microsoft.com/office/powerpoint/2010/main" val="59159242"/>
+        <p14:creationId xmlns:p14="http://schemas.microsoft.com/office/powerpoint/2010/main" val="291735900"/>
       </p:ext>
     </p:extLst>
   </p:cSld>
@@ -14436,7 +13144,7 @@
                             </p:stCondLst>
                             <p:childTnLst>
                               <p:par>
-                                <p:cTn id="5" presetID="16" presetClass="entr" presetSubtype="21" fill="hold" grpId="0" nodeType="afterEffect">
+                                <p:cTn id="5" presetID="42" presetClass="entr" presetSubtype="0" fill="hold" grpId="0" nodeType="afterEffect">
                                   <p:stCondLst>
                                     <p:cond delay="0"/>
                                   </p:stCondLst>
@@ -14459,11 +13167,101 @@
                                         <p:strVal val="visible"/>
                                       </p:to>
                                     </p:set>
-                                    <p:animEffect transition="in" filter="barn(inVertical)">
+                                    <p:animEffect transition="in" filter="fade">
                                       <p:cBhvr>
                                         <p:cTn id="7" dur="500"/>
                                         <p:tgtEl>
                                           <p:spTgt spid="4"/>
+                                        </p:tgtEl>
+                                      </p:cBhvr>
+                                    </p:animEffect>
+                                    <p:anim calcmode="lin" valueType="num">
+                                      <p:cBhvr>
+                                        <p:cTn id="8" dur="500" fill="hold"/>
+                                        <p:tgtEl>
+                                          <p:spTgt spid="4"/>
+                                        </p:tgtEl>
+                                        <p:attrNameLst>
+                                          <p:attrName>ppt_x</p:attrName>
+                                        </p:attrNameLst>
+                                      </p:cBhvr>
+                                      <p:tavLst>
+                                        <p:tav tm="0">
+                                          <p:val>
+                                            <p:strVal val="#ppt_x"/>
+                                          </p:val>
+                                        </p:tav>
+                                        <p:tav tm="100000">
+                                          <p:val>
+                                            <p:strVal val="#ppt_x"/>
+                                          </p:val>
+                                        </p:tav>
+                                      </p:tavLst>
+                                    </p:anim>
+                                    <p:anim calcmode="lin" valueType="num">
+                                      <p:cBhvr>
+                                        <p:cTn id="9" dur="500" fill="hold"/>
+                                        <p:tgtEl>
+                                          <p:spTgt spid="4"/>
+                                        </p:tgtEl>
+                                        <p:attrNameLst>
+                                          <p:attrName>ppt_y</p:attrName>
+                                        </p:attrNameLst>
+                                      </p:cBhvr>
+                                      <p:tavLst>
+                                        <p:tav tm="0">
+                                          <p:val>
+                                            <p:strVal val="#ppt_y+.1"/>
+                                          </p:val>
+                                        </p:tav>
+                                        <p:tav tm="100000">
+                                          <p:val>
+                                            <p:strVal val="#ppt_y"/>
+                                          </p:val>
+                                        </p:tav>
+                                      </p:tavLst>
+                                    </p:anim>
+                                  </p:childTnLst>
+                                </p:cTn>
+                              </p:par>
+                            </p:childTnLst>
+                          </p:cTn>
+                        </p:par>
+                        <p:par>
+                          <p:cTn id="10" fill="hold">
+                            <p:stCondLst>
+                              <p:cond delay="500"/>
+                            </p:stCondLst>
+                            <p:childTnLst>
+                              <p:par>
+                                <p:cTn id="11" presetID="10" presetClass="entr" presetSubtype="0" fill="hold" nodeType="afterEffect">
+                                  <p:stCondLst>
+                                    <p:cond delay="0"/>
+                                  </p:stCondLst>
+                                  <p:childTnLst>
+                                    <p:set>
+                                      <p:cBhvr>
+                                        <p:cTn id="12" dur="1" fill="hold">
+                                          <p:stCondLst>
+                                            <p:cond delay="0"/>
+                                          </p:stCondLst>
+                                        </p:cTn>
+                                        <p:tgtEl>
+                                          <p:spTgt spid="6"/>
+                                        </p:tgtEl>
+                                        <p:attrNameLst>
+                                          <p:attrName>style.visibility</p:attrName>
+                                        </p:attrNameLst>
+                                      </p:cBhvr>
+                                      <p:to>
+                                        <p:strVal val="visible"/>
+                                      </p:to>
+                                    </p:set>
+                                    <p:animEffect transition="in" filter="fade">
+                                      <p:cBhvr>
+                                        <p:cTn id="13" dur="500"/>
+                                        <p:tgtEl>
+                                          <p:spTgt spid="6"/>
                                         </p:tgtEl>
                                       </p:cBhvr>
                                     </p:animEffect>
@@ -14477,40 +13275,40 @@
                     </p:cTn>
                   </p:par>
                   <p:par>
-                    <p:cTn id="8" fill="hold">
+                    <p:cTn id="14" fill="hold">
                       <p:stCondLst>
                         <p:cond delay="indefinite"/>
                       </p:stCondLst>
                       <p:childTnLst>
                         <p:par>
-                          <p:cTn id="9" fill="hold">
+                          <p:cTn id="15" fill="hold">
                             <p:stCondLst>
                               <p:cond delay="0"/>
                             </p:stCondLst>
                             <p:childTnLst>
                               <p:par>
-                                <p:cTn id="10" presetID="16" presetClass="exit" presetSubtype="21" fill="hold" grpId="1" nodeType="clickEffect">
+                                <p:cTn id="16" presetID="10" presetClass="exit" presetSubtype="0" fill="hold" nodeType="clickEffect">
                                   <p:stCondLst>
                                     <p:cond delay="0"/>
                                   </p:stCondLst>
                                   <p:childTnLst>
-                                    <p:animEffect transition="out" filter="barn(inVertical)">
+                                    <p:animEffect transition="out" filter="fade">
                                       <p:cBhvr>
-                                        <p:cTn id="11" dur="500"/>
+                                        <p:cTn id="17" dur="500"/>
                                         <p:tgtEl>
-                                          <p:spTgt spid="4"/>
+                                          <p:spTgt spid="6"/>
                                         </p:tgtEl>
                                       </p:cBhvr>
                                     </p:animEffect>
                                     <p:set>
                                       <p:cBhvr>
-                                        <p:cTn id="12" dur="1" fill="hold">
+                                        <p:cTn id="18" dur="1" fill="hold">
                                           <p:stCondLst>
                                             <p:cond delay="499"/>
                                           </p:stCondLst>
                                         </p:cTn>
                                         <p:tgtEl>
-                                          <p:spTgt spid="4"/>
+                                          <p:spTgt spid="6"/>
                                         </p:tgtEl>
                                         <p:attrNameLst>
                                           <p:attrName>style.visibility</p:attrName>
@@ -14527,55 +13325,20 @@
                           </p:cTn>
                         </p:par>
                         <p:par>
-                          <p:cTn id="13" fill="hold">
+                          <p:cTn id="19" fill="hold">
                             <p:stCondLst>
                               <p:cond delay="500"/>
                             </p:stCondLst>
                             <p:childTnLst>
                               <p:par>
-                                <p:cTn id="14" presetID="22" presetClass="entr" presetSubtype="4" fill="hold" nodeType="afterEffect">
+                                <p:cTn id="20" presetID="10" presetClass="entr" presetSubtype="0" fill="hold" nodeType="afterEffect">
                                   <p:stCondLst>
                                     <p:cond delay="0"/>
                                   </p:stCondLst>
                                   <p:childTnLst>
                                     <p:set>
                                       <p:cBhvr>
-                                        <p:cTn id="15" dur="1" fill="hold">
-                                          <p:stCondLst>
-                                            <p:cond delay="0"/>
-                                          </p:stCondLst>
-                                        </p:cTn>
-                                        <p:tgtEl>
-                                          <p:spTgt spid="6"/>
-                                        </p:tgtEl>
-                                        <p:attrNameLst>
-                                          <p:attrName>style.visibility</p:attrName>
-                                        </p:attrNameLst>
-                                      </p:cBhvr>
-                                      <p:to>
-                                        <p:strVal val="visible"/>
-                                      </p:to>
-                                    </p:set>
-                                    <p:animEffect transition="in" filter="wipe(down)">
-                                      <p:cBhvr>
-                                        <p:cTn id="16" dur="500"/>
-                                        <p:tgtEl>
-                                          <p:spTgt spid="6"/>
-                                        </p:tgtEl>
-                                      </p:cBhvr>
-                                    </p:animEffect>
-                                  </p:childTnLst>
-                                </p:cTn>
-                              </p:par>
-                              <p:par>
-                                <p:cTn id="17" presetID="22" presetClass="entr" presetSubtype="4" fill="hold" nodeType="withEffect">
-                                  <p:stCondLst>
-                                    <p:cond delay="0"/>
-                                  </p:stCondLst>
-                                  <p:childTnLst>
-                                    <p:set>
-                                      <p:cBhvr>
-                                        <p:cTn id="18" dur="1" fill="hold">
+                                        <p:cTn id="21" dur="1" fill="hold">
                                           <p:stCondLst>
                                             <p:cond delay="0"/>
                                           </p:stCondLst>
@@ -14591,9 +13354,9 @@
                                         <p:strVal val="visible"/>
                                       </p:to>
                                     </p:set>
-                                    <p:animEffect transition="in" filter="wipe(down)">
+                                    <p:animEffect transition="in" filter="fade">
                                       <p:cBhvr>
-                                        <p:cTn id="19" dur="500"/>
+                                        <p:cTn id="22" dur="500"/>
                                         <p:tgtEl>
                                           <p:spTgt spid="8"/>
                                         </p:tgtEl>
@@ -14602,113 +13365,70 @@
                                   </p:childTnLst>
                                 </p:cTn>
                               </p:par>
+                            </p:childTnLst>
+                          </p:cTn>
+                        </p:par>
+                      </p:childTnLst>
+                    </p:cTn>
+                  </p:par>
+                  <p:par>
+                    <p:cTn id="23" fill="hold">
+                      <p:stCondLst>
+                        <p:cond delay="indefinite"/>
+                      </p:stCondLst>
+                      <p:childTnLst>
+                        <p:par>
+                          <p:cTn id="24" fill="hold">
+                            <p:stCondLst>
+                              <p:cond delay="0"/>
+                            </p:stCondLst>
+                            <p:childTnLst>
                               <p:par>
-                                <p:cTn id="20" presetID="22" presetClass="entr" presetSubtype="4" fill="hold" nodeType="withEffect">
+                                <p:cTn id="25" presetID="10" presetClass="exit" presetSubtype="0" fill="hold" nodeType="clickEffect">
                                   <p:stCondLst>
                                     <p:cond delay="0"/>
                                   </p:stCondLst>
                                   <p:childTnLst>
+                                    <p:animEffect transition="out" filter="fade">
+                                      <p:cBhvr>
+                                        <p:cTn id="26" dur="500"/>
+                                        <p:tgtEl>
+                                          <p:spTgt spid="8"/>
+                                        </p:tgtEl>
+                                      </p:cBhvr>
+                                    </p:animEffect>
                                     <p:set>
                                       <p:cBhvr>
-                                        <p:cTn id="21" dur="1" fill="hold">
+                                        <p:cTn id="27" dur="1" fill="hold">
                                           <p:stCondLst>
-                                            <p:cond delay="0"/>
+                                            <p:cond delay="499"/>
                                           </p:stCondLst>
                                         </p:cTn>
                                         <p:tgtEl>
-                                          <p:spTgt spid="11"/>
+                                          <p:spTgt spid="8"/>
                                         </p:tgtEl>
                                         <p:attrNameLst>
                                           <p:attrName>style.visibility</p:attrName>
                                         </p:attrNameLst>
                                       </p:cBhvr>
                                       <p:to>
-                                        <p:strVal val="visible"/>
+                                        <p:strVal val="hidden"/>
                                       </p:to>
                                     </p:set>
-                                    <p:animEffect transition="in" filter="wipe(down)">
-                                      <p:cBhvr>
-                                        <p:cTn id="22" dur="500"/>
-                                        <p:tgtEl>
-                                          <p:spTgt spid="11"/>
-                                        </p:tgtEl>
-                                      </p:cBhvr>
-                                    </p:animEffect>
                                   </p:childTnLst>
                                 </p:cTn>
                               </p:par>
+                            </p:childTnLst>
+                          </p:cTn>
+                        </p:par>
+                        <p:par>
+                          <p:cTn id="28" fill="hold">
+                            <p:stCondLst>
+                              <p:cond delay="500"/>
+                            </p:stCondLst>
+                            <p:childTnLst>
                               <p:par>
-                                <p:cTn id="23" presetID="22" presetClass="entr" presetSubtype="4" fill="hold" nodeType="withEffect">
-                                  <p:stCondLst>
-                                    <p:cond delay="0"/>
-                                  </p:stCondLst>
-                                  <p:childTnLst>
-                                    <p:set>
-                                      <p:cBhvr>
-                                        <p:cTn id="24" dur="1" fill="hold">
-                                          <p:stCondLst>
-                                            <p:cond delay="0"/>
-                                          </p:stCondLst>
-                                        </p:cTn>
-                                        <p:tgtEl>
-                                          <p:spTgt spid="17"/>
-                                        </p:tgtEl>
-                                        <p:attrNameLst>
-                                          <p:attrName>style.visibility</p:attrName>
-                                        </p:attrNameLst>
-                                      </p:cBhvr>
-                                      <p:to>
-                                        <p:strVal val="visible"/>
-                                      </p:to>
-                                    </p:set>
-                                    <p:animEffect transition="in" filter="wipe(down)">
-                                      <p:cBhvr>
-                                        <p:cTn id="25" dur="500"/>
-                                        <p:tgtEl>
-                                          <p:spTgt spid="17"/>
-                                        </p:tgtEl>
-                                      </p:cBhvr>
-                                    </p:animEffect>
-                                  </p:childTnLst>
-                                </p:cTn>
-                              </p:par>
-                              <p:par>
-                                <p:cTn id="26" presetID="22" presetClass="entr" presetSubtype="4" fill="hold" nodeType="withEffect">
-                                  <p:stCondLst>
-                                    <p:cond delay="0"/>
-                                  </p:stCondLst>
-                                  <p:childTnLst>
-                                    <p:set>
-                                      <p:cBhvr>
-                                        <p:cTn id="27" dur="1" fill="hold">
-                                          <p:stCondLst>
-                                            <p:cond delay="0"/>
-                                          </p:stCondLst>
-                                        </p:cTn>
-                                        <p:tgtEl>
-                                          <p:spTgt spid="15"/>
-                                        </p:tgtEl>
-                                        <p:attrNameLst>
-                                          <p:attrName>style.visibility</p:attrName>
-                                        </p:attrNameLst>
-                                      </p:cBhvr>
-                                      <p:to>
-                                        <p:strVal val="visible"/>
-                                      </p:to>
-                                    </p:set>
-                                    <p:animEffect transition="in" filter="wipe(down)">
-                                      <p:cBhvr>
-                                        <p:cTn id="28" dur="500"/>
-                                        <p:tgtEl>
-                                          <p:spTgt spid="15"/>
-                                        </p:tgtEl>
-                                      </p:cBhvr>
-                                    </p:animEffect>
-                                  </p:childTnLst>
-                                </p:cTn>
-                              </p:par>
-                              <p:par>
-                                <p:cTn id="29" presetID="22" presetClass="entr" presetSubtype="4" fill="hold" nodeType="withEffect">
+                                <p:cTn id="29" presetID="10" presetClass="entr" presetSubtype="0" fill="hold" nodeType="afterEffect">
                                   <p:stCondLst>
                                     <p:cond delay="0"/>
                                   </p:stCondLst>
@@ -14721,7 +13441,7 @@
                                           </p:stCondLst>
                                         </p:cTn>
                                         <p:tgtEl>
-                                          <p:spTgt spid="13"/>
+                                          <p:spTgt spid="10"/>
                                         </p:tgtEl>
                                         <p:attrNameLst>
                                           <p:attrName>style.visibility</p:attrName>
@@ -14731,32 +13451,94 @@
                                         <p:strVal val="visible"/>
                                       </p:to>
                                     </p:set>
-                                    <p:animEffect transition="in" filter="wipe(down)">
+                                    <p:animEffect transition="in" filter="fade">
                                       <p:cBhvr>
                                         <p:cTn id="31" dur="500"/>
                                         <p:tgtEl>
-                                          <p:spTgt spid="13"/>
+                                          <p:spTgt spid="10"/>
                                         </p:tgtEl>
                                       </p:cBhvr>
                                     </p:animEffect>
                                   </p:childTnLst>
                                 </p:cTn>
                               </p:par>
+                            </p:childTnLst>
+                          </p:cTn>
+                        </p:par>
+                      </p:childTnLst>
+                    </p:cTn>
+                  </p:par>
+                  <p:par>
+                    <p:cTn id="32" fill="hold">
+                      <p:stCondLst>
+                        <p:cond delay="indefinite"/>
+                      </p:stCondLst>
+                      <p:childTnLst>
+                        <p:par>
+                          <p:cTn id="33" fill="hold">
+                            <p:stCondLst>
+                              <p:cond delay="0"/>
+                            </p:stCondLst>
+                            <p:childTnLst>
                               <p:par>
-                                <p:cTn id="32" presetID="22" presetClass="entr" presetSubtype="4" fill="hold" nodeType="withEffect">
+                                <p:cTn id="34" presetID="10" presetClass="exit" presetSubtype="0" fill="hold" nodeType="clickEffect">
+                                  <p:stCondLst>
+                                    <p:cond delay="0"/>
+                                  </p:stCondLst>
+                                  <p:childTnLst>
+                                    <p:animEffect transition="out" filter="fade">
+                                      <p:cBhvr>
+                                        <p:cTn id="35" dur="500"/>
+                                        <p:tgtEl>
+                                          <p:spTgt spid="10"/>
+                                        </p:tgtEl>
+                                      </p:cBhvr>
+                                    </p:animEffect>
+                                    <p:set>
+                                      <p:cBhvr>
+                                        <p:cTn id="36" dur="1" fill="hold">
+                                          <p:stCondLst>
+                                            <p:cond delay="499"/>
+                                          </p:stCondLst>
+                                        </p:cTn>
+                                        <p:tgtEl>
+                                          <p:spTgt spid="10"/>
+                                        </p:tgtEl>
+                                        <p:attrNameLst>
+                                          <p:attrName>style.visibility</p:attrName>
+                                        </p:attrNameLst>
+                                      </p:cBhvr>
+                                      <p:to>
+                                        <p:strVal val="hidden"/>
+                                      </p:to>
+                                    </p:set>
+                                  </p:childTnLst>
+                                </p:cTn>
+                              </p:par>
+                            </p:childTnLst>
+                          </p:cTn>
+                        </p:par>
+                        <p:par>
+                          <p:cTn id="37" fill="hold">
+                            <p:stCondLst>
+                              <p:cond delay="500"/>
+                            </p:stCondLst>
+                            <p:childTnLst>
+                              <p:par>
+                                <p:cTn id="38" presetID="10" presetClass="entr" presetSubtype="0" fill="hold" nodeType="afterEffect">
                                   <p:stCondLst>
                                     <p:cond delay="0"/>
                                   </p:stCondLst>
                                   <p:childTnLst>
                                     <p:set>
                                       <p:cBhvr>
-                                        <p:cTn id="33" dur="1" fill="hold">
+                                        <p:cTn id="39" dur="1" fill="hold">
                                           <p:stCondLst>
                                             <p:cond delay="0"/>
                                           </p:stCondLst>
                                         </p:cTn>
                                         <p:tgtEl>
-                                          <p:spTgt spid="5"/>
+                                          <p:spTgt spid="12"/>
                                         </p:tgtEl>
                                         <p:attrNameLst>
                                           <p:attrName>style.visibility</p:attrName>
@@ -14766,11 +13548,302 @@
                                         <p:strVal val="visible"/>
                                       </p:to>
                                     </p:set>
-                                    <p:animEffect transition="in" filter="wipe(down)">
+                                    <p:animEffect transition="in" filter="fade">
                                       <p:cBhvr>
-                                        <p:cTn id="34" dur="500"/>
+                                        <p:cTn id="40" dur="500"/>
                                         <p:tgtEl>
-                                          <p:spTgt spid="5"/>
+                                          <p:spTgt spid="12"/>
+                                        </p:tgtEl>
+                                      </p:cBhvr>
+                                    </p:animEffect>
+                                  </p:childTnLst>
+                                </p:cTn>
+                              </p:par>
+                            </p:childTnLst>
+                          </p:cTn>
+                        </p:par>
+                      </p:childTnLst>
+                    </p:cTn>
+                  </p:par>
+                  <p:par>
+                    <p:cTn id="41" fill="hold">
+                      <p:stCondLst>
+                        <p:cond delay="indefinite"/>
+                      </p:stCondLst>
+                      <p:childTnLst>
+                        <p:par>
+                          <p:cTn id="42" fill="hold">
+                            <p:stCondLst>
+                              <p:cond delay="0"/>
+                            </p:stCondLst>
+                            <p:childTnLst>
+                              <p:par>
+                                <p:cTn id="43" presetID="10" presetClass="exit" presetSubtype="0" fill="hold" nodeType="clickEffect">
+                                  <p:stCondLst>
+                                    <p:cond delay="0"/>
+                                  </p:stCondLst>
+                                  <p:childTnLst>
+                                    <p:animEffect transition="out" filter="fade">
+                                      <p:cBhvr>
+                                        <p:cTn id="44" dur="500"/>
+                                        <p:tgtEl>
+                                          <p:spTgt spid="12"/>
+                                        </p:tgtEl>
+                                      </p:cBhvr>
+                                    </p:animEffect>
+                                    <p:set>
+                                      <p:cBhvr>
+                                        <p:cTn id="45" dur="1" fill="hold">
+                                          <p:stCondLst>
+                                            <p:cond delay="499"/>
+                                          </p:stCondLst>
+                                        </p:cTn>
+                                        <p:tgtEl>
+                                          <p:spTgt spid="12"/>
+                                        </p:tgtEl>
+                                        <p:attrNameLst>
+                                          <p:attrName>style.visibility</p:attrName>
+                                        </p:attrNameLst>
+                                      </p:cBhvr>
+                                      <p:to>
+                                        <p:strVal val="hidden"/>
+                                      </p:to>
+                                    </p:set>
+                                  </p:childTnLst>
+                                </p:cTn>
+                              </p:par>
+                            </p:childTnLst>
+                          </p:cTn>
+                        </p:par>
+                        <p:par>
+                          <p:cTn id="46" fill="hold">
+                            <p:stCondLst>
+                              <p:cond delay="500"/>
+                            </p:stCondLst>
+                            <p:childTnLst>
+                              <p:par>
+                                <p:cTn id="47" presetID="10" presetClass="entr" presetSubtype="0" fill="hold" nodeType="afterEffect">
+                                  <p:stCondLst>
+                                    <p:cond delay="0"/>
+                                  </p:stCondLst>
+                                  <p:childTnLst>
+                                    <p:set>
+                                      <p:cBhvr>
+                                        <p:cTn id="48" dur="1" fill="hold">
+                                          <p:stCondLst>
+                                            <p:cond delay="0"/>
+                                          </p:stCondLst>
+                                        </p:cTn>
+                                        <p:tgtEl>
+                                          <p:spTgt spid="14"/>
+                                        </p:tgtEl>
+                                        <p:attrNameLst>
+                                          <p:attrName>style.visibility</p:attrName>
+                                        </p:attrNameLst>
+                                      </p:cBhvr>
+                                      <p:to>
+                                        <p:strVal val="visible"/>
+                                      </p:to>
+                                    </p:set>
+                                    <p:animEffect transition="in" filter="fade">
+                                      <p:cBhvr>
+                                        <p:cTn id="49" dur="500"/>
+                                        <p:tgtEl>
+                                          <p:spTgt spid="14"/>
+                                        </p:tgtEl>
+                                      </p:cBhvr>
+                                    </p:animEffect>
+                                  </p:childTnLst>
+                                </p:cTn>
+                              </p:par>
+                            </p:childTnLst>
+                          </p:cTn>
+                        </p:par>
+                      </p:childTnLst>
+                    </p:cTn>
+                  </p:par>
+                  <p:par>
+                    <p:cTn id="50" fill="hold">
+                      <p:stCondLst>
+                        <p:cond delay="indefinite"/>
+                      </p:stCondLst>
+                      <p:childTnLst>
+                        <p:par>
+                          <p:cTn id="51" fill="hold">
+                            <p:stCondLst>
+                              <p:cond delay="0"/>
+                            </p:stCondLst>
+                            <p:childTnLst>
+                              <p:par>
+                                <p:cTn id="52" presetID="10" presetClass="exit" presetSubtype="0" fill="hold" nodeType="clickEffect">
+                                  <p:stCondLst>
+                                    <p:cond delay="0"/>
+                                  </p:stCondLst>
+                                  <p:childTnLst>
+                                    <p:animEffect transition="out" filter="fade">
+                                      <p:cBhvr>
+                                        <p:cTn id="53" dur="500"/>
+                                        <p:tgtEl>
+                                          <p:spTgt spid="14"/>
+                                        </p:tgtEl>
+                                      </p:cBhvr>
+                                    </p:animEffect>
+                                    <p:set>
+                                      <p:cBhvr>
+                                        <p:cTn id="54" dur="1" fill="hold">
+                                          <p:stCondLst>
+                                            <p:cond delay="499"/>
+                                          </p:stCondLst>
+                                        </p:cTn>
+                                        <p:tgtEl>
+                                          <p:spTgt spid="14"/>
+                                        </p:tgtEl>
+                                        <p:attrNameLst>
+                                          <p:attrName>style.visibility</p:attrName>
+                                        </p:attrNameLst>
+                                      </p:cBhvr>
+                                      <p:to>
+                                        <p:strVal val="hidden"/>
+                                      </p:to>
+                                    </p:set>
+                                  </p:childTnLst>
+                                </p:cTn>
+                              </p:par>
+                            </p:childTnLst>
+                          </p:cTn>
+                        </p:par>
+                        <p:par>
+                          <p:cTn id="55" fill="hold">
+                            <p:stCondLst>
+                              <p:cond delay="500"/>
+                            </p:stCondLst>
+                            <p:childTnLst>
+                              <p:par>
+                                <p:cTn id="56" presetID="10" presetClass="entr" presetSubtype="0" fill="hold" nodeType="afterEffect">
+                                  <p:stCondLst>
+                                    <p:cond delay="0"/>
+                                  </p:stCondLst>
+                                  <p:childTnLst>
+                                    <p:set>
+                                      <p:cBhvr>
+                                        <p:cTn id="57" dur="1" fill="hold">
+                                          <p:stCondLst>
+                                            <p:cond delay="0"/>
+                                          </p:stCondLst>
+                                        </p:cTn>
+                                        <p:tgtEl>
+                                          <p:spTgt spid="16"/>
+                                        </p:tgtEl>
+                                        <p:attrNameLst>
+                                          <p:attrName>style.visibility</p:attrName>
+                                        </p:attrNameLst>
+                                      </p:cBhvr>
+                                      <p:to>
+                                        <p:strVal val="visible"/>
+                                      </p:to>
+                                    </p:set>
+                                    <p:animEffect transition="in" filter="fade">
+                                      <p:cBhvr>
+                                        <p:cTn id="58" dur="500"/>
+                                        <p:tgtEl>
+                                          <p:spTgt spid="16"/>
+                                        </p:tgtEl>
+                                      </p:cBhvr>
+                                    </p:animEffect>
+                                  </p:childTnLst>
+                                </p:cTn>
+                              </p:par>
+                            </p:childTnLst>
+                          </p:cTn>
+                        </p:par>
+                      </p:childTnLst>
+                    </p:cTn>
+                  </p:par>
+                  <p:par>
+                    <p:cTn id="59" fill="hold">
+                      <p:stCondLst>
+                        <p:cond delay="indefinite"/>
+                      </p:stCondLst>
+                      <p:childTnLst>
+                        <p:par>
+                          <p:cTn id="60" fill="hold">
+                            <p:stCondLst>
+                              <p:cond delay="0"/>
+                            </p:stCondLst>
+                            <p:childTnLst>
+                              <p:par>
+                                <p:cTn id="61" presetID="10" presetClass="exit" presetSubtype="0" fill="hold" nodeType="clickEffect">
+                                  <p:stCondLst>
+                                    <p:cond delay="0"/>
+                                  </p:stCondLst>
+                                  <p:childTnLst>
+                                    <p:animEffect transition="out" filter="fade">
+                                      <p:cBhvr>
+                                        <p:cTn id="62" dur="500"/>
+                                        <p:tgtEl>
+                                          <p:spTgt spid="16"/>
+                                        </p:tgtEl>
+                                      </p:cBhvr>
+                                    </p:animEffect>
+                                    <p:set>
+                                      <p:cBhvr>
+                                        <p:cTn id="63" dur="1" fill="hold">
+                                          <p:stCondLst>
+                                            <p:cond delay="499"/>
+                                          </p:stCondLst>
+                                        </p:cTn>
+                                        <p:tgtEl>
+                                          <p:spTgt spid="16"/>
+                                        </p:tgtEl>
+                                        <p:attrNameLst>
+                                          <p:attrName>style.visibility</p:attrName>
+                                        </p:attrNameLst>
+                                      </p:cBhvr>
+                                      <p:to>
+                                        <p:strVal val="hidden"/>
+                                      </p:to>
+                                    </p:set>
+                                  </p:childTnLst>
+                                </p:cTn>
+                              </p:par>
+                            </p:childTnLst>
+                          </p:cTn>
+                        </p:par>
+                        <p:par>
+                          <p:cTn id="64" fill="hold">
+                            <p:stCondLst>
+                              <p:cond delay="500"/>
+                            </p:stCondLst>
+                            <p:childTnLst>
+                              <p:par>
+                                <p:cTn id="65" presetID="10" presetClass="entr" presetSubtype="0" fill="hold" nodeType="afterEffect">
+                                  <p:stCondLst>
+                                    <p:cond delay="0"/>
+                                  </p:stCondLst>
+                                  <p:childTnLst>
+                                    <p:set>
+                                      <p:cBhvr>
+                                        <p:cTn id="66" dur="1" fill="hold">
+                                          <p:stCondLst>
+                                            <p:cond delay="0"/>
+                                          </p:stCondLst>
+                                        </p:cTn>
+                                        <p:tgtEl>
+                                          <p:spTgt spid="18"/>
+                                        </p:tgtEl>
+                                        <p:attrNameLst>
+                                          <p:attrName>style.visibility</p:attrName>
+                                        </p:attrNameLst>
+                                      </p:cBhvr>
+                                      <p:to>
+                                        <p:strVal val="visible"/>
+                                      </p:to>
+                                    </p:set>
+                                    <p:animEffect transition="in" filter="fade">
+                                      <p:cBhvr>
+                                        <p:cTn id="67" dur="500"/>
+                                        <p:tgtEl>
+                                          <p:spTgt spid="18"/>
                                         </p:tgtEl>
                                       </p:cBhvr>
                                     </p:animEffect>
@@ -14806,7 +13879,6 @@
     </p:tnLst>
     <p:bldLst>
       <p:bldP spid="4" grpId="0"/>
-      <p:bldP spid="4" grpId="1"/>
     </p:bldLst>
   </p:timing>
 </p:sld>
@@ -14901,10 +13973,10 @@
       </p:sp>
       <p:pic>
         <p:nvPicPr>
-          <p:cNvPr id="4" name="Picture 3">
+          <p:cNvPr id="5" name="Picture 4">
             <a:extLst>
               <a:ext uri="{FF2B5EF4-FFF2-40B4-BE49-F238E27FC236}">
-                <a16:creationId xmlns:a16="http://schemas.microsoft.com/office/drawing/2014/main" id="{B6A7F33E-0F2F-420C-9E0F-A66092BB2611}"/>
+                <a16:creationId xmlns:a16="http://schemas.microsoft.com/office/drawing/2014/main" id="{7818C04B-317C-4405-8831-CE734385C5EC}"/>
               </a:ext>
             </a:extLst>
           </p:cNvPr>
@@ -14921,8 +13993,8 @@
         </p:blipFill>
         <p:spPr>
           <a:xfrm>
-            <a:off x="723547" y="605362"/>
-            <a:ext cx="10744905" cy="6252638"/>
+            <a:off x="3576917" y="542215"/>
+            <a:ext cx="5432864" cy="6315785"/>
           </a:xfrm>
           <a:prstGeom prst="rect">
             <a:avLst/>
@@ -15053,9 +14125,9 @@
                             </p:stCondLst>
                             <p:childTnLst>
                               <p:par>
-                                <p:cTn id="11" presetID="22" presetClass="entr" presetSubtype="4" fill="hold" nodeType="afterEffect">
+                                <p:cTn id="11" presetID="10" presetClass="entr" presetSubtype="0" fill="hold" nodeType="afterEffect">
                                   <p:stCondLst>
-                                    <p:cond delay="250"/>
+                                    <p:cond delay="0"/>
                                   </p:stCondLst>
                                   <p:childTnLst>
                                     <p:set>
@@ -15066,7 +14138,7 @@
                                           </p:stCondLst>
                                         </p:cTn>
                                         <p:tgtEl>
-                                          <p:spTgt spid="4"/>
+                                          <p:spTgt spid="5"/>
                                         </p:tgtEl>
                                         <p:attrNameLst>
                                           <p:attrName>style.visibility</p:attrName>
@@ -15076,11 +14148,11 @@
                                         <p:strVal val="visible"/>
                                       </p:to>
                                     </p:set>
-                                    <p:animEffect transition="in" filter="wipe(down)">
+                                    <p:animEffect transition="in" filter="fade">
                                       <p:cBhvr>
                                         <p:cTn id="13" dur="500"/>
                                         <p:tgtEl>
-                                          <p:spTgt spid="4"/>
+                                          <p:spTgt spid="5"/>
                                         </p:tgtEl>
                                       </p:cBhvr>
                                     </p:animEffect>
@@ -15227,28 +14299,14 @@
                 <a:latin typeface="Times New Roman" panose="02020603050405020304" pitchFamily="18" charset="0"/>
                 <a:cs typeface="Times New Roman" panose="02020603050405020304" pitchFamily="18" charset="0"/>
               </a:rPr>
-              <a:t> </a:t>
-            </a:r>
-            <a:r>
-              <a:rPr lang="en-US" altLang="ja-JP" sz="2800" dirty="0" err="1">
-                <a:latin typeface="Times New Roman" panose="02020603050405020304" pitchFamily="18" charset="0"/>
-                <a:cs typeface="Times New Roman" panose="02020603050405020304" pitchFamily="18" charset="0"/>
-              </a:rPr>
-              <a:t>danh</a:t>
-            </a:r>
-            <a:r>
-              <a:rPr lang="en-US" altLang="ja-JP" sz="2800" dirty="0">
-                <a:latin typeface="Times New Roman" panose="02020603050405020304" pitchFamily="18" charset="0"/>
-                <a:cs typeface="Times New Roman" panose="02020603050405020304" pitchFamily="18" charset="0"/>
-              </a:rPr>
-              <a:t> </a:t>
-            </a:r>
-            <a:r>
-              <a:rPr lang="en-US" altLang="ja-JP" sz="2800" dirty="0" err="1">
-                <a:latin typeface="Times New Roman" panose="02020603050405020304" pitchFamily="18" charset="0"/>
-                <a:cs typeface="Times New Roman" panose="02020603050405020304" pitchFamily="18" charset="0"/>
-              </a:rPr>
-              <a:t>thu</a:t>
+              <a:t> chi </a:t>
+            </a:r>
+            <a:r>
+              <a:rPr lang="en-US" altLang="ja-JP" sz="2800" dirty="0" err="1">
+                <a:latin typeface="Times New Roman" panose="02020603050405020304" pitchFamily="18" charset="0"/>
+                <a:cs typeface="Times New Roman" panose="02020603050405020304" pitchFamily="18" charset="0"/>
+              </a:rPr>
+              <a:t>phí</a:t>
             </a:r>
             <a:endParaRPr kumimoji="1" lang="ja-JP" altLang="en-US" sz="2800" dirty="0">
               <a:latin typeface="Times New Roman" panose="02020603050405020304" pitchFamily="18" charset="0"/>
@@ -15257,1297 +14315,220 @@
           </a:p>
         </p:txBody>
       </p:sp>
-    </p:spTree>
-    <p:extLst>
-      <p:ext uri="{BB962C8B-B14F-4D97-AF65-F5344CB8AC3E}">
-        <p14:creationId xmlns:p14="http://schemas.microsoft.com/office/powerpoint/2010/main" val="4079781437"/>
-      </p:ext>
-    </p:extLst>
-  </p:cSld>
-  <p:clrMapOvr>
-    <a:masterClrMapping/>
-  </p:clrMapOvr>
-  <p:timing>
-    <p:tnLst>
-      <p:par>
-        <p:cTn id="1" dur="indefinite" restart="never" nodeType="tmRoot">
-          <p:childTnLst>
-            <p:seq concurrent="1" nextAc="seek">
-              <p:cTn id="2" dur="indefinite" nodeType="mainSeq">
-                <p:childTnLst>
-                  <p:par>
-                    <p:cTn id="3" fill="hold">
-                      <p:stCondLst>
-                        <p:cond delay="indefinite"/>
-                        <p:cond evt="onBegin" delay="0">
-                          <p:tn val="2"/>
-                        </p:cond>
-                      </p:stCondLst>
-                      <p:childTnLst>
-                        <p:par>
-                          <p:cTn id="4" fill="hold">
-                            <p:stCondLst>
-                              <p:cond delay="0"/>
-                            </p:stCondLst>
-                            <p:childTnLst>
-                              <p:par>
-                                <p:cTn id="5" presetID="42" presetClass="entr" presetSubtype="0" fill="hold" grpId="0" nodeType="afterEffect">
-                                  <p:stCondLst>
-                                    <p:cond delay="0"/>
-                                  </p:stCondLst>
-                                  <p:childTnLst>
-                                    <p:set>
-                                      <p:cBhvr>
-                                        <p:cTn id="6" dur="1" fill="hold">
-                                          <p:stCondLst>
-                                            <p:cond delay="0"/>
-                                          </p:stCondLst>
-                                        </p:cTn>
-                                        <p:tgtEl>
-                                          <p:spTgt spid="2"/>
-                                        </p:tgtEl>
-                                        <p:attrNameLst>
-                                          <p:attrName>style.visibility</p:attrName>
-                                        </p:attrNameLst>
-                                      </p:cBhvr>
-                                      <p:to>
-                                        <p:strVal val="visible"/>
-                                      </p:to>
-                                    </p:set>
-                                    <p:animEffect transition="in" filter="fade">
-                                      <p:cBhvr>
-                                        <p:cTn id="7" dur="500"/>
-                                        <p:tgtEl>
-                                          <p:spTgt spid="2"/>
-                                        </p:tgtEl>
-                                      </p:cBhvr>
-                                    </p:animEffect>
-                                    <p:anim calcmode="lin" valueType="num">
-                                      <p:cBhvr>
-                                        <p:cTn id="8" dur="500" fill="hold"/>
-                                        <p:tgtEl>
-                                          <p:spTgt spid="2"/>
-                                        </p:tgtEl>
-                                        <p:attrNameLst>
-                                          <p:attrName>ppt_x</p:attrName>
-                                        </p:attrNameLst>
-                                      </p:cBhvr>
-                                      <p:tavLst>
-                                        <p:tav tm="0">
-                                          <p:val>
-                                            <p:strVal val="#ppt_x"/>
-                                          </p:val>
-                                        </p:tav>
-                                        <p:tav tm="100000">
-                                          <p:val>
-                                            <p:strVal val="#ppt_x"/>
-                                          </p:val>
-                                        </p:tav>
-                                      </p:tavLst>
-                                    </p:anim>
-                                    <p:anim calcmode="lin" valueType="num">
-                                      <p:cBhvr>
-                                        <p:cTn id="9" dur="500" fill="hold"/>
-                                        <p:tgtEl>
-                                          <p:spTgt spid="2"/>
-                                        </p:tgtEl>
-                                        <p:attrNameLst>
-                                          <p:attrName>ppt_y</p:attrName>
-                                        </p:attrNameLst>
-                                      </p:cBhvr>
-                                      <p:tavLst>
-                                        <p:tav tm="0">
-                                          <p:val>
-                                            <p:strVal val="#ppt_y+.1"/>
-                                          </p:val>
-                                        </p:tav>
-                                        <p:tav tm="100000">
-                                          <p:val>
-                                            <p:strVal val="#ppt_y"/>
-                                          </p:val>
-                                        </p:tav>
-                                      </p:tavLst>
-                                    </p:anim>
-                                  </p:childTnLst>
-                                </p:cTn>
-                              </p:par>
-                            </p:childTnLst>
-                          </p:cTn>
-                        </p:par>
-                      </p:childTnLst>
-                    </p:cTn>
-                  </p:par>
-                </p:childTnLst>
-              </p:cTn>
-              <p:prevCondLst>
-                <p:cond evt="onPrev" delay="0">
-                  <p:tgtEl>
-                    <p:sldTgt/>
-                  </p:tgtEl>
-                </p:cond>
-              </p:prevCondLst>
-              <p:nextCondLst>
-                <p:cond evt="onNext" delay="0">
-                  <p:tgtEl>
-                    <p:sldTgt/>
-                  </p:tgtEl>
-                </p:cond>
-              </p:nextCondLst>
-            </p:seq>
-          </p:childTnLst>
-        </p:cTn>
-      </p:par>
-    </p:tnLst>
-    <p:bldLst>
-      <p:bldP spid="2" grpId="0"/>
-    </p:bldLst>
-  </p:timing>
-</p:sld>
-</file>
-
-<file path=ppt/slides/slide17.xml><?xml version="1.0" encoding="utf-8"?>
-<p:sld xmlns:a="http://schemas.openxmlformats.org/drawingml/2006/main" xmlns:r="http://schemas.openxmlformats.org/officeDocument/2006/relationships" xmlns:p="http://schemas.openxmlformats.org/presentationml/2006/main">
-  <p:cSld>
-    <p:spTree>
-      <p:nvGrpSpPr>
-        <p:cNvPr id="1" name=""/>
-        <p:cNvGrpSpPr/>
-        <p:nvPr/>
-      </p:nvGrpSpPr>
-      <p:grpSpPr>
-        <a:xfrm>
-          <a:off x="0" y="0"/>
-          <a:ext cx="0" cy="0"/>
-          <a:chOff x="0" y="0"/>
-          <a:chExt cx="0" cy="0"/>
-        </a:xfrm>
-      </p:grpSpPr>
-      <p:sp>
-        <p:nvSpPr>
-          <p:cNvPr id="4" name="TextBox 3">
+      <p:pic>
+        <p:nvPicPr>
+          <p:cNvPr id="4" name="Picture 3">
             <a:extLst>
               <a:ext uri="{FF2B5EF4-FFF2-40B4-BE49-F238E27FC236}">
-                <a16:creationId xmlns:a16="http://schemas.microsoft.com/office/drawing/2014/main" id="{082FEE6A-8813-4E9E-926E-780A45528405}"/>
+                <a16:creationId xmlns:a16="http://schemas.microsoft.com/office/drawing/2014/main" id="{8489B2C6-831F-44B8-A228-08162AABB737}"/>
               </a:ext>
             </a:extLst>
           </p:cNvPr>
-          <p:cNvSpPr txBox="1"/>
+          <p:cNvPicPr>
+            <a:picLocks noChangeAspect="1"/>
+          </p:cNvPicPr>
           <p:nvPr/>
-        </p:nvSpPr>
+        </p:nvPicPr>
+        <p:blipFill>
+          <a:blip r:embed="rId2"/>
+          <a:stretch>
+            <a:fillRect/>
+          </a:stretch>
+        </p:blipFill>
         <p:spPr>
           <a:xfrm>
-            <a:off x="147762" y="103367"/>
-            <a:ext cx="5804002" cy="523220"/>
+            <a:off x="1860776" y="1107141"/>
+            <a:ext cx="8181975" cy="3352800"/>
           </a:xfrm>
           <a:prstGeom prst="rect">
             <a:avLst/>
           </a:prstGeom>
-          <a:noFill/>
         </p:spPr>
-        <p:txBody>
-          <a:bodyPr wrap="square" rtlCol="0">
-            <a:spAutoFit/>
-          </a:bodyPr>
-          <a:lstStyle/>
-          <a:p>
-            <a:r>
-              <a:rPr lang="en-US" altLang="ja-JP" sz="2800" dirty="0">
-                <a:latin typeface="Times New Roman" panose="02020603050405020304" pitchFamily="18" charset="0"/>
-                <a:cs typeface="Times New Roman" panose="02020603050405020304" pitchFamily="18" charset="0"/>
-              </a:rPr>
-              <a:t>Đ</a:t>
-            </a:r>
-            <a:r>
-              <a:rPr lang="vi-VN" altLang="ja-JP" sz="2800" dirty="0">
-                <a:latin typeface="Times New Roman" panose="02020603050405020304" pitchFamily="18" charset="0"/>
-                <a:cs typeface="Times New Roman" panose="02020603050405020304" pitchFamily="18" charset="0"/>
-              </a:rPr>
-              <a:t>ư</a:t>
-            </a:r>
-            <a:r>
-              <a:rPr lang="en-US" altLang="ja-JP" sz="2800" dirty="0">
-                <a:latin typeface="Times New Roman" panose="02020603050405020304" pitchFamily="18" charset="0"/>
-                <a:cs typeface="Times New Roman" panose="02020603050405020304" pitchFamily="18" charset="0"/>
-              </a:rPr>
-              <a:t>a ra </a:t>
-            </a:r>
-            <a:r>
-              <a:rPr lang="en-US" altLang="ja-JP" sz="2800" dirty="0" err="1">
-                <a:latin typeface="Times New Roman" panose="02020603050405020304" pitchFamily="18" charset="0"/>
-                <a:cs typeface="Times New Roman" panose="02020603050405020304" pitchFamily="18" charset="0"/>
-              </a:rPr>
-              <a:t>bản</a:t>
-            </a:r>
-            <a:r>
-              <a:rPr lang="en-US" altLang="ja-JP" sz="2800" dirty="0">
-                <a:latin typeface="Times New Roman" panose="02020603050405020304" pitchFamily="18" charset="0"/>
-                <a:cs typeface="Times New Roman" panose="02020603050405020304" pitchFamily="18" charset="0"/>
-              </a:rPr>
-              <a:t> </a:t>
-            </a:r>
-            <a:r>
-              <a:rPr lang="en-US" altLang="ja-JP" sz="2800" dirty="0" err="1">
-                <a:latin typeface="Times New Roman" panose="02020603050405020304" pitchFamily="18" charset="0"/>
-                <a:cs typeface="Times New Roman" panose="02020603050405020304" pitchFamily="18" charset="0"/>
-              </a:rPr>
-              <a:t>dự</a:t>
-            </a:r>
-            <a:r>
-              <a:rPr lang="en-US" altLang="ja-JP" sz="2800" dirty="0">
-                <a:latin typeface="Times New Roman" panose="02020603050405020304" pitchFamily="18" charset="0"/>
-                <a:cs typeface="Times New Roman" panose="02020603050405020304" pitchFamily="18" charset="0"/>
-              </a:rPr>
-              <a:t> </a:t>
-            </a:r>
-            <a:r>
-              <a:rPr lang="en-US" altLang="ja-JP" sz="2800" dirty="0" err="1">
-                <a:latin typeface="Times New Roman" panose="02020603050405020304" pitchFamily="18" charset="0"/>
-                <a:cs typeface="Times New Roman" panose="02020603050405020304" pitchFamily="18" charset="0"/>
-              </a:rPr>
-              <a:t>báo</a:t>
-            </a:r>
-            <a:r>
-              <a:rPr lang="en-US" altLang="ja-JP" sz="2800" dirty="0">
-                <a:latin typeface="Times New Roman" panose="02020603050405020304" pitchFamily="18" charset="0"/>
-                <a:cs typeface="Times New Roman" panose="02020603050405020304" pitchFamily="18" charset="0"/>
-              </a:rPr>
-              <a:t> </a:t>
-            </a:r>
-            <a:r>
-              <a:rPr lang="en-US" altLang="ja-JP" sz="2800" dirty="0" err="1">
-                <a:latin typeface="Times New Roman" panose="02020603050405020304" pitchFamily="18" charset="0"/>
-                <a:cs typeface="Times New Roman" panose="02020603050405020304" pitchFamily="18" charset="0"/>
-              </a:rPr>
-              <a:t>danh</a:t>
-            </a:r>
-            <a:r>
-              <a:rPr lang="en-US" altLang="ja-JP" sz="2800" dirty="0">
-                <a:latin typeface="Times New Roman" panose="02020603050405020304" pitchFamily="18" charset="0"/>
-                <a:cs typeface="Times New Roman" panose="02020603050405020304" pitchFamily="18" charset="0"/>
-              </a:rPr>
-              <a:t> </a:t>
-            </a:r>
-            <a:r>
-              <a:rPr lang="en-US" altLang="ja-JP" sz="2800" dirty="0" err="1">
-                <a:latin typeface="Times New Roman" panose="02020603050405020304" pitchFamily="18" charset="0"/>
-                <a:cs typeface="Times New Roman" panose="02020603050405020304" pitchFamily="18" charset="0"/>
-              </a:rPr>
-              <a:t>thu</a:t>
-            </a:r>
-            <a:endParaRPr kumimoji="1" lang="ja-JP" altLang="en-US" sz="2800" dirty="0">
-              <a:latin typeface="Times New Roman" panose="02020603050405020304" pitchFamily="18" charset="0"/>
-              <a:cs typeface="Times New Roman" panose="02020603050405020304" pitchFamily="18" charset="0"/>
-            </a:endParaRPr>
-          </a:p>
-        </p:txBody>
-      </p:sp>
-    </p:spTree>
-    <p:extLst>
-      <p:ext uri="{BB962C8B-B14F-4D97-AF65-F5344CB8AC3E}">
-        <p14:creationId xmlns:p14="http://schemas.microsoft.com/office/powerpoint/2010/main" val="302613811"/>
-      </p:ext>
-    </p:extLst>
-  </p:cSld>
-  <p:clrMapOvr>
-    <a:masterClrMapping/>
-  </p:clrMapOvr>
-</p:sld>
-</file>
-
-<file path=ppt/slides/slide18.xml><?xml version="1.0" encoding="utf-8"?>
-<p:sld xmlns:a="http://schemas.openxmlformats.org/drawingml/2006/main" xmlns:r="http://schemas.openxmlformats.org/officeDocument/2006/relationships" xmlns:p="http://schemas.openxmlformats.org/presentationml/2006/main">
-  <p:cSld>
-    <p:spTree>
-      <p:nvGrpSpPr>
-        <p:cNvPr id="1" name=""/>
-        <p:cNvGrpSpPr/>
-        <p:nvPr/>
-      </p:nvGrpSpPr>
-      <p:grpSpPr>
-        <a:xfrm>
-          <a:off x="0" y="0"/>
-          <a:ext cx="0" cy="0"/>
-          <a:chOff x="0" y="0"/>
-          <a:chExt cx="0" cy="0"/>
-        </a:xfrm>
-      </p:grpSpPr>
-      <p:sp>
-        <p:nvSpPr>
-          <p:cNvPr id="2" name="TextBox 1">
+      </p:pic>
+      <p:pic>
+        <p:nvPicPr>
+          <p:cNvPr id="6" name="Picture 5">
             <a:extLst>
               <a:ext uri="{FF2B5EF4-FFF2-40B4-BE49-F238E27FC236}">
-                <a16:creationId xmlns:a16="http://schemas.microsoft.com/office/drawing/2014/main" id="{8228F3F6-1818-4CE5-8009-5F658A18F25B}"/>
+                <a16:creationId xmlns:a16="http://schemas.microsoft.com/office/drawing/2014/main" id="{036A2971-A5F5-4263-ADB6-D54ED9D77E9D}"/>
               </a:ext>
             </a:extLst>
           </p:cNvPr>
-          <p:cNvSpPr txBox="1"/>
+          <p:cNvPicPr>
+            <a:picLocks noChangeAspect="1"/>
+          </p:cNvPicPr>
           <p:nvPr/>
-        </p:nvSpPr>
+        </p:nvPicPr>
+        <p:blipFill>
+          <a:blip r:embed="rId3"/>
+          <a:stretch>
+            <a:fillRect/>
+          </a:stretch>
+        </p:blipFill>
         <p:spPr>
           <a:xfrm>
-            <a:off x="147762" y="103367"/>
-            <a:ext cx="4979409" cy="523220"/>
+            <a:off x="2019300" y="666750"/>
+            <a:ext cx="8153400" cy="5524500"/>
           </a:xfrm>
           <a:prstGeom prst="rect">
             <a:avLst/>
           </a:prstGeom>
-          <a:noFill/>
         </p:spPr>
-        <p:txBody>
-          <a:bodyPr wrap="square" rtlCol="0">
-            <a:spAutoFit/>
-          </a:bodyPr>
-          <a:lstStyle/>
-          <a:p>
-            <a:r>
-              <a:rPr kumimoji="1" lang="en-US" altLang="ja-JP" sz="2800" dirty="0" err="1">
-                <a:latin typeface="Times New Roman" panose="02020603050405020304" pitchFamily="18" charset="0"/>
-                <a:cs typeface="Times New Roman" panose="02020603050405020304" pitchFamily="18" charset="0"/>
-              </a:rPr>
-              <a:t>M</a:t>
-            </a:r>
-            <a:r>
-              <a:rPr lang="en-US" altLang="ja-JP" sz="2800" dirty="0" err="1">
-                <a:latin typeface="Times New Roman" panose="02020603050405020304" pitchFamily="18" charset="0"/>
-                <a:cs typeface="Times New Roman" panose="02020603050405020304" pitchFamily="18" charset="0"/>
-              </a:rPr>
-              <a:t>ô</a:t>
-            </a:r>
-            <a:r>
-              <a:rPr lang="en-US" altLang="ja-JP" sz="2800" dirty="0">
-                <a:latin typeface="Times New Roman" panose="02020603050405020304" pitchFamily="18" charset="0"/>
-                <a:cs typeface="Times New Roman" panose="02020603050405020304" pitchFamily="18" charset="0"/>
-              </a:rPr>
-              <a:t> </a:t>
-            </a:r>
-            <a:r>
-              <a:rPr lang="en-US" altLang="ja-JP" sz="2800" dirty="0" err="1">
-                <a:latin typeface="Times New Roman" panose="02020603050405020304" pitchFamily="18" charset="0"/>
-                <a:cs typeface="Times New Roman" panose="02020603050405020304" pitchFamily="18" charset="0"/>
-              </a:rPr>
-              <a:t>tả</a:t>
-            </a:r>
-            <a:r>
-              <a:rPr lang="en-US" altLang="ja-JP" sz="2800" dirty="0">
-                <a:latin typeface="Times New Roman" panose="02020603050405020304" pitchFamily="18" charset="0"/>
-                <a:cs typeface="Times New Roman" panose="02020603050405020304" pitchFamily="18" charset="0"/>
-              </a:rPr>
-              <a:t> chi </a:t>
-            </a:r>
-            <a:r>
-              <a:rPr lang="en-US" altLang="ja-JP" sz="2800" dirty="0" err="1">
-                <a:latin typeface="Times New Roman" panose="02020603050405020304" pitchFamily="18" charset="0"/>
-                <a:cs typeface="Times New Roman" panose="02020603050405020304" pitchFamily="18" charset="0"/>
-              </a:rPr>
-              <a:t>tiết</a:t>
-            </a:r>
-            <a:r>
-              <a:rPr lang="en-US" altLang="ja-JP" sz="2800" dirty="0">
-                <a:latin typeface="Times New Roman" panose="02020603050405020304" pitchFamily="18" charset="0"/>
-                <a:cs typeface="Times New Roman" panose="02020603050405020304" pitchFamily="18" charset="0"/>
-              </a:rPr>
-              <a:t> </a:t>
-            </a:r>
-            <a:r>
-              <a:rPr lang="en-US" altLang="ja-JP" sz="2800" dirty="0" err="1">
-                <a:latin typeface="Times New Roman" panose="02020603050405020304" pitchFamily="18" charset="0"/>
-                <a:cs typeface="Times New Roman" panose="02020603050405020304" pitchFamily="18" charset="0"/>
-              </a:rPr>
-              <a:t>cấu</a:t>
-            </a:r>
-            <a:r>
-              <a:rPr lang="en-US" altLang="ja-JP" sz="2800" dirty="0">
-                <a:latin typeface="Times New Roman" panose="02020603050405020304" pitchFamily="18" charset="0"/>
-                <a:cs typeface="Times New Roman" panose="02020603050405020304" pitchFamily="18" charset="0"/>
-              </a:rPr>
-              <a:t> </a:t>
-            </a:r>
-            <a:r>
-              <a:rPr lang="en-US" altLang="ja-JP" sz="2800" dirty="0" err="1">
-                <a:latin typeface="Times New Roman" panose="02020603050405020304" pitchFamily="18" charset="0"/>
-                <a:cs typeface="Times New Roman" panose="02020603050405020304" pitchFamily="18" charset="0"/>
-              </a:rPr>
-              <a:t>trúc</a:t>
-            </a:r>
-            <a:r>
-              <a:rPr lang="en-US" altLang="ja-JP" sz="2800" dirty="0">
-                <a:latin typeface="Times New Roman" panose="02020603050405020304" pitchFamily="18" charset="0"/>
-                <a:cs typeface="Times New Roman" panose="02020603050405020304" pitchFamily="18" charset="0"/>
-              </a:rPr>
-              <a:t> </a:t>
-            </a:r>
-            <a:r>
-              <a:rPr lang="en-US" altLang="ja-JP" sz="2800" dirty="0" err="1">
-                <a:latin typeface="Times New Roman" panose="02020603050405020304" pitchFamily="18" charset="0"/>
-                <a:cs typeface="Times New Roman" panose="02020603050405020304" pitchFamily="18" charset="0"/>
-              </a:rPr>
-              <a:t>dịch</a:t>
-            </a:r>
-            <a:r>
-              <a:rPr lang="en-US" altLang="ja-JP" sz="2800" dirty="0">
-                <a:latin typeface="Times New Roman" panose="02020603050405020304" pitchFamily="18" charset="0"/>
-                <a:cs typeface="Times New Roman" panose="02020603050405020304" pitchFamily="18" charset="0"/>
-              </a:rPr>
-              <a:t> </a:t>
-            </a:r>
-            <a:r>
-              <a:rPr lang="en-US" altLang="ja-JP" sz="2800" dirty="0" err="1">
-                <a:latin typeface="Times New Roman" panose="02020603050405020304" pitchFamily="18" charset="0"/>
-                <a:cs typeface="Times New Roman" panose="02020603050405020304" pitchFamily="18" charset="0"/>
-              </a:rPr>
-              <a:t>vụ</a:t>
-            </a:r>
-            <a:endParaRPr kumimoji="1" lang="ja-JP" altLang="en-US" sz="2800" dirty="0">
-              <a:latin typeface="Times New Roman" panose="02020603050405020304" pitchFamily="18" charset="0"/>
-              <a:cs typeface="Times New Roman" panose="02020603050405020304" pitchFamily="18" charset="0"/>
-            </a:endParaRPr>
-          </a:p>
-        </p:txBody>
-      </p:sp>
-      <p:sp>
-        <p:nvSpPr>
-          <p:cNvPr id="3" name="TextBox 2">
+      </p:pic>
+      <p:pic>
+        <p:nvPicPr>
+          <p:cNvPr id="8" name="Picture 7">
             <a:extLst>
               <a:ext uri="{FF2B5EF4-FFF2-40B4-BE49-F238E27FC236}">
-                <a16:creationId xmlns:a16="http://schemas.microsoft.com/office/drawing/2014/main" id="{D28C123D-015B-496F-B3C0-C29EE03807C5}"/>
+                <a16:creationId xmlns:a16="http://schemas.microsoft.com/office/drawing/2014/main" id="{698CDFDD-D08B-4A4B-A508-9CB5D26C6D6E}"/>
               </a:ext>
             </a:extLst>
           </p:cNvPr>
-          <p:cNvSpPr txBox="1"/>
+          <p:cNvPicPr>
+            <a:picLocks noChangeAspect="1"/>
+          </p:cNvPicPr>
           <p:nvPr/>
-        </p:nvSpPr>
+        </p:nvPicPr>
+        <p:blipFill>
+          <a:blip r:embed="rId4"/>
+          <a:stretch>
+            <a:fillRect/>
+          </a:stretch>
+        </p:blipFill>
         <p:spPr>
           <a:xfrm>
-            <a:off x="985630" y="842420"/>
-            <a:ext cx="10220739" cy="523220"/>
+            <a:off x="3329239" y="0"/>
+            <a:ext cx="5533521" cy="6858000"/>
           </a:xfrm>
           <a:prstGeom prst="rect">
             <a:avLst/>
           </a:prstGeom>
-          <a:noFill/>
         </p:spPr>
-        <p:txBody>
-          <a:bodyPr wrap="square" rtlCol="0">
-            <a:spAutoFit/>
-          </a:bodyPr>
-          <a:lstStyle/>
-          <a:p>
-            <a:r>
-              <a:rPr kumimoji="1" lang="en-US" altLang="ja-JP" sz="2800" dirty="0" err="1">
-                <a:latin typeface="Times New Roman" panose="02020603050405020304" pitchFamily="18" charset="0"/>
-                <a:cs typeface="Times New Roman" panose="02020603050405020304" pitchFamily="18" charset="0"/>
-              </a:rPr>
-              <a:t>Các</a:t>
-            </a:r>
-            <a:r>
-              <a:rPr kumimoji="1" lang="en-US" altLang="ja-JP" sz="2800" dirty="0">
-                <a:latin typeface="Times New Roman" panose="02020603050405020304" pitchFamily="18" charset="0"/>
-                <a:cs typeface="Times New Roman" panose="02020603050405020304" pitchFamily="18" charset="0"/>
-              </a:rPr>
-              <a:t> </a:t>
-            </a:r>
-            <a:r>
-              <a:rPr kumimoji="1" lang="en-US" altLang="ja-JP" sz="2800" dirty="0" err="1">
-                <a:latin typeface="Times New Roman" panose="02020603050405020304" pitchFamily="18" charset="0"/>
-                <a:cs typeface="Times New Roman" panose="02020603050405020304" pitchFamily="18" charset="0"/>
-              </a:rPr>
-              <a:t>dịch</a:t>
-            </a:r>
-            <a:r>
-              <a:rPr kumimoji="1" lang="en-US" altLang="ja-JP" sz="2800" dirty="0">
-                <a:latin typeface="Times New Roman" panose="02020603050405020304" pitchFamily="18" charset="0"/>
-                <a:cs typeface="Times New Roman" panose="02020603050405020304" pitchFamily="18" charset="0"/>
-              </a:rPr>
-              <a:t> </a:t>
-            </a:r>
-            <a:r>
-              <a:rPr kumimoji="1" lang="en-US" altLang="ja-JP" sz="2800" dirty="0" err="1">
-                <a:latin typeface="Times New Roman" panose="02020603050405020304" pitchFamily="18" charset="0"/>
-                <a:cs typeface="Times New Roman" panose="02020603050405020304" pitchFamily="18" charset="0"/>
-              </a:rPr>
-              <a:t>vụ</a:t>
-            </a:r>
-            <a:r>
-              <a:rPr kumimoji="1" lang="en-US" altLang="ja-JP" sz="2800" dirty="0">
-                <a:latin typeface="Times New Roman" panose="02020603050405020304" pitchFamily="18" charset="0"/>
-                <a:cs typeface="Times New Roman" panose="02020603050405020304" pitchFamily="18" charset="0"/>
-              </a:rPr>
-              <a:t> </a:t>
-            </a:r>
-            <a:r>
-              <a:rPr kumimoji="1" lang="en-US" altLang="ja-JP" sz="2800" dirty="0" err="1">
-                <a:latin typeface="Times New Roman" panose="02020603050405020304" pitchFamily="18" charset="0"/>
-                <a:cs typeface="Times New Roman" panose="02020603050405020304" pitchFamily="18" charset="0"/>
-              </a:rPr>
-              <a:t>của</a:t>
-            </a:r>
-            <a:r>
-              <a:rPr kumimoji="1" lang="en-US" altLang="ja-JP" sz="2800" dirty="0">
-                <a:latin typeface="Times New Roman" panose="02020603050405020304" pitchFamily="18" charset="0"/>
-                <a:cs typeface="Times New Roman" panose="02020603050405020304" pitchFamily="18" charset="0"/>
-              </a:rPr>
-              <a:t> </a:t>
-            </a:r>
-            <a:r>
-              <a:rPr kumimoji="1" lang="en-US" altLang="ja-JP" sz="2800" dirty="0" err="1">
-                <a:latin typeface="Times New Roman" panose="02020603050405020304" pitchFamily="18" charset="0"/>
-                <a:cs typeface="Times New Roman" panose="02020603050405020304" pitchFamily="18" charset="0"/>
-              </a:rPr>
-              <a:t>c</a:t>
-            </a:r>
-            <a:r>
-              <a:rPr lang="en-US" altLang="ja-JP" sz="2800" dirty="0" err="1">
-                <a:latin typeface="Times New Roman" panose="02020603050405020304" pitchFamily="18" charset="0"/>
-                <a:cs typeface="Times New Roman" panose="02020603050405020304" pitchFamily="18" charset="0"/>
-              </a:rPr>
-              <a:t>ửa</a:t>
-            </a:r>
-            <a:r>
-              <a:rPr lang="en-US" altLang="ja-JP" sz="2800" dirty="0">
-                <a:latin typeface="Times New Roman" panose="02020603050405020304" pitchFamily="18" charset="0"/>
-                <a:cs typeface="Times New Roman" panose="02020603050405020304" pitchFamily="18" charset="0"/>
-              </a:rPr>
-              <a:t> </a:t>
-            </a:r>
-            <a:r>
-              <a:rPr lang="en-US" altLang="ja-JP" sz="2800" dirty="0" err="1">
-                <a:latin typeface="Times New Roman" panose="02020603050405020304" pitchFamily="18" charset="0"/>
-                <a:cs typeface="Times New Roman" panose="02020603050405020304" pitchFamily="18" charset="0"/>
-              </a:rPr>
-              <a:t>hàng</a:t>
-            </a:r>
-            <a:r>
-              <a:rPr lang="en-US" altLang="ja-JP" sz="2800" dirty="0">
-                <a:latin typeface="Times New Roman" panose="02020603050405020304" pitchFamily="18" charset="0"/>
-                <a:cs typeface="Times New Roman" panose="02020603050405020304" pitchFamily="18" charset="0"/>
-              </a:rPr>
-              <a:t>: </a:t>
-            </a:r>
-            <a:r>
-              <a:rPr lang="en-US" altLang="ja-JP" sz="2800" dirty="0" err="1">
-                <a:latin typeface="Times New Roman" panose="02020603050405020304" pitchFamily="18" charset="0"/>
-                <a:cs typeface="Times New Roman" panose="02020603050405020304" pitchFamily="18" charset="0"/>
-              </a:rPr>
-              <a:t>Đã</a:t>
-            </a:r>
-            <a:r>
-              <a:rPr lang="en-US" altLang="ja-JP" sz="2800" dirty="0">
-                <a:latin typeface="Times New Roman" panose="02020603050405020304" pitchFamily="18" charset="0"/>
-                <a:cs typeface="Times New Roman" panose="02020603050405020304" pitchFamily="18" charset="0"/>
-              </a:rPr>
-              <a:t> </a:t>
-            </a:r>
-            <a:r>
-              <a:rPr lang="en-US" altLang="ja-JP" sz="2800" dirty="0" err="1">
-                <a:latin typeface="Times New Roman" panose="02020603050405020304" pitchFamily="18" charset="0"/>
-                <a:cs typeface="Times New Roman" panose="02020603050405020304" pitchFamily="18" charset="0"/>
-              </a:rPr>
-              <a:t>nêu</a:t>
-            </a:r>
-            <a:r>
-              <a:rPr lang="en-US" altLang="ja-JP" sz="2800" dirty="0">
-                <a:latin typeface="Times New Roman" panose="02020603050405020304" pitchFamily="18" charset="0"/>
-                <a:cs typeface="Times New Roman" panose="02020603050405020304" pitchFamily="18" charset="0"/>
-              </a:rPr>
-              <a:t> ra ở </a:t>
-            </a:r>
-            <a:r>
-              <a:rPr lang="en-US" altLang="ja-JP" sz="2800" dirty="0" err="1">
-                <a:latin typeface="Times New Roman" panose="02020603050405020304" pitchFamily="18" charset="0"/>
-                <a:cs typeface="Times New Roman" panose="02020603050405020304" pitchFamily="18" charset="0"/>
-              </a:rPr>
-              <a:t>StoryBoard</a:t>
-            </a:r>
-            <a:endParaRPr kumimoji="1" lang="ja-JP" altLang="en-US" sz="2800" dirty="0">
-              <a:latin typeface="Times New Roman" panose="02020603050405020304" pitchFamily="18" charset="0"/>
-              <a:cs typeface="Times New Roman" panose="02020603050405020304" pitchFamily="18" charset="0"/>
-            </a:endParaRPr>
-          </a:p>
-        </p:txBody>
-      </p:sp>
-      <p:sp>
-        <p:nvSpPr>
-          <p:cNvPr id="8" name="TextBox 7">
+      </p:pic>
+      <p:pic>
+        <p:nvPicPr>
+          <p:cNvPr id="10" name="Picture 9">
             <a:extLst>
               <a:ext uri="{FF2B5EF4-FFF2-40B4-BE49-F238E27FC236}">
-                <a16:creationId xmlns:a16="http://schemas.microsoft.com/office/drawing/2014/main" id="{F7E4F290-D859-49E4-B9C3-9FF48FF9C29A}"/>
+                <a16:creationId xmlns:a16="http://schemas.microsoft.com/office/drawing/2014/main" id="{CB890589-DF02-4A3B-82AA-C5FF3A369BB2}"/>
               </a:ext>
             </a:extLst>
           </p:cNvPr>
-          <p:cNvSpPr txBox="1"/>
+          <p:cNvPicPr>
+            <a:picLocks noChangeAspect="1"/>
+          </p:cNvPicPr>
           <p:nvPr/>
-        </p:nvSpPr>
+        </p:nvPicPr>
+        <p:blipFill>
+          <a:blip r:embed="rId5"/>
+          <a:stretch>
+            <a:fillRect/>
+          </a:stretch>
+        </p:blipFill>
         <p:spPr>
           <a:xfrm>
-            <a:off x="985630" y="1495562"/>
-            <a:ext cx="10220739" cy="954107"/>
+            <a:off x="2076450" y="752475"/>
+            <a:ext cx="8039100" cy="5353050"/>
           </a:xfrm>
           <a:prstGeom prst="rect">
             <a:avLst/>
           </a:prstGeom>
-          <a:noFill/>
         </p:spPr>
-        <p:txBody>
-          <a:bodyPr wrap="square" rtlCol="0">
-            <a:spAutoFit/>
-          </a:bodyPr>
-          <a:lstStyle/>
-          <a:p>
-            <a:r>
-              <a:rPr kumimoji="1" lang="en-US" altLang="ja-JP" sz="2800" dirty="0" err="1">
-                <a:latin typeface="Times New Roman" panose="02020603050405020304" pitchFamily="18" charset="0"/>
-                <a:cs typeface="Times New Roman" panose="02020603050405020304" pitchFamily="18" charset="0"/>
-              </a:rPr>
-              <a:t>Về</a:t>
-            </a:r>
-            <a:r>
-              <a:rPr kumimoji="1" lang="en-US" altLang="ja-JP" sz="2800" dirty="0">
-                <a:latin typeface="Times New Roman" panose="02020603050405020304" pitchFamily="18" charset="0"/>
-                <a:cs typeface="Times New Roman" panose="02020603050405020304" pitchFamily="18" charset="0"/>
-              </a:rPr>
-              <a:t> </a:t>
-            </a:r>
-            <a:r>
-              <a:rPr kumimoji="1" lang="en-US" altLang="ja-JP" sz="2800" dirty="0" err="1">
-                <a:latin typeface="Times New Roman" panose="02020603050405020304" pitchFamily="18" charset="0"/>
-                <a:cs typeface="Times New Roman" panose="02020603050405020304" pitchFamily="18" charset="0"/>
-              </a:rPr>
-              <a:t>dịch</a:t>
-            </a:r>
-            <a:r>
-              <a:rPr kumimoji="1" lang="en-US" altLang="ja-JP" sz="2800" dirty="0">
-                <a:latin typeface="Times New Roman" panose="02020603050405020304" pitchFamily="18" charset="0"/>
-                <a:cs typeface="Times New Roman" panose="02020603050405020304" pitchFamily="18" charset="0"/>
-              </a:rPr>
-              <a:t> </a:t>
-            </a:r>
-            <a:r>
-              <a:rPr kumimoji="1" lang="en-US" altLang="ja-JP" sz="2800" dirty="0" err="1">
-                <a:latin typeface="Times New Roman" panose="02020603050405020304" pitchFamily="18" charset="0"/>
-                <a:cs typeface="Times New Roman" panose="02020603050405020304" pitchFamily="18" charset="0"/>
-              </a:rPr>
-              <a:t>vụ</a:t>
-            </a:r>
-            <a:r>
-              <a:rPr kumimoji="1" lang="en-US" altLang="ja-JP" sz="2800" dirty="0">
-                <a:latin typeface="Times New Roman" panose="02020603050405020304" pitchFamily="18" charset="0"/>
-                <a:cs typeface="Times New Roman" panose="02020603050405020304" pitchFamily="18" charset="0"/>
-              </a:rPr>
-              <a:t> </a:t>
-            </a:r>
-            <a:r>
-              <a:rPr kumimoji="1" lang="en-US" altLang="ja-JP" sz="2800" dirty="0" err="1">
-                <a:latin typeface="Times New Roman" panose="02020603050405020304" pitchFamily="18" charset="0"/>
-                <a:cs typeface="Times New Roman" panose="02020603050405020304" pitchFamily="18" charset="0"/>
-              </a:rPr>
-              <a:t>s</a:t>
-            </a:r>
-            <a:r>
-              <a:rPr lang="en-US" altLang="ja-JP" sz="2800" dirty="0" err="1">
-                <a:latin typeface="Times New Roman" panose="02020603050405020304" pitchFamily="18" charset="0"/>
-                <a:cs typeface="Times New Roman" panose="02020603050405020304" pitchFamily="18" charset="0"/>
-              </a:rPr>
-              <a:t>ửa</a:t>
-            </a:r>
-            <a:r>
-              <a:rPr lang="en-US" altLang="ja-JP" sz="2800" dirty="0">
-                <a:latin typeface="Times New Roman" panose="02020603050405020304" pitchFamily="18" charset="0"/>
-                <a:cs typeface="Times New Roman" panose="02020603050405020304" pitchFamily="18" charset="0"/>
-              </a:rPr>
-              <a:t> </a:t>
-            </a:r>
-            <a:r>
-              <a:rPr lang="en-US" altLang="ja-JP" sz="2800" dirty="0" err="1">
-                <a:latin typeface="Times New Roman" panose="02020603050405020304" pitchFamily="18" charset="0"/>
-                <a:cs typeface="Times New Roman" panose="02020603050405020304" pitchFamily="18" charset="0"/>
-              </a:rPr>
-              <a:t>máy</a:t>
-            </a:r>
-            <a:r>
-              <a:rPr lang="en-US" altLang="ja-JP" sz="2800" dirty="0">
-                <a:latin typeface="Times New Roman" panose="02020603050405020304" pitchFamily="18" charset="0"/>
-                <a:cs typeface="Times New Roman" panose="02020603050405020304" pitchFamily="18" charset="0"/>
-              </a:rPr>
-              <a:t> </a:t>
-            </a:r>
-            <a:r>
-              <a:rPr lang="en-US" altLang="ja-JP" sz="2800" dirty="0" err="1">
-                <a:latin typeface="Times New Roman" panose="02020603050405020304" pitchFamily="18" charset="0"/>
-                <a:cs typeface="Times New Roman" panose="02020603050405020304" pitchFamily="18" charset="0"/>
-              </a:rPr>
-              <a:t>nhanh</a:t>
-            </a:r>
-            <a:r>
-              <a:rPr lang="en-US" altLang="ja-JP" sz="2800" dirty="0">
-                <a:latin typeface="Times New Roman" panose="02020603050405020304" pitchFamily="18" charset="0"/>
-                <a:cs typeface="Times New Roman" panose="02020603050405020304" pitchFamily="18" charset="0"/>
-              </a:rPr>
-              <a:t> </a:t>
-            </a:r>
-            <a:r>
-              <a:rPr lang="en-US" altLang="ja-JP" sz="2800" dirty="0" err="1">
-                <a:latin typeface="Times New Roman" panose="02020603050405020304" pitchFamily="18" charset="0"/>
-                <a:cs typeface="Times New Roman" panose="02020603050405020304" pitchFamily="18" charset="0"/>
-              </a:rPr>
-              <a:t>trong</a:t>
-            </a:r>
-            <a:r>
-              <a:rPr lang="en-US" altLang="ja-JP" sz="2800" dirty="0">
-                <a:latin typeface="Times New Roman" panose="02020603050405020304" pitchFamily="18" charset="0"/>
-                <a:cs typeface="Times New Roman" panose="02020603050405020304" pitchFamily="18" charset="0"/>
-              </a:rPr>
-              <a:t> </a:t>
-            </a:r>
-            <a:r>
-              <a:rPr lang="en-US" altLang="ja-JP" sz="2800" dirty="0" err="1">
-                <a:latin typeface="Times New Roman" panose="02020603050405020304" pitchFamily="18" charset="0"/>
-                <a:cs typeface="Times New Roman" panose="02020603050405020304" pitchFamily="18" charset="0"/>
-              </a:rPr>
-              <a:t>vòng</a:t>
-            </a:r>
-            <a:r>
-              <a:rPr lang="en-US" altLang="ja-JP" sz="2800" dirty="0">
-                <a:latin typeface="Times New Roman" panose="02020603050405020304" pitchFamily="18" charset="0"/>
-                <a:cs typeface="Times New Roman" panose="02020603050405020304" pitchFamily="18" charset="0"/>
-              </a:rPr>
-              <a:t> 1 </a:t>
-            </a:r>
-            <a:r>
-              <a:rPr lang="en-US" altLang="ja-JP" sz="2800" dirty="0" err="1">
-                <a:latin typeface="Times New Roman" panose="02020603050405020304" pitchFamily="18" charset="0"/>
-                <a:cs typeface="Times New Roman" panose="02020603050405020304" pitchFamily="18" charset="0"/>
-              </a:rPr>
-              <a:t>giờ</a:t>
-            </a:r>
-            <a:r>
-              <a:rPr lang="en-US" altLang="ja-JP" sz="2800" dirty="0">
-                <a:latin typeface="Times New Roman" panose="02020603050405020304" pitchFamily="18" charset="0"/>
-                <a:cs typeface="Times New Roman" panose="02020603050405020304" pitchFamily="18" charset="0"/>
-              </a:rPr>
-              <a:t>: 2 </a:t>
-            </a:r>
-            <a:r>
-              <a:rPr lang="en-US" altLang="ja-JP" sz="2800" dirty="0" err="1">
-                <a:latin typeface="Times New Roman" panose="02020603050405020304" pitchFamily="18" charset="0"/>
-                <a:cs typeface="Times New Roman" panose="02020603050405020304" pitchFamily="18" charset="0"/>
-              </a:rPr>
-              <a:t>nhân</a:t>
-            </a:r>
-            <a:r>
-              <a:rPr lang="en-US" altLang="ja-JP" sz="2800" dirty="0">
-                <a:latin typeface="Times New Roman" panose="02020603050405020304" pitchFamily="18" charset="0"/>
-                <a:cs typeface="Times New Roman" panose="02020603050405020304" pitchFamily="18" charset="0"/>
-              </a:rPr>
-              <a:t> </a:t>
-            </a:r>
-            <a:r>
-              <a:rPr lang="en-US" altLang="ja-JP" sz="2800" dirty="0" err="1">
-                <a:latin typeface="Times New Roman" panose="02020603050405020304" pitchFamily="18" charset="0"/>
-                <a:cs typeface="Times New Roman" panose="02020603050405020304" pitchFamily="18" charset="0"/>
-              </a:rPr>
-              <a:t>viên</a:t>
-            </a:r>
-            <a:r>
-              <a:rPr lang="en-US" altLang="ja-JP" sz="2800" dirty="0">
-                <a:latin typeface="Times New Roman" panose="02020603050405020304" pitchFamily="18" charset="0"/>
-                <a:cs typeface="Times New Roman" panose="02020603050405020304" pitchFamily="18" charset="0"/>
-              </a:rPr>
-              <a:t> </a:t>
-            </a:r>
-            <a:r>
-              <a:rPr lang="en-US" altLang="ja-JP" sz="2800" dirty="0" err="1">
-                <a:latin typeface="Times New Roman" panose="02020603050405020304" pitchFamily="18" charset="0"/>
-                <a:cs typeface="Times New Roman" panose="02020603050405020304" pitchFamily="18" charset="0"/>
-              </a:rPr>
-              <a:t>sửa</a:t>
-            </a:r>
-            <a:r>
-              <a:rPr lang="en-US" altLang="ja-JP" sz="2800" dirty="0">
-                <a:latin typeface="Times New Roman" panose="02020603050405020304" pitchFamily="18" charset="0"/>
-                <a:cs typeface="Times New Roman" panose="02020603050405020304" pitchFamily="18" charset="0"/>
-              </a:rPr>
-              <a:t> </a:t>
-            </a:r>
-            <a:r>
-              <a:rPr lang="en-US" altLang="ja-JP" sz="2800" dirty="0" err="1">
-                <a:latin typeface="Times New Roman" panose="02020603050405020304" pitchFamily="18" charset="0"/>
-                <a:cs typeface="Times New Roman" panose="02020603050405020304" pitchFamily="18" charset="0"/>
-              </a:rPr>
-              <a:t>máy</a:t>
-            </a:r>
-            <a:r>
-              <a:rPr lang="en-US" altLang="ja-JP" sz="2800" dirty="0">
-                <a:latin typeface="Times New Roman" panose="02020603050405020304" pitchFamily="18" charset="0"/>
-                <a:cs typeface="Times New Roman" panose="02020603050405020304" pitchFamily="18" charset="0"/>
-              </a:rPr>
-              <a:t> </a:t>
-            </a:r>
-            <a:r>
-              <a:rPr lang="en-US" altLang="ja-JP" sz="2800" dirty="0" err="1">
-                <a:latin typeface="Times New Roman" panose="02020603050405020304" pitchFamily="18" charset="0"/>
-                <a:cs typeface="Times New Roman" panose="02020603050405020304" pitchFamily="18" charset="0"/>
-              </a:rPr>
-              <a:t>sẽ</a:t>
-            </a:r>
-            <a:r>
-              <a:rPr lang="en-US" altLang="ja-JP" sz="2800" dirty="0">
-                <a:latin typeface="Times New Roman" panose="02020603050405020304" pitchFamily="18" charset="0"/>
-                <a:cs typeface="Times New Roman" panose="02020603050405020304" pitchFamily="18" charset="0"/>
-              </a:rPr>
-              <a:t> </a:t>
-            </a:r>
-            <a:r>
-              <a:rPr lang="en-US" altLang="ja-JP" sz="2800" dirty="0" err="1">
-                <a:latin typeface="Times New Roman" panose="02020603050405020304" pitchFamily="18" charset="0"/>
-                <a:cs typeface="Times New Roman" panose="02020603050405020304" pitchFamily="18" charset="0"/>
-              </a:rPr>
-              <a:t>sửa</a:t>
-            </a:r>
-            <a:r>
-              <a:rPr lang="en-US" altLang="ja-JP" sz="2800" dirty="0">
-                <a:latin typeface="Times New Roman" panose="02020603050405020304" pitchFamily="18" charset="0"/>
-                <a:cs typeface="Times New Roman" panose="02020603050405020304" pitchFamily="18" charset="0"/>
-              </a:rPr>
-              <a:t> </a:t>
-            </a:r>
-            <a:r>
-              <a:rPr lang="en-US" altLang="ja-JP" sz="2800" dirty="0" err="1">
-                <a:latin typeface="Times New Roman" panose="02020603050405020304" pitchFamily="18" charset="0"/>
-                <a:cs typeface="Times New Roman" panose="02020603050405020304" pitchFamily="18" charset="0"/>
-              </a:rPr>
-              <a:t>liên</a:t>
-            </a:r>
-            <a:r>
-              <a:rPr lang="en-US" altLang="ja-JP" sz="2800" dirty="0">
-                <a:latin typeface="Times New Roman" panose="02020603050405020304" pitchFamily="18" charset="0"/>
-                <a:cs typeface="Times New Roman" panose="02020603050405020304" pitchFamily="18" charset="0"/>
-              </a:rPr>
-              <a:t> </a:t>
-            </a:r>
-            <a:r>
-              <a:rPr lang="en-US" altLang="ja-JP" sz="2800" dirty="0" err="1">
-                <a:latin typeface="Times New Roman" panose="02020603050405020304" pitchFamily="18" charset="0"/>
-                <a:cs typeface="Times New Roman" panose="02020603050405020304" pitchFamily="18" charset="0"/>
-              </a:rPr>
-              <a:t>tục</a:t>
-            </a:r>
-            <a:r>
-              <a:rPr lang="en-US" altLang="ja-JP" sz="2800" dirty="0">
-                <a:latin typeface="Times New Roman" panose="02020603050405020304" pitchFamily="18" charset="0"/>
-                <a:cs typeface="Times New Roman" panose="02020603050405020304" pitchFamily="18" charset="0"/>
-              </a:rPr>
-              <a:t> </a:t>
-            </a:r>
-            <a:r>
-              <a:rPr lang="en-US" altLang="ja-JP" sz="2800" dirty="0" err="1">
-                <a:latin typeface="Times New Roman" panose="02020603050405020304" pitchFamily="18" charset="0"/>
-                <a:cs typeface="Times New Roman" panose="02020603050405020304" pitchFamily="18" charset="0"/>
-              </a:rPr>
-              <a:t>một</a:t>
-            </a:r>
-            <a:r>
-              <a:rPr lang="en-US" altLang="ja-JP" sz="2800" dirty="0">
-                <a:latin typeface="Times New Roman" panose="02020603050405020304" pitchFamily="18" charset="0"/>
-                <a:cs typeface="Times New Roman" panose="02020603050405020304" pitchFamily="18" charset="0"/>
-              </a:rPr>
-              <a:t> </a:t>
-            </a:r>
-            <a:r>
-              <a:rPr lang="en-US" altLang="ja-JP" sz="2800" dirty="0" err="1">
-                <a:latin typeface="Times New Roman" panose="02020603050405020304" pitchFamily="18" charset="0"/>
-                <a:cs typeface="Times New Roman" panose="02020603050405020304" pitchFamily="18" charset="0"/>
-              </a:rPr>
-              <a:t>máy</a:t>
-            </a:r>
-            <a:r>
-              <a:rPr lang="en-US" altLang="ja-JP" sz="2800" dirty="0">
-                <a:latin typeface="Times New Roman" panose="02020603050405020304" pitchFamily="18" charset="0"/>
-                <a:cs typeface="Times New Roman" panose="02020603050405020304" pitchFamily="18" charset="0"/>
-              </a:rPr>
-              <a:t> </a:t>
-            </a:r>
-            <a:r>
-              <a:rPr lang="en-US" altLang="ja-JP" sz="2800" dirty="0" err="1">
-                <a:latin typeface="Times New Roman" panose="02020603050405020304" pitchFamily="18" charset="0"/>
-                <a:cs typeface="Times New Roman" panose="02020603050405020304" pitchFamily="18" charset="0"/>
-              </a:rPr>
-              <a:t>bằng</a:t>
-            </a:r>
-            <a:r>
-              <a:rPr lang="en-US" altLang="ja-JP" sz="2800" dirty="0">
-                <a:latin typeface="Times New Roman" panose="02020603050405020304" pitchFamily="18" charset="0"/>
-                <a:cs typeface="Times New Roman" panose="02020603050405020304" pitchFamily="18" charset="0"/>
-              </a:rPr>
-              <a:t> </a:t>
-            </a:r>
-            <a:r>
-              <a:rPr lang="en-US" altLang="ja-JP" sz="2800" dirty="0" err="1">
-                <a:latin typeface="Times New Roman" panose="02020603050405020304" pitchFamily="18" charset="0"/>
-                <a:cs typeface="Times New Roman" panose="02020603050405020304" pitchFamily="18" charset="0"/>
-              </a:rPr>
-              <a:t>ph</a:t>
-            </a:r>
-            <a:r>
-              <a:rPr lang="vi-VN" altLang="ja-JP" sz="2800" dirty="0">
-                <a:latin typeface="Times New Roman" panose="02020603050405020304" pitchFamily="18" charset="0"/>
-                <a:cs typeface="Times New Roman" panose="02020603050405020304" pitchFamily="18" charset="0"/>
-              </a:rPr>
-              <a:t>ư</a:t>
-            </a:r>
-            <a:r>
-              <a:rPr lang="en-US" altLang="ja-JP" sz="2800" dirty="0" err="1">
-                <a:latin typeface="Times New Roman" panose="02020603050405020304" pitchFamily="18" charset="0"/>
-                <a:cs typeface="Times New Roman" panose="02020603050405020304" pitchFamily="18" charset="0"/>
-              </a:rPr>
-              <a:t>ơng</a:t>
-            </a:r>
-            <a:r>
-              <a:rPr lang="en-US" altLang="ja-JP" sz="2800" dirty="0">
-                <a:latin typeface="Times New Roman" panose="02020603050405020304" pitchFamily="18" charset="0"/>
-                <a:cs typeface="Times New Roman" panose="02020603050405020304" pitchFamily="18" charset="0"/>
-              </a:rPr>
-              <a:t> </a:t>
-            </a:r>
-            <a:r>
-              <a:rPr lang="en-US" altLang="ja-JP" sz="2800" dirty="0" err="1">
-                <a:latin typeface="Times New Roman" panose="02020603050405020304" pitchFamily="18" charset="0"/>
-                <a:cs typeface="Times New Roman" panose="02020603050405020304" pitchFamily="18" charset="0"/>
-              </a:rPr>
-              <a:t>pháp</a:t>
-            </a:r>
-            <a:r>
-              <a:rPr lang="en-US" altLang="ja-JP" sz="2800" dirty="0">
-                <a:latin typeface="Times New Roman" panose="02020603050405020304" pitchFamily="18" charset="0"/>
-                <a:cs typeface="Times New Roman" panose="02020603050405020304" pitchFamily="18" charset="0"/>
-              </a:rPr>
-              <a:t> </a:t>
-            </a:r>
-            <a:r>
-              <a:rPr lang="en-US" altLang="ja-JP" sz="2800" dirty="0" err="1">
-                <a:latin typeface="Times New Roman" panose="02020603050405020304" pitchFamily="18" charset="0"/>
-                <a:cs typeface="Times New Roman" panose="02020603050405020304" pitchFamily="18" charset="0"/>
-              </a:rPr>
-              <a:t>kết</a:t>
-            </a:r>
-            <a:r>
-              <a:rPr lang="en-US" altLang="ja-JP" sz="2800" dirty="0">
-                <a:latin typeface="Times New Roman" panose="02020603050405020304" pitchFamily="18" charset="0"/>
-                <a:cs typeface="Times New Roman" panose="02020603050405020304" pitchFamily="18" charset="0"/>
-              </a:rPr>
-              <a:t> </a:t>
-            </a:r>
-            <a:r>
-              <a:rPr lang="en-US" altLang="ja-JP" sz="2800" dirty="0" err="1">
-                <a:latin typeface="Times New Roman" panose="02020603050405020304" pitchFamily="18" charset="0"/>
-                <a:cs typeface="Times New Roman" panose="02020603050405020304" pitchFamily="18" charset="0"/>
-              </a:rPr>
-              <a:t>hợp</a:t>
-            </a:r>
-            <a:r>
-              <a:rPr lang="en-US" altLang="ja-JP" sz="2800" dirty="0">
-                <a:latin typeface="Times New Roman" panose="02020603050405020304" pitchFamily="18" charset="0"/>
-                <a:cs typeface="Times New Roman" panose="02020603050405020304" pitchFamily="18" charset="0"/>
-              </a:rPr>
-              <a:t> </a:t>
-            </a:r>
-            <a:r>
-              <a:rPr lang="en-US" altLang="ja-JP" sz="2800" dirty="0" err="1">
-                <a:latin typeface="Times New Roman" panose="02020603050405020304" pitchFamily="18" charset="0"/>
-                <a:cs typeface="Times New Roman" panose="02020603050405020304" pitchFamily="18" charset="0"/>
-              </a:rPr>
-              <a:t>làm</a:t>
-            </a:r>
-            <a:r>
-              <a:rPr lang="en-US" altLang="ja-JP" sz="2800" dirty="0">
-                <a:latin typeface="Times New Roman" panose="02020603050405020304" pitchFamily="18" charset="0"/>
-                <a:cs typeface="Times New Roman" panose="02020603050405020304" pitchFamily="18" charset="0"/>
-              </a:rPr>
-              <a:t> </a:t>
-            </a:r>
-            <a:r>
-              <a:rPr lang="en-US" altLang="ja-JP" sz="2800" dirty="0" err="1">
-                <a:latin typeface="Times New Roman" panose="02020603050405020304" pitchFamily="18" charset="0"/>
-                <a:cs typeface="Times New Roman" panose="02020603050405020304" pitchFamily="18" charset="0"/>
-              </a:rPr>
-              <a:t>việc</a:t>
-            </a:r>
-            <a:endParaRPr kumimoji="1" lang="ja-JP" altLang="en-US" sz="2800" dirty="0">
-              <a:latin typeface="Times New Roman" panose="02020603050405020304" pitchFamily="18" charset="0"/>
-              <a:cs typeface="Times New Roman" panose="02020603050405020304" pitchFamily="18" charset="0"/>
-            </a:endParaRPr>
-          </a:p>
-        </p:txBody>
-      </p:sp>
-      <p:sp>
-        <p:nvSpPr>
-          <p:cNvPr id="9" name="TextBox 8">
+      </p:pic>
+      <p:pic>
+        <p:nvPicPr>
+          <p:cNvPr id="12" name="Picture 11">
             <a:extLst>
               <a:ext uri="{FF2B5EF4-FFF2-40B4-BE49-F238E27FC236}">
-                <a16:creationId xmlns:a16="http://schemas.microsoft.com/office/drawing/2014/main" id="{2FD802BD-ED35-4295-ADE2-203D2DF58300}"/>
+                <a16:creationId xmlns:a16="http://schemas.microsoft.com/office/drawing/2014/main" id="{B91724F5-B781-4B5C-B1EF-D961DA831772}"/>
               </a:ext>
             </a:extLst>
           </p:cNvPr>
-          <p:cNvSpPr txBox="1"/>
+          <p:cNvPicPr>
+            <a:picLocks noChangeAspect="1"/>
+          </p:cNvPicPr>
           <p:nvPr/>
-        </p:nvSpPr>
+        </p:nvPicPr>
+        <p:blipFill>
+          <a:blip r:embed="rId6"/>
+          <a:stretch>
+            <a:fillRect/>
+          </a:stretch>
+        </p:blipFill>
         <p:spPr>
           <a:xfrm>
-            <a:off x="985629" y="2491222"/>
-            <a:ext cx="10220739" cy="954107"/>
+            <a:off x="2071687" y="981075"/>
+            <a:ext cx="8048625" cy="4895850"/>
           </a:xfrm>
           <a:prstGeom prst="rect">
             <a:avLst/>
           </a:prstGeom>
-          <a:noFill/>
         </p:spPr>
-        <p:txBody>
-          <a:bodyPr wrap="square" rtlCol="0">
-            <a:spAutoFit/>
-          </a:bodyPr>
-          <a:lstStyle/>
-          <a:p>
-            <a:r>
-              <a:rPr kumimoji="1" lang="en-US" altLang="ja-JP" sz="2800" dirty="0" err="1">
-                <a:latin typeface="Times New Roman" panose="02020603050405020304" pitchFamily="18" charset="0"/>
-                <a:cs typeface="Times New Roman" panose="02020603050405020304" pitchFamily="18" charset="0"/>
-              </a:rPr>
-              <a:t>Về</a:t>
-            </a:r>
-            <a:r>
-              <a:rPr kumimoji="1" lang="en-US" altLang="ja-JP" sz="2800" dirty="0">
-                <a:latin typeface="Times New Roman" panose="02020603050405020304" pitchFamily="18" charset="0"/>
-                <a:cs typeface="Times New Roman" panose="02020603050405020304" pitchFamily="18" charset="0"/>
-              </a:rPr>
-              <a:t> </a:t>
-            </a:r>
-            <a:r>
-              <a:rPr kumimoji="1" lang="en-US" altLang="ja-JP" sz="2800" dirty="0" err="1">
-                <a:latin typeface="Times New Roman" panose="02020603050405020304" pitchFamily="18" charset="0"/>
-                <a:cs typeface="Times New Roman" panose="02020603050405020304" pitchFamily="18" charset="0"/>
-              </a:rPr>
-              <a:t>dịch</a:t>
-            </a:r>
-            <a:r>
-              <a:rPr kumimoji="1" lang="en-US" altLang="ja-JP" sz="2800" dirty="0">
-                <a:latin typeface="Times New Roman" panose="02020603050405020304" pitchFamily="18" charset="0"/>
-                <a:cs typeface="Times New Roman" panose="02020603050405020304" pitchFamily="18" charset="0"/>
-              </a:rPr>
-              <a:t> </a:t>
-            </a:r>
-            <a:r>
-              <a:rPr kumimoji="1" lang="en-US" altLang="ja-JP" sz="2800" dirty="0" err="1">
-                <a:latin typeface="Times New Roman" panose="02020603050405020304" pitchFamily="18" charset="0"/>
-                <a:cs typeface="Times New Roman" panose="02020603050405020304" pitchFamily="18" charset="0"/>
-              </a:rPr>
-              <a:t>vụ</a:t>
-            </a:r>
-            <a:r>
-              <a:rPr kumimoji="1" lang="en-US" altLang="ja-JP" sz="2800" dirty="0">
-                <a:latin typeface="Times New Roman" panose="02020603050405020304" pitchFamily="18" charset="0"/>
-                <a:cs typeface="Times New Roman" panose="02020603050405020304" pitchFamily="18" charset="0"/>
-              </a:rPr>
-              <a:t> </a:t>
-            </a:r>
-            <a:r>
-              <a:rPr kumimoji="1" lang="en-US" altLang="ja-JP" sz="2800" dirty="0" err="1">
-                <a:latin typeface="Times New Roman" panose="02020603050405020304" pitchFamily="18" charset="0"/>
-                <a:cs typeface="Times New Roman" panose="02020603050405020304" pitchFamily="18" charset="0"/>
-              </a:rPr>
-              <a:t>s</a:t>
-            </a:r>
-            <a:r>
-              <a:rPr lang="en-US" altLang="ja-JP" sz="2800" dirty="0" err="1">
-                <a:latin typeface="Times New Roman" panose="02020603050405020304" pitchFamily="18" charset="0"/>
-                <a:cs typeface="Times New Roman" panose="02020603050405020304" pitchFamily="18" charset="0"/>
-              </a:rPr>
-              <a:t>ửa</a:t>
-            </a:r>
-            <a:r>
-              <a:rPr lang="en-US" altLang="ja-JP" sz="2800" dirty="0">
-                <a:latin typeface="Times New Roman" panose="02020603050405020304" pitchFamily="18" charset="0"/>
-                <a:cs typeface="Times New Roman" panose="02020603050405020304" pitchFamily="18" charset="0"/>
-              </a:rPr>
-              <a:t> </a:t>
-            </a:r>
-            <a:r>
-              <a:rPr lang="en-US" altLang="ja-JP" sz="2800" dirty="0" err="1">
-                <a:latin typeface="Times New Roman" panose="02020603050405020304" pitchFamily="18" charset="0"/>
-                <a:cs typeface="Times New Roman" panose="02020603050405020304" pitchFamily="18" charset="0"/>
-              </a:rPr>
-              <a:t>máy</a:t>
-            </a:r>
-            <a:r>
-              <a:rPr lang="en-US" altLang="ja-JP" sz="2800" dirty="0">
-                <a:latin typeface="Times New Roman" panose="02020603050405020304" pitchFamily="18" charset="0"/>
-                <a:cs typeface="Times New Roman" panose="02020603050405020304" pitchFamily="18" charset="0"/>
-              </a:rPr>
-              <a:t> </a:t>
-            </a:r>
-            <a:r>
-              <a:rPr lang="en-US" altLang="ja-JP" sz="2800" dirty="0" err="1">
-                <a:latin typeface="Times New Roman" panose="02020603050405020304" pitchFamily="18" charset="0"/>
-                <a:cs typeface="Times New Roman" panose="02020603050405020304" pitchFamily="18" charset="0"/>
-              </a:rPr>
-              <a:t>đảm</a:t>
-            </a:r>
-            <a:r>
-              <a:rPr lang="en-US" altLang="ja-JP" sz="2800" dirty="0">
-                <a:latin typeface="Times New Roman" panose="02020603050405020304" pitchFamily="18" charset="0"/>
-                <a:cs typeface="Times New Roman" panose="02020603050405020304" pitchFamily="18" charset="0"/>
-              </a:rPr>
-              <a:t> </a:t>
-            </a:r>
-            <a:r>
-              <a:rPr lang="en-US" altLang="ja-JP" sz="2800" dirty="0" err="1">
-                <a:latin typeface="Times New Roman" panose="02020603050405020304" pitchFamily="18" charset="0"/>
-                <a:cs typeface="Times New Roman" panose="02020603050405020304" pitchFamily="18" charset="0"/>
-              </a:rPr>
-              <a:t>bảo</a:t>
-            </a:r>
-            <a:r>
-              <a:rPr lang="en-US" altLang="ja-JP" sz="2800" dirty="0">
-                <a:latin typeface="Times New Roman" panose="02020603050405020304" pitchFamily="18" charset="0"/>
-                <a:cs typeface="Times New Roman" panose="02020603050405020304" pitchFamily="18" charset="0"/>
-              </a:rPr>
-              <a:t>: </a:t>
-            </a:r>
-            <a:r>
-              <a:rPr lang="en-US" altLang="ja-JP" sz="2800" dirty="0" err="1">
-                <a:latin typeface="Times New Roman" panose="02020603050405020304" pitchFamily="18" charset="0"/>
-                <a:cs typeface="Times New Roman" panose="02020603050405020304" pitchFamily="18" charset="0"/>
-              </a:rPr>
-              <a:t>Khách</a:t>
-            </a:r>
-            <a:r>
-              <a:rPr lang="en-US" altLang="ja-JP" sz="2800" dirty="0">
-                <a:latin typeface="Times New Roman" panose="02020603050405020304" pitchFamily="18" charset="0"/>
-                <a:cs typeface="Times New Roman" panose="02020603050405020304" pitchFamily="18" charset="0"/>
-              </a:rPr>
-              <a:t> </a:t>
-            </a:r>
-            <a:r>
-              <a:rPr lang="en-US" altLang="ja-JP" sz="2800" dirty="0" err="1">
-                <a:latin typeface="Times New Roman" panose="02020603050405020304" pitchFamily="18" charset="0"/>
-                <a:cs typeface="Times New Roman" panose="02020603050405020304" pitchFamily="18" charset="0"/>
-              </a:rPr>
-              <a:t>có</a:t>
-            </a:r>
-            <a:r>
-              <a:rPr lang="en-US" altLang="ja-JP" sz="2800" dirty="0">
-                <a:latin typeface="Times New Roman" panose="02020603050405020304" pitchFamily="18" charset="0"/>
-                <a:cs typeface="Times New Roman" panose="02020603050405020304" pitchFamily="18" charset="0"/>
-              </a:rPr>
-              <a:t> </a:t>
-            </a:r>
-            <a:r>
-              <a:rPr lang="en-US" altLang="ja-JP" sz="2800" dirty="0" err="1">
-                <a:latin typeface="Times New Roman" panose="02020603050405020304" pitchFamily="18" charset="0"/>
-                <a:cs typeface="Times New Roman" panose="02020603050405020304" pitchFamily="18" charset="0"/>
-              </a:rPr>
-              <a:t>thể</a:t>
-            </a:r>
-            <a:r>
-              <a:rPr lang="en-US" altLang="ja-JP" sz="2800" dirty="0">
-                <a:latin typeface="Times New Roman" panose="02020603050405020304" pitchFamily="18" charset="0"/>
-                <a:cs typeface="Times New Roman" panose="02020603050405020304" pitchFamily="18" charset="0"/>
-              </a:rPr>
-              <a:t> </a:t>
-            </a:r>
-            <a:r>
-              <a:rPr lang="en-US" altLang="ja-JP" sz="2800" dirty="0" err="1">
-                <a:latin typeface="Times New Roman" panose="02020603050405020304" pitchFamily="18" charset="0"/>
-                <a:cs typeface="Times New Roman" panose="02020603050405020304" pitchFamily="18" charset="0"/>
-              </a:rPr>
-              <a:t>xem</a:t>
-            </a:r>
-            <a:r>
-              <a:rPr lang="en-US" altLang="ja-JP" sz="2800" dirty="0">
-                <a:latin typeface="Times New Roman" panose="02020603050405020304" pitchFamily="18" charset="0"/>
-                <a:cs typeface="Times New Roman" panose="02020603050405020304" pitchFamily="18" charset="0"/>
-              </a:rPr>
-              <a:t> đ</a:t>
-            </a:r>
-            <a:r>
-              <a:rPr lang="vi-VN" altLang="ja-JP" sz="2800" dirty="0">
-                <a:latin typeface="Times New Roman" panose="02020603050405020304" pitchFamily="18" charset="0"/>
-                <a:cs typeface="Times New Roman" panose="02020603050405020304" pitchFamily="18" charset="0"/>
-              </a:rPr>
-              <a:t>ư</a:t>
-            </a:r>
-            <a:r>
-              <a:rPr lang="en-US" altLang="ja-JP" sz="2800" dirty="0" err="1">
-                <a:latin typeface="Times New Roman" panose="02020603050405020304" pitchFamily="18" charset="0"/>
-                <a:cs typeface="Times New Roman" panose="02020603050405020304" pitchFamily="18" charset="0"/>
-              </a:rPr>
-              <a:t>ợc</a:t>
-            </a:r>
-            <a:r>
-              <a:rPr lang="en-US" altLang="ja-JP" sz="2800" dirty="0">
-                <a:latin typeface="Times New Roman" panose="02020603050405020304" pitchFamily="18" charset="0"/>
-                <a:cs typeface="Times New Roman" panose="02020603050405020304" pitchFamily="18" charset="0"/>
-              </a:rPr>
-              <a:t> </a:t>
-            </a:r>
-            <a:r>
-              <a:rPr lang="en-US" altLang="ja-JP" sz="2800" dirty="0" err="1">
-                <a:latin typeface="Times New Roman" panose="02020603050405020304" pitchFamily="18" charset="0"/>
-                <a:cs typeface="Times New Roman" panose="02020603050405020304" pitchFamily="18" charset="0"/>
-              </a:rPr>
-              <a:t>quá</a:t>
-            </a:r>
-            <a:r>
-              <a:rPr lang="en-US" altLang="ja-JP" sz="2800" dirty="0">
-                <a:latin typeface="Times New Roman" panose="02020603050405020304" pitchFamily="18" charset="0"/>
-                <a:cs typeface="Times New Roman" panose="02020603050405020304" pitchFamily="18" charset="0"/>
-              </a:rPr>
-              <a:t> </a:t>
-            </a:r>
-            <a:r>
-              <a:rPr lang="en-US" altLang="ja-JP" sz="2800" dirty="0" err="1">
-                <a:latin typeface="Times New Roman" panose="02020603050405020304" pitchFamily="18" charset="0"/>
-                <a:cs typeface="Times New Roman" panose="02020603050405020304" pitchFamily="18" charset="0"/>
-              </a:rPr>
-              <a:t>trình</a:t>
-            </a:r>
-            <a:r>
-              <a:rPr lang="en-US" altLang="ja-JP" sz="2800" dirty="0">
-                <a:latin typeface="Times New Roman" panose="02020603050405020304" pitchFamily="18" charset="0"/>
-                <a:cs typeface="Times New Roman" panose="02020603050405020304" pitchFamily="18" charset="0"/>
-              </a:rPr>
-              <a:t> </a:t>
-            </a:r>
-            <a:r>
-              <a:rPr lang="en-US" altLang="ja-JP" sz="2800" dirty="0" err="1">
-                <a:latin typeface="Times New Roman" panose="02020603050405020304" pitchFamily="18" charset="0"/>
-                <a:cs typeface="Times New Roman" panose="02020603050405020304" pitchFamily="18" charset="0"/>
-              </a:rPr>
-              <a:t>sửa</a:t>
-            </a:r>
-            <a:r>
-              <a:rPr lang="en-US" altLang="ja-JP" sz="2800" dirty="0">
-                <a:latin typeface="Times New Roman" panose="02020603050405020304" pitchFamily="18" charset="0"/>
-                <a:cs typeface="Times New Roman" panose="02020603050405020304" pitchFamily="18" charset="0"/>
-              </a:rPr>
-              <a:t> </a:t>
-            </a:r>
-            <a:r>
-              <a:rPr lang="en-US" altLang="ja-JP" sz="2800" dirty="0" err="1">
-                <a:latin typeface="Times New Roman" panose="02020603050405020304" pitchFamily="18" charset="0"/>
-                <a:cs typeface="Times New Roman" panose="02020603050405020304" pitchFamily="18" charset="0"/>
-              </a:rPr>
-              <a:t>chửa</a:t>
-            </a:r>
-            <a:endParaRPr kumimoji="1" lang="ja-JP" altLang="en-US" sz="2800" dirty="0">
-              <a:latin typeface="Times New Roman" panose="02020603050405020304" pitchFamily="18" charset="0"/>
-              <a:cs typeface="Times New Roman" panose="02020603050405020304" pitchFamily="18" charset="0"/>
-            </a:endParaRPr>
-          </a:p>
-        </p:txBody>
-      </p:sp>
+      </p:pic>
+      <p:pic>
+        <p:nvPicPr>
+          <p:cNvPr id="14" name="Picture 13">
+            <a:extLst>
+              <a:ext uri="{FF2B5EF4-FFF2-40B4-BE49-F238E27FC236}">
+                <a16:creationId xmlns:a16="http://schemas.microsoft.com/office/drawing/2014/main" id="{BFEBAC2C-48A3-4E84-8A07-A7C18CD05182}"/>
+              </a:ext>
+            </a:extLst>
+          </p:cNvPr>
+          <p:cNvPicPr>
+            <a:picLocks noChangeAspect="1"/>
+          </p:cNvPicPr>
+          <p:nvPr/>
+        </p:nvPicPr>
+        <p:blipFill>
+          <a:blip r:embed="rId7"/>
+          <a:stretch>
+            <a:fillRect/>
+          </a:stretch>
+        </p:blipFill>
+        <p:spPr>
+          <a:xfrm>
+            <a:off x="2014537" y="1547812"/>
+            <a:ext cx="8162925" cy="3762375"/>
+          </a:xfrm>
+          <a:prstGeom prst="rect">
+            <a:avLst/>
+          </a:prstGeom>
+        </p:spPr>
+      </p:pic>
+      <p:pic>
+        <p:nvPicPr>
+          <p:cNvPr id="16" name="Picture 15">
+            <a:extLst>
+              <a:ext uri="{FF2B5EF4-FFF2-40B4-BE49-F238E27FC236}">
+                <a16:creationId xmlns:a16="http://schemas.microsoft.com/office/drawing/2014/main" id="{8C9586F9-F4B1-470D-BF98-F308CC59AD47}"/>
+              </a:ext>
+            </a:extLst>
+          </p:cNvPr>
+          <p:cNvPicPr>
+            <a:picLocks noChangeAspect="1"/>
+          </p:cNvPicPr>
+          <p:nvPr/>
+        </p:nvPicPr>
+        <p:blipFill>
+          <a:blip r:embed="rId8"/>
+          <a:stretch>
+            <a:fillRect/>
+          </a:stretch>
+        </p:blipFill>
+        <p:spPr>
+          <a:xfrm>
+            <a:off x="2000250" y="166687"/>
+            <a:ext cx="8191500" cy="6524625"/>
+          </a:xfrm>
+          <a:prstGeom prst="rect">
+            <a:avLst/>
+          </a:prstGeom>
+        </p:spPr>
+      </p:pic>
     </p:spTree>
     <p:extLst>
       <p:ext uri="{BB962C8B-B14F-4D97-AF65-F5344CB8AC3E}">
-        <p14:creationId xmlns:p14="http://schemas.microsoft.com/office/powerpoint/2010/main" val="3088940578"/>
+        <p14:creationId xmlns:p14="http://schemas.microsoft.com/office/powerpoint/2010/main" val="3208216203"/>
       </p:ext>
     </p:extLst>
   </p:cSld>
@@ -16668,9 +14649,9 @@
                             </p:stCondLst>
                             <p:childTnLst>
                               <p:par>
-                                <p:cTn id="11" presetID="1" presetClass="entr" presetSubtype="0" fill="hold" grpId="0" nodeType="afterEffect">
+                                <p:cTn id="11" presetID="10" presetClass="entr" presetSubtype="0" fill="hold" nodeType="afterEffect">
                                   <p:stCondLst>
-                                    <p:cond delay="500"/>
+                                    <p:cond delay="0"/>
                                   </p:stCondLst>
                                   <p:childTnLst>
                                     <p:set>
@@ -16681,7 +14662,7 @@
                                           </p:stCondLst>
                                         </p:cTn>
                                         <p:tgtEl>
-                                          <p:spTgt spid="3"/>
+                                          <p:spTgt spid="4"/>
                                         </p:tgtEl>
                                         <p:attrNameLst>
                                           <p:attrName>style.visibility</p:attrName>
@@ -16691,6 +14672,14 @@
                                         <p:strVal val="visible"/>
                                       </p:to>
                                     </p:set>
+                                    <p:animEffect transition="in" filter="fade">
+                                      <p:cBhvr>
+                                        <p:cTn id="13" dur="500"/>
+                                        <p:tgtEl>
+                                          <p:spTgt spid="4"/>
+                                        </p:tgtEl>
+                                      </p:cBhvr>
+                                    </p:animEffect>
                                   </p:childTnLst>
                                 </p:cTn>
                               </p:par>
@@ -16701,26 +14690,167 @@
                     </p:cTn>
                   </p:par>
                   <p:par>
-                    <p:cTn id="13" fill="hold">
+                    <p:cTn id="14" fill="hold">
                       <p:stCondLst>
                         <p:cond delay="indefinite"/>
                       </p:stCondLst>
                       <p:childTnLst>
                         <p:par>
-                          <p:cTn id="14" fill="hold">
+                          <p:cTn id="15" fill="hold">
                             <p:stCondLst>
                               <p:cond delay="0"/>
                             </p:stCondLst>
                             <p:childTnLst>
                               <p:par>
-                                <p:cTn id="15" presetID="1" presetClass="entr" presetSubtype="0" fill="hold" grpId="0" nodeType="clickEffect">
+                                <p:cTn id="16" presetID="10" presetClass="exit" presetSubtype="0" fill="hold" nodeType="clickEffect">
+                                  <p:stCondLst>
+                                    <p:cond delay="0"/>
+                                  </p:stCondLst>
+                                  <p:childTnLst>
+                                    <p:animEffect transition="out" filter="fade">
+                                      <p:cBhvr>
+                                        <p:cTn id="17" dur="500"/>
+                                        <p:tgtEl>
+                                          <p:spTgt spid="4"/>
+                                        </p:tgtEl>
+                                      </p:cBhvr>
+                                    </p:animEffect>
+                                    <p:set>
+                                      <p:cBhvr>
+                                        <p:cTn id="18" dur="1" fill="hold">
+                                          <p:stCondLst>
+                                            <p:cond delay="499"/>
+                                          </p:stCondLst>
+                                        </p:cTn>
+                                        <p:tgtEl>
+                                          <p:spTgt spid="4"/>
+                                        </p:tgtEl>
+                                        <p:attrNameLst>
+                                          <p:attrName>style.visibility</p:attrName>
+                                        </p:attrNameLst>
+                                      </p:cBhvr>
+                                      <p:to>
+                                        <p:strVal val="hidden"/>
+                                      </p:to>
+                                    </p:set>
+                                  </p:childTnLst>
+                                </p:cTn>
+                              </p:par>
+                            </p:childTnLst>
+                          </p:cTn>
+                        </p:par>
+                        <p:par>
+                          <p:cTn id="19" fill="hold">
+                            <p:stCondLst>
+                              <p:cond delay="500"/>
+                            </p:stCondLst>
+                            <p:childTnLst>
+                              <p:par>
+                                <p:cTn id="20" presetID="10" presetClass="entr" presetSubtype="0" fill="hold" nodeType="afterEffect">
                                   <p:stCondLst>
                                     <p:cond delay="0"/>
                                   </p:stCondLst>
                                   <p:childTnLst>
                                     <p:set>
                                       <p:cBhvr>
-                                        <p:cTn id="16" dur="1" fill="hold">
+                                        <p:cTn id="21" dur="1" fill="hold">
+                                          <p:stCondLst>
+                                            <p:cond delay="0"/>
+                                          </p:stCondLst>
+                                        </p:cTn>
+                                        <p:tgtEl>
+                                          <p:spTgt spid="6"/>
+                                        </p:tgtEl>
+                                        <p:attrNameLst>
+                                          <p:attrName>style.visibility</p:attrName>
+                                        </p:attrNameLst>
+                                      </p:cBhvr>
+                                      <p:to>
+                                        <p:strVal val="visible"/>
+                                      </p:to>
+                                    </p:set>
+                                    <p:animEffect transition="in" filter="fade">
+                                      <p:cBhvr>
+                                        <p:cTn id="22" dur="500"/>
+                                        <p:tgtEl>
+                                          <p:spTgt spid="6"/>
+                                        </p:tgtEl>
+                                      </p:cBhvr>
+                                    </p:animEffect>
+                                  </p:childTnLst>
+                                </p:cTn>
+                              </p:par>
+                            </p:childTnLst>
+                          </p:cTn>
+                        </p:par>
+                      </p:childTnLst>
+                    </p:cTn>
+                  </p:par>
+                  <p:par>
+                    <p:cTn id="23" fill="hold">
+                      <p:stCondLst>
+                        <p:cond delay="indefinite"/>
+                      </p:stCondLst>
+                      <p:childTnLst>
+                        <p:par>
+                          <p:cTn id="24" fill="hold">
+                            <p:stCondLst>
+                              <p:cond delay="0"/>
+                            </p:stCondLst>
+                            <p:childTnLst>
+                              <p:par>
+                                <p:cTn id="25" presetID="10" presetClass="exit" presetSubtype="0" fill="hold" nodeType="clickEffect">
+                                  <p:stCondLst>
+                                    <p:cond delay="0"/>
+                                  </p:stCondLst>
+                                  <p:childTnLst>
+                                    <p:animEffect transition="out" filter="fade">
+                                      <p:cBhvr>
+                                        <p:cTn id="26" dur="500"/>
+                                        <p:tgtEl>
+                                          <p:spTgt spid="6"/>
+                                        </p:tgtEl>
+                                      </p:cBhvr>
+                                    </p:animEffect>
+                                    <p:set>
+                                      <p:cBhvr>
+                                        <p:cTn id="27" dur="1" fill="hold">
+                                          <p:stCondLst>
+                                            <p:cond delay="499"/>
+                                          </p:stCondLst>
+                                        </p:cTn>
+                                        <p:tgtEl>
+                                          <p:spTgt spid="6"/>
+                                        </p:tgtEl>
+                                        <p:attrNameLst>
+                                          <p:attrName>style.visibility</p:attrName>
+                                        </p:attrNameLst>
+                                      </p:cBhvr>
+                                      <p:to>
+                                        <p:strVal val="hidden"/>
+                                      </p:to>
+                                    </p:set>
+                                  </p:childTnLst>
+                                </p:cTn>
+                              </p:par>
+                            </p:childTnLst>
+                          </p:cTn>
+                        </p:par>
+                        <p:par>
+                          <p:cTn id="28" fill="hold">
+                            <p:stCondLst>
+                              <p:cond delay="500"/>
+                            </p:stCondLst>
+                            <p:childTnLst>
+                              <p:par>
+                                <p:cTn id="29" presetID="10" presetClass="entr" presetSubtype="0" fill="hold" nodeType="afterEffect">
+                                  <p:stCondLst>
+                                    <p:cond delay="0"/>
+                                  </p:stCondLst>
+                                  <p:childTnLst>
+                                    <p:set>
+                                      <p:cBhvr>
+                                        <p:cTn id="30" dur="1" fill="hold">
                                           <p:stCondLst>
                                             <p:cond delay="0"/>
                                           </p:stCondLst>
@@ -16736,6 +14866,14 @@
                                         <p:strVal val="visible"/>
                                       </p:to>
                                     </p:set>
+                                    <p:animEffect transition="in" filter="fade">
+                                      <p:cBhvr>
+                                        <p:cTn id="31" dur="500"/>
+                                        <p:tgtEl>
+                                          <p:spTgt spid="8"/>
+                                        </p:tgtEl>
+                                      </p:cBhvr>
+                                    </p:animEffect>
                                   </p:childTnLst>
                                 </p:cTn>
                               </p:par>
@@ -16746,32 +14884,76 @@
                     </p:cTn>
                   </p:par>
                   <p:par>
-                    <p:cTn id="17" fill="hold">
+                    <p:cTn id="32" fill="hold">
                       <p:stCondLst>
                         <p:cond delay="indefinite"/>
                       </p:stCondLst>
                       <p:childTnLst>
                         <p:par>
-                          <p:cTn id="18" fill="hold">
+                          <p:cTn id="33" fill="hold">
                             <p:stCondLst>
                               <p:cond delay="0"/>
                             </p:stCondLst>
                             <p:childTnLst>
                               <p:par>
-                                <p:cTn id="19" presetID="1" presetClass="entr" presetSubtype="0" fill="hold" grpId="0" nodeType="clickEffect">
+                                <p:cTn id="34" presetID="10" presetClass="exit" presetSubtype="0" fill="hold" nodeType="clickEffect">
+                                  <p:stCondLst>
+                                    <p:cond delay="0"/>
+                                  </p:stCondLst>
+                                  <p:childTnLst>
+                                    <p:animEffect transition="out" filter="fade">
+                                      <p:cBhvr>
+                                        <p:cTn id="35" dur="500"/>
+                                        <p:tgtEl>
+                                          <p:spTgt spid="8"/>
+                                        </p:tgtEl>
+                                      </p:cBhvr>
+                                    </p:animEffect>
+                                    <p:set>
+                                      <p:cBhvr>
+                                        <p:cTn id="36" dur="1" fill="hold">
+                                          <p:stCondLst>
+                                            <p:cond delay="499"/>
+                                          </p:stCondLst>
+                                        </p:cTn>
+                                        <p:tgtEl>
+                                          <p:spTgt spid="8"/>
+                                        </p:tgtEl>
+                                        <p:attrNameLst>
+                                          <p:attrName>style.visibility</p:attrName>
+                                        </p:attrNameLst>
+                                      </p:cBhvr>
+                                      <p:to>
+                                        <p:strVal val="hidden"/>
+                                      </p:to>
+                                    </p:set>
+                                  </p:childTnLst>
+                                </p:cTn>
+                              </p:par>
+                            </p:childTnLst>
+                          </p:cTn>
+                        </p:par>
+                        <p:par>
+                          <p:cTn id="37" fill="hold">
+                            <p:stCondLst>
+                              <p:cond delay="500"/>
+                            </p:stCondLst>
+                            <p:childTnLst>
+                              <p:par>
+                                <p:cTn id="38" presetID="10" presetClass="entr" presetSubtype="0" fill="hold" nodeType="afterEffect">
                                   <p:stCondLst>
                                     <p:cond delay="0"/>
                                   </p:stCondLst>
                                   <p:childTnLst>
                                     <p:set>
                                       <p:cBhvr>
-                                        <p:cTn id="20" dur="1" fill="hold">
+                                        <p:cTn id="39" dur="1" fill="hold">
                                           <p:stCondLst>
                                             <p:cond delay="0"/>
                                           </p:stCondLst>
                                         </p:cTn>
                                         <p:tgtEl>
-                                          <p:spTgt spid="9"/>
+                                          <p:spTgt spid="10"/>
                                         </p:tgtEl>
                                         <p:attrNameLst>
                                           <p:attrName>style.visibility</p:attrName>
@@ -16779,6 +14961,358 @@
                                       </p:cBhvr>
                                       <p:to>
                                         <p:strVal val="visible"/>
+                                      </p:to>
+                                    </p:set>
+                                    <p:animEffect transition="in" filter="fade">
+                                      <p:cBhvr>
+                                        <p:cTn id="40" dur="500"/>
+                                        <p:tgtEl>
+                                          <p:spTgt spid="10"/>
+                                        </p:tgtEl>
+                                      </p:cBhvr>
+                                    </p:animEffect>
+                                  </p:childTnLst>
+                                </p:cTn>
+                              </p:par>
+                            </p:childTnLst>
+                          </p:cTn>
+                        </p:par>
+                      </p:childTnLst>
+                    </p:cTn>
+                  </p:par>
+                  <p:par>
+                    <p:cTn id="41" fill="hold">
+                      <p:stCondLst>
+                        <p:cond delay="indefinite"/>
+                      </p:stCondLst>
+                      <p:childTnLst>
+                        <p:par>
+                          <p:cTn id="42" fill="hold">
+                            <p:stCondLst>
+                              <p:cond delay="0"/>
+                            </p:stCondLst>
+                            <p:childTnLst>
+                              <p:par>
+                                <p:cTn id="43" presetID="10" presetClass="exit" presetSubtype="0" fill="hold" nodeType="clickEffect">
+                                  <p:stCondLst>
+                                    <p:cond delay="0"/>
+                                  </p:stCondLst>
+                                  <p:childTnLst>
+                                    <p:animEffect transition="out" filter="fade">
+                                      <p:cBhvr>
+                                        <p:cTn id="44" dur="500"/>
+                                        <p:tgtEl>
+                                          <p:spTgt spid="10"/>
+                                        </p:tgtEl>
+                                      </p:cBhvr>
+                                    </p:animEffect>
+                                    <p:set>
+                                      <p:cBhvr>
+                                        <p:cTn id="45" dur="1" fill="hold">
+                                          <p:stCondLst>
+                                            <p:cond delay="499"/>
+                                          </p:stCondLst>
+                                        </p:cTn>
+                                        <p:tgtEl>
+                                          <p:spTgt spid="10"/>
+                                        </p:tgtEl>
+                                        <p:attrNameLst>
+                                          <p:attrName>style.visibility</p:attrName>
+                                        </p:attrNameLst>
+                                      </p:cBhvr>
+                                      <p:to>
+                                        <p:strVal val="hidden"/>
+                                      </p:to>
+                                    </p:set>
+                                  </p:childTnLst>
+                                </p:cTn>
+                              </p:par>
+                            </p:childTnLst>
+                          </p:cTn>
+                        </p:par>
+                        <p:par>
+                          <p:cTn id="46" fill="hold">
+                            <p:stCondLst>
+                              <p:cond delay="500"/>
+                            </p:stCondLst>
+                            <p:childTnLst>
+                              <p:par>
+                                <p:cTn id="47" presetID="10" presetClass="entr" presetSubtype="0" fill="hold" nodeType="afterEffect">
+                                  <p:stCondLst>
+                                    <p:cond delay="0"/>
+                                  </p:stCondLst>
+                                  <p:childTnLst>
+                                    <p:set>
+                                      <p:cBhvr>
+                                        <p:cTn id="48" dur="1" fill="hold">
+                                          <p:stCondLst>
+                                            <p:cond delay="0"/>
+                                          </p:stCondLst>
+                                        </p:cTn>
+                                        <p:tgtEl>
+                                          <p:spTgt spid="12"/>
+                                        </p:tgtEl>
+                                        <p:attrNameLst>
+                                          <p:attrName>style.visibility</p:attrName>
+                                        </p:attrNameLst>
+                                      </p:cBhvr>
+                                      <p:to>
+                                        <p:strVal val="visible"/>
+                                      </p:to>
+                                    </p:set>
+                                    <p:animEffect transition="in" filter="fade">
+                                      <p:cBhvr>
+                                        <p:cTn id="49" dur="500"/>
+                                        <p:tgtEl>
+                                          <p:spTgt spid="12"/>
+                                        </p:tgtEl>
+                                      </p:cBhvr>
+                                    </p:animEffect>
+                                  </p:childTnLst>
+                                </p:cTn>
+                              </p:par>
+                            </p:childTnLst>
+                          </p:cTn>
+                        </p:par>
+                      </p:childTnLst>
+                    </p:cTn>
+                  </p:par>
+                  <p:par>
+                    <p:cTn id="50" fill="hold">
+                      <p:stCondLst>
+                        <p:cond delay="indefinite"/>
+                      </p:stCondLst>
+                      <p:childTnLst>
+                        <p:par>
+                          <p:cTn id="51" fill="hold">
+                            <p:stCondLst>
+                              <p:cond delay="0"/>
+                            </p:stCondLst>
+                            <p:childTnLst>
+                              <p:par>
+                                <p:cTn id="52" presetID="10" presetClass="exit" presetSubtype="0" fill="hold" nodeType="clickEffect">
+                                  <p:stCondLst>
+                                    <p:cond delay="0"/>
+                                  </p:stCondLst>
+                                  <p:childTnLst>
+                                    <p:animEffect transition="out" filter="fade">
+                                      <p:cBhvr>
+                                        <p:cTn id="53" dur="500"/>
+                                        <p:tgtEl>
+                                          <p:spTgt spid="12"/>
+                                        </p:tgtEl>
+                                      </p:cBhvr>
+                                    </p:animEffect>
+                                    <p:set>
+                                      <p:cBhvr>
+                                        <p:cTn id="54" dur="1" fill="hold">
+                                          <p:stCondLst>
+                                            <p:cond delay="499"/>
+                                          </p:stCondLst>
+                                        </p:cTn>
+                                        <p:tgtEl>
+                                          <p:spTgt spid="12"/>
+                                        </p:tgtEl>
+                                        <p:attrNameLst>
+                                          <p:attrName>style.visibility</p:attrName>
+                                        </p:attrNameLst>
+                                      </p:cBhvr>
+                                      <p:to>
+                                        <p:strVal val="hidden"/>
+                                      </p:to>
+                                    </p:set>
+                                  </p:childTnLst>
+                                </p:cTn>
+                              </p:par>
+                            </p:childTnLst>
+                          </p:cTn>
+                        </p:par>
+                        <p:par>
+                          <p:cTn id="55" fill="hold">
+                            <p:stCondLst>
+                              <p:cond delay="500"/>
+                            </p:stCondLst>
+                            <p:childTnLst>
+                              <p:par>
+                                <p:cTn id="56" presetID="10" presetClass="entr" presetSubtype="0" fill="hold" nodeType="afterEffect">
+                                  <p:stCondLst>
+                                    <p:cond delay="0"/>
+                                  </p:stCondLst>
+                                  <p:childTnLst>
+                                    <p:set>
+                                      <p:cBhvr>
+                                        <p:cTn id="57" dur="1" fill="hold">
+                                          <p:stCondLst>
+                                            <p:cond delay="0"/>
+                                          </p:stCondLst>
+                                        </p:cTn>
+                                        <p:tgtEl>
+                                          <p:spTgt spid="14"/>
+                                        </p:tgtEl>
+                                        <p:attrNameLst>
+                                          <p:attrName>style.visibility</p:attrName>
+                                        </p:attrNameLst>
+                                      </p:cBhvr>
+                                      <p:to>
+                                        <p:strVal val="visible"/>
+                                      </p:to>
+                                    </p:set>
+                                    <p:animEffect transition="in" filter="fade">
+                                      <p:cBhvr>
+                                        <p:cTn id="58" dur="500"/>
+                                        <p:tgtEl>
+                                          <p:spTgt spid="14"/>
+                                        </p:tgtEl>
+                                      </p:cBhvr>
+                                    </p:animEffect>
+                                  </p:childTnLst>
+                                </p:cTn>
+                              </p:par>
+                            </p:childTnLst>
+                          </p:cTn>
+                        </p:par>
+                      </p:childTnLst>
+                    </p:cTn>
+                  </p:par>
+                  <p:par>
+                    <p:cTn id="59" fill="hold">
+                      <p:stCondLst>
+                        <p:cond delay="indefinite"/>
+                      </p:stCondLst>
+                      <p:childTnLst>
+                        <p:par>
+                          <p:cTn id="60" fill="hold">
+                            <p:stCondLst>
+                              <p:cond delay="0"/>
+                            </p:stCondLst>
+                            <p:childTnLst>
+                              <p:par>
+                                <p:cTn id="61" presetID="10" presetClass="exit" presetSubtype="0" fill="hold" nodeType="clickEffect">
+                                  <p:stCondLst>
+                                    <p:cond delay="0"/>
+                                  </p:stCondLst>
+                                  <p:childTnLst>
+                                    <p:animEffect transition="out" filter="fade">
+                                      <p:cBhvr>
+                                        <p:cTn id="62" dur="500"/>
+                                        <p:tgtEl>
+                                          <p:spTgt spid="14"/>
+                                        </p:tgtEl>
+                                      </p:cBhvr>
+                                    </p:animEffect>
+                                    <p:set>
+                                      <p:cBhvr>
+                                        <p:cTn id="63" dur="1" fill="hold">
+                                          <p:stCondLst>
+                                            <p:cond delay="499"/>
+                                          </p:stCondLst>
+                                        </p:cTn>
+                                        <p:tgtEl>
+                                          <p:spTgt spid="14"/>
+                                        </p:tgtEl>
+                                        <p:attrNameLst>
+                                          <p:attrName>style.visibility</p:attrName>
+                                        </p:attrNameLst>
+                                      </p:cBhvr>
+                                      <p:to>
+                                        <p:strVal val="hidden"/>
+                                      </p:to>
+                                    </p:set>
+                                  </p:childTnLst>
+                                </p:cTn>
+                              </p:par>
+                            </p:childTnLst>
+                          </p:cTn>
+                        </p:par>
+                        <p:par>
+                          <p:cTn id="64" fill="hold">
+                            <p:stCondLst>
+                              <p:cond delay="500"/>
+                            </p:stCondLst>
+                            <p:childTnLst>
+                              <p:par>
+                                <p:cTn id="65" presetID="10" presetClass="entr" presetSubtype="0" fill="hold" nodeType="afterEffect">
+                                  <p:stCondLst>
+                                    <p:cond delay="0"/>
+                                  </p:stCondLst>
+                                  <p:childTnLst>
+                                    <p:set>
+                                      <p:cBhvr>
+                                        <p:cTn id="66" dur="1" fill="hold">
+                                          <p:stCondLst>
+                                            <p:cond delay="0"/>
+                                          </p:stCondLst>
+                                        </p:cTn>
+                                        <p:tgtEl>
+                                          <p:spTgt spid="16"/>
+                                        </p:tgtEl>
+                                        <p:attrNameLst>
+                                          <p:attrName>style.visibility</p:attrName>
+                                        </p:attrNameLst>
+                                      </p:cBhvr>
+                                      <p:to>
+                                        <p:strVal val="visible"/>
+                                      </p:to>
+                                    </p:set>
+                                    <p:animEffect transition="in" filter="fade">
+                                      <p:cBhvr>
+                                        <p:cTn id="67" dur="500"/>
+                                        <p:tgtEl>
+                                          <p:spTgt spid="16"/>
+                                        </p:tgtEl>
+                                      </p:cBhvr>
+                                    </p:animEffect>
+                                  </p:childTnLst>
+                                </p:cTn>
+                              </p:par>
+                            </p:childTnLst>
+                          </p:cTn>
+                        </p:par>
+                      </p:childTnLst>
+                    </p:cTn>
+                  </p:par>
+                  <p:par>
+                    <p:cTn id="68" fill="hold">
+                      <p:stCondLst>
+                        <p:cond delay="indefinite"/>
+                      </p:stCondLst>
+                      <p:childTnLst>
+                        <p:par>
+                          <p:cTn id="69" fill="hold">
+                            <p:stCondLst>
+                              <p:cond delay="0"/>
+                            </p:stCondLst>
+                            <p:childTnLst>
+                              <p:par>
+                                <p:cTn id="70" presetID="10" presetClass="exit" presetSubtype="0" fill="hold" nodeType="clickEffect">
+                                  <p:stCondLst>
+                                    <p:cond delay="0"/>
+                                  </p:stCondLst>
+                                  <p:childTnLst>
+                                    <p:animEffect transition="out" filter="fade">
+                                      <p:cBhvr>
+                                        <p:cTn id="71" dur="500"/>
+                                        <p:tgtEl>
+                                          <p:spTgt spid="16"/>
+                                        </p:tgtEl>
+                                      </p:cBhvr>
+                                    </p:animEffect>
+                                    <p:set>
+                                      <p:cBhvr>
+                                        <p:cTn id="72" dur="1" fill="hold">
+                                          <p:stCondLst>
+                                            <p:cond delay="499"/>
+                                          </p:stCondLst>
+                                        </p:cTn>
+                                        <p:tgtEl>
+                                          <p:spTgt spid="16"/>
+                                        </p:tgtEl>
+                                        <p:attrNameLst>
+                                          <p:attrName>style.visibility</p:attrName>
+                                        </p:attrNameLst>
+                                      </p:cBhvr>
+                                      <p:to>
+                                        <p:strVal val="hidden"/>
                                       </p:to>
                                     </p:set>
                                   </p:childTnLst>
@@ -16813,15 +15347,804 @@
     </p:tnLst>
     <p:bldLst>
       <p:bldP spid="2" grpId="0"/>
-      <p:bldP spid="3" grpId="0"/>
-      <p:bldP spid="8" grpId="0"/>
-      <p:bldP spid="9" grpId="0"/>
     </p:bldLst>
   </p:timing>
 </p:sld>
 </file>
 
-<file path=ppt/slides/slide19.xml><?xml version="1.0" encoding="utf-8"?>
+<file path=ppt/slides/slide17.xml><?xml version="1.0" encoding="utf-8"?>
+<p:sld xmlns:a="http://schemas.openxmlformats.org/drawingml/2006/main" xmlns:r="http://schemas.openxmlformats.org/officeDocument/2006/relationships" xmlns:p="http://schemas.openxmlformats.org/presentationml/2006/main">
+  <p:cSld>
+    <p:spTree>
+      <p:nvGrpSpPr>
+        <p:cNvPr id="1" name=""/>
+        <p:cNvGrpSpPr/>
+        <p:nvPr/>
+      </p:nvGrpSpPr>
+      <p:grpSpPr>
+        <a:xfrm>
+          <a:off x="0" y="0"/>
+          <a:ext cx="0" cy="0"/>
+          <a:chOff x="0" y="0"/>
+          <a:chExt cx="0" cy="0"/>
+        </a:xfrm>
+      </p:grpSpPr>
+      <p:sp>
+        <p:nvSpPr>
+          <p:cNvPr id="2" name="TextBox 1">
+            <a:extLst>
+              <a:ext uri="{FF2B5EF4-FFF2-40B4-BE49-F238E27FC236}">
+                <a16:creationId xmlns:a16="http://schemas.microsoft.com/office/drawing/2014/main" id="{8228F3F6-1818-4CE5-8009-5F658A18F25B}"/>
+              </a:ext>
+            </a:extLst>
+          </p:cNvPr>
+          <p:cNvSpPr txBox="1"/>
+          <p:nvPr/>
+        </p:nvSpPr>
+        <p:spPr>
+          <a:xfrm>
+            <a:off x="147762" y="103367"/>
+            <a:ext cx="5804002" cy="523220"/>
+          </a:xfrm>
+          <a:prstGeom prst="rect">
+            <a:avLst/>
+          </a:prstGeom>
+          <a:noFill/>
+        </p:spPr>
+        <p:txBody>
+          <a:bodyPr wrap="square" rtlCol="0">
+            <a:spAutoFit/>
+          </a:bodyPr>
+          <a:lstStyle/>
+          <a:p>
+            <a:r>
+              <a:rPr lang="en-US" altLang="ja-JP" sz="2800" dirty="0">
+                <a:latin typeface="Times New Roman" panose="02020603050405020304" pitchFamily="18" charset="0"/>
+                <a:cs typeface="Times New Roman" panose="02020603050405020304" pitchFamily="18" charset="0"/>
+              </a:rPr>
+              <a:t>Đ</a:t>
+            </a:r>
+            <a:r>
+              <a:rPr lang="vi-VN" altLang="ja-JP" sz="2800" dirty="0">
+                <a:latin typeface="Times New Roman" panose="02020603050405020304" pitchFamily="18" charset="0"/>
+                <a:cs typeface="Times New Roman" panose="02020603050405020304" pitchFamily="18" charset="0"/>
+              </a:rPr>
+              <a:t>ư</a:t>
+            </a:r>
+            <a:r>
+              <a:rPr lang="en-US" altLang="ja-JP" sz="2800" dirty="0">
+                <a:latin typeface="Times New Roman" panose="02020603050405020304" pitchFamily="18" charset="0"/>
+                <a:cs typeface="Times New Roman" panose="02020603050405020304" pitchFamily="18" charset="0"/>
+              </a:rPr>
+              <a:t>a ra </a:t>
+            </a:r>
+            <a:r>
+              <a:rPr lang="en-US" altLang="ja-JP" sz="2800" dirty="0" err="1">
+                <a:latin typeface="Times New Roman" panose="02020603050405020304" pitchFamily="18" charset="0"/>
+                <a:cs typeface="Times New Roman" panose="02020603050405020304" pitchFamily="18" charset="0"/>
+              </a:rPr>
+              <a:t>bản</a:t>
+            </a:r>
+            <a:r>
+              <a:rPr lang="en-US" altLang="ja-JP" sz="2800" dirty="0">
+                <a:latin typeface="Times New Roman" panose="02020603050405020304" pitchFamily="18" charset="0"/>
+                <a:cs typeface="Times New Roman" panose="02020603050405020304" pitchFamily="18" charset="0"/>
+              </a:rPr>
+              <a:t> </a:t>
+            </a:r>
+            <a:r>
+              <a:rPr lang="en-US" altLang="ja-JP" sz="2800" dirty="0" err="1">
+                <a:latin typeface="Times New Roman" panose="02020603050405020304" pitchFamily="18" charset="0"/>
+                <a:cs typeface="Times New Roman" panose="02020603050405020304" pitchFamily="18" charset="0"/>
+              </a:rPr>
+              <a:t>dự</a:t>
+            </a:r>
+            <a:r>
+              <a:rPr lang="en-US" altLang="ja-JP" sz="2800" dirty="0">
+                <a:latin typeface="Times New Roman" panose="02020603050405020304" pitchFamily="18" charset="0"/>
+                <a:cs typeface="Times New Roman" panose="02020603050405020304" pitchFamily="18" charset="0"/>
+              </a:rPr>
+              <a:t> </a:t>
+            </a:r>
+            <a:r>
+              <a:rPr lang="en-US" altLang="ja-JP" sz="2800" dirty="0" err="1">
+                <a:latin typeface="Times New Roman" panose="02020603050405020304" pitchFamily="18" charset="0"/>
+                <a:cs typeface="Times New Roman" panose="02020603050405020304" pitchFamily="18" charset="0"/>
+              </a:rPr>
+              <a:t>báo</a:t>
+            </a:r>
+            <a:r>
+              <a:rPr lang="en-US" altLang="ja-JP" sz="2800" dirty="0">
+                <a:latin typeface="Times New Roman" panose="02020603050405020304" pitchFamily="18" charset="0"/>
+                <a:cs typeface="Times New Roman" panose="02020603050405020304" pitchFamily="18" charset="0"/>
+              </a:rPr>
+              <a:t> </a:t>
+            </a:r>
+            <a:r>
+              <a:rPr lang="en-US" altLang="ja-JP" sz="2800" dirty="0" err="1">
+                <a:latin typeface="Times New Roman" panose="02020603050405020304" pitchFamily="18" charset="0"/>
+                <a:cs typeface="Times New Roman" panose="02020603050405020304" pitchFamily="18" charset="0"/>
+              </a:rPr>
+              <a:t>danh</a:t>
+            </a:r>
+            <a:r>
+              <a:rPr lang="en-US" altLang="ja-JP" sz="2800" dirty="0">
+                <a:latin typeface="Times New Roman" panose="02020603050405020304" pitchFamily="18" charset="0"/>
+                <a:cs typeface="Times New Roman" panose="02020603050405020304" pitchFamily="18" charset="0"/>
+              </a:rPr>
+              <a:t> </a:t>
+            </a:r>
+            <a:r>
+              <a:rPr lang="en-US" altLang="ja-JP" sz="2800" dirty="0" err="1">
+                <a:latin typeface="Times New Roman" panose="02020603050405020304" pitchFamily="18" charset="0"/>
+                <a:cs typeface="Times New Roman" panose="02020603050405020304" pitchFamily="18" charset="0"/>
+              </a:rPr>
+              <a:t>thu</a:t>
+            </a:r>
+            <a:endParaRPr kumimoji="1" lang="ja-JP" altLang="en-US" sz="2800" dirty="0">
+              <a:latin typeface="Times New Roman" panose="02020603050405020304" pitchFamily="18" charset="0"/>
+              <a:cs typeface="Times New Roman" panose="02020603050405020304" pitchFamily="18" charset="0"/>
+            </a:endParaRPr>
+          </a:p>
+        </p:txBody>
+      </p:sp>
+      <p:pic>
+        <p:nvPicPr>
+          <p:cNvPr id="4" name="Picture 3">
+            <a:extLst>
+              <a:ext uri="{FF2B5EF4-FFF2-40B4-BE49-F238E27FC236}">
+                <a16:creationId xmlns:a16="http://schemas.microsoft.com/office/drawing/2014/main" id="{0BD72C1A-D57B-416B-961D-EF2249F9B2E0}"/>
+              </a:ext>
+            </a:extLst>
+          </p:cNvPr>
+          <p:cNvPicPr>
+            <a:picLocks noChangeAspect="1"/>
+          </p:cNvPicPr>
+          <p:nvPr/>
+        </p:nvPicPr>
+        <p:blipFill>
+          <a:blip r:embed="rId2"/>
+          <a:stretch>
+            <a:fillRect/>
+          </a:stretch>
+        </p:blipFill>
+        <p:spPr>
+          <a:xfrm>
+            <a:off x="2100262" y="1042987"/>
+            <a:ext cx="7991475" cy="4772025"/>
+          </a:xfrm>
+          <a:prstGeom prst="rect">
+            <a:avLst/>
+          </a:prstGeom>
+        </p:spPr>
+      </p:pic>
+      <p:pic>
+        <p:nvPicPr>
+          <p:cNvPr id="6" name="Picture 5">
+            <a:extLst>
+              <a:ext uri="{FF2B5EF4-FFF2-40B4-BE49-F238E27FC236}">
+                <a16:creationId xmlns:a16="http://schemas.microsoft.com/office/drawing/2014/main" id="{219EEEDC-09F9-4E76-95B1-D8C9793D12F9}"/>
+              </a:ext>
+            </a:extLst>
+          </p:cNvPr>
+          <p:cNvPicPr>
+            <a:picLocks noChangeAspect="1"/>
+          </p:cNvPicPr>
+          <p:nvPr/>
+        </p:nvPicPr>
+        <p:blipFill>
+          <a:blip r:embed="rId3"/>
+          <a:stretch>
+            <a:fillRect/>
+          </a:stretch>
+        </p:blipFill>
+        <p:spPr>
+          <a:xfrm>
+            <a:off x="1985962" y="828675"/>
+            <a:ext cx="8220075" cy="5200650"/>
+          </a:xfrm>
+          <a:prstGeom prst="rect">
+            <a:avLst/>
+          </a:prstGeom>
+        </p:spPr>
+      </p:pic>
+      <p:pic>
+        <p:nvPicPr>
+          <p:cNvPr id="8" name="Picture 7">
+            <a:extLst>
+              <a:ext uri="{FF2B5EF4-FFF2-40B4-BE49-F238E27FC236}">
+                <a16:creationId xmlns:a16="http://schemas.microsoft.com/office/drawing/2014/main" id="{70343909-CC9E-446C-80B4-A2F87D3F5F63}"/>
+              </a:ext>
+            </a:extLst>
+          </p:cNvPr>
+          <p:cNvPicPr>
+            <a:picLocks noChangeAspect="1"/>
+          </p:cNvPicPr>
+          <p:nvPr/>
+        </p:nvPicPr>
+        <p:blipFill>
+          <a:blip r:embed="rId4"/>
+          <a:stretch>
+            <a:fillRect/>
+          </a:stretch>
+        </p:blipFill>
+        <p:spPr>
+          <a:xfrm>
+            <a:off x="2281237" y="1076325"/>
+            <a:ext cx="7629525" cy="4705350"/>
+          </a:xfrm>
+          <a:prstGeom prst="rect">
+            <a:avLst/>
+          </a:prstGeom>
+        </p:spPr>
+      </p:pic>
+      <p:pic>
+        <p:nvPicPr>
+          <p:cNvPr id="10" name="Picture 9">
+            <a:extLst>
+              <a:ext uri="{FF2B5EF4-FFF2-40B4-BE49-F238E27FC236}">
+                <a16:creationId xmlns:a16="http://schemas.microsoft.com/office/drawing/2014/main" id="{4952B7F6-8E2D-414B-BFD5-0AA57A9E7ABD}"/>
+              </a:ext>
+            </a:extLst>
+          </p:cNvPr>
+          <p:cNvPicPr>
+            <a:picLocks noChangeAspect="1"/>
+          </p:cNvPicPr>
+          <p:nvPr/>
+        </p:nvPicPr>
+        <p:blipFill>
+          <a:blip r:embed="rId5"/>
+          <a:stretch>
+            <a:fillRect/>
+          </a:stretch>
+        </p:blipFill>
+        <p:spPr>
+          <a:xfrm>
+            <a:off x="2024062" y="862012"/>
+            <a:ext cx="8143875" cy="5133975"/>
+          </a:xfrm>
+          <a:prstGeom prst="rect">
+            <a:avLst/>
+          </a:prstGeom>
+        </p:spPr>
+      </p:pic>
+    </p:spTree>
+    <p:extLst>
+      <p:ext uri="{BB962C8B-B14F-4D97-AF65-F5344CB8AC3E}">
+        <p14:creationId xmlns:p14="http://schemas.microsoft.com/office/powerpoint/2010/main" val="4079781437"/>
+      </p:ext>
+    </p:extLst>
+  </p:cSld>
+  <p:clrMapOvr>
+    <a:masterClrMapping/>
+  </p:clrMapOvr>
+  <p:timing>
+    <p:tnLst>
+      <p:par>
+        <p:cTn id="1" dur="indefinite" restart="never" nodeType="tmRoot">
+          <p:childTnLst>
+            <p:seq concurrent="1" nextAc="seek">
+              <p:cTn id="2" dur="indefinite" nodeType="mainSeq">
+                <p:childTnLst>
+                  <p:par>
+                    <p:cTn id="3" fill="hold">
+                      <p:stCondLst>
+                        <p:cond delay="indefinite"/>
+                        <p:cond evt="onBegin" delay="0">
+                          <p:tn val="2"/>
+                        </p:cond>
+                      </p:stCondLst>
+                      <p:childTnLst>
+                        <p:par>
+                          <p:cTn id="4" fill="hold">
+                            <p:stCondLst>
+                              <p:cond delay="0"/>
+                            </p:stCondLst>
+                            <p:childTnLst>
+                              <p:par>
+                                <p:cTn id="5" presetID="42" presetClass="entr" presetSubtype="0" fill="hold" grpId="0" nodeType="afterEffect">
+                                  <p:stCondLst>
+                                    <p:cond delay="0"/>
+                                  </p:stCondLst>
+                                  <p:childTnLst>
+                                    <p:set>
+                                      <p:cBhvr>
+                                        <p:cTn id="6" dur="1" fill="hold">
+                                          <p:stCondLst>
+                                            <p:cond delay="0"/>
+                                          </p:stCondLst>
+                                        </p:cTn>
+                                        <p:tgtEl>
+                                          <p:spTgt spid="2"/>
+                                        </p:tgtEl>
+                                        <p:attrNameLst>
+                                          <p:attrName>style.visibility</p:attrName>
+                                        </p:attrNameLst>
+                                      </p:cBhvr>
+                                      <p:to>
+                                        <p:strVal val="visible"/>
+                                      </p:to>
+                                    </p:set>
+                                    <p:animEffect transition="in" filter="fade">
+                                      <p:cBhvr>
+                                        <p:cTn id="7" dur="500"/>
+                                        <p:tgtEl>
+                                          <p:spTgt spid="2"/>
+                                        </p:tgtEl>
+                                      </p:cBhvr>
+                                    </p:animEffect>
+                                    <p:anim calcmode="lin" valueType="num">
+                                      <p:cBhvr>
+                                        <p:cTn id="8" dur="500" fill="hold"/>
+                                        <p:tgtEl>
+                                          <p:spTgt spid="2"/>
+                                        </p:tgtEl>
+                                        <p:attrNameLst>
+                                          <p:attrName>ppt_x</p:attrName>
+                                        </p:attrNameLst>
+                                      </p:cBhvr>
+                                      <p:tavLst>
+                                        <p:tav tm="0">
+                                          <p:val>
+                                            <p:strVal val="#ppt_x"/>
+                                          </p:val>
+                                        </p:tav>
+                                        <p:tav tm="100000">
+                                          <p:val>
+                                            <p:strVal val="#ppt_x"/>
+                                          </p:val>
+                                        </p:tav>
+                                      </p:tavLst>
+                                    </p:anim>
+                                    <p:anim calcmode="lin" valueType="num">
+                                      <p:cBhvr>
+                                        <p:cTn id="9" dur="500" fill="hold"/>
+                                        <p:tgtEl>
+                                          <p:spTgt spid="2"/>
+                                        </p:tgtEl>
+                                        <p:attrNameLst>
+                                          <p:attrName>ppt_y</p:attrName>
+                                        </p:attrNameLst>
+                                      </p:cBhvr>
+                                      <p:tavLst>
+                                        <p:tav tm="0">
+                                          <p:val>
+                                            <p:strVal val="#ppt_y+.1"/>
+                                          </p:val>
+                                        </p:tav>
+                                        <p:tav tm="100000">
+                                          <p:val>
+                                            <p:strVal val="#ppt_y"/>
+                                          </p:val>
+                                        </p:tav>
+                                      </p:tavLst>
+                                    </p:anim>
+                                  </p:childTnLst>
+                                </p:cTn>
+                              </p:par>
+                            </p:childTnLst>
+                          </p:cTn>
+                        </p:par>
+                        <p:par>
+                          <p:cTn id="10" fill="hold">
+                            <p:stCondLst>
+                              <p:cond delay="500"/>
+                            </p:stCondLst>
+                            <p:childTnLst>
+                              <p:par>
+                                <p:cTn id="11" presetID="10" presetClass="entr" presetSubtype="0" fill="hold" nodeType="afterEffect">
+                                  <p:stCondLst>
+                                    <p:cond delay="0"/>
+                                  </p:stCondLst>
+                                  <p:childTnLst>
+                                    <p:set>
+                                      <p:cBhvr>
+                                        <p:cTn id="12" dur="1" fill="hold">
+                                          <p:stCondLst>
+                                            <p:cond delay="0"/>
+                                          </p:stCondLst>
+                                        </p:cTn>
+                                        <p:tgtEl>
+                                          <p:spTgt spid="4"/>
+                                        </p:tgtEl>
+                                        <p:attrNameLst>
+                                          <p:attrName>style.visibility</p:attrName>
+                                        </p:attrNameLst>
+                                      </p:cBhvr>
+                                      <p:to>
+                                        <p:strVal val="visible"/>
+                                      </p:to>
+                                    </p:set>
+                                    <p:animEffect transition="in" filter="fade">
+                                      <p:cBhvr>
+                                        <p:cTn id="13" dur="500"/>
+                                        <p:tgtEl>
+                                          <p:spTgt spid="4"/>
+                                        </p:tgtEl>
+                                      </p:cBhvr>
+                                    </p:animEffect>
+                                  </p:childTnLst>
+                                </p:cTn>
+                              </p:par>
+                            </p:childTnLst>
+                          </p:cTn>
+                        </p:par>
+                      </p:childTnLst>
+                    </p:cTn>
+                  </p:par>
+                  <p:par>
+                    <p:cTn id="14" fill="hold">
+                      <p:stCondLst>
+                        <p:cond delay="indefinite"/>
+                      </p:stCondLst>
+                      <p:childTnLst>
+                        <p:par>
+                          <p:cTn id="15" fill="hold">
+                            <p:stCondLst>
+                              <p:cond delay="0"/>
+                            </p:stCondLst>
+                            <p:childTnLst>
+                              <p:par>
+                                <p:cTn id="16" presetID="10" presetClass="exit" presetSubtype="0" fill="hold" nodeType="clickEffect">
+                                  <p:stCondLst>
+                                    <p:cond delay="0"/>
+                                  </p:stCondLst>
+                                  <p:childTnLst>
+                                    <p:animEffect transition="out" filter="fade">
+                                      <p:cBhvr>
+                                        <p:cTn id="17" dur="500"/>
+                                        <p:tgtEl>
+                                          <p:spTgt spid="4"/>
+                                        </p:tgtEl>
+                                      </p:cBhvr>
+                                    </p:animEffect>
+                                    <p:set>
+                                      <p:cBhvr>
+                                        <p:cTn id="18" dur="1" fill="hold">
+                                          <p:stCondLst>
+                                            <p:cond delay="499"/>
+                                          </p:stCondLst>
+                                        </p:cTn>
+                                        <p:tgtEl>
+                                          <p:spTgt spid="4"/>
+                                        </p:tgtEl>
+                                        <p:attrNameLst>
+                                          <p:attrName>style.visibility</p:attrName>
+                                        </p:attrNameLst>
+                                      </p:cBhvr>
+                                      <p:to>
+                                        <p:strVal val="hidden"/>
+                                      </p:to>
+                                    </p:set>
+                                  </p:childTnLst>
+                                </p:cTn>
+                              </p:par>
+                            </p:childTnLst>
+                          </p:cTn>
+                        </p:par>
+                        <p:par>
+                          <p:cTn id="19" fill="hold">
+                            <p:stCondLst>
+                              <p:cond delay="500"/>
+                            </p:stCondLst>
+                            <p:childTnLst>
+                              <p:par>
+                                <p:cTn id="20" presetID="10" presetClass="entr" presetSubtype="0" fill="hold" nodeType="afterEffect">
+                                  <p:stCondLst>
+                                    <p:cond delay="0"/>
+                                  </p:stCondLst>
+                                  <p:childTnLst>
+                                    <p:set>
+                                      <p:cBhvr>
+                                        <p:cTn id="21" dur="1" fill="hold">
+                                          <p:stCondLst>
+                                            <p:cond delay="0"/>
+                                          </p:stCondLst>
+                                        </p:cTn>
+                                        <p:tgtEl>
+                                          <p:spTgt spid="6"/>
+                                        </p:tgtEl>
+                                        <p:attrNameLst>
+                                          <p:attrName>style.visibility</p:attrName>
+                                        </p:attrNameLst>
+                                      </p:cBhvr>
+                                      <p:to>
+                                        <p:strVal val="visible"/>
+                                      </p:to>
+                                    </p:set>
+                                    <p:animEffect transition="in" filter="fade">
+                                      <p:cBhvr>
+                                        <p:cTn id="22" dur="500"/>
+                                        <p:tgtEl>
+                                          <p:spTgt spid="6"/>
+                                        </p:tgtEl>
+                                      </p:cBhvr>
+                                    </p:animEffect>
+                                  </p:childTnLst>
+                                </p:cTn>
+                              </p:par>
+                            </p:childTnLst>
+                          </p:cTn>
+                        </p:par>
+                      </p:childTnLst>
+                    </p:cTn>
+                  </p:par>
+                  <p:par>
+                    <p:cTn id="23" fill="hold">
+                      <p:stCondLst>
+                        <p:cond delay="indefinite"/>
+                      </p:stCondLst>
+                      <p:childTnLst>
+                        <p:par>
+                          <p:cTn id="24" fill="hold">
+                            <p:stCondLst>
+                              <p:cond delay="0"/>
+                            </p:stCondLst>
+                            <p:childTnLst>
+                              <p:par>
+                                <p:cTn id="25" presetID="10" presetClass="exit" presetSubtype="0" fill="hold" nodeType="clickEffect">
+                                  <p:stCondLst>
+                                    <p:cond delay="0"/>
+                                  </p:stCondLst>
+                                  <p:childTnLst>
+                                    <p:animEffect transition="out" filter="fade">
+                                      <p:cBhvr>
+                                        <p:cTn id="26" dur="500"/>
+                                        <p:tgtEl>
+                                          <p:spTgt spid="6"/>
+                                        </p:tgtEl>
+                                      </p:cBhvr>
+                                    </p:animEffect>
+                                    <p:set>
+                                      <p:cBhvr>
+                                        <p:cTn id="27" dur="1" fill="hold">
+                                          <p:stCondLst>
+                                            <p:cond delay="499"/>
+                                          </p:stCondLst>
+                                        </p:cTn>
+                                        <p:tgtEl>
+                                          <p:spTgt spid="6"/>
+                                        </p:tgtEl>
+                                        <p:attrNameLst>
+                                          <p:attrName>style.visibility</p:attrName>
+                                        </p:attrNameLst>
+                                      </p:cBhvr>
+                                      <p:to>
+                                        <p:strVal val="hidden"/>
+                                      </p:to>
+                                    </p:set>
+                                  </p:childTnLst>
+                                </p:cTn>
+                              </p:par>
+                            </p:childTnLst>
+                          </p:cTn>
+                        </p:par>
+                        <p:par>
+                          <p:cTn id="28" fill="hold">
+                            <p:stCondLst>
+                              <p:cond delay="500"/>
+                            </p:stCondLst>
+                            <p:childTnLst>
+                              <p:par>
+                                <p:cTn id="29" presetID="10" presetClass="entr" presetSubtype="0" fill="hold" nodeType="afterEffect">
+                                  <p:stCondLst>
+                                    <p:cond delay="0"/>
+                                  </p:stCondLst>
+                                  <p:childTnLst>
+                                    <p:set>
+                                      <p:cBhvr>
+                                        <p:cTn id="30" dur="1" fill="hold">
+                                          <p:stCondLst>
+                                            <p:cond delay="0"/>
+                                          </p:stCondLst>
+                                        </p:cTn>
+                                        <p:tgtEl>
+                                          <p:spTgt spid="8"/>
+                                        </p:tgtEl>
+                                        <p:attrNameLst>
+                                          <p:attrName>style.visibility</p:attrName>
+                                        </p:attrNameLst>
+                                      </p:cBhvr>
+                                      <p:to>
+                                        <p:strVal val="visible"/>
+                                      </p:to>
+                                    </p:set>
+                                    <p:animEffect transition="in" filter="fade">
+                                      <p:cBhvr>
+                                        <p:cTn id="31" dur="500"/>
+                                        <p:tgtEl>
+                                          <p:spTgt spid="8"/>
+                                        </p:tgtEl>
+                                      </p:cBhvr>
+                                    </p:animEffect>
+                                  </p:childTnLst>
+                                </p:cTn>
+                              </p:par>
+                            </p:childTnLst>
+                          </p:cTn>
+                        </p:par>
+                      </p:childTnLst>
+                    </p:cTn>
+                  </p:par>
+                  <p:par>
+                    <p:cTn id="32" fill="hold">
+                      <p:stCondLst>
+                        <p:cond delay="indefinite"/>
+                      </p:stCondLst>
+                      <p:childTnLst>
+                        <p:par>
+                          <p:cTn id="33" fill="hold">
+                            <p:stCondLst>
+                              <p:cond delay="0"/>
+                            </p:stCondLst>
+                            <p:childTnLst>
+                              <p:par>
+                                <p:cTn id="34" presetID="10" presetClass="exit" presetSubtype="0" fill="hold" nodeType="clickEffect">
+                                  <p:stCondLst>
+                                    <p:cond delay="0"/>
+                                  </p:stCondLst>
+                                  <p:childTnLst>
+                                    <p:animEffect transition="out" filter="fade">
+                                      <p:cBhvr>
+                                        <p:cTn id="35" dur="500"/>
+                                        <p:tgtEl>
+                                          <p:spTgt spid="8"/>
+                                        </p:tgtEl>
+                                      </p:cBhvr>
+                                    </p:animEffect>
+                                    <p:set>
+                                      <p:cBhvr>
+                                        <p:cTn id="36" dur="1" fill="hold">
+                                          <p:stCondLst>
+                                            <p:cond delay="499"/>
+                                          </p:stCondLst>
+                                        </p:cTn>
+                                        <p:tgtEl>
+                                          <p:spTgt spid="8"/>
+                                        </p:tgtEl>
+                                        <p:attrNameLst>
+                                          <p:attrName>style.visibility</p:attrName>
+                                        </p:attrNameLst>
+                                      </p:cBhvr>
+                                      <p:to>
+                                        <p:strVal val="hidden"/>
+                                      </p:to>
+                                    </p:set>
+                                  </p:childTnLst>
+                                </p:cTn>
+                              </p:par>
+                            </p:childTnLst>
+                          </p:cTn>
+                        </p:par>
+                        <p:par>
+                          <p:cTn id="37" fill="hold">
+                            <p:stCondLst>
+                              <p:cond delay="500"/>
+                            </p:stCondLst>
+                            <p:childTnLst>
+                              <p:par>
+                                <p:cTn id="38" presetID="10" presetClass="entr" presetSubtype="0" fill="hold" nodeType="afterEffect">
+                                  <p:stCondLst>
+                                    <p:cond delay="0"/>
+                                  </p:stCondLst>
+                                  <p:childTnLst>
+                                    <p:set>
+                                      <p:cBhvr>
+                                        <p:cTn id="39" dur="1" fill="hold">
+                                          <p:stCondLst>
+                                            <p:cond delay="0"/>
+                                          </p:stCondLst>
+                                        </p:cTn>
+                                        <p:tgtEl>
+                                          <p:spTgt spid="10"/>
+                                        </p:tgtEl>
+                                        <p:attrNameLst>
+                                          <p:attrName>style.visibility</p:attrName>
+                                        </p:attrNameLst>
+                                      </p:cBhvr>
+                                      <p:to>
+                                        <p:strVal val="visible"/>
+                                      </p:to>
+                                    </p:set>
+                                    <p:animEffect transition="in" filter="fade">
+                                      <p:cBhvr>
+                                        <p:cTn id="40" dur="500"/>
+                                        <p:tgtEl>
+                                          <p:spTgt spid="10"/>
+                                        </p:tgtEl>
+                                      </p:cBhvr>
+                                    </p:animEffect>
+                                  </p:childTnLst>
+                                </p:cTn>
+                              </p:par>
+                            </p:childTnLst>
+                          </p:cTn>
+                        </p:par>
+                      </p:childTnLst>
+                    </p:cTn>
+                  </p:par>
+                  <p:par>
+                    <p:cTn id="41" fill="hold">
+                      <p:stCondLst>
+                        <p:cond delay="indefinite"/>
+                      </p:stCondLst>
+                      <p:childTnLst>
+                        <p:par>
+                          <p:cTn id="42" fill="hold">
+                            <p:stCondLst>
+                              <p:cond delay="0"/>
+                            </p:stCondLst>
+                            <p:childTnLst>
+                              <p:par>
+                                <p:cTn id="43" presetID="10" presetClass="exit" presetSubtype="0" fill="hold" nodeType="clickEffect">
+                                  <p:stCondLst>
+                                    <p:cond delay="0"/>
+                                  </p:stCondLst>
+                                  <p:childTnLst>
+                                    <p:animEffect transition="out" filter="fade">
+                                      <p:cBhvr>
+                                        <p:cTn id="44" dur="500"/>
+                                        <p:tgtEl>
+                                          <p:spTgt spid="10"/>
+                                        </p:tgtEl>
+                                      </p:cBhvr>
+                                    </p:animEffect>
+                                    <p:set>
+                                      <p:cBhvr>
+                                        <p:cTn id="45" dur="1" fill="hold">
+                                          <p:stCondLst>
+                                            <p:cond delay="499"/>
+                                          </p:stCondLst>
+                                        </p:cTn>
+                                        <p:tgtEl>
+                                          <p:spTgt spid="10"/>
+                                        </p:tgtEl>
+                                        <p:attrNameLst>
+                                          <p:attrName>style.visibility</p:attrName>
+                                        </p:attrNameLst>
+                                      </p:cBhvr>
+                                      <p:to>
+                                        <p:strVal val="hidden"/>
+                                      </p:to>
+                                    </p:set>
+                                  </p:childTnLst>
+                                </p:cTn>
+                              </p:par>
+                            </p:childTnLst>
+                          </p:cTn>
+                        </p:par>
+                      </p:childTnLst>
+                    </p:cTn>
+                  </p:par>
+                </p:childTnLst>
+              </p:cTn>
+              <p:prevCondLst>
+                <p:cond evt="onPrev" delay="0">
+                  <p:tgtEl>
+                    <p:sldTgt/>
+                  </p:tgtEl>
+                </p:cond>
+              </p:prevCondLst>
+              <p:nextCondLst>
+                <p:cond evt="onNext" delay="0">
+                  <p:tgtEl>
+                    <p:sldTgt/>
+                  </p:tgtEl>
+                </p:cond>
+              </p:nextCondLst>
+            </p:seq>
+          </p:childTnLst>
+        </p:cTn>
+      </p:par>
+    </p:tnLst>
+    <p:bldLst>
+      <p:bldP spid="2" grpId="0"/>
+    </p:bldLst>
+  </p:timing>
+</p:sld>
+</file>
+
+<file path=ppt/slides/slide18.xml><?xml version="1.0" encoding="utf-8"?>
 <p:sld xmlns:a="http://schemas.openxmlformats.org/drawingml/2006/main" xmlns:r="http://schemas.openxmlformats.org/officeDocument/2006/relationships" xmlns:p="http://schemas.openxmlformats.org/presentationml/2006/main">
   <p:cSld>
     <p:spTree>
@@ -17454,6 +16777,364 @@
       <p:bldP spid="2" grpId="0"/>
       <p:bldP spid="2" grpId="1"/>
       <p:bldP spid="3" grpId="0"/>
+    </p:bldLst>
+  </p:timing>
+</p:sld>
+</file>
+
+<file path=ppt/slides/slide19.xml><?xml version="1.0" encoding="utf-8"?>
+<p:sld xmlns:a="http://schemas.openxmlformats.org/drawingml/2006/main" xmlns:r="http://schemas.openxmlformats.org/officeDocument/2006/relationships" xmlns:p="http://schemas.openxmlformats.org/presentationml/2006/main">
+  <p:cSld>
+    <p:spTree>
+      <p:nvGrpSpPr>
+        <p:cNvPr id="1" name=""/>
+        <p:cNvGrpSpPr/>
+        <p:nvPr/>
+      </p:nvGrpSpPr>
+      <p:grpSpPr>
+        <a:xfrm>
+          <a:off x="0" y="0"/>
+          <a:ext cx="0" cy="0"/>
+          <a:chOff x="0" y="0"/>
+          <a:chExt cx="0" cy="0"/>
+        </a:xfrm>
+      </p:grpSpPr>
+      <p:sp>
+        <p:nvSpPr>
+          <p:cNvPr id="2" name="TextBox 1">
+            <a:extLst>
+              <a:ext uri="{FF2B5EF4-FFF2-40B4-BE49-F238E27FC236}">
+                <a16:creationId xmlns:a16="http://schemas.microsoft.com/office/drawing/2014/main" id="{8228F3F6-1818-4CE5-8009-5F658A18F25B}"/>
+              </a:ext>
+            </a:extLst>
+          </p:cNvPr>
+          <p:cNvSpPr txBox="1"/>
+          <p:nvPr/>
+        </p:nvSpPr>
+        <p:spPr>
+          <a:xfrm>
+            <a:off x="147762" y="103367"/>
+            <a:ext cx="3525741" cy="523220"/>
+          </a:xfrm>
+          <a:prstGeom prst="rect">
+            <a:avLst/>
+          </a:prstGeom>
+          <a:noFill/>
+        </p:spPr>
+        <p:txBody>
+          <a:bodyPr wrap="square" rtlCol="0">
+            <a:spAutoFit/>
+          </a:bodyPr>
+          <a:lstStyle/>
+          <a:p>
+            <a:r>
+              <a:rPr lang="en-US" altLang="ja-JP" sz="2800" dirty="0">
+                <a:latin typeface="Times New Roman" panose="02020603050405020304" pitchFamily="18" charset="0"/>
+                <a:cs typeface="Times New Roman" panose="02020603050405020304" pitchFamily="18" charset="0"/>
+              </a:rPr>
+              <a:t>S</a:t>
+            </a:r>
+            <a:r>
+              <a:rPr lang="vi-VN" altLang="ja-JP" sz="2800" dirty="0">
+                <a:latin typeface="Times New Roman" panose="02020603050405020304" pitchFamily="18" charset="0"/>
+                <a:cs typeface="Times New Roman" panose="02020603050405020304" pitchFamily="18" charset="0"/>
+              </a:rPr>
+              <a:t>ơ</a:t>
+            </a:r>
+            <a:r>
+              <a:rPr lang="en-US" altLang="ja-JP" sz="2800" dirty="0">
+                <a:latin typeface="Times New Roman" panose="02020603050405020304" pitchFamily="18" charset="0"/>
+                <a:cs typeface="Times New Roman" panose="02020603050405020304" pitchFamily="18" charset="0"/>
+              </a:rPr>
+              <a:t> </a:t>
+            </a:r>
+            <a:r>
+              <a:rPr lang="en-US" altLang="ja-JP" sz="2800" dirty="0" err="1">
+                <a:latin typeface="Times New Roman" panose="02020603050405020304" pitchFamily="18" charset="0"/>
+                <a:cs typeface="Times New Roman" panose="02020603050405020304" pitchFamily="18" charset="0"/>
+              </a:rPr>
+              <a:t>đồ</a:t>
+            </a:r>
+            <a:r>
+              <a:rPr lang="en-US" altLang="ja-JP" sz="2800" dirty="0">
+                <a:latin typeface="Times New Roman" panose="02020603050405020304" pitchFamily="18" charset="0"/>
+                <a:cs typeface="Times New Roman" panose="02020603050405020304" pitchFamily="18" charset="0"/>
+              </a:rPr>
+              <a:t> </a:t>
+            </a:r>
+            <a:r>
+              <a:rPr lang="en-US" altLang="ja-JP" sz="2800" dirty="0" err="1">
+                <a:latin typeface="Times New Roman" panose="02020603050405020304" pitchFamily="18" charset="0"/>
+                <a:cs typeface="Times New Roman" panose="02020603050405020304" pitchFamily="18" charset="0"/>
+              </a:rPr>
+              <a:t>của</a:t>
+            </a:r>
+            <a:r>
+              <a:rPr lang="en-US" altLang="ja-JP" sz="2800" dirty="0">
+                <a:latin typeface="Times New Roman" panose="02020603050405020304" pitchFamily="18" charset="0"/>
+                <a:cs typeface="Times New Roman" panose="02020603050405020304" pitchFamily="18" charset="0"/>
+              </a:rPr>
+              <a:t> </a:t>
+            </a:r>
+            <a:r>
+              <a:rPr lang="en-US" altLang="ja-JP" sz="2800" dirty="0" err="1">
+                <a:latin typeface="Times New Roman" panose="02020603050405020304" pitchFamily="18" charset="0"/>
+                <a:cs typeface="Times New Roman" panose="02020603050405020304" pitchFamily="18" charset="0"/>
+              </a:rPr>
+              <a:t>sửa</a:t>
+            </a:r>
+            <a:r>
+              <a:rPr lang="en-US" altLang="ja-JP" sz="2800" dirty="0">
+                <a:latin typeface="Times New Roman" panose="02020603050405020304" pitchFamily="18" charset="0"/>
+                <a:cs typeface="Times New Roman" panose="02020603050405020304" pitchFamily="18" charset="0"/>
+              </a:rPr>
+              <a:t> </a:t>
+            </a:r>
+            <a:r>
+              <a:rPr lang="en-US" altLang="ja-JP" sz="2800" dirty="0" err="1">
+                <a:latin typeface="Times New Roman" panose="02020603050405020304" pitchFamily="18" charset="0"/>
+                <a:cs typeface="Times New Roman" panose="02020603050405020304" pitchFamily="18" charset="0"/>
+              </a:rPr>
+              <a:t>máy</a:t>
+            </a:r>
+            <a:r>
+              <a:rPr lang="en-US" altLang="ja-JP" sz="2800" dirty="0">
+                <a:latin typeface="Times New Roman" panose="02020603050405020304" pitchFamily="18" charset="0"/>
+                <a:cs typeface="Times New Roman" panose="02020603050405020304" pitchFamily="18" charset="0"/>
+              </a:rPr>
+              <a:t> </a:t>
+            </a:r>
+            <a:r>
+              <a:rPr lang="en-US" altLang="ja-JP" sz="2800" dirty="0" err="1">
+                <a:latin typeface="Times New Roman" panose="02020603050405020304" pitchFamily="18" charset="0"/>
+                <a:cs typeface="Times New Roman" panose="02020603050405020304" pitchFamily="18" charset="0"/>
+              </a:rPr>
+              <a:t>tính</a:t>
+            </a:r>
+            <a:endParaRPr kumimoji="1" lang="ja-JP" altLang="en-US" sz="2800" dirty="0">
+              <a:latin typeface="Times New Roman" panose="02020603050405020304" pitchFamily="18" charset="0"/>
+              <a:cs typeface="Times New Roman" panose="02020603050405020304" pitchFamily="18" charset="0"/>
+            </a:endParaRPr>
+          </a:p>
+        </p:txBody>
+      </p:sp>
+      <p:pic>
+        <p:nvPicPr>
+          <p:cNvPr id="5" name="Picture 4">
+            <a:extLst>
+              <a:ext uri="{FF2B5EF4-FFF2-40B4-BE49-F238E27FC236}">
+                <a16:creationId xmlns:a16="http://schemas.microsoft.com/office/drawing/2014/main" id="{0D48489C-41E8-486A-975B-AD72EC1C78C4}"/>
+              </a:ext>
+            </a:extLst>
+          </p:cNvPr>
+          <p:cNvPicPr>
+            <a:picLocks noChangeAspect="1"/>
+          </p:cNvPicPr>
+          <p:nvPr/>
+        </p:nvPicPr>
+        <p:blipFill>
+          <a:blip r:embed="rId2"/>
+          <a:stretch>
+            <a:fillRect/>
+          </a:stretch>
+        </p:blipFill>
+        <p:spPr>
+          <a:xfrm>
+            <a:off x="1194925" y="669774"/>
+            <a:ext cx="9802150" cy="6188226"/>
+          </a:xfrm>
+          <a:prstGeom prst="rect">
+            <a:avLst/>
+          </a:prstGeom>
+        </p:spPr>
+      </p:pic>
+    </p:spTree>
+    <p:extLst>
+      <p:ext uri="{BB962C8B-B14F-4D97-AF65-F5344CB8AC3E}">
+        <p14:creationId xmlns:p14="http://schemas.microsoft.com/office/powerpoint/2010/main" val="3778289710"/>
+      </p:ext>
+    </p:extLst>
+  </p:cSld>
+  <p:clrMapOvr>
+    <a:masterClrMapping/>
+  </p:clrMapOvr>
+  <p:timing>
+    <p:tnLst>
+      <p:par>
+        <p:cTn id="1" dur="indefinite" restart="never" nodeType="tmRoot">
+          <p:childTnLst>
+            <p:seq concurrent="1" nextAc="seek">
+              <p:cTn id="2" dur="indefinite" nodeType="mainSeq">
+                <p:childTnLst>
+                  <p:par>
+                    <p:cTn id="3" fill="hold">
+                      <p:stCondLst>
+                        <p:cond delay="indefinite"/>
+                        <p:cond evt="onBegin" delay="0">
+                          <p:tn val="2"/>
+                        </p:cond>
+                      </p:stCondLst>
+                      <p:childTnLst>
+                        <p:par>
+                          <p:cTn id="4" fill="hold">
+                            <p:stCondLst>
+                              <p:cond delay="0"/>
+                            </p:stCondLst>
+                            <p:childTnLst>
+                              <p:par>
+                                <p:cTn id="5" presetID="42" presetClass="entr" presetSubtype="0" fill="hold" grpId="0" nodeType="afterEffect">
+                                  <p:stCondLst>
+                                    <p:cond delay="0"/>
+                                  </p:stCondLst>
+                                  <p:childTnLst>
+                                    <p:set>
+                                      <p:cBhvr>
+                                        <p:cTn id="6" dur="1" fill="hold">
+                                          <p:stCondLst>
+                                            <p:cond delay="0"/>
+                                          </p:stCondLst>
+                                        </p:cTn>
+                                        <p:tgtEl>
+                                          <p:spTgt spid="2"/>
+                                        </p:tgtEl>
+                                        <p:attrNameLst>
+                                          <p:attrName>style.visibility</p:attrName>
+                                        </p:attrNameLst>
+                                      </p:cBhvr>
+                                      <p:to>
+                                        <p:strVal val="visible"/>
+                                      </p:to>
+                                    </p:set>
+                                    <p:animEffect transition="in" filter="fade">
+                                      <p:cBhvr>
+                                        <p:cTn id="7" dur="500"/>
+                                        <p:tgtEl>
+                                          <p:spTgt spid="2"/>
+                                        </p:tgtEl>
+                                      </p:cBhvr>
+                                    </p:animEffect>
+                                    <p:anim calcmode="lin" valueType="num">
+                                      <p:cBhvr>
+                                        <p:cTn id="8" dur="500" fill="hold"/>
+                                        <p:tgtEl>
+                                          <p:spTgt spid="2"/>
+                                        </p:tgtEl>
+                                        <p:attrNameLst>
+                                          <p:attrName>ppt_x</p:attrName>
+                                        </p:attrNameLst>
+                                      </p:cBhvr>
+                                      <p:tavLst>
+                                        <p:tav tm="0">
+                                          <p:val>
+                                            <p:strVal val="#ppt_x"/>
+                                          </p:val>
+                                        </p:tav>
+                                        <p:tav tm="100000">
+                                          <p:val>
+                                            <p:strVal val="#ppt_x"/>
+                                          </p:val>
+                                        </p:tav>
+                                      </p:tavLst>
+                                    </p:anim>
+                                    <p:anim calcmode="lin" valueType="num">
+                                      <p:cBhvr>
+                                        <p:cTn id="9" dur="500" fill="hold"/>
+                                        <p:tgtEl>
+                                          <p:spTgt spid="2"/>
+                                        </p:tgtEl>
+                                        <p:attrNameLst>
+                                          <p:attrName>ppt_y</p:attrName>
+                                        </p:attrNameLst>
+                                      </p:cBhvr>
+                                      <p:tavLst>
+                                        <p:tav tm="0">
+                                          <p:val>
+                                            <p:strVal val="#ppt_y+.1"/>
+                                          </p:val>
+                                        </p:tav>
+                                        <p:tav tm="100000">
+                                          <p:val>
+                                            <p:strVal val="#ppt_y"/>
+                                          </p:val>
+                                        </p:tav>
+                                      </p:tavLst>
+                                    </p:anim>
+                                  </p:childTnLst>
+                                </p:cTn>
+                              </p:par>
+                            </p:childTnLst>
+                          </p:cTn>
+                        </p:par>
+                        <p:par>
+                          <p:cTn id="10" fill="hold">
+                            <p:stCondLst>
+                              <p:cond delay="500"/>
+                            </p:stCondLst>
+                            <p:childTnLst>
+                              <p:par>
+                                <p:cTn id="11" presetID="21" presetClass="entr" presetSubtype="1" fill="hold" nodeType="afterEffect">
+                                  <p:stCondLst>
+                                    <p:cond delay="0"/>
+                                  </p:stCondLst>
+                                  <p:childTnLst>
+                                    <p:set>
+                                      <p:cBhvr>
+                                        <p:cTn id="12" dur="1" fill="hold">
+                                          <p:stCondLst>
+                                            <p:cond delay="0"/>
+                                          </p:stCondLst>
+                                        </p:cTn>
+                                        <p:tgtEl>
+                                          <p:spTgt spid="5"/>
+                                        </p:tgtEl>
+                                        <p:attrNameLst>
+                                          <p:attrName>style.visibility</p:attrName>
+                                        </p:attrNameLst>
+                                      </p:cBhvr>
+                                      <p:to>
+                                        <p:strVal val="visible"/>
+                                      </p:to>
+                                    </p:set>
+                                    <p:animEffect transition="in" filter="wheel(1)">
+                                      <p:cBhvr>
+                                        <p:cTn id="13" dur="500"/>
+                                        <p:tgtEl>
+                                          <p:spTgt spid="5"/>
+                                        </p:tgtEl>
+                                      </p:cBhvr>
+                                    </p:animEffect>
+                                  </p:childTnLst>
+                                </p:cTn>
+                              </p:par>
+                            </p:childTnLst>
+                          </p:cTn>
+                        </p:par>
+                      </p:childTnLst>
+                    </p:cTn>
+                  </p:par>
+                </p:childTnLst>
+              </p:cTn>
+              <p:prevCondLst>
+                <p:cond evt="onPrev" delay="0">
+                  <p:tgtEl>
+                    <p:sldTgt/>
+                  </p:tgtEl>
+                </p:cond>
+              </p:prevCondLst>
+              <p:nextCondLst>
+                <p:cond evt="onNext" delay="0">
+                  <p:tgtEl>
+                    <p:sldTgt/>
+                  </p:tgtEl>
+                </p:cond>
+              </p:nextCondLst>
+            </p:seq>
+          </p:childTnLst>
+        </p:cTn>
+      </p:par>
+    </p:tnLst>
+    <p:bldLst>
+      <p:bldP spid="2" grpId="0"/>
     </p:bldLst>
   </p:timing>
 </p:sld>
@@ -19312,364 +18993,6 @@
           <a:lstStyle/>
           <a:p>
             <a:r>
-              <a:rPr lang="en-US" altLang="ja-JP" sz="2800" dirty="0">
-                <a:latin typeface="Times New Roman" panose="02020603050405020304" pitchFamily="18" charset="0"/>
-                <a:cs typeface="Times New Roman" panose="02020603050405020304" pitchFamily="18" charset="0"/>
-              </a:rPr>
-              <a:t>S</a:t>
-            </a:r>
-            <a:r>
-              <a:rPr lang="vi-VN" altLang="ja-JP" sz="2800" dirty="0">
-                <a:latin typeface="Times New Roman" panose="02020603050405020304" pitchFamily="18" charset="0"/>
-                <a:cs typeface="Times New Roman" panose="02020603050405020304" pitchFamily="18" charset="0"/>
-              </a:rPr>
-              <a:t>ơ</a:t>
-            </a:r>
-            <a:r>
-              <a:rPr lang="en-US" altLang="ja-JP" sz="2800" dirty="0">
-                <a:latin typeface="Times New Roman" panose="02020603050405020304" pitchFamily="18" charset="0"/>
-                <a:cs typeface="Times New Roman" panose="02020603050405020304" pitchFamily="18" charset="0"/>
-              </a:rPr>
-              <a:t> </a:t>
-            </a:r>
-            <a:r>
-              <a:rPr lang="en-US" altLang="ja-JP" sz="2800" dirty="0" err="1">
-                <a:latin typeface="Times New Roman" panose="02020603050405020304" pitchFamily="18" charset="0"/>
-                <a:cs typeface="Times New Roman" panose="02020603050405020304" pitchFamily="18" charset="0"/>
-              </a:rPr>
-              <a:t>đồ</a:t>
-            </a:r>
-            <a:r>
-              <a:rPr lang="en-US" altLang="ja-JP" sz="2800" dirty="0">
-                <a:latin typeface="Times New Roman" panose="02020603050405020304" pitchFamily="18" charset="0"/>
-                <a:cs typeface="Times New Roman" panose="02020603050405020304" pitchFamily="18" charset="0"/>
-              </a:rPr>
-              <a:t> </a:t>
-            </a:r>
-            <a:r>
-              <a:rPr lang="en-US" altLang="ja-JP" sz="2800" dirty="0" err="1">
-                <a:latin typeface="Times New Roman" panose="02020603050405020304" pitchFamily="18" charset="0"/>
-                <a:cs typeface="Times New Roman" panose="02020603050405020304" pitchFamily="18" charset="0"/>
-              </a:rPr>
-              <a:t>của</a:t>
-            </a:r>
-            <a:r>
-              <a:rPr lang="en-US" altLang="ja-JP" sz="2800" dirty="0">
-                <a:latin typeface="Times New Roman" panose="02020603050405020304" pitchFamily="18" charset="0"/>
-                <a:cs typeface="Times New Roman" panose="02020603050405020304" pitchFamily="18" charset="0"/>
-              </a:rPr>
-              <a:t> </a:t>
-            </a:r>
-            <a:r>
-              <a:rPr lang="en-US" altLang="ja-JP" sz="2800" dirty="0" err="1">
-                <a:latin typeface="Times New Roman" panose="02020603050405020304" pitchFamily="18" charset="0"/>
-                <a:cs typeface="Times New Roman" panose="02020603050405020304" pitchFamily="18" charset="0"/>
-              </a:rPr>
-              <a:t>sửa</a:t>
-            </a:r>
-            <a:r>
-              <a:rPr lang="en-US" altLang="ja-JP" sz="2800" dirty="0">
-                <a:latin typeface="Times New Roman" panose="02020603050405020304" pitchFamily="18" charset="0"/>
-                <a:cs typeface="Times New Roman" panose="02020603050405020304" pitchFamily="18" charset="0"/>
-              </a:rPr>
-              <a:t> </a:t>
-            </a:r>
-            <a:r>
-              <a:rPr lang="en-US" altLang="ja-JP" sz="2800" dirty="0" err="1">
-                <a:latin typeface="Times New Roman" panose="02020603050405020304" pitchFamily="18" charset="0"/>
-                <a:cs typeface="Times New Roman" panose="02020603050405020304" pitchFamily="18" charset="0"/>
-              </a:rPr>
-              <a:t>máy</a:t>
-            </a:r>
-            <a:r>
-              <a:rPr lang="en-US" altLang="ja-JP" sz="2800" dirty="0">
-                <a:latin typeface="Times New Roman" panose="02020603050405020304" pitchFamily="18" charset="0"/>
-                <a:cs typeface="Times New Roman" panose="02020603050405020304" pitchFamily="18" charset="0"/>
-              </a:rPr>
-              <a:t> </a:t>
-            </a:r>
-            <a:r>
-              <a:rPr lang="en-US" altLang="ja-JP" sz="2800" dirty="0" err="1">
-                <a:latin typeface="Times New Roman" panose="02020603050405020304" pitchFamily="18" charset="0"/>
-                <a:cs typeface="Times New Roman" panose="02020603050405020304" pitchFamily="18" charset="0"/>
-              </a:rPr>
-              <a:t>tính</a:t>
-            </a:r>
-            <a:endParaRPr kumimoji="1" lang="ja-JP" altLang="en-US" sz="2800" dirty="0">
-              <a:latin typeface="Times New Roman" panose="02020603050405020304" pitchFamily="18" charset="0"/>
-              <a:cs typeface="Times New Roman" panose="02020603050405020304" pitchFamily="18" charset="0"/>
-            </a:endParaRPr>
-          </a:p>
-        </p:txBody>
-      </p:sp>
-      <p:pic>
-        <p:nvPicPr>
-          <p:cNvPr id="5" name="Picture 4">
-            <a:extLst>
-              <a:ext uri="{FF2B5EF4-FFF2-40B4-BE49-F238E27FC236}">
-                <a16:creationId xmlns:a16="http://schemas.microsoft.com/office/drawing/2014/main" id="{0D48489C-41E8-486A-975B-AD72EC1C78C4}"/>
-              </a:ext>
-            </a:extLst>
-          </p:cNvPr>
-          <p:cNvPicPr>
-            <a:picLocks noChangeAspect="1"/>
-          </p:cNvPicPr>
-          <p:nvPr/>
-        </p:nvPicPr>
-        <p:blipFill>
-          <a:blip r:embed="rId2"/>
-          <a:stretch>
-            <a:fillRect/>
-          </a:stretch>
-        </p:blipFill>
-        <p:spPr>
-          <a:xfrm>
-            <a:off x="1194925" y="669774"/>
-            <a:ext cx="9802150" cy="6188226"/>
-          </a:xfrm>
-          <a:prstGeom prst="rect">
-            <a:avLst/>
-          </a:prstGeom>
-        </p:spPr>
-      </p:pic>
-    </p:spTree>
-    <p:extLst>
-      <p:ext uri="{BB962C8B-B14F-4D97-AF65-F5344CB8AC3E}">
-        <p14:creationId xmlns:p14="http://schemas.microsoft.com/office/powerpoint/2010/main" val="3778289710"/>
-      </p:ext>
-    </p:extLst>
-  </p:cSld>
-  <p:clrMapOvr>
-    <a:masterClrMapping/>
-  </p:clrMapOvr>
-  <p:timing>
-    <p:tnLst>
-      <p:par>
-        <p:cTn id="1" dur="indefinite" restart="never" nodeType="tmRoot">
-          <p:childTnLst>
-            <p:seq concurrent="1" nextAc="seek">
-              <p:cTn id="2" dur="indefinite" nodeType="mainSeq">
-                <p:childTnLst>
-                  <p:par>
-                    <p:cTn id="3" fill="hold">
-                      <p:stCondLst>
-                        <p:cond delay="indefinite"/>
-                        <p:cond evt="onBegin" delay="0">
-                          <p:tn val="2"/>
-                        </p:cond>
-                      </p:stCondLst>
-                      <p:childTnLst>
-                        <p:par>
-                          <p:cTn id="4" fill="hold">
-                            <p:stCondLst>
-                              <p:cond delay="0"/>
-                            </p:stCondLst>
-                            <p:childTnLst>
-                              <p:par>
-                                <p:cTn id="5" presetID="42" presetClass="entr" presetSubtype="0" fill="hold" grpId="0" nodeType="afterEffect">
-                                  <p:stCondLst>
-                                    <p:cond delay="0"/>
-                                  </p:stCondLst>
-                                  <p:childTnLst>
-                                    <p:set>
-                                      <p:cBhvr>
-                                        <p:cTn id="6" dur="1" fill="hold">
-                                          <p:stCondLst>
-                                            <p:cond delay="0"/>
-                                          </p:stCondLst>
-                                        </p:cTn>
-                                        <p:tgtEl>
-                                          <p:spTgt spid="2"/>
-                                        </p:tgtEl>
-                                        <p:attrNameLst>
-                                          <p:attrName>style.visibility</p:attrName>
-                                        </p:attrNameLst>
-                                      </p:cBhvr>
-                                      <p:to>
-                                        <p:strVal val="visible"/>
-                                      </p:to>
-                                    </p:set>
-                                    <p:animEffect transition="in" filter="fade">
-                                      <p:cBhvr>
-                                        <p:cTn id="7" dur="500"/>
-                                        <p:tgtEl>
-                                          <p:spTgt spid="2"/>
-                                        </p:tgtEl>
-                                      </p:cBhvr>
-                                    </p:animEffect>
-                                    <p:anim calcmode="lin" valueType="num">
-                                      <p:cBhvr>
-                                        <p:cTn id="8" dur="500" fill="hold"/>
-                                        <p:tgtEl>
-                                          <p:spTgt spid="2"/>
-                                        </p:tgtEl>
-                                        <p:attrNameLst>
-                                          <p:attrName>ppt_x</p:attrName>
-                                        </p:attrNameLst>
-                                      </p:cBhvr>
-                                      <p:tavLst>
-                                        <p:tav tm="0">
-                                          <p:val>
-                                            <p:strVal val="#ppt_x"/>
-                                          </p:val>
-                                        </p:tav>
-                                        <p:tav tm="100000">
-                                          <p:val>
-                                            <p:strVal val="#ppt_x"/>
-                                          </p:val>
-                                        </p:tav>
-                                      </p:tavLst>
-                                    </p:anim>
-                                    <p:anim calcmode="lin" valueType="num">
-                                      <p:cBhvr>
-                                        <p:cTn id="9" dur="500" fill="hold"/>
-                                        <p:tgtEl>
-                                          <p:spTgt spid="2"/>
-                                        </p:tgtEl>
-                                        <p:attrNameLst>
-                                          <p:attrName>ppt_y</p:attrName>
-                                        </p:attrNameLst>
-                                      </p:cBhvr>
-                                      <p:tavLst>
-                                        <p:tav tm="0">
-                                          <p:val>
-                                            <p:strVal val="#ppt_y+.1"/>
-                                          </p:val>
-                                        </p:tav>
-                                        <p:tav tm="100000">
-                                          <p:val>
-                                            <p:strVal val="#ppt_y"/>
-                                          </p:val>
-                                        </p:tav>
-                                      </p:tavLst>
-                                    </p:anim>
-                                  </p:childTnLst>
-                                </p:cTn>
-                              </p:par>
-                            </p:childTnLst>
-                          </p:cTn>
-                        </p:par>
-                        <p:par>
-                          <p:cTn id="10" fill="hold">
-                            <p:stCondLst>
-                              <p:cond delay="500"/>
-                            </p:stCondLst>
-                            <p:childTnLst>
-                              <p:par>
-                                <p:cTn id="11" presetID="21" presetClass="entr" presetSubtype="1" fill="hold" nodeType="afterEffect">
-                                  <p:stCondLst>
-                                    <p:cond delay="0"/>
-                                  </p:stCondLst>
-                                  <p:childTnLst>
-                                    <p:set>
-                                      <p:cBhvr>
-                                        <p:cTn id="12" dur="1" fill="hold">
-                                          <p:stCondLst>
-                                            <p:cond delay="0"/>
-                                          </p:stCondLst>
-                                        </p:cTn>
-                                        <p:tgtEl>
-                                          <p:spTgt spid="5"/>
-                                        </p:tgtEl>
-                                        <p:attrNameLst>
-                                          <p:attrName>style.visibility</p:attrName>
-                                        </p:attrNameLst>
-                                      </p:cBhvr>
-                                      <p:to>
-                                        <p:strVal val="visible"/>
-                                      </p:to>
-                                    </p:set>
-                                    <p:animEffect transition="in" filter="wheel(1)">
-                                      <p:cBhvr>
-                                        <p:cTn id="13" dur="500"/>
-                                        <p:tgtEl>
-                                          <p:spTgt spid="5"/>
-                                        </p:tgtEl>
-                                      </p:cBhvr>
-                                    </p:animEffect>
-                                  </p:childTnLst>
-                                </p:cTn>
-                              </p:par>
-                            </p:childTnLst>
-                          </p:cTn>
-                        </p:par>
-                      </p:childTnLst>
-                    </p:cTn>
-                  </p:par>
-                </p:childTnLst>
-              </p:cTn>
-              <p:prevCondLst>
-                <p:cond evt="onPrev" delay="0">
-                  <p:tgtEl>
-                    <p:sldTgt/>
-                  </p:tgtEl>
-                </p:cond>
-              </p:prevCondLst>
-              <p:nextCondLst>
-                <p:cond evt="onNext" delay="0">
-                  <p:tgtEl>
-                    <p:sldTgt/>
-                  </p:tgtEl>
-                </p:cond>
-              </p:nextCondLst>
-            </p:seq>
-          </p:childTnLst>
-        </p:cTn>
-      </p:par>
-    </p:tnLst>
-    <p:bldLst>
-      <p:bldP spid="2" grpId="0"/>
-    </p:bldLst>
-  </p:timing>
-</p:sld>
-</file>
-
-<file path=ppt/slides/slide21.xml><?xml version="1.0" encoding="utf-8"?>
-<p:sld xmlns:a="http://schemas.openxmlformats.org/drawingml/2006/main" xmlns:r="http://schemas.openxmlformats.org/officeDocument/2006/relationships" xmlns:p="http://schemas.openxmlformats.org/presentationml/2006/main">
-  <p:cSld>
-    <p:spTree>
-      <p:nvGrpSpPr>
-        <p:cNvPr id="1" name=""/>
-        <p:cNvGrpSpPr/>
-        <p:nvPr/>
-      </p:nvGrpSpPr>
-      <p:grpSpPr>
-        <a:xfrm>
-          <a:off x="0" y="0"/>
-          <a:ext cx="0" cy="0"/>
-          <a:chOff x="0" y="0"/>
-          <a:chExt cx="0" cy="0"/>
-        </a:xfrm>
-      </p:grpSpPr>
-      <p:sp>
-        <p:nvSpPr>
-          <p:cNvPr id="2" name="TextBox 1">
-            <a:extLst>
-              <a:ext uri="{FF2B5EF4-FFF2-40B4-BE49-F238E27FC236}">
-                <a16:creationId xmlns:a16="http://schemas.microsoft.com/office/drawing/2014/main" id="{8228F3F6-1818-4CE5-8009-5F658A18F25B}"/>
-              </a:ext>
-            </a:extLst>
-          </p:cNvPr>
-          <p:cNvSpPr txBox="1"/>
-          <p:nvPr/>
-        </p:nvSpPr>
-        <p:spPr>
-          <a:xfrm>
-            <a:off x="147762" y="103367"/>
-            <a:ext cx="3525741" cy="523220"/>
-          </a:xfrm>
-          <a:prstGeom prst="rect">
-            <a:avLst/>
-          </a:prstGeom>
-          <a:noFill/>
-        </p:spPr>
-        <p:txBody>
-          <a:bodyPr wrap="square" rtlCol="0">
-            <a:spAutoFit/>
-          </a:bodyPr>
-          <a:lstStyle/>
-          <a:p>
-            <a:r>
               <a:rPr lang="en-US" altLang="ja-JP" sz="2800" dirty="0" err="1">
                 <a:latin typeface="Times New Roman" panose="02020603050405020304" pitchFamily="18" charset="0"/>
                 <a:cs typeface="Times New Roman" panose="02020603050405020304" pitchFamily="18" charset="0"/>
@@ -19996,7 +19319,7 @@
                 <a:latin typeface="Times New Roman" panose="02020603050405020304" pitchFamily="18" charset="0"/>
                 <a:cs typeface="Times New Roman" panose="02020603050405020304" pitchFamily="18" charset="0"/>
               </a:rPr>
-              <a:t>vộng</a:t>
+              <a:t>vọng</a:t>
             </a:r>
             <a:r>
               <a:rPr lang="en-US" altLang="ja-JP" sz="2800" dirty="0">
@@ -20515,6 +19838,195 @@
                 <a:cs typeface="Times New Roman" panose="02020603050405020304" pitchFamily="18" charset="0"/>
               </a:rPr>
               <a:t>lí</a:t>
+            </a:r>
+            <a:endParaRPr kumimoji="1" lang="ja-JP" altLang="en-US" sz="2800" dirty="0">
+              <a:latin typeface="Times New Roman" panose="02020603050405020304" pitchFamily="18" charset="0"/>
+              <a:cs typeface="Times New Roman" panose="02020603050405020304" pitchFamily="18" charset="0"/>
+            </a:endParaRPr>
+          </a:p>
+        </p:txBody>
+      </p:sp>
+      <p:sp>
+        <p:nvSpPr>
+          <p:cNvPr id="7" name="TextBox 6">
+            <a:extLst>
+              <a:ext uri="{FF2B5EF4-FFF2-40B4-BE49-F238E27FC236}">
+                <a16:creationId xmlns:a16="http://schemas.microsoft.com/office/drawing/2014/main" id="{774303BD-EED9-4AC2-B680-21EB2B24585D}"/>
+              </a:ext>
+            </a:extLst>
+          </p:cNvPr>
+          <p:cNvSpPr txBox="1"/>
+          <p:nvPr/>
+        </p:nvSpPr>
+        <p:spPr>
+          <a:xfrm>
+            <a:off x="1132584" y="3167390"/>
+            <a:ext cx="10220739" cy="523220"/>
+          </a:xfrm>
+          <a:prstGeom prst="rect">
+            <a:avLst/>
+          </a:prstGeom>
+          <a:noFill/>
+        </p:spPr>
+        <p:txBody>
+          <a:bodyPr wrap="square" rtlCol="0">
+            <a:spAutoFit/>
+          </a:bodyPr>
+          <a:lstStyle/>
+          <a:p>
+            <a:r>
+              <a:rPr lang="en-US" altLang="ja-JP" sz="2800" dirty="0">
+                <a:latin typeface="Times New Roman" panose="02020603050405020304" pitchFamily="18" charset="0"/>
+                <a:cs typeface="Times New Roman" panose="02020603050405020304" pitchFamily="18" charset="0"/>
+              </a:rPr>
+              <a:t>Thu </a:t>
+            </a:r>
+            <a:r>
+              <a:rPr lang="en-US" altLang="ja-JP" sz="2800" dirty="0" err="1">
+                <a:latin typeface="Times New Roman" panose="02020603050405020304" pitchFamily="18" charset="0"/>
+                <a:cs typeface="Times New Roman" panose="02020603050405020304" pitchFamily="18" charset="0"/>
+              </a:rPr>
+              <a:t>hồi</a:t>
+            </a:r>
+            <a:r>
+              <a:rPr lang="en-US" altLang="ja-JP" sz="2800" dirty="0">
+                <a:latin typeface="Times New Roman" panose="02020603050405020304" pitchFamily="18" charset="0"/>
+                <a:cs typeface="Times New Roman" panose="02020603050405020304" pitchFamily="18" charset="0"/>
+              </a:rPr>
+              <a:t> </a:t>
+            </a:r>
+            <a:r>
+              <a:rPr lang="en-US" altLang="ja-JP" sz="2800" dirty="0" err="1">
+                <a:latin typeface="Times New Roman" panose="02020603050405020304" pitchFamily="18" charset="0"/>
+                <a:cs typeface="Times New Roman" panose="02020603050405020304" pitchFamily="18" charset="0"/>
+              </a:rPr>
+              <a:t>được</a:t>
+            </a:r>
+            <a:r>
+              <a:rPr lang="en-US" altLang="ja-JP" sz="2800" dirty="0">
+                <a:latin typeface="Times New Roman" panose="02020603050405020304" pitchFamily="18" charset="0"/>
+                <a:cs typeface="Times New Roman" panose="02020603050405020304" pitchFamily="18" charset="0"/>
+              </a:rPr>
+              <a:t> </a:t>
+            </a:r>
+            <a:r>
+              <a:rPr lang="en-US" altLang="ja-JP" sz="2800" dirty="0" err="1">
+                <a:latin typeface="Times New Roman" panose="02020603050405020304" pitchFamily="18" charset="0"/>
+                <a:cs typeface="Times New Roman" panose="02020603050405020304" pitchFamily="18" charset="0"/>
+              </a:rPr>
+              <a:t>vốn</a:t>
+            </a:r>
+            <a:r>
+              <a:rPr lang="en-US" altLang="ja-JP" sz="2800" dirty="0">
+                <a:latin typeface="Times New Roman" panose="02020603050405020304" pitchFamily="18" charset="0"/>
+                <a:cs typeface="Times New Roman" panose="02020603050405020304" pitchFamily="18" charset="0"/>
+              </a:rPr>
+              <a:t> </a:t>
+            </a:r>
+            <a:r>
+              <a:rPr lang="en-US" altLang="ja-JP" sz="2800" dirty="0" err="1">
+                <a:latin typeface="Times New Roman" panose="02020603050405020304" pitchFamily="18" charset="0"/>
+                <a:cs typeface="Times New Roman" panose="02020603050405020304" pitchFamily="18" charset="0"/>
+              </a:rPr>
+              <a:t>sau</a:t>
+            </a:r>
+            <a:r>
+              <a:rPr lang="en-US" altLang="ja-JP" sz="2800" dirty="0">
+                <a:latin typeface="Times New Roman" panose="02020603050405020304" pitchFamily="18" charset="0"/>
+                <a:cs typeface="Times New Roman" panose="02020603050405020304" pitchFamily="18" charset="0"/>
+              </a:rPr>
+              <a:t> 2 </a:t>
+            </a:r>
+            <a:r>
+              <a:rPr lang="en-US" altLang="ja-JP" sz="2800" dirty="0" err="1">
+                <a:latin typeface="Times New Roman" panose="02020603050405020304" pitchFamily="18" charset="0"/>
+                <a:cs typeface="Times New Roman" panose="02020603050405020304" pitchFamily="18" charset="0"/>
+              </a:rPr>
+              <a:t>năm</a:t>
+            </a:r>
+            <a:r>
+              <a:rPr lang="en-US" altLang="ja-JP" sz="2800" dirty="0">
+                <a:latin typeface="Times New Roman" panose="02020603050405020304" pitchFamily="18" charset="0"/>
+                <a:cs typeface="Times New Roman" panose="02020603050405020304" pitchFamily="18" charset="0"/>
+              </a:rPr>
+              <a:t> </a:t>
+            </a:r>
+            <a:r>
+              <a:rPr lang="en-US" altLang="ja-JP" sz="2800" dirty="0" err="1">
+                <a:latin typeface="Times New Roman" panose="02020603050405020304" pitchFamily="18" charset="0"/>
+                <a:cs typeface="Times New Roman" panose="02020603050405020304" pitchFamily="18" charset="0"/>
+              </a:rPr>
+              <a:t>và</a:t>
+            </a:r>
+            <a:r>
+              <a:rPr lang="en-US" altLang="ja-JP" sz="2800" dirty="0">
+                <a:latin typeface="Times New Roman" panose="02020603050405020304" pitchFamily="18" charset="0"/>
+                <a:cs typeface="Times New Roman" panose="02020603050405020304" pitchFamily="18" charset="0"/>
+              </a:rPr>
+              <a:t> </a:t>
+            </a:r>
+            <a:r>
+              <a:rPr lang="en-US" altLang="ja-JP" sz="2800" dirty="0" err="1">
+                <a:latin typeface="Times New Roman" panose="02020603050405020304" pitchFamily="18" charset="0"/>
+                <a:cs typeface="Times New Roman" panose="02020603050405020304" pitchFamily="18" charset="0"/>
+              </a:rPr>
+              <a:t>sẽ</a:t>
+            </a:r>
+            <a:r>
+              <a:rPr lang="en-US" altLang="ja-JP" sz="2800" dirty="0">
+                <a:latin typeface="Times New Roman" panose="02020603050405020304" pitchFamily="18" charset="0"/>
+                <a:cs typeface="Times New Roman" panose="02020603050405020304" pitchFamily="18" charset="0"/>
+              </a:rPr>
+              <a:t> tang </a:t>
+            </a:r>
+            <a:r>
+              <a:rPr lang="en-US" altLang="ja-JP" sz="2800" dirty="0" err="1">
+                <a:latin typeface="Times New Roman" panose="02020603050405020304" pitchFamily="18" charset="0"/>
+                <a:cs typeface="Times New Roman" panose="02020603050405020304" pitchFamily="18" charset="0"/>
+              </a:rPr>
+              <a:t>lợi</a:t>
+            </a:r>
+            <a:r>
+              <a:rPr lang="en-US" altLang="ja-JP" sz="2800" dirty="0">
+                <a:latin typeface="Times New Roman" panose="02020603050405020304" pitchFamily="18" charset="0"/>
+                <a:cs typeface="Times New Roman" panose="02020603050405020304" pitchFamily="18" charset="0"/>
+              </a:rPr>
+              <a:t> </a:t>
+            </a:r>
+            <a:r>
+              <a:rPr lang="en-US" altLang="ja-JP" sz="2800" dirty="0" err="1">
+                <a:latin typeface="Times New Roman" panose="02020603050405020304" pitchFamily="18" charset="0"/>
+                <a:cs typeface="Times New Roman" panose="02020603050405020304" pitchFamily="18" charset="0"/>
+              </a:rPr>
+              <a:t>nhuận</a:t>
+            </a:r>
+            <a:r>
+              <a:rPr lang="en-US" altLang="ja-JP" sz="2800" dirty="0">
+                <a:latin typeface="Times New Roman" panose="02020603050405020304" pitchFamily="18" charset="0"/>
+                <a:cs typeface="Times New Roman" panose="02020603050405020304" pitchFamily="18" charset="0"/>
+              </a:rPr>
+              <a:t> </a:t>
+            </a:r>
+            <a:r>
+              <a:rPr lang="en-US" altLang="ja-JP" sz="2800" dirty="0" err="1">
+                <a:latin typeface="Times New Roman" panose="02020603050405020304" pitchFamily="18" charset="0"/>
+                <a:cs typeface="Times New Roman" panose="02020603050405020304" pitchFamily="18" charset="0"/>
+              </a:rPr>
+              <a:t>rất</a:t>
+            </a:r>
+            <a:r>
+              <a:rPr lang="en-US" altLang="ja-JP" sz="2800" dirty="0">
+                <a:latin typeface="Times New Roman" panose="02020603050405020304" pitchFamily="18" charset="0"/>
+                <a:cs typeface="Times New Roman" panose="02020603050405020304" pitchFamily="18" charset="0"/>
+              </a:rPr>
+              <a:t> </a:t>
+            </a:r>
+            <a:r>
+              <a:rPr lang="en-US" altLang="ja-JP" sz="2800" dirty="0" err="1">
+                <a:latin typeface="Times New Roman" panose="02020603050405020304" pitchFamily="18" charset="0"/>
+                <a:cs typeface="Times New Roman" panose="02020603050405020304" pitchFamily="18" charset="0"/>
+              </a:rPr>
+              <a:t>nhanh</a:t>
             </a:r>
             <a:endParaRPr kumimoji="1" lang="ja-JP" altLang="en-US" sz="2800" dirty="0">
               <a:latin typeface="Times New Roman" panose="02020603050405020304" pitchFamily="18" charset="0"/>
@@ -20814,187 +20326,33 @@
                       </p:childTnLst>
                     </p:cTn>
                   </p:par>
-                </p:childTnLst>
-              </p:cTn>
-              <p:prevCondLst>
-                <p:cond evt="onPrev" delay="0">
-                  <p:tgtEl>
-                    <p:sldTgt/>
-                  </p:tgtEl>
-                </p:cond>
-              </p:prevCondLst>
-              <p:nextCondLst>
-                <p:cond evt="onNext" delay="0">
-                  <p:tgtEl>
-                    <p:sldTgt/>
-                  </p:tgtEl>
-                </p:cond>
-              </p:nextCondLst>
-            </p:seq>
-          </p:childTnLst>
-        </p:cTn>
-      </p:par>
-    </p:tnLst>
-    <p:bldLst>
-      <p:bldP spid="2" grpId="0"/>
-      <p:bldP spid="3" grpId="0"/>
-      <p:bldP spid="4" grpId="0"/>
-      <p:bldP spid="5" grpId="0"/>
-      <p:bldP spid="6" grpId="0"/>
-    </p:bldLst>
-  </p:timing>
-</p:sld>
-</file>
-
-<file path=ppt/slides/slide22.xml><?xml version="1.0" encoding="utf-8"?>
-<p:sld xmlns:a="http://schemas.openxmlformats.org/drawingml/2006/main" xmlns:r="http://schemas.openxmlformats.org/officeDocument/2006/relationships" xmlns:p="http://schemas.openxmlformats.org/presentationml/2006/main">
-  <p:cSld>
-    <p:spTree>
-      <p:nvGrpSpPr>
-        <p:cNvPr id="1" name=""/>
-        <p:cNvGrpSpPr/>
-        <p:nvPr/>
-      </p:nvGrpSpPr>
-      <p:grpSpPr>
-        <a:xfrm>
-          <a:off x="0" y="0"/>
-          <a:ext cx="0" cy="0"/>
-          <a:chOff x="0" y="0"/>
-          <a:chExt cx="0" cy="0"/>
-        </a:xfrm>
-      </p:grpSpPr>
-      <p:sp>
-        <p:nvSpPr>
-          <p:cNvPr id="2" name="TextBox 1">
-            <a:extLst>
-              <a:ext uri="{FF2B5EF4-FFF2-40B4-BE49-F238E27FC236}">
-                <a16:creationId xmlns:a16="http://schemas.microsoft.com/office/drawing/2014/main" id="{8228F3F6-1818-4CE5-8009-5F658A18F25B}"/>
-              </a:ext>
-            </a:extLst>
-          </p:cNvPr>
-          <p:cNvSpPr txBox="1"/>
-          <p:nvPr/>
-        </p:nvSpPr>
-        <p:spPr>
-          <a:xfrm>
-            <a:off x="147762" y="103367"/>
-            <a:ext cx="3525741" cy="523220"/>
-          </a:xfrm>
-          <a:prstGeom prst="rect">
-            <a:avLst/>
-          </a:prstGeom>
-          <a:noFill/>
-        </p:spPr>
-        <p:txBody>
-          <a:bodyPr wrap="square" rtlCol="0">
-            <a:spAutoFit/>
-          </a:bodyPr>
-          <a:lstStyle/>
-          <a:p>
-            <a:r>
-              <a:rPr lang="en-US" altLang="ja-JP" sz="2800" dirty="0" err="1">
-                <a:latin typeface="Times New Roman" panose="02020603050405020304" pitchFamily="18" charset="0"/>
-                <a:cs typeface="Times New Roman" panose="02020603050405020304" pitchFamily="18" charset="0"/>
-              </a:rPr>
-              <a:t>Nhận</a:t>
-            </a:r>
-            <a:r>
-              <a:rPr lang="en-US" altLang="ja-JP" sz="2800" dirty="0">
-                <a:latin typeface="Times New Roman" panose="02020603050405020304" pitchFamily="18" charset="0"/>
-                <a:cs typeface="Times New Roman" panose="02020603050405020304" pitchFamily="18" charset="0"/>
-              </a:rPr>
-              <a:t> </a:t>
-            </a:r>
-            <a:r>
-              <a:rPr lang="en-US" altLang="ja-JP" sz="2800" dirty="0" err="1">
-                <a:latin typeface="Times New Roman" panose="02020603050405020304" pitchFamily="18" charset="0"/>
-                <a:cs typeface="Times New Roman" panose="02020603050405020304" pitchFamily="18" charset="0"/>
-              </a:rPr>
-              <a:t>xét</a:t>
-            </a:r>
-            <a:r>
-              <a:rPr lang="en-US" altLang="ja-JP" sz="2800" dirty="0">
-                <a:latin typeface="Times New Roman" panose="02020603050405020304" pitchFamily="18" charset="0"/>
-                <a:cs typeface="Times New Roman" panose="02020603050405020304" pitchFamily="18" charset="0"/>
-              </a:rPr>
-              <a:t> </a:t>
-            </a:r>
-            <a:r>
-              <a:rPr lang="en-US" altLang="ja-JP" sz="2800" dirty="0" err="1">
-                <a:latin typeface="Times New Roman" panose="02020603050405020304" pitchFamily="18" charset="0"/>
-                <a:cs typeface="Times New Roman" panose="02020603050405020304" pitchFamily="18" charset="0"/>
-              </a:rPr>
-              <a:t>làm</a:t>
-            </a:r>
-            <a:r>
-              <a:rPr lang="en-US" altLang="ja-JP" sz="2800" dirty="0">
-                <a:latin typeface="Times New Roman" panose="02020603050405020304" pitchFamily="18" charset="0"/>
-                <a:cs typeface="Times New Roman" panose="02020603050405020304" pitchFamily="18" charset="0"/>
-              </a:rPr>
-              <a:t> </a:t>
-            </a:r>
-            <a:r>
-              <a:rPr lang="en-US" altLang="ja-JP" sz="2800" dirty="0" err="1">
-                <a:latin typeface="Times New Roman" panose="02020603050405020304" pitchFamily="18" charset="0"/>
-                <a:cs typeface="Times New Roman" panose="02020603050405020304" pitchFamily="18" charset="0"/>
-              </a:rPr>
-              <a:t>việc</a:t>
-            </a:r>
-            <a:endParaRPr kumimoji="1" lang="ja-JP" altLang="en-US" sz="2800" dirty="0">
-              <a:latin typeface="Times New Roman" panose="02020603050405020304" pitchFamily="18" charset="0"/>
-              <a:cs typeface="Times New Roman" panose="02020603050405020304" pitchFamily="18" charset="0"/>
-            </a:endParaRPr>
-          </a:p>
-        </p:txBody>
-      </p:sp>
-    </p:spTree>
-    <p:extLst>
-      <p:ext uri="{BB962C8B-B14F-4D97-AF65-F5344CB8AC3E}">
-        <p14:creationId xmlns:p14="http://schemas.microsoft.com/office/powerpoint/2010/main" val="3421255255"/>
-      </p:ext>
-    </p:extLst>
-  </p:cSld>
-  <p:clrMapOvr>
-    <a:masterClrMapping/>
-  </p:clrMapOvr>
-  <p:timing>
-    <p:tnLst>
-      <p:par>
-        <p:cTn id="1" dur="indefinite" restart="never" nodeType="tmRoot">
-          <p:childTnLst>
-            <p:seq concurrent="1" nextAc="seek">
-              <p:cTn id="2" dur="indefinite" nodeType="mainSeq">
-                <p:childTnLst>
                   <p:par>
-                    <p:cTn id="3" fill="hold">
+                    <p:cTn id="25" fill="hold">
                       <p:stCondLst>
                         <p:cond delay="indefinite"/>
-                        <p:cond evt="onBegin" delay="0">
-                          <p:tn val="2"/>
-                        </p:cond>
                       </p:stCondLst>
                       <p:childTnLst>
                         <p:par>
-                          <p:cTn id="4" fill="hold">
+                          <p:cTn id="26" fill="hold">
                             <p:stCondLst>
                               <p:cond delay="0"/>
                             </p:stCondLst>
                             <p:childTnLst>
                               <p:par>
-                                <p:cTn id="5" presetID="42" presetClass="entr" presetSubtype="0" fill="hold" grpId="0" nodeType="afterEffect">
+                                <p:cTn id="27" presetID="1" presetClass="entr" presetSubtype="0" fill="hold" grpId="0" nodeType="clickEffect">
                                   <p:stCondLst>
                                     <p:cond delay="0"/>
                                   </p:stCondLst>
                                   <p:childTnLst>
                                     <p:set>
                                       <p:cBhvr>
-                                        <p:cTn id="6" dur="1" fill="hold">
+                                        <p:cTn id="28" dur="1" fill="hold">
                                           <p:stCondLst>
                                             <p:cond delay="0"/>
                                           </p:stCondLst>
                                         </p:cTn>
                                         <p:tgtEl>
-                                          <p:spTgt spid="2"/>
+                                          <p:spTgt spid="7"/>
                                         </p:tgtEl>
                                         <p:attrNameLst>
                                           <p:attrName>style.visibility</p:attrName>
@@ -21004,60 +20362,6 @@
                                         <p:strVal val="visible"/>
                                       </p:to>
                                     </p:set>
-                                    <p:animEffect transition="in" filter="fade">
-                                      <p:cBhvr>
-                                        <p:cTn id="7" dur="500"/>
-                                        <p:tgtEl>
-                                          <p:spTgt spid="2"/>
-                                        </p:tgtEl>
-                                      </p:cBhvr>
-                                    </p:animEffect>
-                                    <p:anim calcmode="lin" valueType="num">
-                                      <p:cBhvr>
-                                        <p:cTn id="8" dur="500" fill="hold"/>
-                                        <p:tgtEl>
-                                          <p:spTgt spid="2"/>
-                                        </p:tgtEl>
-                                        <p:attrNameLst>
-                                          <p:attrName>ppt_x</p:attrName>
-                                        </p:attrNameLst>
-                                      </p:cBhvr>
-                                      <p:tavLst>
-                                        <p:tav tm="0">
-                                          <p:val>
-                                            <p:strVal val="#ppt_x"/>
-                                          </p:val>
-                                        </p:tav>
-                                        <p:tav tm="100000">
-                                          <p:val>
-                                            <p:strVal val="#ppt_x"/>
-                                          </p:val>
-                                        </p:tav>
-                                      </p:tavLst>
-                                    </p:anim>
-                                    <p:anim calcmode="lin" valueType="num">
-                                      <p:cBhvr>
-                                        <p:cTn id="9" dur="500" fill="hold"/>
-                                        <p:tgtEl>
-                                          <p:spTgt spid="2"/>
-                                        </p:tgtEl>
-                                        <p:attrNameLst>
-                                          <p:attrName>ppt_y</p:attrName>
-                                        </p:attrNameLst>
-                                      </p:cBhvr>
-                                      <p:tavLst>
-                                        <p:tav tm="0">
-                                          <p:val>
-                                            <p:strVal val="#ppt_y+.1"/>
-                                          </p:val>
-                                        </p:tav>
-                                        <p:tav tm="100000">
-                                          <p:val>
-                                            <p:strVal val="#ppt_y"/>
-                                          </p:val>
-                                        </p:tav>
-                                      </p:tavLst>
-                                    </p:anim>
                                   </p:childTnLst>
                                 </p:cTn>
                               </p:par>
@@ -21090,12 +20394,17 @@
     </p:tnLst>
     <p:bldLst>
       <p:bldP spid="2" grpId="0"/>
+      <p:bldP spid="3" grpId="0"/>
+      <p:bldP spid="4" grpId="0"/>
+      <p:bldP spid="5" grpId="0"/>
+      <p:bldP spid="6" grpId="0"/>
+      <p:bldP spid="7" grpId="0"/>
     </p:bldLst>
   </p:timing>
 </p:sld>
 </file>
 
-<file path=ppt/slides/slide23.xml><?xml version="1.0" encoding="utf-8"?>
+<file path=ppt/slides/slide21.xml><?xml version="1.0" encoding="utf-8"?>
 <p:sld xmlns:a="http://schemas.openxmlformats.org/drawingml/2006/main" xmlns:r="http://schemas.openxmlformats.org/officeDocument/2006/relationships" xmlns:p="http://schemas.openxmlformats.org/presentationml/2006/main">
   <p:cSld>
     <p:spTree>
@@ -26987,6 +26296,160 @@
           </a:p>
         </p:txBody>
       </p:sp>
+      <p:sp>
+        <p:nvSpPr>
+          <p:cNvPr id="8" name="TextBox 7">
+            <a:extLst>
+              <a:ext uri="{FF2B5EF4-FFF2-40B4-BE49-F238E27FC236}">
+                <a16:creationId xmlns:a16="http://schemas.microsoft.com/office/drawing/2014/main" id="{82D39353-A64E-4F42-B1CF-68635C91E03D}"/>
+              </a:ext>
+            </a:extLst>
+          </p:cNvPr>
+          <p:cNvSpPr txBox="1"/>
+          <p:nvPr/>
+        </p:nvSpPr>
+        <p:spPr>
+          <a:xfrm>
+            <a:off x="985627" y="4550006"/>
+            <a:ext cx="10220739" cy="523220"/>
+          </a:xfrm>
+          <a:prstGeom prst="rect">
+            <a:avLst/>
+          </a:prstGeom>
+          <a:noFill/>
+        </p:spPr>
+        <p:txBody>
+          <a:bodyPr wrap="square" rtlCol="0">
+            <a:spAutoFit/>
+          </a:bodyPr>
+          <a:lstStyle/>
+          <a:p>
+            <a:r>
+              <a:rPr lang="en-US" altLang="ja-JP" sz="2800" dirty="0" err="1">
+                <a:latin typeface="Times New Roman" panose="02020603050405020304" pitchFamily="18" charset="0"/>
+                <a:cs typeface="Times New Roman" panose="02020603050405020304" pitchFamily="18" charset="0"/>
+              </a:rPr>
+              <a:t>Rúc</a:t>
+            </a:r>
+            <a:r>
+              <a:rPr lang="en-US" altLang="ja-JP" sz="2800" dirty="0">
+                <a:latin typeface="Times New Roman" panose="02020603050405020304" pitchFamily="18" charset="0"/>
+                <a:cs typeface="Times New Roman" panose="02020603050405020304" pitchFamily="18" charset="0"/>
+              </a:rPr>
+              <a:t> </a:t>
+            </a:r>
+            <a:r>
+              <a:rPr lang="en-US" altLang="ja-JP" sz="2800" dirty="0" err="1">
+                <a:latin typeface="Times New Roman" panose="02020603050405020304" pitchFamily="18" charset="0"/>
+                <a:cs typeface="Times New Roman" panose="02020603050405020304" pitchFamily="18" charset="0"/>
+              </a:rPr>
+              <a:t>ngắn</a:t>
+            </a:r>
+            <a:r>
+              <a:rPr lang="en-US" altLang="ja-JP" sz="2800" dirty="0">
+                <a:latin typeface="Times New Roman" panose="02020603050405020304" pitchFamily="18" charset="0"/>
+                <a:cs typeface="Times New Roman" panose="02020603050405020304" pitchFamily="18" charset="0"/>
+              </a:rPr>
+              <a:t> </a:t>
+            </a:r>
+            <a:r>
+              <a:rPr lang="en-US" altLang="ja-JP" sz="2800" dirty="0" err="1">
+                <a:latin typeface="Times New Roman" panose="02020603050405020304" pitchFamily="18" charset="0"/>
+                <a:cs typeface="Times New Roman" panose="02020603050405020304" pitchFamily="18" charset="0"/>
+              </a:rPr>
+              <a:t>thời</a:t>
+            </a:r>
+            <a:r>
+              <a:rPr lang="en-US" altLang="ja-JP" sz="2800" dirty="0">
+                <a:latin typeface="Times New Roman" panose="02020603050405020304" pitchFamily="18" charset="0"/>
+                <a:cs typeface="Times New Roman" panose="02020603050405020304" pitchFamily="18" charset="0"/>
+              </a:rPr>
+              <a:t> </a:t>
+            </a:r>
+            <a:r>
+              <a:rPr lang="en-US" altLang="ja-JP" sz="2800" dirty="0" err="1">
+                <a:latin typeface="Times New Roman" panose="02020603050405020304" pitchFamily="18" charset="0"/>
+                <a:cs typeface="Times New Roman" panose="02020603050405020304" pitchFamily="18" charset="0"/>
+              </a:rPr>
+              <a:t>gian</a:t>
+            </a:r>
+            <a:r>
+              <a:rPr lang="en-US" altLang="ja-JP" sz="2800" dirty="0">
+                <a:latin typeface="Times New Roman" panose="02020603050405020304" pitchFamily="18" charset="0"/>
+                <a:cs typeface="Times New Roman" panose="02020603050405020304" pitchFamily="18" charset="0"/>
+              </a:rPr>
+              <a:t> </a:t>
+            </a:r>
+            <a:r>
+              <a:rPr lang="en-US" altLang="ja-JP" sz="2800" dirty="0" err="1">
+                <a:latin typeface="Times New Roman" panose="02020603050405020304" pitchFamily="18" charset="0"/>
+                <a:cs typeface="Times New Roman" panose="02020603050405020304" pitchFamily="18" charset="0"/>
+              </a:rPr>
+              <a:t>sửa</a:t>
+            </a:r>
+            <a:r>
+              <a:rPr lang="en-US" altLang="ja-JP" sz="2800" dirty="0">
+                <a:latin typeface="Times New Roman" panose="02020603050405020304" pitchFamily="18" charset="0"/>
+                <a:cs typeface="Times New Roman" panose="02020603050405020304" pitchFamily="18" charset="0"/>
+              </a:rPr>
+              <a:t> </a:t>
+            </a:r>
+            <a:r>
+              <a:rPr lang="en-US" altLang="ja-JP" sz="2800" dirty="0" err="1">
+                <a:latin typeface="Times New Roman" panose="02020603050405020304" pitchFamily="18" charset="0"/>
+                <a:cs typeface="Times New Roman" panose="02020603050405020304" pitchFamily="18" charset="0"/>
+              </a:rPr>
+              <a:t>máy</a:t>
+            </a:r>
+            <a:r>
+              <a:rPr lang="en-US" altLang="ja-JP" sz="2800" dirty="0">
+                <a:latin typeface="Times New Roman" panose="02020603050405020304" pitchFamily="18" charset="0"/>
+                <a:cs typeface="Times New Roman" panose="02020603050405020304" pitchFamily="18" charset="0"/>
+              </a:rPr>
+              <a:t> </a:t>
+            </a:r>
+            <a:r>
+              <a:rPr lang="en-US" altLang="ja-JP" sz="2800" dirty="0" err="1">
+                <a:latin typeface="Times New Roman" panose="02020603050405020304" pitchFamily="18" charset="0"/>
+                <a:cs typeface="Times New Roman" panose="02020603050405020304" pitchFamily="18" charset="0"/>
+              </a:rPr>
+              <a:t>xuống</a:t>
+            </a:r>
+            <a:r>
+              <a:rPr lang="en-US" altLang="ja-JP" sz="2800" dirty="0">
+                <a:latin typeface="Times New Roman" panose="02020603050405020304" pitchFamily="18" charset="0"/>
+                <a:cs typeface="Times New Roman" panose="02020603050405020304" pitchFamily="18" charset="0"/>
+              </a:rPr>
+              <a:t> </a:t>
+            </a:r>
+            <a:r>
+              <a:rPr lang="en-US" altLang="ja-JP" sz="2800" dirty="0" err="1">
+                <a:latin typeface="Times New Roman" panose="02020603050405020304" pitchFamily="18" charset="0"/>
+                <a:cs typeface="Times New Roman" panose="02020603050405020304" pitchFamily="18" charset="0"/>
+              </a:rPr>
+              <a:t>tối</a:t>
+            </a:r>
+            <a:r>
+              <a:rPr lang="en-US" altLang="ja-JP" sz="2800" dirty="0">
+                <a:latin typeface="Times New Roman" panose="02020603050405020304" pitchFamily="18" charset="0"/>
+                <a:cs typeface="Times New Roman" panose="02020603050405020304" pitchFamily="18" charset="0"/>
+              </a:rPr>
+              <a:t> </a:t>
+            </a:r>
+            <a:r>
+              <a:rPr lang="en-US" altLang="ja-JP" sz="2800" dirty="0" err="1">
+                <a:latin typeface="Times New Roman" panose="02020603050405020304" pitchFamily="18" charset="0"/>
+                <a:cs typeface="Times New Roman" panose="02020603050405020304" pitchFamily="18" charset="0"/>
+              </a:rPr>
+              <a:t>đa</a:t>
+            </a:r>
+            <a:endParaRPr kumimoji="1" lang="ja-JP" altLang="en-US" sz="2800" dirty="0">
+              <a:latin typeface="Times New Roman" panose="02020603050405020304" pitchFamily="18" charset="0"/>
+              <a:cs typeface="Times New Roman" panose="02020603050405020304" pitchFamily="18" charset="0"/>
+            </a:endParaRPr>
+          </a:p>
+        </p:txBody>
+      </p:sp>
     </p:spTree>
     <p:extLst>
       <p:ext uri="{BB962C8B-B14F-4D97-AF65-F5344CB8AC3E}">
@@ -27201,7 +26664,7 @@
                             </p:stCondLst>
                             <p:childTnLst>
                               <p:par>
-                                <p:cTn id="21" presetID="21" presetClass="entr" presetSubtype="1" fill="hold" grpId="0" nodeType="clickEffect">
+                                <p:cTn id="21" presetID="1" presetClass="entr" presetSubtype="0" fill="hold" grpId="0" nodeType="clickEffect">
                                   <p:stCondLst>
                                     <p:cond delay="0"/>
                                   </p:stCondLst>
@@ -27209,6 +26672,51 @@
                                     <p:set>
                                       <p:cBhvr>
                                         <p:cTn id="22" dur="1" fill="hold">
+                                          <p:stCondLst>
+                                            <p:cond delay="0"/>
+                                          </p:stCondLst>
+                                        </p:cTn>
+                                        <p:tgtEl>
+                                          <p:spTgt spid="8"/>
+                                        </p:tgtEl>
+                                        <p:attrNameLst>
+                                          <p:attrName>style.visibility</p:attrName>
+                                        </p:attrNameLst>
+                                      </p:cBhvr>
+                                      <p:to>
+                                        <p:strVal val="visible"/>
+                                      </p:to>
+                                    </p:set>
+                                  </p:childTnLst>
+                                </p:cTn>
+                              </p:par>
+                            </p:childTnLst>
+                          </p:cTn>
+                        </p:par>
+                      </p:childTnLst>
+                    </p:cTn>
+                  </p:par>
+                  <p:par>
+                    <p:cTn id="23" fill="hold">
+                      <p:stCondLst>
+                        <p:cond delay="indefinite"/>
+                      </p:stCondLst>
+                      <p:childTnLst>
+                        <p:par>
+                          <p:cTn id="24" fill="hold">
+                            <p:stCondLst>
+                              <p:cond delay="0"/>
+                            </p:stCondLst>
+                            <p:childTnLst>
+                              <p:par>
+                                <p:cTn id="25" presetID="21" presetClass="entr" presetSubtype="1" fill="hold" grpId="0" nodeType="clickEffect">
+                                  <p:stCondLst>
+                                    <p:cond delay="0"/>
+                                  </p:stCondLst>
+                                  <p:childTnLst>
+                                    <p:set>
+                                      <p:cBhvr>
+                                        <p:cTn id="26" dur="1" fill="hold">
                                           <p:stCondLst>
                                             <p:cond delay="0"/>
                                           </p:stCondLst>
@@ -27226,7 +26734,7 @@
                                     </p:set>
                                     <p:animEffect transition="in" filter="wheel(1)">
                                       <p:cBhvr>
-                                        <p:cTn id="23" dur="500"/>
+                                        <p:cTn id="27" dur="500"/>
                                         <p:tgtEl>
                                           <p:spTgt spid="7"/>
                                         </p:tgtEl>
@@ -27268,6 +26776,7 @@
       <p:bldP spid="5" grpId="0"/>
       <p:bldP spid="6" grpId="0"/>
       <p:bldP spid="7" grpId="0"/>
+      <p:bldP spid="8" grpId="0"/>
     </p:bldLst>
   </p:timing>
 </p:sld>
@@ -27491,7 +27000,21 @@
                 <a:latin typeface="Times New Roman" panose="02020603050405020304" pitchFamily="18" charset="0"/>
                 <a:cs typeface="Times New Roman" panose="02020603050405020304" pitchFamily="18" charset="0"/>
               </a:rPr>
-              <a:t>Thu hồi vốn trong 1 năm</a:t>
+              <a:t>Thu hồi vốn trong </a:t>
+            </a:r>
+            <a:r>
+              <a:rPr kumimoji="1" lang="en-US" altLang="ja-JP" sz="2800" dirty="0">
+                <a:latin typeface="Times New Roman" panose="02020603050405020304" pitchFamily="18" charset="0"/>
+                <a:cs typeface="Times New Roman" panose="02020603050405020304" pitchFamily="18" charset="0"/>
+              </a:rPr>
+              <a:t>2</a:t>
+            </a:r>
+            <a:r>
+              <a:rPr kumimoji="1" lang="vi-VN" altLang="ja-JP" sz="2800" dirty="0">
+                <a:latin typeface="Times New Roman" panose="02020603050405020304" pitchFamily="18" charset="0"/>
+                <a:cs typeface="Times New Roman" panose="02020603050405020304" pitchFamily="18" charset="0"/>
+              </a:rPr>
+              <a:t> năm</a:t>
             </a:r>
           </a:p>
         </p:txBody>
@@ -28108,7 +27631,7 @@
         </p:nvSpPr>
         <p:spPr>
           <a:xfrm>
-            <a:off x="985630" y="1103677"/>
+            <a:off x="985630" y="626587"/>
             <a:ext cx="10220739" cy="954107"/>
           </a:xfrm>
           <a:prstGeom prst="rect">
@@ -28381,7 +27904,7 @@
         </p:nvSpPr>
         <p:spPr>
           <a:xfrm>
-            <a:off x="985630" y="2177103"/>
+            <a:off x="985630" y="1700013"/>
             <a:ext cx="10220739" cy="954107"/>
           </a:xfrm>
           <a:prstGeom prst="rect">
@@ -28647,7 +28170,7 @@
         </p:nvSpPr>
         <p:spPr>
           <a:xfrm>
-            <a:off x="985631" y="3233822"/>
+            <a:off x="985631" y="2756732"/>
             <a:ext cx="3634078" cy="523220"/>
           </a:xfrm>
           <a:prstGeom prst="rect">
@@ -28745,7 +28268,7 @@
         </p:nvSpPr>
         <p:spPr>
           <a:xfrm>
-            <a:off x="1494513" y="3846110"/>
+            <a:off x="1494513" y="3369020"/>
             <a:ext cx="10220739" cy="523220"/>
           </a:xfrm>
           <a:prstGeom prst="rect">
@@ -28864,7 +28387,7 @@
         </p:nvSpPr>
         <p:spPr>
           <a:xfrm>
-            <a:off x="1494512" y="4421950"/>
+            <a:off x="1494512" y="3944860"/>
             <a:ext cx="10220739" cy="523220"/>
           </a:xfrm>
           <a:prstGeom prst="rect">
@@ -29095,7 +28618,7 @@
         </p:nvSpPr>
         <p:spPr>
           <a:xfrm>
-            <a:off x="1494513" y="5022148"/>
+            <a:off x="1494513" y="4545058"/>
             <a:ext cx="10220739" cy="523220"/>
           </a:xfrm>
           <a:prstGeom prst="rect">
@@ -29270,7 +28793,7 @@
         </p:nvSpPr>
         <p:spPr>
           <a:xfrm>
-            <a:off x="1494512" y="5604429"/>
+            <a:off x="1494512" y="5127339"/>
             <a:ext cx="10220739" cy="954107"/>
           </a:xfrm>
           <a:prstGeom prst="rect">
@@ -29535,6 +29058,139 @@
                 <a:cs typeface="Times New Roman" panose="02020603050405020304" pitchFamily="18" charset="0"/>
               </a:rPr>
               <a:t> </a:t>
+            </a:r>
+            <a:endParaRPr kumimoji="1" lang="ja-JP" altLang="en-US" sz="2800" dirty="0">
+              <a:latin typeface="Times New Roman" panose="02020603050405020304" pitchFamily="18" charset="0"/>
+              <a:cs typeface="Times New Roman" panose="02020603050405020304" pitchFamily="18" charset="0"/>
+            </a:endParaRPr>
+          </a:p>
+        </p:txBody>
+      </p:sp>
+      <p:sp>
+        <p:nvSpPr>
+          <p:cNvPr id="10" name="TextBox 9">
+            <a:extLst>
+              <a:ext uri="{FF2B5EF4-FFF2-40B4-BE49-F238E27FC236}">
+                <a16:creationId xmlns:a16="http://schemas.microsoft.com/office/drawing/2014/main" id="{96F2B1A3-0B0A-4A7B-828E-59D2160B6A39}"/>
+              </a:ext>
+            </a:extLst>
+          </p:cNvPr>
+          <p:cNvSpPr txBox="1"/>
+          <p:nvPr/>
+        </p:nvSpPr>
+        <p:spPr>
+          <a:xfrm>
+            <a:off x="1494511" y="6081446"/>
+            <a:ext cx="10220739" cy="523220"/>
+          </a:xfrm>
+          <a:prstGeom prst="rect">
+            <a:avLst/>
+          </a:prstGeom>
+          <a:noFill/>
+        </p:spPr>
+        <p:txBody>
+          <a:bodyPr wrap="square" rtlCol="0">
+            <a:spAutoFit/>
+          </a:bodyPr>
+          <a:lstStyle/>
+          <a:p>
+            <a:r>
+              <a:rPr lang="en-US" altLang="ja-JP" sz="2800" dirty="0" err="1">
+                <a:latin typeface="Times New Roman" panose="02020603050405020304" pitchFamily="18" charset="0"/>
+                <a:cs typeface="Times New Roman" panose="02020603050405020304" pitchFamily="18" charset="0"/>
+              </a:rPr>
+              <a:t>Trao</a:t>
+            </a:r>
+            <a:r>
+              <a:rPr lang="en-US" altLang="ja-JP" sz="2800" dirty="0">
+                <a:latin typeface="Times New Roman" panose="02020603050405020304" pitchFamily="18" charset="0"/>
+                <a:cs typeface="Times New Roman" panose="02020603050405020304" pitchFamily="18" charset="0"/>
+              </a:rPr>
+              <a:t> </a:t>
+            </a:r>
+            <a:r>
+              <a:rPr lang="en-US" altLang="ja-JP" sz="2800" dirty="0" err="1">
+                <a:latin typeface="Times New Roman" panose="02020603050405020304" pitchFamily="18" charset="0"/>
+                <a:cs typeface="Times New Roman" panose="02020603050405020304" pitchFamily="18" charset="0"/>
+              </a:rPr>
+              <a:t>đổi</a:t>
+            </a:r>
+            <a:r>
+              <a:rPr lang="en-US" altLang="ja-JP" sz="2800" dirty="0">
+                <a:latin typeface="Times New Roman" panose="02020603050405020304" pitchFamily="18" charset="0"/>
+                <a:cs typeface="Times New Roman" panose="02020603050405020304" pitchFamily="18" charset="0"/>
+              </a:rPr>
+              <a:t> </a:t>
+            </a:r>
+            <a:r>
+              <a:rPr lang="en-US" altLang="ja-JP" sz="2800" dirty="0" err="1">
+                <a:latin typeface="Times New Roman" panose="02020603050405020304" pitchFamily="18" charset="0"/>
+                <a:cs typeface="Times New Roman" panose="02020603050405020304" pitchFamily="18" charset="0"/>
+              </a:rPr>
+              <a:t>linh</a:t>
+            </a:r>
+            <a:r>
+              <a:rPr lang="en-US" altLang="ja-JP" sz="2800" dirty="0">
+                <a:latin typeface="Times New Roman" panose="02020603050405020304" pitchFamily="18" charset="0"/>
+                <a:cs typeface="Times New Roman" panose="02020603050405020304" pitchFamily="18" charset="0"/>
+              </a:rPr>
+              <a:t> </a:t>
+            </a:r>
+            <a:r>
+              <a:rPr lang="en-US" altLang="ja-JP" sz="2800" dirty="0" err="1">
+                <a:latin typeface="Times New Roman" panose="02020603050405020304" pitchFamily="18" charset="0"/>
+                <a:cs typeface="Times New Roman" panose="02020603050405020304" pitchFamily="18" charset="0"/>
+              </a:rPr>
+              <a:t>kiện</a:t>
+            </a:r>
+            <a:r>
+              <a:rPr lang="en-US" altLang="ja-JP" sz="2800" dirty="0">
+                <a:latin typeface="Times New Roman" panose="02020603050405020304" pitchFamily="18" charset="0"/>
+                <a:cs typeface="Times New Roman" panose="02020603050405020304" pitchFamily="18" charset="0"/>
+              </a:rPr>
+              <a:t>, </a:t>
+            </a:r>
+            <a:r>
+              <a:rPr lang="en-US" altLang="ja-JP" sz="2800" dirty="0" err="1">
+                <a:latin typeface="Times New Roman" panose="02020603050405020304" pitchFamily="18" charset="0"/>
+                <a:cs typeface="Times New Roman" panose="02020603050405020304" pitchFamily="18" charset="0"/>
+              </a:rPr>
+              <a:t>phụ</a:t>
+            </a:r>
+            <a:r>
+              <a:rPr lang="en-US" altLang="ja-JP" sz="2800" dirty="0">
+                <a:latin typeface="Times New Roman" panose="02020603050405020304" pitchFamily="18" charset="0"/>
+                <a:cs typeface="Times New Roman" panose="02020603050405020304" pitchFamily="18" charset="0"/>
+              </a:rPr>
+              <a:t> </a:t>
+            </a:r>
+            <a:r>
+              <a:rPr lang="en-US" altLang="ja-JP" sz="2800" dirty="0" err="1">
+                <a:latin typeface="Times New Roman" panose="02020603050405020304" pitchFamily="18" charset="0"/>
+                <a:cs typeface="Times New Roman" panose="02020603050405020304" pitchFamily="18" charset="0"/>
+              </a:rPr>
+              <a:t>kiện</a:t>
+            </a:r>
+            <a:r>
+              <a:rPr lang="en-US" altLang="ja-JP" sz="2800" dirty="0">
+                <a:latin typeface="Times New Roman" panose="02020603050405020304" pitchFamily="18" charset="0"/>
+                <a:cs typeface="Times New Roman" panose="02020603050405020304" pitchFamily="18" charset="0"/>
+              </a:rPr>
+              <a:t> </a:t>
+            </a:r>
+            <a:r>
+              <a:rPr lang="en-US" altLang="ja-JP" sz="2800" dirty="0" err="1">
+                <a:latin typeface="Times New Roman" panose="02020603050405020304" pitchFamily="18" charset="0"/>
+                <a:cs typeface="Times New Roman" panose="02020603050405020304" pitchFamily="18" charset="0"/>
+              </a:rPr>
+              <a:t>đổi</a:t>
+            </a:r>
+            <a:r>
+              <a:rPr lang="en-US" altLang="ja-JP" sz="2800" dirty="0">
+                <a:latin typeface="Times New Roman" panose="02020603050405020304" pitchFamily="18" charset="0"/>
+                <a:cs typeface="Times New Roman" panose="02020603050405020304" pitchFamily="18" charset="0"/>
+              </a:rPr>
+              <a:t> cafe</a:t>
             </a:r>
             <a:endParaRPr kumimoji="1" lang="ja-JP" altLang="en-US" sz="2800" dirty="0">
               <a:latin typeface="Times New Roman" panose="02020603050405020304" pitchFamily="18" charset="0"/>
@@ -29960,6 +29616,51 @@
                       </p:childTnLst>
                     </p:cTn>
                   </p:par>
+                  <p:par>
+                    <p:cTn id="36" fill="hold">
+                      <p:stCondLst>
+                        <p:cond delay="indefinite"/>
+                      </p:stCondLst>
+                      <p:childTnLst>
+                        <p:par>
+                          <p:cTn id="37" fill="hold">
+                            <p:stCondLst>
+                              <p:cond delay="0"/>
+                            </p:stCondLst>
+                            <p:childTnLst>
+                              <p:par>
+                                <p:cTn id="38" presetID="1" presetClass="entr" presetSubtype="0" fill="hold" grpId="0" nodeType="clickEffect">
+                                  <p:stCondLst>
+                                    <p:cond delay="0"/>
+                                  </p:stCondLst>
+                                  <p:childTnLst>
+                                    <p:set>
+                                      <p:cBhvr>
+                                        <p:cTn id="39" dur="1" fill="hold">
+                                          <p:stCondLst>
+                                            <p:cond delay="0"/>
+                                          </p:stCondLst>
+                                        </p:cTn>
+                                        <p:tgtEl>
+                                          <p:spTgt spid="10"/>
+                                        </p:tgtEl>
+                                        <p:attrNameLst>
+                                          <p:attrName>style.visibility</p:attrName>
+                                        </p:attrNameLst>
+                                      </p:cBhvr>
+                                      <p:to>
+                                        <p:strVal val="visible"/>
+                                      </p:to>
+                                    </p:set>
+                                  </p:childTnLst>
+                                </p:cTn>
+                              </p:par>
+                            </p:childTnLst>
+                          </p:cTn>
+                        </p:par>
+                      </p:childTnLst>
+                    </p:cTn>
+                  </p:par>
                 </p:childTnLst>
               </p:cTn>
               <p:prevCondLst>
@@ -29990,6 +29691,7 @@
       <p:bldP spid="7" grpId="0"/>
       <p:bldP spid="8" grpId="0"/>
       <p:bldP spid="9" grpId="0"/>
+      <p:bldP spid="10" grpId="0"/>
     </p:bldLst>
   </p:timing>
 </p:sld>
@@ -30059,7 +29761,7 @@
                 <a:latin typeface="Times New Roman" panose="02020603050405020304" pitchFamily="18" charset="0"/>
                 <a:cs typeface="Times New Roman" panose="02020603050405020304" pitchFamily="18" charset="0"/>
               </a:rPr>
-              <a:t>công</a:t>
+              <a:t>tích</a:t>
             </a:r>
             <a:r>
               <a:rPr lang="en-US" altLang="ja-JP" sz="2800" dirty="0">
@@ -30600,7 +30302,7 @@
                 <a:latin typeface="Times New Roman" panose="02020603050405020304" pitchFamily="18" charset="0"/>
                 <a:cs typeface="Times New Roman" panose="02020603050405020304" pitchFamily="18" charset="0"/>
               </a:rPr>
-              <a:t>công</a:t>
+              <a:t>tích</a:t>
             </a:r>
             <a:r>
               <a:rPr lang="en-US" altLang="ja-JP" sz="2800" dirty="0">
